--- a/document/slide.pptx
+++ b/document/slide.pptx
@@ -2,7 +2,7 @@
 <file path=ppt/presentation.xml><?xml version="1.0" encoding="utf-8"?>
 <p:presentation xmlns:a="http://schemas.openxmlformats.org/drawingml/2006/main" xmlns:r="http://schemas.openxmlformats.org/officeDocument/2006/relationships" xmlns:p="http://schemas.openxmlformats.org/presentationml/2006/main" saveSubsetFonts="1">
   <p:sldMasterIdLst>
-    <p:sldMasterId id="2147483672" r:id="rId1"/>
+    <p:sldMasterId id="2147483755" r:id="rId1"/>
   </p:sldMasterIdLst>
   <p:notesMasterIdLst>
     <p:notesMasterId r:id="rId10"/>
@@ -114,6 +114,22 @@
       </a:defRPr>
     </a:lvl9pPr>
   </p:defaultTextStyle>
+  <p:extLst>
+    <p:ext uri="{EFAFB233-063F-42B5-8137-9DF3F51BA10A}">
+      <p15:sldGuideLst xmlns:p15="http://schemas.microsoft.com/office/powerpoint/2012/main">
+        <p15:guide id="1" orient="horz" pos="2160">
+          <p15:clr>
+            <a:srgbClr val="A4A3A4"/>
+          </p15:clr>
+        </p15:guide>
+        <p15:guide id="2" pos="2880">
+          <p15:clr>
+            <a:srgbClr val="A4A3A4"/>
+          </p15:clr>
+        </p15:guide>
+      </p15:sldGuideLst>
+    </p:ext>
+  </p:extLst>
 </p:presentation>
 </file>
 
@@ -367,6 +383,11 @@
         </p:txBody>
       </p:sp>
     </p:spTree>
+    <p:extLst>
+      <p:ext uri="{BB962C8B-B14F-4D97-AF65-F5344CB8AC3E}">
+        <p14:creationId xmlns:p14="http://schemas.microsoft.com/office/powerpoint/2010/main" val="2817190598"/>
+      </p:ext>
+    </p:extLst>
   </p:cSld>
   <p:clrMap bg1="lt1" tx1="dk1" bg2="lt2" tx2="dk2" accent1="accent1" accent2="accent2" accent3="accent3" accent4="accent4" accent5="accent5" accent6="accent6" hlink="hlink" folHlink="folHlink"/>
   <p:notesStyle>
@@ -538,6 +559,11 @@
         </p:txBody>
       </p:sp>
     </p:spTree>
+    <p:extLst>
+      <p:ext uri="{BB962C8B-B14F-4D97-AF65-F5344CB8AC3E}">
+        <p14:creationId xmlns:p14="http://schemas.microsoft.com/office/powerpoint/2010/main" val="108609317"/>
+      </p:ext>
+    </p:extLst>
   </p:cSld>
   <p:clrMapOvr>
     <a:masterClrMapping/>
@@ -619,6 +645,11 @@
         </p:txBody>
       </p:sp>
     </p:spTree>
+    <p:extLst>
+      <p:ext uri="{BB962C8B-B14F-4D97-AF65-F5344CB8AC3E}">
+        <p14:creationId xmlns:p14="http://schemas.microsoft.com/office/powerpoint/2010/main" val="1638988709"/>
+      </p:ext>
+    </p:extLst>
   </p:cSld>
   <p:clrMapOvr>
     <a:masterClrMapping/>
@@ -700,6 +731,11 @@
         </p:txBody>
       </p:sp>
     </p:spTree>
+    <p:extLst>
+      <p:ext uri="{BB962C8B-B14F-4D97-AF65-F5344CB8AC3E}">
+        <p14:creationId xmlns:p14="http://schemas.microsoft.com/office/powerpoint/2010/main" val="884140814"/>
+      </p:ext>
+    </p:extLst>
   </p:cSld>
   <p:clrMapOvr>
     <a:masterClrMapping/>
@@ -781,6 +817,11 @@
         </p:txBody>
       </p:sp>
     </p:spTree>
+    <p:extLst>
+      <p:ext uri="{BB962C8B-B14F-4D97-AF65-F5344CB8AC3E}">
+        <p14:creationId xmlns:p14="http://schemas.microsoft.com/office/powerpoint/2010/main" val="3620503413"/>
+      </p:ext>
+    </p:extLst>
   </p:cSld>
   <p:clrMapOvr>
     <a:masterClrMapping/>
@@ -862,6 +903,11 @@
         </p:txBody>
       </p:sp>
     </p:spTree>
+    <p:extLst>
+      <p:ext uri="{BB962C8B-B14F-4D97-AF65-F5344CB8AC3E}">
+        <p14:creationId xmlns:p14="http://schemas.microsoft.com/office/powerpoint/2010/main" val="4133771467"/>
+      </p:ext>
+    </p:extLst>
   </p:cSld>
   <p:clrMapOvr>
     <a:masterClrMapping/>
@@ -943,6 +989,11 @@
         </p:txBody>
       </p:sp>
     </p:spTree>
+    <p:extLst>
+      <p:ext uri="{BB962C8B-B14F-4D97-AF65-F5344CB8AC3E}">
+        <p14:creationId xmlns:p14="http://schemas.microsoft.com/office/powerpoint/2010/main" val="2781616523"/>
+      </p:ext>
+    </p:extLst>
   </p:cSld>
   <p:clrMapOvr>
     <a:masterClrMapping/>
@@ -1024,6 +1075,11 @@
         </p:txBody>
       </p:sp>
     </p:spTree>
+    <p:extLst>
+      <p:ext uri="{BB962C8B-B14F-4D97-AF65-F5344CB8AC3E}">
+        <p14:creationId xmlns:p14="http://schemas.microsoft.com/office/powerpoint/2010/main" val="105797569"/>
+      </p:ext>
+    </p:extLst>
   </p:cSld>
   <p:clrMapOvr>
     <a:masterClrMapping/>
@@ -1105,6 +1161,11 @@
         </p:txBody>
       </p:sp>
     </p:spTree>
+    <p:extLst>
+      <p:ext uri="{BB962C8B-B14F-4D97-AF65-F5344CB8AC3E}">
+        <p14:creationId xmlns:p14="http://schemas.microsoft.com/office/powerpoint/2010/main" val="1013770830"/>
+      </p:ext>
+    </p:extLst>
   </p:cSld>
   <p:clrMapOvr>
     <a:masterClrMapping/>
@@ -1129,31 +1190,69 @@
           <a:chExt cx="0" cy="0"/>
         </a:xfrm>
       </p:grpSpPr>
-      <p:sp>
-        <p:nvSpPr>
-          <p:cNvPr id="2" name="Title 1"/>
-          <p:cNvSpPr>
-            <a:spLocks noGrp="1"/>
-          </p:cNvSpPr>
-          <p:nvPr>
-            <p:ph type="ctrTitle"/>
-          </p:nvPr>
-        </p:nvSpPr>
+      <p:pic>
+        <p:nvPicPr>
+          <p:cNvPr id="11" name="Picture 10" descr="Celestia-R1---OverlayTitleSD.png"/>
+          <p:cNvPicPr>
+            <a:picLocks noChangeAspect="1"/>
+          </p:cNvPicPr>
+          <p:nvPr/>
+        </p:nvPicPr>
+        <p:blipFill>
+          <a:blip r:embed="rId2">
+            <a:extLst>
+              <a:ext uri="{28A0092B-C50C-407E-A947-70E740481C1C}">
+                <a14:useLocalDpi xmlns:a14="http://schemas.microsoft.com/office/drawing/2010/main" val="0"/>
+              </a:ext>
+            </a:extLst>
+          </a:blip>
+          <a:stretch>
+            <a:fillRect/>
+          </a:stretch>
+        </p:blipFill>
         <p:spPr>
           <a:xfrm>
-            <a:off x="685800" y="2130425"/>
-            <a:ext cx="7772400" cy="1470025"/>
+            <a:off x="0" y="0"/>
+            <a:ext cx="7397750" cy="6858000"/>
+          </a:xfrm>
+          <a:prstGeom prst="rect">
+            <a:avLst/>
+          </a:prstGeom>
+        </p:spPr>
+      </p:pic>
+      <p:sp>
+        <p:nvSpPr>
+          <p:cNvPr id="2" name="Title 1"/>
+          <p:cNvSpPr>
+            <a:spLocks noGrp="1"/>
+          </p:cNvSpPr>
+          <p:nvPr>
+            <p:ph type="ctrTitle"/>
+          </p:nvPr>
+        </p:nvSpPr>
+        <p:spPr>
+          <a:xfrm>
+            <a:off x="2743973" y="1964267"/>
+            <a:ext cx="5714228" cy="2421464"/>
           </a:xfrm>
         </p:spPr>
         <p:txBody>
-          <a:bodyPr/>
-          <a:lstStyle/>
+          <a:bodyPr anchor="b">
+            <a:normAutofit/>
+          </a:bodyPr>
+          <a:lstStyle>
+            <a:lvl1pPr algn="r">
+              <a:defRPr sz="4400">
+                <a:effectLst/>
+              </a:defRPr>
+            </a:lvl1pPr>
+          </a:lstStyle>
           <a:p>
             <a:r>
               <a:rPr lang="en-US" smtClean="0"/>
               <a:t>Click to edit Master title style</a:t>
             </a:r>
-            <a:endParaRPr lang="en-US"/>
+            <a:endParaRPr lang="en-US" dirty="0"/>
           </a:p>
         </p:txBody>
       </p:sp>
@@ -1169,14 +1268,24 @@
         </p:nvSpPr>
         <p:spPr>
           <a:xfrm>
-            <a:off x="1371600" y="3886200"/>
-            <a:ext cx="6400800" cy="1752600"/>
+            <a:off x="2743973" y="4385733"/>
+            <a:ext cx="5714228" cy="1405467"/>
           </a:xfrm>
         </p:spPr>
         <p:txBody>
-          <a:bodyPr/>
+          <a:bodyPr anchor="t">
+            <a:normAutofit/>
+          </a:bodyPr>
           <a:lstStyle>
-            <a:lvl1pPr marL="0" indent="0" algn="ctr">
+            <a:lvl1pPr marL="0" indent="0" algn="r">
+              <a:buNone/>
+              <a:defRPr sz="1800" cap="all">
+                <a:solidFill>
+                  <a:schemeClr val="tx1"/>
+                </a:solidFill>
+              </a:defRPr>
+            </a:lvl1pPr>
+            <a:lvl2pPr marL="457200" indent="0" algn="ctr">
               <a:buNone/>
               <a:defRPr>
                 <a:solidFill>
@@ -1185,8 +1294,8 @@
                   </a:schemeClr>
                 </a:solidFill>
               </a:defRPr>
-            </a:lvl1pPr>
-            <a:lvl2pPr marL="457200" indent="0" algn="ctr">
+            </a:lvl2pPr>
+            <a:lvl3pPr marL="914400" indent="0" algn="ctr">
               <a:buNone/>
               <a:defRPr>
                 <a:solidFill>
@@ -1195,8 +1304,8 @@
                   </a:schemeClr>
                 </a:solidFill>
               </a:defRPr>
-            </a:lvl2pPr>
-            <a:lvl3pPr marL="914400" indent="0" algn="ctr">
+            </a:lvl3pPr>
+            <a:lvl4pPr marL="1371600" indent="0" algn="ctr">
               <a:buNone/>
               <a:defRPr>
                 <a:solidFill>
@@ -1205,8 +1314,8 @@
                   </a:schemeClr>
                 </a:solidFill>
               </a:defRPr>
-            </a:lvl3pPr>
-            <a:lvl4pPr marL="1371600" indent="0" algn="ctr">
+            </a:lvl4pPr>
+            <a:lvl5pPr marL="1828800" indent="0" algn="ctr">
               <a:buNone/>
               <a:defRPr>
                 <a:solidFill>
@@ -1215,8 +1324,8 @@
                   </a:schemeClr>
                 </a:solidFill>
               </a:defRPr>
-            </a:lvl4pPr>
-            <a:lvl5pPr marL="1828800" indent="0" algn="ctr">
+            </a:lvl5pPr>
+            <a:lvl6pPr marL="2286000" indent="0" algn="ctr">
               <a:buNone/>
               <a:defRPr>
                 <a:solidFill>
@@ -1225,8 +1334,8 @@
                   </a:schemeClr>
                 </a:solidFill>
               </a:defRPr>
-            </a:lvl5pPr>
-            <a:lvl6pPr marL="2286000" indent="0" algn="ctr">
+            </a:lvl6pPr>
+            <a:lvl7pPr marL="2743200" indent="0" algn="ctr">
               <a:buNone/>
               <a:defRPr>
                 <a:solidFill>
@@ -1235,8 +1344,8 @@
                   </a:schemeClr>
                 </a:solidFill>
               </a:defRPr>
-            </a:lvl6pPr>
-            <a:lvl7pPr marL="2743200" indent="0" algn="ctr">
+            </a:lvl7pPr>
+            <a:lvl8pPr marL="3200400" indent="0" algn="ctr">
               <a:buNone/>
               <a:defRPr>
                 <a:solidFill>
@@ -1245,8 +1354,8 @@
                   </a:schemeClr>
                 </a:solidFill>
               </a:defRPr>
-            </a:lvl7pPr>
-            <a:lvl8pPr marL="3200400" indent="0" algn="ctr">
+            </a:lvl8pPr>
+            <a:lvl9pPr marL="3657600" indent="0" algn="ctr">
               <a:buNone/>
               <a:defRPr>
                 <a:solidFill>
@@ -1255,16 +1364,6 @@
                   </a:schemeClr>
                 </a:solidFill>
               </a:defRPr>
-            </a:lvl8pPr>
-            <a:lvl9pPr marL="3657600" indent="0" algn="ctr">
-              <a:buNone/>
-              <a:defRPr>
-                <a:solidFill>
-                  <a:schemeClr val="tx1">
-                    <a:tint val="75000"/>
-                  </a:schemeClr>
-                </a:solidFill>
-              </a:defRPr>
             </a:lvl9pPr>
           </a:lstStyle>
           <a:p>
@@ -1272,7 +1371,7 @@
               <a:rPr lang="en-US" smtClean="0"/>
               <a:t>Click to edit Master subtitle style</a:t>
             </a:r>
-            <a:endParaRPr lang="en-US"/>
+            <a:endParaRPr lang="en-US" dirty="0"/>
           </a:p>
         </p:txBody>
       </p:sp>
@@ -1286,7 +1385,12 @@
             <p:ph type="dt" sz="half" idx="10"/>
           </p:nvPr>
         </p:nvSpPr>
-        <p:spPr/>
+        <p:spPr>
+          <a:xfrm>
+            <a:off x="6752311" y="5870576"/>
+            <a:ext cx="1212173" cy="377825"/>
+          </a:xfrm>
+        </p:spPr>
         <p:txBody>
           <a:bodyPr/>
           <a:lstStyle/>
@@ -1310,7 +1414,12 @@
             <p:ph type="ftr" sz="quarter" idx="11"/>
           </p:nvPr>
         </p:nvSpPr>
-        <p:spPr/>
+        <p:spPr>
+          <a:xfrm>
+            <a:off x="2743973" y="5870576"/>
+            <a:ext cx="3932137" cy="377825"/>
+          </a:xfrm>
+        </p:spPr>
         <p:txBody>
           <a:bodyPr/>
           <a:lstStyle/>
@@ -1329,7 +1438,12 @@
             <p:ph type="sldNum" sz="quarter" idx="12"/>
           </p:nvPr>
         </p:nvSpPr>
-        <p:spPr/>
+        <p:spPr>
+          <a:xfrm>
+            <a:off x="8040685" y="5870576"/>
+            <a:ext cx="417516" cy="377825"/>
+          </a:xfrm>
+        </p:spPr>
         <p:txBody>
           <a:bodyPr/>
           <a:lstStyle/>
@@ -1344,6 +1458,11 @@
         </p:txBody>
       </p:sp>
     </p:spTree>
+    <p:extLst>
+      <p:ext uri="{BB962C8B-B14F-4D97-AF65-F5344CB8AC3E}">
+        <p14:creationId xmlns:p14="http://schemas.microsoft.com/office/powerpoint/2010/main" val="311149630"/>
+      </p:ext>
+    </p:extLst>
   </p:cSld>
   <p:clrMapOvr>
     <a:masterClrMapping/>
@@ -1352,6 +1471,2327 @@
 </file>
 
 <file path=ppt/slideLayouts/slideLayout10.xml><?xml version="1.0" encoding="utf-8"?>
+<p:sldLayout xmlns:a="http://schemas.openxmlformats.org/drawingml/2006/main" xmlns:r="http://schemas.openxmlformats.org/officeDocument/2006/relationships" xmlns:p="http://schemas.openxmlformats.org/presentationml/2006/main" preserve="1">
+  <p:cSld name="Panoramic Picture with Caption">
+    <p:spTree>
+      <p:nvGrpSpPr>
+        <p:cNvPr id="1" name=""/>
+        <p:cNvGrpSpPr/>
+        <p:nvPr/>
+      </p:nvGrpSpPr>
+      <p:grpSpPr>
+        <a:xfrm>
+          <a:off x="0" y="0"/>
+          <a:ext cx="0" cy="0"/>
+          <a:chOff x="0" y="0"/>
+          <a:chExt cx="0" cy="0"/>
+        </a:xfrm>
+      </p:grpSpPr>
+      <p:pic>
+        <p:nvPicPr>
+          <p:cNvPr id="10" name="Picture 9" descr="Celestia-R1---OverlayContentSD.png"/>
+          <p:cNvPicPr>
+            <a:picLocks noChangeAspect="1"/>
+          </p:cNvPicPr>
+          <p:nvPr/>
+        </p:nvPicPr>
+        <p:blipFill>
+          <a:blip r:embed="rId2">
+            <a:extLst>
+              <a:ext uri="{28A0092B-C50C-407E-A947-70E740481C1C}">
+                <a14:useLocalDpi xmlns:a14="http://schemas.microsoft.com/office/drawing/2010/main" val="0"/>
+              </a:ext>
+            </a:extLst>
+          </a:blip>
+          <a:stretch>
+            <a:fillRect/>
+          </a:stretch>
+        </p:blipFill>
+        <p:spPr>
+          <a:xfrm>
+            <a:off x="13956" y="0"/>
+            <a:ext cx="9118600" cy="6858000"/>
+          </a:xfrm>
+          <a:prstGeom prst="rect">
+            <a:avLst/>
+          </a:prstGeom>
+        </p:spPr>
+      </p:pic>
+      <p:sp>
+        <p:nvSpPr>
+          <p:cNvPr id="2" name="Title 1"/>
+          <p:cNvSpPr>
+            <a:spLocks noGrp="1"/>
+          </p:cNvSpPr>
+          <p:nvPr>
+            <p:ph type="title"/>
+          </p:nvPr>
+        </p:nvSpPr>
+        <p:spPr>
+          <a:xfrm>
+            <a:off x="457201" y="4732865"/>
+            <a:ext cx="7772400" cy="566738"/>
+          </a:xfrm>
+        </p:spPr>
+        <p:txBody>
+          <a:bodyPr anchor="b">
+            <a:normAutofit/>
+          </a:bodyPr>
+          <a:lstStyle>
+            <a:lvl1pPr algn="l">
+              <a:defRPr sz="2000" b="0"/>
+            </a:lvl1pPr>
+          </a:lstStyle>
+          <a:p>
+            <a:r>
+              <a:rPr lang="en-US" smtClean="0"/>
+              <a:t>Click to edit Master title style</a:t>
+            </a:r>
+            <a:endParaRPr lang="en-US" dirty="0"/>
+          </a:p>
+        </p:txBody>
+      </p:sp>
+      <p:sp>
+        <p:nvSpPr>
+          <p:cNvPr id="3" name="Picture Placeholder 2"/>
+          <p:cNvSpPr>
+            <a:spLocks noGrp="1" noChangeAspect="1"/>
+          </p:cNvSpPr>
+          <p:nvPr>
+            <p:ph type="pic" idx="1"/>
+          </p:nvPr>
+        </p:nvSpPr>
+        <p:spPr>
+          <a:xfrm>
+            <a:off x="914401" y="932112"/>
+            <a:ext cx="6858000" cy="3164976"/>
+          </a:xfrm>
+          <a:prstGeom prst="roundRect">
+            <a:avLst>
+              <a:gd name="adj" fmla="val 4380"/>
+            </a:avLst>
+          </a:prstGeom>
+          <a:ln w="50800" cap="sq" cmpd="dbl">
+            <a:gradFill flip="none" rotWithShape="1">
+              <a:gsLst>
+                <a:gs pos="0">
+                  <a:srgbClr val="FFFFFF"/>
+                </a:gs>
+                <a:gs pos="100000">
+                  <a:schemeClr val="tx1">
+                    <a:alpha val="0"/>
+                  </a:schemeClr>
+                </a:gs>
+              </a:gsLst>
+              <a:path path="circle">
+                <a:fillToRect l="50000" t="50000" r="50000" b="50000"/>
+              </a:path>
+              <a:tileRect/>
+            </a:gradFill>
+            <a:miter lim="800000"/>
+          </a:ln>
+          <a:effectLst>
+            <a:outerShdw blurRad="254000" algn="tl" rotWithShape="0">
+              <a:srgbClr val="000000">
+                <a:alpha val="43000"/>
+              </a:srgbClr>
+            </a:outerShdw>
+          </a:effectLst>
+        </p:spPr>
+        <p:txBody>
+          <a:bodyPr vert="horz" lIns="91440" tIns="45720" rIns="91440" bIns="45720" rtlCol="0" anchor="t">
+            <a:normAutofit/>
+          </a:bodyPr>
+          <a:lstStyle>
+            <a:lvl1pPr>
+              <a:defRPr lang="en-US" sz="1600"/>
+            </a:lvl1pPr>
+          </a:lstStyle>
+          <a:p>
+            <a:pPr marL="0" lvl="0" indent="0" algn="ctr">
+              <a:buNone/>
+            </a:pPr>
+            <a:r>
+              <a:rPr lang="en-US" smtClean="0"/>
+              <a:t>Click icon to add picture</a:t>
+            </a:r>
+            <a:endParaRPr lang="en-US" dirty="0"/>
+          </a:p>
+        </p:txBody>
+      </p:sp>
+      <p:sp>
+        <p:nvSpPr>
+          <p:cNvPr id="4" name="Text Placeholder 3"/>
+          <p:cNvSpPr>
+            <a:spLocks noGrp="1"/>
+          </p:cNvSpPr>
+          <p:nvPr>
+            <p:ph type="body" sz="half" idx="2"/>
+          </p:nvPr>
+        </p:nvSpPr>
+        <p:spPr>
+          <a:xfrm>
+            <a:off x="457201" y="5299603"/>
+            <a:ext cx="7772400" cy="493712"/>
+          </a:xfrm>
+        </p:spPr>
+        <p:txBody>
+          <a:bodyPr>
+            <a:normAutofit/>
+          </a:bodyPr>
+          <a:lstStyle>
+            <a:lvl1pPr marL="0" indent="0">
+              <a:buNone/>
+              <a:defRPr sz="1400"/>
+            </a:lvl1pPr>
+            <a:lvl2pPr marL="457200" indent="0">
+              <a:buNone/>
+              <a:defRPr sz="1200"/>
+            </a:lvl2pPr>
+            <a:lvl3pPr marL="914400" indent="0">
+              <a:buNone/>
+              <a:defRPr sz="1000"/>
+            </a:lvl3pPr>
+            <a:lvl4pPr marL="1371600" indent="0">
+              <a:buNone/>
+              <a:defRPr sz="900"/>
+            </a:lvl4pPr>
+            <a:lvl5pPr marL="1828800" indent="0">
+              <a:buNone/>
+              <a:defRPr sz="900"/>
+            </a:lvl5pPr>
+            <a:lvl6pPr marL="2286000" indent="0">
+              <a:buNone/>
+              <a:defRPr sz="900"/>
+            </a:lvl6pPr>
+            <a:lvl7pPr marL="2743200" indent="0">
+              <a:buNone/>
+              <a:defRPr sz="900"/>
+            </a:lvl7pPr>
+            <a:lvl8pPr marL="3200400" indent="0">
+              <a:buNone/>
+              <a:defRPr sz="900"/>
+            </a:lvl8pPr>
+            <a:lvl9pPr marL="3657600" indent="0">
+              <a:buNone/>
+              <a:defRPr sz="900"/>
+            </a:lvl9pPr>
+          </a:lstStyle>
+          <a:p>
+            <a:pPr lvl="0"/>
+            <a:r>
+              <a:rPr lang="en-US" smtClean="0"/>
+              <a:t>Click to edit Master text styles</a:t>
+            </a:r>
+          </a:p>
+        </p:txBody>
+      </p:sp>
+      <p:sp>
+        <p:nvSpPr>
+          <p:cNvPr id="5" name="Date Placeholder 4"/>
+          <p:cNvSpPr>
+            <a:spLocks noGrp="1"/>
+          </p:cNvSpPr>
+          <p:nvPr>
+            <p:ph type="dt" sz="half" idx="10"/>
+          </p:nvPr>
+        </p:nvSpPr>
+        <p:spPr/>
+        <p:txBody>
+          <a:bodyPr/>
+          <a:lstStyle/>
+          <a:p>
+            <a:fld id="{1D8BD707-D9CF-40AE-B4C6-C98DA3205C09}" type="datetimeFigureOut">
+              <a:rPr lang="en-US" smtClean="0"/>
+              <a:pPr/>
+              <a:t>5/5/2015</a:t>
+            </a:fld>
+            <a:endParaRPr lang="en-US"/>
+          </a:p>
+        </p:txBody>
+      </p:sp>
+      <p:sp>
+        <p:nvSpPr>
+          <p:cNvPr id="6" name="Footer Placeholder 5"/>
+          <p:cNvSpPr>
+            <a:spLocks noGrp="1"/>
+          </p:cNvSpPr>
+          <p:nvPr>
+            <p:ph type="ftr" sz="quarter" idx="11"/>
+          </p:nvPr>
+        </p:nvSpPr>
+        <p:spPr/>
+        <p:txBody>
+          <a:bodyPr/>
+          <a:lstStyle/>
+          <a:p>
+            <a:endParaRPr lang="en-US"/>
+          </a:p>
+        </p:txBody>
+      </p:sp>
+      <p:sp>
+        <p:nvSpPr>
+          <p:cNvPr id="7" name="Slide Number Placeholder 6"/>
+          <p:cNvSpPr>
+            <a:spLocks noGrp="1"/>
+          </p:cNvSpPr>
+          <p:nvPr>
+            <p:ph type="sldNum" sz="quarter" idx="12"/>
+          </p:nvPr>
+        </p:nvSpPr>
+        <p:spPr/>
+        <p:txBody>
+          <a:bodyPr/>
+          <a:lstStyle/>
+          <a:p>
+            <a:fld id="{B6F15528-21DE-4FAA-801E-634DDDAF4B2B}" type="slidenum">
+              <a:rPr lang="en-US" smtClean="0"/>
+              <a:pPr/>
+              <a:t>‹#›</a:t>
+            </a:fld>
+            <a:endParaRPr lang="en-US"/>
+          </a:p>
+        </p:txBody>
+      </p:sp>
+    </p:spTree>
+    <p:extLst>
+      <p:ext uri="{BB962C8B-B14F-4D97-AF65-F5344CB8AC3E}">
+        <p14:creationId xmlns:p14="http://schemas.microsoft.com/office/powerpoint/2010/main" val="2940608749"/>
+      </p:ext>
+    </p:extLst>
+  </p:cSld>
+  <p:clrMapOvr>
+    <a:masterClrMapping/>
+  </p:clrMapOvr>
+</p:sldLayout>
+</file>
+
+<file path=ppt/slideLayouts/slideLayout11.xml><?xml version="1.0" encoding="utf-8"?>
+<p:sldLayout xmlns:a="http://schemas.openxmlformats.org/drawingml/2006/main" xmlns:r="http://schemas.openxmlformats.org/officeDocument/2006/relationships" xmlns:p="http://schemas.openxmlformats.org/presentationml/2006/main" preserve="1">
+  <p:cSld name="Title and Caption">
+    <p:spTree>
+      <p:nvGrpSpPr>
+        <p:cNvPr id="1" name=""/>
+        <p:cNvGrpSpPr/>
+        <p:nvPr/>
+      </p:nvGrpSpPr>
+      <p:grpSpPr>
+        <a:xfrm>
+          <a:off x="0" y="0"/>
+          <a:ext cx="0" cy="0"/>
+          <a:chOff x="0" y="0"/>
+          <a:chExt cx="0" cy="0"/>
+        </a:xfrm>
+      </p:grpSpPr>
+      <p:pic>
+        <p:nvPicPr>
+          <p:cNvPr id="7" name="Picture 6" descr="Celestia-R1---OverlayContentSD.png"/>
+          <p:cNvPicPr>
+            <a:picLocks noChangeAspect="1"/>
+          </p:cNvPicPr>
+          <p:nvPr/>
+        </p:nvPicPr>
+        <p:blipFill>
+          <a:blip r:embed="rId2">
+            <a:extLst>
+              <a:ext uri="{28A0092B-C50C-407E-A947-70E740481C1C}">
+                <a14:useLocalDpi xmlns:a14="http://schemas.microsoft.com/office/drawing/2010/main" val="0"/>
+              </a:ext>
+            </a:extLst>
+          </a:blip>
+          <a:stretch>
+            <a:fillRect/>
+          </a:stretch>
+        </p:blipFill>
+        <p:spPr>
+          <a:xfrm>
+            <a:off x="13956" y="0"/>
+            <a:ext cx="9118600" cy="6858000"/>
+          </a:xfrm>
+          <a:prstGeom prst="rect">
+            <a:avLst/>
+          </a:prstGeom>
+        </p:spPr>
+      </p:pic>
+      <p:sp>
+        <p:nvSpPr>
+          <p:cNvPr id="2" name="Title 1"/>
+          <p:cNvSpPr>
+            <a:spLocks noGrp="1"/>
+          </p:cNvSpPr>
+          <p:nvPr>
+            <p:ph type="title"/>
+          </p:nvPr>
+        </p:nvSpPr>
+        <p:spPr>
+          <a:xfrm>
+            <a:off x="457203" y="609602"/>
+            <a:ext cx="7772399" cy="3124199"/>
+          </a:xfrm>
+        </p:spPr>
+        <p:txBody>
+          <a:bodyPr anchor="ctr">
+            <a:normAutofit/>
+          </a:bodyPr>
+          <a:lstStyle>
+            <a:lvl1pPr algn="l">
+              <a:defRPr sz="3200" b="0" cap="none"/>
+            </a:lvl1pPr>
+          </a:lstStyle>
+          <a:p>
+            <a:r>
+              <a:rPr lang="en-US" smtClean="0"/>
+              <a:t>Click to edit Master title style</a:t>
+            </a:r>
+            <a:endParaRPr lang="en-US" dirty="0"/>
+          </a:p>
+        </p:txBody>
+      </p:sp>
+      <p:sp>
+        <p:nvSpPr>
+          <p:cNvPr id="3" name="Text Placeholder 2"/>
+          <p:cNvSpPr>
+            <a:spLocks noGrp="1"/>
+          </p:cNvSpPr>
+          <p:nvPr>
+            <p:ph type="body" idx="1"/>
+          </p:nvPr>
+        </p:nvSpPr>
+        <p:spPr>
+          <a:xfrm>
+            <a:off x="457202" y="4343400"/>
+            <a:ext cx="7772399" cy="1447800"/>
+          </a:xfrm>
+        </p:spPr>
+        <p:txBody>
+          <a:bodyPr anchor="ctr">
+            <a:normAutofit/>
+          </a:bodyPr>
+          <a:lstStyle>
+            <a:lvl1pPr marL="0" indent="0" algn="l">
+              <a:buNone/>
+              <a:defRPr sz="2000">
+                <a:solidFill>
+                  <a:schemeClr val="tx1"/>
+                </a:solidFill>
+              </a:defRPr>
+            </a:lvl1pPr>
+            <a:lvl2pPr marL="457200" indent="0">
+              <a:buNone/>
+              <a:defRPr sz="1800">
+                <a:solidFill>
+                  <a:schemeClr val="tx1">
+                    <a:tint val="75000"/>
+                  </a:schemeClr>
+                </a:solidFill>
+              </a:defRPr>
+            </a:lvl2pPr>
+            <a:lvl3pPr marL="914400" indent="0">
+              <a:buNone/>
+              <a:defRPr sz="1600">
+                <a:solidFill>
+                  <a:schemeClr val="tx1">
+                    <a:tint val="75000"/>
+                  </a:schemeClr>
+                </a:solidFill>
+              </a:defRPr>
+            </a:lvl3pPr>
+            <a:lvl4pPr marL="1371600" indent="0">
+              <a:buNone/>
+              <a:defRPr sz="1400">
+                <a:solidFill>
+                  <a:schemeClr val="tx1">
+                    <a:tint val="75000"/>
+                  </a:schemeClr>
+                </a:solidFill>
+              </a:defRPr>
+            </a:lvl4pPr>
+            <a:lvl5pPr marL="1828800" indent="0">
+              <a:buNone/>
+              <a:defRPr sz="1400">
+                <a:solidFill>
+                  <a:schemeClr val="tx1">
+                    <a:tint val="75000"/>
+                  </a:schemeClr>
+                </a:solidFill>
+              </a:defRPr>
+            </a:lvl5pPr>
+            <a:lvl6pPr marL="2286000" indent="0">
+              <a:buNone/>
+              <a:defRPr sz="1400">
+                <a:solidFill>
+                  <a:schemeClr val="tx1">
+                    <a:tint val="75000"/>
+                  </a:schemeClr>
+                </a:solidFill>
+              </a:defRPr>
+            </a:lvl6pPr>
+            <a:lvl7pPr marL="2743200" indent="0">
+              <a:buNone/>
+              <a:defRPr sz="1400">
+                <a:solidFill>
+                  <a:schemeClr val="tx1">
+                    <a:tint val="75000"/>
+                  </a:schemeClr>
+                </a:solidFill>
+              </a:defRPr>
+            </a:lvl7pPr>
+            <a:lvl8pPr marL="3200400" indent="0">
+              <a:buNone/>
+              <a:defRPr sz="1400">
+                <a:solidFill>
+                  <a:schemeClr val="tx1">
+                    <a:tint val="75000"/>
+                  </a:schemeClr>
+                </a:solidFill>
+              </a:defRPr>
+            </a:lvl8pPr>
+            <a:lvl9pPr marL="3657600" indent="0">
+              <a:buNone/>
+              <a:defRPr sz="1400">
+                <a:solidFill>
+                  <a:schemeClr val="tx1">
+                    <a:tint val="75000"/>
+                  </a:schemeClr>
+                </a:solidFill>
+              </a:defRPr>
+            </a:lvl9pPr>
+          </a:lstStyle>
+          <a:p>
+            <a:pPr lvl="0"/>
+            <a:r>
+              <a:rPr lang="en-US" smtClean="0"/>
+              <a:t>Click to edit Master text styles</a:t>
+            </a:r>
+          </a:p>
+        </p:txBody>
+      </p:sp>
+      <p:sp>
+        <p:nvSpPr>
+          <p:cNvPr id="4" name="Date Placeholder 3"/>
+          <p:cNvSpPr>
+            <a:spLocks noGrp="1"/>
+          </p:cNvSpPr>
+          <p:nvPr>
+            <p:ph type="dt" sz="half" idx="10"/>
+          </p:nvPr>
+        </p:nvSpPr>
+        <p:spPr/>
+        <p:txBody>
+          <a:bodyPr/>
+          <a:lstStyle/>
+          <a:p>
+            <a:fld id="{1D8BD707-D9CF-40AE-B4C6-C98DA3205C09}" type="datetimeFigureOut">
+              <a:rPr lang="en-US" smtClean="0"/>
+              <a:pPr/>
+              <a:t>5/5/2015</a:t>
+            </a:fld>
+            <a:endParaRPr lang="en-US"/>
+          </a:p>
+        </p:txBody>
+      </p:sp>
+      <p:sp>
+        <p:nvSpPr>
+          <p:cNvPr id="5" name="Footer Placeholder 4"/>
+          <p:cNvSpPr>
+            <a:spLocks noGrp="1"/>
+          </p:cNvSpPr>
+          <p:nvPr>
+            <p:ph type="ftr" sz="quarter" idx="11"/>
+          </p:nvPr>
+        </p:nvSpPr>
+        <p:spPr/>
+        <p:txBody>
+          <a:bodyPr/>
+          <a:lstStyle/>
+          <a:p>
+            <a:endParaRPr lang="en-US"/>
+          </a:p>
+        </p:txBody>
+      </p:sp>
+      <p:sp>
+        <p:nvSpPr>
+          <p:cNvPr id="6" name="Slide Number Placeholder 5"/>
+          <p:cNvSpPr>
+            <a:spLocks noGrp="1"/>
+          </p:cNvSpPr>
+          <p:nvPr>
+            <p:ph type="sldNum" sz="quarter" idx="12"/>
+          </p:nvPr>
+        </p:nvSpPr>
+        <p:spPr/>
+        <p:txBody>
+          <a:bodyPr/>
+          <a:lstStyle/>
+          <a:p>
+            <a:fld id="{B6F15528-21DE-4FAA-801E-634DDDAF4B2B}" type="slidenum">
+              <a:rPr lang="en-US" smtClean="0"/>
+              <a:pPr/>
+              <a:t>‹#›</a:t>
+            </a:fld>
+            <a:endParaRPr lang="en-US"/>
+          </a:p>
+        </p:txBody>
+      </p:sp>
+    </p:spTree>
+    <p:extLst>
+      <p:ext uri="{BB962C8B-B14F-4D97-AF65-F5344CB8AC3E}">
+        <p14:creationId xmlns:p14="http://schemas.microsoft.com/office/powerpoint/2010/main" val="1700685281"/>
+      </p:ext>
+    </p:extLst>
+  </p:cSld>
+  <p:clrMapOvr>
+    <a:masterClrMapping/>
+  </p:clrMapOvr>
+</p:sldLayout>
+</file>
+
+<file path=ppt/slideLayouts/slideLayout12.xml><?xml version="1.0" encoding="utf-8"?>
+<p:sldLayout xmlns:a="http://schemas.openxmlformats.org/drawingml/2006/main" xmlns:r="http://schemas.openxmlformats.org/officeDocument/2006/relationships" xmlns:p="http://schemas.openxmlformats.org/presentationml/2006/main" preserve="1">
+  <p:cSld name="Quote with Caption">
+    <p:spTree>
+      <p:nvGrpSpPr>
+        <p:cNvPr id="1" name=""/>
+        <p:cNvGrpSpPr/>
+        <p:nvPr/>
+      </p:nvGrpSpPr>
+      <p:grpSpPr>
+        <a:xfrm>
+          <a:off x="0" y="0"/>
+          <a:ext cx="0" cy="0"/>
+          <a:chOff x="0" y="0"/>
+          <a:chExt cx="0" cy="0"/>
+        </a:xfrm>
+      </p:grpSpPr>
+      <p:pic>
+        <p:nvPicPr>
+          <p:cNvPr id="17" name="Picture 16" descr="Celestia-R1---OverlayContentSD.png"/>
+          <p:cNvPicPr>
+            <a:picLocks noChangeAspect="1"/>
+          </p:cNvPicPr>
+          <p:nvPr/>
+        </p:nvPicPr>
+        <p:blipFill>
+          <a:blip r:embed="rId2">
+            <a:extLst>
+              <a:ext uri="{28A0092B-C50C-407E-A947-70E740481C1C}">
+                <a14:useLocalDpi xmlns:a14="http://schemas.microsoft.com/office/drawing/2010/main" val="0"/>
+              </a:ext>
+            </a:extLst>
+          </a:blip>
+          <a:stretch>
+            <a:fillRect/>
+          </a:stretch>
+        </p:blipFill>
+        <p:spPr>
+          <a:xfrm>
+            <a:off x="13956" y="0"/>
+            <a:ext cx="9118600" cy="6858000"/>
+          </a:xfrm>
+          <a:prstGeom prst="rect">
+            <a:avLst/>
+          </a:prstGeom>
+        </p:spPr>
+      </p:pic>
+      <p:sp>
+        <p:nvSpPr>
+          <p:cNvPr id="15" name="TextBox 14"/>
+          <p:cNvSpPr txBox="1"/>
+          <p:nvPr/>
+        </p:nvSpPr>
+        <p:spPr>
+          <a:xfrm>
+            <a:off x="7735800" y="2751671"/>
+            <a:ext cx="457319" cy="584776"/>
+          </a:xfrm>
+          <a:prstGeom prst="rect">
+            <a:avLst/>
+          </a:prstGeom>
+        </p:spPr>
+        <p:txBody>
+          <a:bodyPr vert="horz" lIns="91440" tIns="45720" rIns="91440" bIns="45720" rtlCol="0" anchor="ctr">
+            <a:noAutofit/>
+          </a:bodyPr>
+          <a:lstStyle>
+            <a:lvl1pPr>
+              <a:spcBef>
+                <a:spcPct val="0"/>
+              </a:spcBef>
+              <a:buNone/>
+              <a:defRPr sz="3200" b="0" cap="all">
+                <a:ln w="3175" cmpd="sng">
+                  <a:noFill/>
+                </a:ln>
+                <a:effectLst>
+                  <a:glow rad="38100">
+                    <a:schemeClr val="bg1">
+                      <a:lumMod val="65000"/>
+                      <a:lumOff val="35000"/>
+                      <a:alpha val="40000"/>
+                    </a:schemeClr>
+                  </a:glow>
+                  <a:outerShdw blurRad="28575" dist="38100" dir="14040000" algn="tl" rotWithShape="0">
+                    <a:srgbClr val="000000">
+                      <a:alpha val="25000"/>
+                    </a:srgbClr>
+                  </a:outerShdw>
+                </a:effectLst>
+              </a:defRPr>
+            </a:lvl1pPr>
+            <a:lvl2pPr>
+              <a:defRPr>
+                <a:solidFill>
+                  <a:schemeClr val="tx2"/>
+                </a:solidFill>
+              </a:defRPr>
+            </a:lvl2pPr>
+            <a:lvl3pPr>
+              <a:defRPr>
+                <a:solidFill>
+                  <a:schemeClr val="tx2"/>
+                </a:solidFill>
+              </a:defRPr>
+            </a:lvl3pPr>
+            <a:lvl4pPr>
+              <a:defRPr>
+                <a:solidFill>
+                  <a:schemeClr val="tx2"/>
+                </a:solidFill>
+              </a:defRPr>
+            </a:lvl4pPr>
+            <a:lvl5pPr>
+              <a:defRPr>
+                <a:solidFill>
+                  <a:schemeClr val="tx2"/>
+                </a:solidFill>
+              </a:defRPr>
+            </a:lvl5pPr>
+            <a:lvl6pPr>
+              <a:defRPr>
+                <a:solidFill>
+                  <a:schemeClr val="tx2"/>
+                </a:solidFill>
+              </a:defRPr>
+            </a:lvl6pPr>
+            <a:lvl7pPr>
+              <a:defRPr>
+                <a:solidFill>
+                  <a:schemeClr val="tx2"/>
+                </a:solidFill>
+              </a:defRPr>
+            </a:lvl7pPr>
+            <a:lvl8pPr>
+              <a:defRPr>
+                <a:solidFill>
+                  <a:schemeClr val="tx2"/>
+                </a:solidFill>
+              </a:defRPr>
+            </a:lvl8pPr>
+            <a:lvl9pPr>
+              <a:defRPr>
+                <a:solidFill>
+                  <a:schemeClr val="tx2"/>
+                </a:solidFill>
+              </a:defRPr>
+            </a:lvl9pPr>
+          </a:lstStyle>
+          <a:p>
+            <a:pPr lvl="0" algn="r"/>
+            <a:r>
+              <a:rPr lang="en-US" sz="8000" dirty="0">
+                <a:solidFill>
+                  <a:schemeClr val="tx1"/>
+                </a:solidFill>
+                <a:effectLst/>
+              </a:rPr>
+              <a:t>”</a:t>
+            </a:r>
+          </a:p>
+        </p:txBody>
+      </p:sp>
+      <p:sp>
+        <p:nvSpPr>
+          <p:cNvPr id="11" name="TextBox 10"/>
+          <p:cNvSpPr txBox="1"/>
+          <p:nvPr/>
+        </p:nvSpPr>
+        <p:spPr>
+          <a:xfrm>
+            <a:off x="421796" y="718114"/>
+            <a:ext cx="457319" cy="584776"/>
+          </a:xfrm>
+          <a:prstGeom prst="rect">
+            <a:avLst/>
+          </a:prstGeom>
+        </p:spPr>
+        <p:txBody>
+          <a:bodyPr vert="horz" lIns="91440" tIns="45720" rIns="91440" bIns="45720" rtlCol="0" anchor="ctr">
+            <a:noAutofit/>
+          </a:bodyPr>
+          <a:lstStyle>
+            <a:lvl1pPr>
+              <a:spcBef>
+                <a:spcPct val="0"/>
+              </a:spcBef>
+              <a:buNone/>
+              <a:defRPr sz="3200" b="0" cap="all">
+                <a:ln w="3175" cmpd="sng">
+                  <a:noFill/>
+                </a:ln>
+                <a:effectLst>
+                  <a:glow rad="38100">
+                    <a:schemeClr val="bg1">
+                      <a:lumMod val="65000"/>
+                      <a:lumOff val="35000"/>
+                      <a:alpha val="40000"/>
+                    </a:schemeClr>
+                  </a:glow>
+                  <a:outerShdw blurRad="28575" dist="38100" dir="14040000" algn="tl" rotWithShape="0">
+                    <a:srgbClr val="000000">
+                      <a:alpha val="25000"/>
+                    </a:srgbClr>
+                  </a:outerShdw>
+                </a:effectLst>
+              </a:defRPr>
+            </a:lvl1pPr>
+            <a:lvl2pPr>
+              <a:defRPr>
+                <a:solidFill>
+                  <a:schemeClr val="tx2"/>
+                </a:solidFill>
+              </a:defRPr>
+            </a:lvl2pPr>
+            <a:lvl3pPr>
+              <a:defRPr>
+                <a:solidFill>
+                  <a:schemeClr val="tx2"/>
+                </a:solidFill>
+              </a:defRPr>
+            </a:lvl3pPr>
+            <a:lvl4pPr>
+              <a:defRPr>
+                <a:solidFill>
+                  <a:schemeClr val="tx2"/>
+                </a:solidFill>
+              </a:defRPr>
+            </a:lvl4pPr>
+            <a:lvl5pPr>
+              <a:defRPr>
+                <a:solidFill>
+                  <a:schemeClr val="tx2"/>
+                </a:solidFill>
+              </a:defRPr>
+            </a:lvl5pPr>
+            <a:lvl6pPr>
+              <a:defRPr>
+                <a:solidFill>
+                  <a:schemeClr val="tx2"/>
+                </a:solidFill>
+              </a:defRPr>
+            </a:lvl6pPr>
+            <a:lvl7pPr>
+              <a:defRPr>
+                <a:solidFill>
+                  <a:schemeClr val="tx2"/>
+                </a:solidFill>
+              </a:defRPr>
+            </a:lvl7pPr>
+            <a:lvl8pPr>
+              <a:defRPr>
+                <a:solidFill>
+                  <a:schemeClr val="tx2"/>
+                </a:solidFill>
+              </a:defRPr>
+            </a:lvl8pPr>
+            <a:lvl9pPr>
+              <a:defRPr>
+                <a:solidFill>
+                  <a:schemeClr val="tx2"/>
+                </a:solidFill>
+              </a:defRPr>
+            </a:lvl9pPr>
+          </a:lstStyle>
+          <a:p>
+            <a:pPr lvl="0"/>
+            <a:r>
+              <a:rPr lang="en-US" sz="8000" dirty="0">
+                <a:solidFill>
+                  <a:schemeClr val="tx1"/>
+                </a:solidFill>
+                <a:effectLst/>
+              </a:rPr>
+              <a:t>“</a:t>
+            </a:r>
+          </a:p>
+        </p:txBody>
+      </p:sp>
+      <p:sp>
+        <p:nvSpPr>
+          <p:cNvPr id="12" name="Title 1"/>
+          <p:cNvSpPr>
+            <a:spLocks noGrp="1"/>
+          </p:cNvSpPr>
+          <p:nvPr>
+            <p:ph type="title"/>
+          </p:nvPr>
+        </p:nvSpPr>
+        <p:spPr>
+          <a:xfrm>
+            <a:off x="879115" y="609602"/>
+            <a:ext cx="7091297" cy="2743199"/>
+          </a:xfrm>
+        </p:spPr>
+        <p:txBody>
+          <a:bodyPr anchor="ctr">
+            <a:normAutofit/>
+          </a:bodyPr>
+          <a:lstStyle>
+            <a:lvl1pPr algn="l">
+              <a:defRPr sz="3200" b="0" cap="none">
+                <a:solidFill>
+                  <a:schemeClr val="tx1"/>
+                </a:solidFill>
+              </a:defRPr>
+            </a:lvl1pPr>
+          </a:lstStyle>
+          <a:p>
+            <a:r>
+              <a:rPr lang="en-US" smtClean="0"/>
+              <a:t>Click to edit Master title style</a:t>
+            </a:r>
+            <a:endParaRPr lang="en-US" dirty="0"/>
+          </a:p>
+        </p:txBody>
+      </p:sp>
+      <p:sp>
+        <p:nvSpPr>
+          <p:cNvPr id="13" name="Text Placeholder 9"/>
+          <p:cNvSpPr>
+            <a:spLocks noGrp="1"/>
+          </p:cNvSpPr>
+          <p:nvPr>
+            <p:ph type="body" sz="quarter" idx="13"/>
+          </p:nvPr>
+        </p:nvSpPr>
+        <p:spPr>
+          <a:xfrm>
+            <a:off x="988671" y="3352800"/>
+            <a:ext cx="6876133" cy="381000"/>
+          </a:xfrm>
+        </p:spPr>
+        <p:txBody>
+          <a:bodyPr anchor="ctr">
+            <a:normAutofit/>
+          </a:bodyPr>
+          <a:lstStyle>
+            <a:lvl1pPr marL="0" indent="0">
+              <a:buFontTx/>
+              <a:buNone/>
+              <a:defRPr sz="1600"/>
+            </a:lvl1pPr>
+            <a:lvl2pPr marL="457200" indent="0">
+              <a:buFontTx/>
+              <a:buNone/>
+              <a:defRPr/>
+            </a:lvl2pPr>
+            <a:lvl3pPr marL="914400" indent="0">
+              <a:buFontTx/>
+              <a:buNone/>
+              <a:defRPr/>
+            </a:lvl3pPr>
+            <a:lvl4pPr marL="1371600" indent="0">
+              <a:buFontTx/>
+              <a:buNone/>
+              <a:defRPr/>
+            </a:lvl4pPr>
+            <a:lvl5pPr marL="1828800" indent="0">
+              <a:buFontTx/>
+              <a:buNone/>
+              <a:defRPr/>
+            </a:lvl5pPr>
+          </a:lstStyle>
+          <a:p>
+            <a:pPr lvl="0"/>
+            <a:r>
+              <a:rPr lang="en-US" smtClean="0"/>
+              <a:t>Click to edit Master text styles</a:t>
+            </a:r>
+          </a:p>
+        </p:txBody>
+      </p:sp>
+      <p:sp>
+        <p:nvSpPr>
+          <p:cNvPr id="3" name="Text Placeholder 2"/>
+          <p:cNvSpPr>
+            <a:spLocks noGrp="1"/>
+          </p:cNvSpPr>
+          <p:nvPr>
+            <p:ph type="body" idx="1"/>
+          </p:nvPr>
+        </p:nvSpPr>
+        <p:spPr>
+          <a:xfrm>
+            <a:off x="462266" y="4343400"/>
+            <a:ext cx="7772400" cy="1447800"/>
+          </a:xfrm>
+        </p:spPr>
+        <p:txBody>
+          <a:bodyPr anchor="ctr">
+            <a:normAutofit/>
+          </a:bodyPr>
+          <a:lstStyle>
+            <a:lvl1pPr marL="0" indent="0" algn="l">
+              <a:buNone/>
+              <a:defRPr sz="2000">
+                <a:solidFill>
+                  <a:schemeClr val="tx1"/>
+                </a:solidFill>
+              </a:defRPr>
+            </a:lvl1pPr>
+            <a:lvl2pPr marL="457200" indent="0">
+              <a:buNone/>
+              <a:defRPr sz="1800">
+                <a:solidFill>
+                  <a:schemeClr val="tx1">
+                    <a:tint val="75000"/>
+                  </a:schemeClr>
+                </a:solidFill>
+              </a:defRPr>
+            </a:lvl2pPr>
+            <a:lvl3pPr marL="914400" indent="0">
+              <a:buNone/>
+              <a:defRPr sz="1600">
+                <a:solidFill>
+                  <a:schemeClr val="tx1">
+                    <a:tint val="75000"/>
+                  </a:schemeClr>
+                </a:solidFill>
+              </a:defRPr>
+            </a:lvl3pPr>
+            <a:lvl4pPr marL="1371600" indent="0">
+              <a:buNone/>
+              <a:defRPr sz="1400">
+                <a:solidFill>
+                  <a:schemeClr val="tx1">
+                    <a:tint val="75000"/>
+                  </a:schemeClr>
+                </a:solidFill>
+              </a:defRPr>
+            </a:lvl4pPr>
+            <a:lvl5pPr marL="1828800" indent="0">
+              <a:buNone/>
+              <a:defRPr sz="1400">
+                <a:solidFill>
+                  <a:schemeClr val="tx1">
+                    <a:tint val="75000"/>
+                  </a:schemeClr>
+                </a:solidFill>
+              </a:defRPr>
+            </a:lvl5pPr>
+            <a:lvl6pPr marL="2286000" indent="0">
+              <a:buNone/>
+              <a:defRPr sz="1400">
+                <a:solidFill>
+                  <a:schemeClr val="tx1">
+                    <a:tint val="75000"/>
+                  </a:schemeClr>
+                </a:solidFill>
+              </a:defRPr>
+            </a:lvl6pPr>
+            <a:lvl7pPr marL="2743200" indent="0">
+              <a:buNone/>
+              <a:defRPr sz="1400">
+                <a:solidFill>
+                  <a:schemeClr val="tx1">
+                    <a:tint val="75000"/>
+                  </a:schemeClr>
+                </a:solidFill>
+              </a:defRPr>
+            </a:lvl7pPr>
+            <a:lvl8pPr marL="3200400" indent="0">
+              <a:buNone/>
+              <a:defRPr sz="1400">
+                <a:solidFill>
+                  <a:schemeClr val="tx1">
+                    <a:tint val="75000"/>
+                  </a:schemeClr>
+                </a:solidFill>
+              </a:defRPr>
+            </a:lvl8pPr>
+            <a:lvl9pPr marL="3657600" indent="0">
+              <a:buNone/>
+              <a:defRPr sz="1400">
+                <a:solidFill>
+                  <a:schemeClr val="tx1">
+                    <a:tint val="75000"/>
+                  </a:schemeClr>
+                </a:solidFill>
+              </a:defRPr>
+            </a:lvl9pPr>
+          </a:lstStyle>
+          <a:p>
+            <a:pPr lvl="0"/>
+            <a:r>
+              <a:rPr lang="en-US" smtClean="0"/>
+              <a:t>Click to edit Master text styles</a:t>
+            </a:r>
+          </a:p>
+        </p:txBody>
+      </p:sp>
+      <p:sp>
+        <p:nvSpPr>
+          <p:cNvPr id="4" name="Date Placeholder 3"/>
+          <p:cNvSpPr>
+            <a:spLocks noGrp="1"/>
+          </p:cNvSpPr>
+          <p:nvPr>
+            <p:ph type="dt" sz="half" idx="10"/>
+          </p:nvPr>
+        </p:nvSpPr>
+        <p:spPr/>
+        <p:txBody>
+          <a:bodyPr/>
+          <a:lstStyle/>
+          <a:p>
+            <a:fld id="{1D8BD707-D9CF-40AE-B4C6-C98DA3205C09}" type="datetimeFigureOut">
+              <a:rPr lang="en-US" smtClean="0"/>
+              <a:pPr/>
+              <a:t>5/5/2015</a:t>
+            </a:fld>
+            <a:endParaRPr lang="en-US"/>
+          </a:p>
+        </p:txBody>
+      </p:sp>
+      <p:sp>
+        <p:nvSpPr>
+          <p:cNvPr id="5" name="Footer Placeholder 4"/>
+          <p:cNvSpPr>
+            <a:spLocks noGrp="1"/>
+          </p:cNvSpPr>
+          <p:nvPr>
+            <p:ph type="ftr" sz="quarter" idx="11"/>
+          </p:nvPr>
+        </p:nvSpPr>
+        <p:spPr/>
+        <p:txBody>
+          <a:bodyPr/>
+          <a:lstStyle/>
+          <a:p>
+            <a:endParaRPr lang="en-US"/>
+          </a:p>
+        </p:txBody>
+      </p:sp>
+      <p:sp>
+        <p:nvSpPr>
+          <p:cNvPr id="6" name="Slide Number Placeholder 5"/>
+          <p:cNvSpPr>
+            <a:spLocks noGrp="1"/>
+          </p:cNvSpPr>
+          <p:nvPr>
+            <p:ph type="sldNum" sz="quarter" idx="12"/>
+          </p:nvPr>
+        </p:nvSpPr>
+        <p:spPr/>
+        <p:txBody>
+          <a:bodyPr/>
+          <a:lstStyle/>
+          <a:p>
+            <a:fld id="{B6F15528-21DE-4FAA-801E-634DDDAF4B2B}" type="slidenum">
+              <a:rPr lang="en-US" smtClean="0"/>
+              <a:pPr/>
+              <a:t>‹#›</a:t>
+            </a:fld>
+            <a:endParaRPr lang="en-US"/>
+          </a:p>
+        </p:txBody>
+      </p:sp>
+    </p:spTree>
+    <p:extLst>
+      <p:ext uri="{BB962C8B-B14F-4D97-AF65-F5344CB8AC3E}">
+        <p14:creationId xmlns:p14="http://schemas.microsoft.com/office/powerpoint/2010/main" val="3828965958"/>
+      </p:ext>
+    </p:extLst>
+  </p:cSld>
+  <p:clrMapOvr>
+    <a:masterClrMapping/>
+  </p:clrMapOvr>
+</p:sldLayout>
+</file>
+
+<file path=ppt/slideLayouts/slideLayout13.xml><?xml version="1.0" encoding="utf-8"?>
+<p:sldLayout xmlns:a="http://schemas.openxmlformats.org/drawingml/2006/main" xmlns:r="http://schemas.openxmlformats.org/officeDocument/2006/relationships" xmlns:p="http://schemas.openxmlformats.org/presentationml/2006/main" preserve="1">
+  <p:cSld name="Name Card">
+    <p:spTree>
+      <p:nvGrpSpPr>
+        <p:cNvPr id="1" name=""/>
+        <p:cNvGrpSpPr/>
+        <p:nvPr/>
+      </p:nvGrpSpPr>
+      <p:grpSpPr>
+        <a:xfrm>
+          <a:off x="0" y="0"/>
+          <a:ext cx="0" cy="0"/>
+          <a:chOff x="0" y="0"/>
+          <a:chExt cx="0" cy="0"/>
+        </a:xfrm>
+      </p:grpSpPr>
+      <p:pic>
+        <p:nvPicPr>
+          <p:cNvPr id="7" name="Picture 6" descr="Celestia-R1---OverlayContentSD.png"/>
+          <p:cNvPicPr>
+            <a:picLocks noChangeAspect="1"/>
+          </p:cNvPicPr>
+          <p:nvPr/>
+        </p:nvPicPr>
+        <p:blipFill>
+          <a:blip r:embed="rId2">
+            <a:extLst>
+              <a:ext uri="{28A0092B-C50C-407E-A947-70E740481C1C}">
+                <a14:useLocalDpi xmlns:a14="http://schemas.microsoft.com/office/drawing/2010/main" val="0"/>
+              </a:ext>
+            </a:extLst>
+          </a:blip>
+          <a:stretch>
+            <a:fillRect/>
+          </a:stretch>
+        </p:blipFill>
+        <p:spPr>
+          <a:xfrm>
+            <a:off x="13956" y="0"/>
+            <a:ext cx="9118600" cy="6858000"/>
+          </a:xfrm>
+          <a:prstGeom prst="rect">
+            <a:avLst/>
+          </a:prstGeom>
+        </p:spPr>
+      </p:pic>
+      <p:sp>
+        <p:nvSpPr>
+          <p:cNvPr id="2" name="Title 1"/>
+          <p:cNvSpPr>
+            <a:spLocks noGrp="1"/>
+          </p:cNvSpPr>
+          <p:nvPr>
+            <p:ph type="title"/>
+          </p:nvPr>
+        </p:nvSpPr>
+        <p:spPr>
+          <a:xfrm>
+            <a:off x="457201" y="3291648"/>
+            <a:ext cx="7772401" cy="1468800"/>
+          </a:xfrm>
+        </p:spPr>
+        <p:txBody>
+          <a:bodyPr anchor="b">
+            <a:normAutofit/>
+          </a:bodyPr>
+          <a:lstStyle>
+            <a:lvl1pPr algn="l">
+              <a:defRPr sz="2800" b="0" cap="none"/>
+            </a:lvl1pPr>
+          </a:lstStyle>
+          <a:p>
+            <a:r>
+              <a:rPr lang="en-US" smtClean="0"/>
+              <a:t>Click to edit Master title style</a:t>
+            </a:r>
+            <a:endParaRPr lang="en-US" dirty="0"/>
+          </a:p>
+        </p:txBody>
+      </p:sp>
+      <p:sp>
+        <p:nvSpPr>
+          <p:cNvPr id="3" name="Text Placeholder 2"/>
+          <p:cNvSpPr>
+            <a:spLocks noGrp="1"/>
+          </p:cNvSpPr>
+          <p:nvPr>
+            <p:ph type="body" idx="1"/>
+          </p:nvPr>
+        </p:nvSpPr>
+        <p:spPr>
+          <a:xfrm>
+            <a:off x="457200" y="4760448"/>
+            <a:ext cx="7772402" cy="860400"/>
+          </a:xfrm>
+        </p:spPr>
+        <p:txBody>
+          <a:bodyPr anchor="t">
+            <a:normAutofit/>
+          </a:bodyPr>
+          <a:lstStyle>
+            <a:lvl1pPr marL="0" indent="0" algn="l">
+              <a:buNone/>
+              <a:defRPr sz="1800">
+                <a:solidFill>
+                  <a:schemeClr val="tx1"/>
+                </a:solidFill>
+              </a:defRPr>
+            </a:lvl1pPr>
+            <a:lvl2pPr marL="457200" indent="0">
+              <a:buNone/>
+              <a:defRPr sz="1800">
+                <a:solidFill>
+                  <a:schemeClr val="tx1">
+                    <a:tint val="75000"/>
+                  </a:schemeClr>
+                </a:solidFill>
+              </a:defRPr>
+            </a:lvl2pPr>
+            <a:lvl3pPr marL="914400" indent="0">
+              <a:buNone/>
+              <a:defRPr sz="1600">
+                <a:solidFill>
+                  <a:schemeClr val="tx1">
+                    <a:tint val="75000"/>
+                  </a:schemeClr>
+                </a:solidFill>
+              </a:defRPr>
+            </a:lvl3pPr>
+            <a:lvl4pPr marL="1371600" indent="0">
+              <a:buNone/>
+              <a:defRPr sz="1400">
+                <a:solidFill>
+                  <a:schemeClr val="tx1">
+                    <a:tint val="75000"/>
+                  </a:schemeClr>
+                </a:solidFill>
+              </a:defRPr>
+            </a:lvl4pPr>
+            <a:lvl5pPr marL="1828800" indent="0">
+              <a:buNone/>
+              <a:defRPr sz="1400">
+                <a:solidFill>
+                  <a:schemeClr val="tx1">
+                    <a:tint val="75000"/>
+                  </a:schemeClr>
+                </a:solidFill>
+              </a:defRPr>
+            </a:lvl5pPr>
+            <a:lvl6pPr marL="2286000" indent="0">
+              <a:buNone/>
+              <a:defRPr sz="1400">
+                <a:solidFill>
+                  <a:schemeClr val="tx1">
+                    <a:tint val="75000"/>
+                  </a:schemeClr>
+                </a:solidFill>
+              </a:defRPr>
+            </a:lvl6pPr>
+            <a:lvl7pPr marL="2743200" indent="0">
+              <a:buNone/>
+              <a:defRPr sz="1400">
+                <a:solidFill>
+                  <a:schemeClr val="tx1">
+                    <a:tint val="75000"/>
+                  </a:schemeClr>
+                </a:solidFill>
+              </a:defRPr>
+            </a:lvl7pPr>
+            <a:lvl8pPr marL="3200400" indent="0">
+              <a:buNone/>
+              <a:defRPr sz="1400">
+                <a:solidFill>
+                  <a:schemeClr val="tx1">
+                    <a:tint val="75000"/>
+                  </a:schemeClr>
+                </a:solidFill>
+              </a:defRPr>
+            </a:lvl8pPr>
+            <a:lvl9pPr marL="3657600" indent="0">
+              <a:buNone/>
+              <a:defRPr sz="1400">
+                <a:solidFill>
+                  <a:schemeClr val="tx1">
+                    <a:tint val="75000"/>
+                  </a:schemeClr>
+                </a:solidFill>
+              </a:defRPr>
+            </a:lvl9pPr>
+          </a:lstStyle>
+          <a:p>
+            <a:pPr lvl="0"/>
+            <a:r>
+              <a:rPr lang="en-US" smtClean="0"/>
+              <a:t>Click to edit Master text styles</a:t>
+            </a:r>
+          </a:p>
+        </p:txBody>
+      </p:sp>
+      <p:sp>
+        <p:nvSpPr>
+          <p:cNvPr id="4" name="Date Placeholder 3"/>
+          <p:cNvSpPr>
+            <a:spLocks noGrp="1"/>
+          </p:cNvSpPr>
+          <p:nvPr>
+            <p:ph type="dt" sz="half" idx="10"/>
+          </p:nvPr>
+        </p:nvSpPr>
+        <p:spPr/>
+        <p:txBody>
+          <a:bodyPr/>
+          <a:lstStyle/>
+          <a:p>
+            <a:fld id="{1D8BD707-D9CF-40AE-B4C6-C98DA3205C09}" type="datetimeFigureOut">
+              <a:rPr lang="en-US" smtClean="0"/>
+              <a:pPr/>
+              <a:t>5/5/2015</a:t>
+            </a:fld>
+            <a:endParaRPr lang="en-US"/>
+          </a:p>
+        </p:txBody>
+      </p:sp>
+      <p:sp>
+        <p:nvSpPr>
+          <p:cNvPr id="5" name="Footer Placeholder 4"/>
+          <p:cNvSpPr>
+            <a:spLocks noGrp="1"/>
+          </p:cNvSpPr>
+          <p:nvPr>
+            <p:ph type="ftr" sz="quarter" idx="11"/>
+          </p:nvPr>
+        </p:nvSpPr>
+        <p:spPr/>
+        <p:txBody>
+          <a:bodyPr/>
+          <a:lstStyle/>
+          <a:p>
+            <a:endParaRPr lang="en-US"/>
+          </a:p>
+        </p:txBody>
+      </p:sp>
+      <p:sp>
+        <p:nvSpPr>
+          <p:cNvPr id="6" name="Slide Number Placeholder 5"/>
+          <p:cNvSpPr>
+            <a:spLocks noGrp="1"/>
+          </p:cNvSpPr>
+          <p:nvPr>
+            <p:ph type="sldNum" sz="quarter" idx="12"/>
+          </p:nvPr>
+        </p:nvSpPr>
+        <p:spPr/>
+        <p:txBody>
+          <a:bodyPr/>
+          <a:lstStyle/>
+          <a:p>
+            <a:fld id="{B6F15528-21DE-4FAA-801E-634DDDAF4B2B}" type="slidenum">
+              <a:rPr lang="en-US" smtClean="0"/>
+              <a:pPr/>
+              <a:t>‹#›</a:t>
+            </a:fld>
+            <a:endParaRPr lang="en-US"/>
+          </a:p>
+        </p:txBody>
+      </p:sp>
+    </p:spTree>
+    <p:extLst>
+      <p:ext uri="{BB962C8B-B14F-4D97-AF65-F5344CB8AC3E}">
+        <p14:creationId xmlns:p14="http://schemas.microsoft.com/office/powerpoint/2010/main" val="2131554926"/>
+      </p:ext>
+    </p:extLst>
+  </p:cSld>
+  <p:clrMapOvr>
+    <a:masterClrMapping/>
+  </p:clrMapOvr>
+</p:sldLayout>
+</file>
+
+<file path=ppt/slideLayouts/slideLayout14.xml><?xml version="1.0" encoding="utf-8"?>
+<p:sldLayout xmlns:a="http://schemas.openxmlformats.org/drawingml/2006/main" xmlns:r="http://schemas.openxmlformats.org/officeDocument/2006/relationships" xmlns:p="http://schemas.openxmlformats.org/presentationml/2006/main" preserve="1">
+  <p:cSld name="Quote Name Card">
+    <p:spTree>
+      <p:nvGrpSpPr>
+        <p:cNvPr id="1" name=""/>
+        <p:cNvGrpSpPr/>
+        <p:nvPr/>
+      </p:nvGrpSpPr>
+      <p:grpSpPr>
+        <a:xfrm>
+          <a:off x="0" y="0"/>
+          <a:ext cx="0" cy="0"/>
+          <a:chOff x="0" y="0"/>
+          <a:chExt cx="0" cy="0"/>
+        </a:xfrm>
+      </p:grpSpPr>
+      <p:pic>
+        <p:nvPicPr>
+          <p:cNvPr id="13" name="Picture 12" descr="Celestia-R1---OverlayContentSD.png"/>
+          <p:cNvPicPr>
+            <a:picLocks noChangeAspect="1"/>
+          </p:cNvPicPr>
+          <p:nvPr/>
+        </p:nvPicPr>
+        <p:blipFill>
+          <a:blip r:embed="rId2">
+            <a:extLst>
+              <a:ext uri="{28A0092B-C50C-407E-A947-70E740481C1C}">
+                <a14:useLocalDpi xmlns:a14="http://schemas.microsoft.com/office/drawing/2010/main" val="0"/>
+              </a:ext>
+            </a:extLst>
+          </a:blip>
+          <a:stretch>
+            <a:fillRect/>
+          </a:stretch>
+        </p:blipFill>
+        <p:spPr>
+          <a:xfrm>
+            <a:off x="13956" y="0"/>
+            <a:ext cx="9118600" cy="6858000"/>
+          </a:xfrm>
+          <a:prstGeom prst="rect">
+            <a:avLst/>
+          </a:prstGeom>
+        </p:spPr>
+      </p:pic>
+      <p:sp>
+        <p:nvSpPr>
+          <p:cNvPr id="16" name="TextBox 15"/>
+          <p:cNvSpPr txBox="1"/>
+          <p:nvPr/>
+        </p:nvSpPr>
+        <p:spPr>
+          <a:xfrm>
+            <a:off x="7735800" y="2751671"/>
+            <a:ext cx="457319" cy="584776"/>
+          </a:xfrm>
+          <a:prstGeom prst="rect">
+            <a:avLst/>
+          </a:prstGeom>
+        </p:spPr>
+        <p:txBody>
+          <a:bodyPr vert="horz" lIns="91440" tIns="45720" rIns="91440" bIns="45720" rtlCol="0" anchor="ctr">
+            <a:noAutofit/>
+          </a:bodyPr>
+          <a:lstStyle>
+            <a:lvl1pPr>
+              <a:spcBef>
+                <a:spcPct val="0"/>
+              </a:spcBef>
+              <a:buNone/>
+              <a:defRPr sz="3200" b="0" cap="all">
+                <a:ln w="3175" cmpd="sng">
+                  <a:noFill/>
+                </a:ln>
+                <a:effectLst>
+                  <a:glow rad="38100">
+                    <a:schemeClr val="bg1">
+                      <a:lumMod val="65000"/>
+                      <a:lumOff val="35000"/>
+                      <a:alpha val="40000"/>
+                    </a:schemeClr>
+                  </a:glow>
+                  <a:outerShdw blurRad="28575" dist="38100" dir="14040000" algn="tl" rotWithShape="0">
+                    <a:srgbClr val="000000">
+                      <a:alpha val="25000"/>
+                    </a:srgbClr>
+                  </a:outerShdw>
+                </a:effectLst>
+              </a:defRPr>
+            </a:lvl1pPr>
+            <a:lvl2pPr>
+              <a:defRPr>
+                <a:solidFill>
+                  <a:schemeClr val="tx2"/>
+                </a:solidFill>
+              </a:defRPr>
+            </a:lvl2pPr>
+            <a:lvl3pPr>
+              <a:defRPr>
+                <a:solidFill>
+                  <a:schemeClr val="tx2"/>
+                </a:solidFill>
+              </a:defRPr>
+            </a:lvl3pPr>
+            <a:lvl4pPr>
+              <a:defRPr>
+                <a:solidFill>
+                  <a:schemeClr val="tx2"/>
+                </a:solidFill>
+              </a:defRPr>
+            </a:lvl4pPr>
+            <a:lvl5pPr>
+              <a:defRPr>
+                <a:solidFill>
+                  <a:schemeClr val="tx2"/>
+                </a:solidFill>
+              </a:defRPr>
+            </a:lvl5pPr>
+            <a:lvl6pPr>
+              <a:defRPr>
+                <a:solidFill>
+                  <a:schemeClr val="tx2"/>
+                </a:solidFill>
+              </a:defRPr>
+            </a:lvl6pPr>
+            <a:lvl7pPr>
+              <a:defRPr>
+                <a:solidFill>
+                  <a:schemeClr val="tx2"/>
+                </a:solidFill>
+              </a:defRPr>
+            </a:lvl7pPr>
+            <a:lvl8pPr>
+              <a:defRPr>
+                <a:solidFill>
+                  <a:schemeClr val="tx2"/>
+                </a:solidFill>
+              </a:defRPr>
+            </a:lvl8pPr>
+            <a:lvl9pPr>
+              <a:defRPr>
+                <a:solidFill>
+                  <a:schemeClr val="tx2"/>
+                </a:solidFill>
+              </a:defRPr>
+            </a:lvl9pPr>
+          </a:lstStyle>
+          <a:p>
+            <a:pPr lvl="0" algn="r"/>
+            <a:r>
+              <a:rPr lang="en-US" sz="8000" dirty="0">
+                <a:solidFill>
+                  <a:schemeClr val="tx1"/>
+                </a:solidFill>
+                <a:effectLst/>
+              </a:rPr>
+              <a:t>”</a:t>
+            </a:r>
+          </a:p>
+        </p:txBody>
+      </p:sp>
+      <p:sp>
+        <p:nvSpPr>
+          <p:cNvPr id="11" name="TextBox 10"/>
+          <p:cNvSpPr txBox="1"/>
+          <p:nvPr/>
+        </p:nvSpPr>
+        <p:spPr>
+          <a:xfrm>
+            <a:off x="421796" y="718114"/>
+            <a:ext cx="457319" cy="584776"/>
+          </a:xfrm>
+          <a:prstGeom prst="rect">
+            <a:avLst/>
+          </a:prstGeom>
+        </p:spPr>
+        <p:txBody>
+          <a:bodyPr vert="horz" lIns="91440" tIns="45720" rIns="91440" bIns="45720" rtlCol="0" anchor="ctr">
+            <a:noAutofit/>
+          </a:bodyPr>
+          <a:lstStyle>
+            <a:lvl1pPr>
+              <a:spcBef>
+                <a:spcPct val="0"/>
+              </a:spcBef>
+              <a:buNone/>
+              <a:defRPr sz="3200" b="0" cap="all">
+                <a:ln w="3175" cmpd="sng">
+                  <a:noFill/>
+                </a:ln>
+                <a:effectLst>
+                  <a:glow rad="38100">
+                    <a:schemeClr val="bg1">
+                      <a:lumMod val="65000"/>
+                      <a:lumOff val="35000"/>
+                      <a:alpha val="40000"/>
+                    </a:schemeClr>
+                  </a:glow>
+                  <a:outerShdw blurRad="28575" dist="38100" dir="14040000" algn="tl" rotWithShape="0">
+                    <a:srgbClr val="000000">
+                      <a:alpha val="25000"/>
+                    </a:srgbClr>
+                  </a:outerShdw>
+                </a:effectLst>
+              </a:defRPr>
+            </a:lvl1pPr>
+            <a:lvl2pPr>
+              <a:defRPr>
+                <a:solidFill>
+                  <a:schemeClr val="tx2"/>
+                </a:solidFill>
+              </a:defRPr>
+            </a:lvl2pPr>
+            <a:lvl3pPr>
+              <a:defRPr>
+                <a:solidFill>
+                  <a:schemeClr val="tx2"/>
+                </a:solidFill>
+              </a:defRPr>
+            </a:lvl3pPr>
+            <a:lvl4pPr>
+              <a:defRPr>
+                <a:solidFill>
+                  <a:schemeClr val="tx2"/>
+                </a:solidFill>
+              </a:defRPr>
+            </a:lvl4pPr>
+            <a:lvl5pPr>
+              <a:defRPr>
+                <a:solidFill>
+                  <a:schemeClr val="tx2"/>
+                </a:solidFill>
+              </a:defRPr>
+            </a:lvl5pPr>
+            <a:lvl6pPr>
+              <a:defRPr>
+                <a:solidFill>
+                  <a:schemeClr val="tx2"/>
+                </a:solidFill>
+              </a:defRPr>
+            </a:lvl6pPr>
+            <a:lvl7pPr>
+              <a:defRPr>
+                <a:solidFill>
+                  <a:schemeClr val="tx2"/>
+                </a:solidFill>
+              </a:defRPr>
+            </a:lvl7pPr>
+            <a:lvl8pPr>
+              <a:defRPr>
+                <a:solidFill>
+                  <a:schemeClr val="tx2"/>
+                </a:solidFill>
+              </a:defRPr>
+            </a:lvl8pPr>
+            <a:lvl9pPr>
+              <a:defRPr>
+                <a:solidFill>
+                  <a:schemeClr val="tx2"/>
+                </a:solidFill>
+              </a:defRPr>
+            </a:lvl9pPr>
+          </a:lstStyle>
+          <a:p>
+            <a:pPr lvl="0"/>
+            <a:r>
+              <a:rPr lang="en-US" sz="8000" dirty="0">
+                <a:solidFill>
+                  <a:schemeClr val="tx1"/>
+                </a:solidFill>
+                <a:effectLst/>
+              </a:rPr>
+              <a:t>“</a:t>
+            </a:r>
+          </a:p>
+        </p:txBody>
+      </p:sp>
+      <p:sp>
+        <p:nvSpPr>
+          <p:cNvPr id="12" name="Title 1"/>
+          <p:cNvSpPr>
+            <a:spLocks noGrp="1"/>
+          </p:cNvSpPr>
+          <p:nvPr>
+            <p:ph type="title"/>
+          </p:nvPr>
+        </p:nvSpPr>
+        <p:spPr>
+          <a:xfrm>
+            <a:off x="879115" y="609602"/>
+            <a:ext cx="7091297" cy="2743199"/>
+          </a:xfrm>
+        </p:spPr>
+        <p:txBody>
+          <a:bodyPr anchor="ctr">
+            <a:normAutofit/>
+          </a:bodyPr>
+          <a:lstStyle>
+            <a:lvl1pPr algn="l">
+              <a:defRPr sz="3200" b="0" cap="none">
+                <a:solidFill>
+                  <a:schemeClr val="tx1"/>
+                </a:solidFill>
+              </a:defRPr>
+            </a:lvl1pPr>
+          </a:lstStyle>
+          <a:p>
+            <a:r>
+              <a:rPr lang="en-US" smtClean="0"/>
+              <a:t>Click to edit Master title style</a:t>
+            </a:r>
+            <a:endParaRPr lang="en-US" dirty="0"/>
+          </a:p>
+        </p:txBody>
+      </p:sp>
+      <p:sp>
+        <p:nvSpPr>
+          <p:cNvPr id="10" name="Text Placeholder 9"/>
+          <p:cNvSpPr>
+            <a:spLocks noGrp="1"/>
+          </p:cNvSpPr>
+          <p:nvPr>
+            <p:ph type="body" sz="quarter" idx="13"/>
+          </p:nvPr>
+        </p:nvSpPr>
+        <p:spPr>
+          <a:xfrm>
+            <a:off x="457200" y="3886200"/>
+            <a:ext cx="7772401" cy="889000"/>
+          </a:xfrm>
+        </p:spPr>
+        <p:txBody>
+          <a:bodyPr vert="horz" lIns="91440" tIns="45720" rIns="91440" bIns="45720" rtlCol="0" anchor="b">
+            <a:normAutofit/>
+          </a:bodyPr>
+          <a:lstStyle>
+            <a:lvl1pPr>
+              <a:buNone/>
+              <a:defRPr lang="en-US" sz="2000" b="0" cap="none" dirty="0">
+                <a:ln w="3175" cmpd="sng">
+                  <a:noFill/>
+                </a:ln>
+                <a:solidFill>
+                  <a:schemeClr val="tx1"/>
+                </a:solidFill>
+                <a:effectLst/>
+              </a:defRPr>
+            </a:lvl1pPr>
+          </a:lstStyle>
+          <a:p>
+            <a:pPr marL="0" lvl="0">
+              <a:spcBef>
+                <a:spcPct val="0"/>
+              </a:spcBef>
+              <a:buNone/>
+            </a:pPr>
+            <a:r>
+              <a:rPr lang="en-US" smtClean="0"/>
+              <a:t>Click to edit Master text styles</a:t>
+            </a:r>
+          </a:p>
+        </p:txBody>
+      </p:sp>
+      <p:sp>
+        <p:nvSpPr>
+          <p:cNvPr id="3" name="Text Placeholder 2"/>
+          <p:cNvSpPr>
+            <a:spLocks noGrp="1"/>
+          </p:cNvSpPr>
+          <p:nvPr>
+            <p:ph type="body" idx="1"/>
+          </p:nvPr>
+        </p:nvSpPr>
+        <p:spPr>
+          <a:xfrm>
+            <a:off x="457200" y="4775200"/>
+            <a:ext cx="7772401" cy="1016000"/>
+          </a:xfrm>
+        </p:spPr>
+        <p:txBody>
+          <a:bodyPr anchor="t">
+            <a:normAutofit/>
+          </a:bodyPr>
+          <a:lstStyle>
+            <a:lvl1pPr marL="0" indent="0" algn="l">
+              <a:buNone/>
+              <a:defRPr sz="1600">
+                <a:solidFill>
+                  <a:schemeClr val="tx1"/>
+                </a:solidFill>
+              </a:defRPr>
+            </a:lvl1pPr>
+            <a:lvl2pPr marL="457200" indent="0">
+              <a:buNone/>
+              <a:defRPr sz="1600">
+                <a:solidFill>
+                  <a:schemeClr val="tx1">
+                    <a:tint val="75000"/>
+                  </a:schemeClr>
+                </a:solidFill>
+              </a:defRPr>
+            </a:lvl2pPr>
+            <a:lvl3pPr marL="914400" indent="0">
+              <a:buNone/>
+              <a:defRPr sz="1600">
+                <a:solidFill>
+                  <a:schemeClr val="tx1">
+                    <a:tint val="75000"/>
+                  </a:schemeClr>
+                </a:solidFill>
+              </a:defRPr>
+            </a:lvl3pPr>
+            <a:lvl4pPr marL="1371600" indent="0">
+              <a:buNone/>
+              <a:defRPr sz="1400">
+                <a:solidFill>
+                  <a:schemeClr val="tx1">
+                    <a:tint val="75000"/>
+                  </a:schemeClr>
+                </a:solidFill>
+              </a:defRPr>
+            </a:lvl4pPr>
+            <a:lvl5pPr marL="1828800" indent="0">
+              <a:buNone/>
+              <a:defRPr sz="1400">
+                <a:solidFill>
+                  <a:schemeClr val="tx1">
+                    <a:tint val="75000"/>
+                  </a:schemeClr>
+                </a:solidFill>
+              </a:defRPr>
+            </a:lvl5pPr>
+            <a:lvl6pPr marL="2286000" indent="0">
+              <a:buNone/>
+              <a:defRPr sz="1400">
+                <a:solidFill>
+                  <a:schemeClr val="tx1">
+                    <a:tint val="75000"/>
+                  </a:schemeClr>
+                </a:solidFill>
+              </a:defRPr>
+            </a:lvl6pPr>
+            <a:lvl7pPr marL="2743200" indent="0">
+              <a:buNone/>
+              <a:defRPr sz="1400">
+                <a:solidFill>
+                  <a:schemeClr val="tx1">
+                    <a:tint val="75000"/>
+                  </a:schemeClr>
+                </a:solidFill>
+              </a:defRPr>
+            </a:lvl7pPr>
+            <a:lvl8pPr marL="3200400" indent="0">
+              <a:buNone/>
+              <a:defRPr sz="1400">
+                <a:solidFill>
+                  <a:schemeClr val="tx1">
+                    <a:tint val="75000"/>
+                  </a:schemeClr>
+                </a:solidFill>
+              </a:defRPr>
+            </a:lvl8pPr>
+            <a:lvl9pPr marL="3657600" indent="0">
+              <a:buNone/>
+              <a:defRPr sz="1400">
+                <a:solidFill>
+                  <a:schemeClr val="tx1">
+                    <a:tint val="75000"/>
+                  </a:schemeClr>
+                </a:solidFill>
+              </a:defRPr>
+            </a:lvl9pPr>
+          </a:lstStyle>
+          <a:p>
+            <a:pPr lvl="0"/>
+            <a:r>
+              <a:rPr lang="en-US" smtClean="0"/>
+              <a:t>Click to edit Master text styles</a:t>
+            </a:r>
+          </a:p>
+        </p:txBody>
+      </p:sp>
+      <p:sp>
+        <p:nvSpPr>
+          <p:cNvPr id="4" name="Date Placeholder 3"/>
+          <p:cNvSpPr>
+            <a:spLocks noGrp="1"/>
+          </p:cNvSpPr>
+          <p:nvPr>
+            <p:ph type="dt" sz="half" idx="10"/>
+          </p:nvPr>
+        </p:nvSpPr>
+        <p:spPr/>
+        <p:txBody>
+          <a:bodyPr/>
+          <a:lstStyle/>
+          <a:p>
+            <a:fld id="{1D8BD707-D9CF-40AE-B4C6-C98DA3205C09}" type="datetimeFigureOut">
+              <a:rPr lang="en-US" smtClean="0"/>
+              <a:pPr/>
+              <a:t>5/5/2015</a:t>
+            </a:fld>
+            <a:endParaRPr lang="en-US"/>
+          </a:p>
+        </p:txBody>
+      </p:sp>
+      <p:sp>
+        <p:nvSpPr>
+          <p:cNvPr id="5" name="Footer Placeholder 4"/>
+          <p:cNvSpPr>
+            <a:spLocks noGrp="1"/>
+          </p:cNvSpPr>
+          <p:nvPr>
+            <p:ph type="ftr" sz="quarter" idx="11"/>
+          </p:nvPr>
+        </p:nvSpPr>
+        <p:spPr/>
+        <p:txBody>
+          <a:bodyPr/>
+          <a:lstStyle/>
+          <a:p>
+            <a:endParaRPr lang="en-US"/>
+          </a:p>
+        </p:txBody>
+      </p:sp>
+      <p:sp>
+        <p:nvSpPr>
+          <p:cNvPr id="6" name="Slide Number Placeholder 5"/>
+          <p:cNvSpPr>
+            <a:spLocks noGrp="1"/>
+          </p:cNvSpPr>
+          <p:nvPr>
+            <p:ph type="sldNum" sz="quarter" idx="12"/>
+          </p:nvPr>
+        </p:nvSpPr>
+        <p:spPr/>
+        <p:txBody>
+          <a:bodyPr/>
+          <a:lstStyle/>
+          <a:p>
+            <a:fld id="{B6F15528-21DE-4FAA-801E-634DDDAF4B2B}" type="slidenum">
+              <a:rPr lang="en-US" smtClean="0"/>
+              <a:pPr/>
+              <a:t>‹#›</a:t>
+            </a:fld>
+            <a:endParaRPr lang="en-US"/>
+          </a:p>
+        </p:txBody>
+      </p:sp>
+    </p:spTree>
+    <p:extLst>
+      <p:ext uri="{BB962C8B-B14F-4D97-AF65-F5344CB8AC3E}">
+        <p14:creationId xmlns:p14="http://schemas.microsoft.com/office/powerpoint/2010/main" val="3537411605"/>
+      </p:ext>
+    </p:extLst>
+  </p:cSld>
+  <p:clrMapOvr>
+    <a:masterClrMapping/>
+  </p:clrMapOvr>
+</p:sldLayout>
+</file>
+
+<file path=ppt/slideLayouts/slideLayout15.xml><?xml version="1.0" encoding="utf-8"?>
+<p:sldLayout xmlns:a="http://schemas.openxmlformats.org/drawingml/2006/main" xmlns:r="http://schemas.openxmlformats.org/officeDocument/2006/relationships" xmlns:p="http://schemas.openxmlformats.org/presentationml/2006/main" preserve="1">
+  <p:cSld name="True or False">
+    <p:spTree>
+      <p:nvGrpSpPr>
+        <p:cNvPr id="1" name=""/>
+        <p:cNvGrpSpPr/>
+        <p:nvPr/>
+      </p:nvGrpSpPr>
+      <p:grpSpPr>
+        <a:xfrm>
+          <a:off x="0" y="0"/>
+          <a:ext cx="0" cy="0"/>
+          <a:chOff x="0" y="0"/>
+          <a:chExt cx="0" cy="0"/>
+        </a:xfrm>
+      </p:grpSpPr>
+      <p:pic>
+        <p:nvPicPr>
+          <p:cNvPr id="8" name="Picture 7" descr="Celestia-R1---OverlayContentSD.png"/>
+          <p:cNvPicPr>
+            <a:picLocks noChangeAspect="1"/>
+          </p:cNvPicPr>
+          <p:nvPr/>
+        </p:nvPicPr>
+        <p:blipFill>
+          <a:blip r:embed="rId2">
+            <a:extLst>
+              <a:ext uri="{28A0092B-C50C-407E-A947-70E740481C1C}">
+                <a14:useLocalDpi xmlns:a14="http://schemas.microsoft.com/office/drawing/2010/main" val="0"/>
+              </a:ext>
+            </a:extLst>
+          </a:blip>
+          <a:stretch>
+            <a:fillRect/>
+          </a:stretch>
+        </p:blipFill>
+        <p:spPr>
+          <a:xfrm>
+            <a:off x="13956" y="0"/>
+            <a:ext cx="9118600" cy="6858000"/>
+          </a:xfrm>
+          <a:prstGeom prst="rect">
+            <a:avLst/>
+          </a:prstGeom>
+        </p:spPr>
+      </p:pic>
+      <p:sp>
+        <p:nvSpPr>
+          <p:cNvPr id="2" name="Title 1"/>
+          <p:cNvSpPr>
+            <a:spLocks noGrp="1"/>
+          </p:cNvSpPr>
+          <p:nvPr>
+            <p:ph type="title"/>
+          </p:nvPr>
+        </p:nvSpPr>
+        <p:spPr>
+          <a:xfrm>
+            <a:off x="464440" y="609602"/>
+            <a:ext cx="7772401" cy="2743199"/>
+          </a:xfrm>
+        </p:spPr>
+        <p:txBody>
+          <a:bodyPr vert="horz" lIns="91440" tIns="45720" rIns="91440" bIns="45720" rtlCol="0" anchor="ctr">
+            <a:normAutofit/>
+          </a:bodyPr>
+          <a:lstStyle>
+            <a:lvl1pPr>
+              <a:defRPr lang="en-US" sz="2800" b="0" dirty="0"/>
+            </a:lvl1pPr>
+          </a:lstStyle>
+          <a:p>
+            <a:pPr marL="0" lvl="0"/>
+            <a:r>
+              <a:rPr lang="en-US" smtClean="0"/>
+              <a:t>Click to edit Master title style</a:t>
+            </a:r>
+            <a:endParaRPr lang="en-US" dirty="0"/>
+          </a:p>
+        </p:txBody>
+      </p:sp>
+      <p:sp>
+        <p:nvSpPr>
+          <p:cNvPr id="10" name="Text Placeholder 9"/>
+          <p:cNvSpPr>
+            <a:spLocks noGrp="1"/>
+          </p:cNvSpPr>
+          <p:nvPr>
+            <p:ph type="body" sz="quarter" idx="13"/>
+          </p:nvPr>
+        </p:nvSpPr>
+        <p:spPr>
+          <a:xfrm>
+            <a:off x="464440" y="3505200"/>
+            <a:ext cx="7772401" cy="838200"/>
+          </a:xfrm>
+        </p:spPr>
+        <p:txBody>
+          <a:bodyPr vert="horz" lIns="91440" tIns="45720" rIns="91440" bIns="45720" rtlCol="0" anchor="b">
+            <a:normAutofit/>
+          </a:bodyPr>
+          <a:lstStyle>
+            <a:lvl1pPr>
+              <a:buNone/>
+              <a:defRPr lang="en-US" sz="2000" b="0" cap="none" dirty="0">
+                <a:ln w="3175" cmpd="sng">
+                  <a:noFill/>
+                </a:ln>
+                <a:solidFill>
+                  <a:schemeClr val="tx1"/>
+                </a:solidFill>
+                <a:effectLst/>
+              </a:defRPr>
+            </a:lvl1pPr>
+          </a:lstStyle>
+          <a:p>
+            <a:pPr marL="0" lvl="0">
+              <a:spcBef>
+                <a:spcPct val="0"/>
+              </a:spcBef>
+              <a:buNone/>
+            </a:pPr>
+            <a:r>
+              <a:rPr lang="en-US" smtClean="0"/>
+              <a:t>Click to edit Master text styles</a:t>
+            </a:r>
+          </a:p>
+        </p:txBody>
+      </p:sp>
+      <p:sp>
+        <p:nvSpPr>
+          <p:cNvPr id="3" name="Text Placeholder 2"/>
+          <p:cNvSpPr>
+            <a:spLocks noGrp="1"/>
+          </p:cNvSpPr>
+          <p:nvPr>
+            <p:ph type="body" idx="1"/>
+          </p:nvPr>
+        </p:nvSpPr>
+        <p:spPr>
+          <a:xfrm>
+            <a:off x="464439" y="4343400"/>
+            <a:ext cx="7772401" cy="1447800"/>
+          </a:xfrm>
+        </p:spPr>
+        <p:txBody>
+          <a:bodyPr anchor="t">
+            <a:normAutofit/>
+          </a:bodyPr>
+          <a:lstStyle>
+            <a:lvl1pPr marL="0" indent="0" algn="l">
+              <a:buNone/>
+              <a:defRPr sz="1600">
+                <a:solidFill>
+                  <a:schemeClr val="tx1"/>
+                </a:solidFill>
+              </a:defRPr>
+            </a:lvl1pPr>
+            <a:lvl2pPr marL="457200" indent="0">
+              <a:buNone/>
+              <a:defRPr sz="1600">
+                <a:solidFill>
+                  <a:schemeClr val="tx1">
+                    <a:tint val="75000"/>
+                  </a:schemeClr>
+                </a:solidFill>
+              </a:defRPr>
+            </a:lvl2pPr>
+            <a:lvl3pPr marL="914400" indent="0">
+              <a:buNone/>
+              <a:defRPr sz="1600">
+                <a:solidFill>
+                  <a:schemeClr val="tx1">
+                    <a:tint val="75000"/>
+                  </a:schemeClr>
+                </a:solidFill>
+              </a:defRPr>
+            </a:lvl3pPr>
+            <a:lvl4pPr marL="1371600" indent="0">
+              <a:buNone/>
+              <a:defRPr sz="1400">
+                <a:solidFill>
+                  <a:schemeClr val="tx1">
+                    <a:tint val="75000"/>
+                  </a:schemeClr>
+                </a:solidFill>
+              </a:defRPr>
+            </a:lvl4pPr>
+            <a:lvl5pPr marL="1828800" indent="0">
+              <a:buNone/>
+              <a:defRPr sz="1400">
+                <a:solidFill>
+                  <a:schemeClr val="tx1">
+                    <a:tint val="75000"/>
+                  </a:schemeClr>
+                </a:solidFill>
+              </a:defRPr>
+            </a:lvl5pPr>
+            <a:lvl6pPr marL="2286000" indent="0">
+              <a:buNone/>
+              <a:defRPr sz="1400">
+                <a:solidFill>
+                  <a:schemeClr val="tx1">
+                    <a:tint val="75000"/>
+                  </a:schemeClr>
+                </a:solidFill>
+              </a:defRPr>
+            </a:lvl6pPr>
+            <a:lvl7pPr marL="2743200" indent="0">
+              <a:buNone/>
+              <a:defRPr sz="1400">
+                <a:solidFill>
+                  <a:schemeClr val="tx1">
+                    <a:tint val="75000"/>
+                  </a:schemeClr>
+                </a:solidFill>
+              </a:defRPr>
+            </a:lvl7pPr>
+            <a:lvl8pPr marL="3200400" indent="0">
+              <a:buNone/>
+              <a:defRPr sz="1400">
+                <a:solidFill>
+                  <a:schemeClr val="tx1">
+                    <a:tint val="75000"/>
+                  </a:schemeClr>
+                </a:solidFill>
+              </a:defRPr>
+            </a:lvl8pPr>
+            <a:lvl9pPr marL="3657600" indent="0">
+              <a:buNone/>
+              <a:defRPr sz="1400">
+                <a:solidFill>
+                  <a:schemeClr val="tx1">
+                    <a:tint val="75000"/>
+                  </a:schemeClr>
+                </a:solidFill>
+              </a:defRPr>
+            </a:lvl9pPr>
+          </a:lstStyle>
+          <a:p>
+            <a:pPr lvl="0"/>
+            <a:r>
+              <a:rPr lang="en-US" smtClean="0"/>
+              <a:t>Click to edit Master text styles</a:t>
+            </a:r>
+          </a:p>
+        </p:txBody>
+      </p:sp>
+      <p:sp>
+        <p:nvSpPr>
+          <p:cNvPr id="4" name="Date Placeholder 3"/>
+          <p:cNvSpPr>
+            <a:spLocks noGrp="1"/>
+          </p:cNvSpPr>
+          <p:nvPr>
+            <p:ph type="dt" sz="half" idx="10"/>
+          </p:nvPr>
+        </p:nvSpPr>
+        <p:spPr/>
+        <p:txBody>
+          <a:bodyPr/>
+          <a:lstStyle/>
+          <a:p>
+            <a:fld id="{1D8BD707-D9CF-40AE-B4C6-C98DA3205C09}" type="datetimeFigureOut">
+              <a:rPr lang="en-US" smtClean="0"/>
+              <a:pPr/>
+              <a:t>5/5/2015</a:t>
+            </a:fld>
+            <a:endParaRPr lang="en-US"/>
+          </a:p>
+        </p:txBody>
+      </p:sp>
+      <p:sp>
+        <p:nvSpPr>
+          <p:cNvPr id="5" name="Footer Placeholder 4"/>
+          <p:cNvSpPr>
+            <a:spLocks noGrp="1"/>
+          </p:cNvSpPr>
+          <p:nvPr>
+            <p:ph type="ftr" sz="quarter" idx="11"/>
+          </p:nvPr>
+        </p:nvSpPr>
+        <p:spPr/>
+        <p:txBody>
+          <a:bodyPr/>
+          <a:lstStyle/>
+          <a:p>
+            <a:endParaRPr lang="en-US"/>
+          </a:p>
+        </p:txBody>
+      </p:sp>
+      <p:sp>
+        <p:nvSpPr>
+          <p:cNvPr id="6" name="Slide Number Placeholder 5"/>
+          <p:cNvSpPr>
+            <a:spLocks noGrp="1"/>
+          </p:cNvSpPr>
+          <p:nvPr>
+            <p:ph type="sldNum" sz="quarter" idx="12"/>
+          </p:nvPr>
+        </p:nvSpPr>
+        <p:spPr/>
+        <p:txBody>
+          <a:bodyPr/>
+          <a:lstStyle/>
+          <a:p>
+            <a:fld id="{B6F15528-21DE-4FAA-801E-634DDDAF4B2B}" type="slidenum">
+              <a:rPr lang="en-US" smtClean="0"/>
+              <a:pPr/>
+              <a:t>‹#›</a:t>
+            </a:fld>
+            <a:endParaRPr lang="en-US"/>
+          </a:p>
+        </p:txBody>
+      </p:sp>
+    </p:spTree>
+    <p:extLst>
+      <p:ext uri="{BB962C8B-B14F-4D97-AF65-F5344CB8AC3E}">
+        <p14:creationId xmlns:p14="http://schemas.microsoft.com/office/powerpoint/2010/main" val="540178979"/>
+      </p:ext>
+    </p:extLst>
+  </p:cSld>
+  <p:clrMapOvr>
+    <a:masterClrMapping/>
+  </p:clrMapOvr>
+</p:sldLayout>
+</file>
+
+<file path=ppt/slideLayouts/slideLayout16.xml><?xml version="1.0" encoding="utf-8"?>
 <p:sldLayout xmlns:a="http://schemas.openxmlformats.org/drawingml/2006/main" xmlns:r="http://schemas.openxmlformats.org/officeDocument/2006/relationships" xmlns:p="http://schemas.openxmlformats.org/presentationml/2006/main" type="vertTx" preserve="1">
   <p:cSld name="Title and Vertical Text">
     <p:spTree>
@@ -1368,9 +3808,39 @@
           <a:chExt cx="0" cy="0"/>
         </a:xfrm>
       </p:grpSpPr>
-      <p:sp>
-        <p:nvSpPr>
-          <p:cNvPr id="2" name="Title 1"/>
+      <p:pic>
+        <p:nvPicPr>
+          <p:cNvPr id="7" name="Picture 6" descr="Celestia-R1---OverlayContentSD.png"/>
+          <p:cNvPicPr>
+            <a:picLocks noChangeAspect="1"/>
+          </p:cNvPicPr>
+          <p:nvPr/>
+        </p:nvPicPr>
+        <p:blipFill>
+          <a:blip r:embed="rId2">
+            <a:extLst>
+              <a:ext uri="{28A0092B-C50C-407E-A947-70E740481C1C}">
+                <a14:useLocalDpi xmlns:a14="http://schemas.microsoft.com/office/drawing/2010/main" val="0"/>
+              </a:ext>
+            </a:extLst>
+          </a:blip>
+          <a:stretch>
+            <a:fillRect/>
+          </a:stretch>
+        </p:blipFill>
+        <p:spPr>
+          <a:xfrm>
+            <a:off x="13956" y="0"/>
+            <a:ext cx="9118600" cy="6858000"/>
+          </a:xfrm>
+          <a:prstGeom prst="rect">
+            <a:avLst/>
+          </a:prstGeom>
+        </p:spPr>
+      </p:pic>
+      <p:sp>
+        <p:nvSpPr>
+          <p:cNvPr id="8" name="Title 1"/>
           <p:cNvSpPr>
             <a:spLocks noGrp="1"/>
           </p:cNvSpPr>
@@ -1378,32 +3848,43 @@
             <p:ph type="title"/>
           </p:nvPr>
         </p:nvSpPr>
+        <p:spPr>
+          <a:xfrm>
+            <a:off x="457200" y="609601"/>
+            <a:ext cx="7772400" cy="1456267"/>
+          </a:xfrm>
+        </p:spPr>
+        <p:txBody>
+          <a:bodyPr>
+            <a:normAutofit/>
+          </a:bodyPr>
+          <a:lstStyle>
+            <a:lvl1pPr>
+              <a:defRPr sz="2800"/>
+            </a:lvl1pPr>
+          </a:lstStyle>
+          <a:p>
+            <a:r>
+              <a:rPr lang="en-US" smtClean="0"/>
+              <a:t>Click to edit Master title style</a:t>
+            </a:r>
+            <a:endParaRPr lang="en-US" dirty="0"/>
+          </a:p>
+        </p:txBody>
+      </p:sp>
+      <p:sp>
+        <p:nvSpPr>
+          <p:cNvPr id="3" name="Vertical Text Placeholder 2"/>
+          <p:cNvSpPr>
+            <a:spLocks noGrp="1"/>
+          </p:cNvSpPr>
+          <p:nvPr>
+            <p:ph type="body" orient="vert" idx="1"/>
+          </p:nvPr>
+        </p:nvSpPr>
         <p:spPr/>
         <p:txBody>
-          <a:bodyPr/>
-          <a:lstStyle/>
-          <a:p>
-            <a:r>
-              <a:rPr lang="en-US" smtClean="0"/>
-              <a:t>Click to edit Master title style</a:t>
-            </a:r>
-            <a:endParaRPr lang="en-US"/>
-          </a:p>
-        </p:txBody>
-      </p:sp>
-      <p:sp>
-        <p:nvSpPr>
-          <p:cNvPr id="3" name="Vertical Text Placeholder 2"/>
-          <p:cNvSpPr>
-            <a:spLocks noGrp="1"/>
-          </p:cNvSpPr>
-          <p:nvPr>
-            <p:ph type="body" orient="vert" idx="1"/>
-          </p:nvPr>
-        </p:nvSpPr>
-        <p:spPr/>
-        <p:txBody>
-          <a:bodyPr vert="eaVert"/>
+          <a:bodyPr vert="eaVert" anchor="t"/>
           <a:lstStyle/>
           <a:p>
             <a:pPr lvl="0"/>
@@ -1439,7 +3920,7 @@
               <a:rPr lang="en-US" smtClean="0"/>
               <a:t>Fifth level</a:t>
             </a:r>
-            <a:endParaRPr lang="en-US"/>
+            <a:endParaRPr lang="en-US" dirty="0"/>
           </a:p>
         </p:txBody>
       </p:sp>
@@ -1511,6 +3992,11 @@
         </p:txBody>
       </p:sp>
     </p:spTree>
+    <p:extLst>
+      <p:ext uri="{BB962C8B-B14F-4D97-AF65-F5344CB8AC3E}">
+        <p14:creationId xmlns:p14="http://schemas.microsoft.com/office/powerpoint/2010/main" val="1486967314"/>
+      </p:ext>
+    </p:extLst>
   </p:cSld>
   <p:clrMapOvr>
     <a:masterClrMapping/>
@@ -1518,7 +4004,7 @@
 </p:sldLayout>
 </file>
 
-<file path=ppt/slideLayouts/slideLayout11.xml><?xml version="1.0" encoding="utf-8"?>
+<file path=ppt/slideLayouts/slideLayout17.xml><?xml version="1.0" encoding="utf-8"?>
 <p:sldLayout xmlns:a="http://schemas.openxmlformats.org/drawingml/2006/main" xmlns:r="http://schemas.openxmlformats.org/officeDocument/2006/relationships" xmlns:p="http://schemas.openxmlformats.org/presentationml/2006/main" type="vertTitleAndTx" preserve="1">
   <p:cSld name="Vertical Title and Text">
     <p:spTree>
@@ -1535,31 +4021,67 @@
           <a:chExt cx="0" cy="0"/>
         </a:xfrm>
       </p:grpSpPr>
-      <p:sp>
-        <p:nvSpPr>
-          <p:cNvPr id="2" name="Vertical Title 1"/>
-          <p:cNvSpPr>
-            <a:spLocks noGrp="1"/>
-          </p:cNvSpPr>
-          <p:nvPr>
-            <p:ph type="title" orient="vert"/>
-          </p:nvPr>
-        </p:nvSpPr>
+      <p:pic>
+        <p:nvPicPr>
+          <p:cNvPr id="7" name="Picture 6" descr="Celestia-R1---OverlayContentSD.png"/>
+          <p:cNvPicPr>
+            <a:picLocks noChangeAspect="1"/>
+          </p:cNvPicPr>
+          <p:nvPr/>
+        </p:nvPicPr>
+        <p:blipFill>
+          <a:blip r:embed="rId2">
+            <a:extLst>
+              <a:ext uri="{28A0092B-C50C-407E-A947-70E740481C1C}">
+                <a14:useLocalDpi xmlns:a14="http://schemas.microsoft.com/office/drawing/2010/main" val="0"/>
+              </a:ext>
+            </a:extLst>
+          </a:blip>
+          <a:stretch>
+            <a:fillRect/>
+          </a:stretch>
+        </p:blipFill>
         <p:spPr>
           <a:xfrm>
-            <a:off x="6629400" y="274638"/>
-            <a:ext cx="2057400" cy="5851525"/>
+            <a:off x="13956" y="0"/>
+            <a:ext cx="9118600" cy="6858000"/>
+          </a:xfrm>
+          <a:prstGeom prst="rect">
+            <a:avLst/>
+          </a:prstGeom>
+        </p:spPr>
+      </p:pic>
+      <p:sp>
+        <p:nvSpPr>
+          <p:cNvPr id="2" name="Vertical Title 1"/>
+          <p:cNvSpPr>
+            <a:spLocks noGrp="1"/>
+          </p:cNvSpPr>
+          <p:nvPr>
+            <p:ph type="title" orient="vert"/>
+          </p:nvPr>
+        </p:nvSpPr>
+        <p:spPr>
+          <a:xfrm>
+            <a:off x="6552978" y="609600"/>
+            <a:ext cx="1676621" cy="5181601"/>
           </a:xfrm>
         </p:spPr>
         <p:txBody>
-          <a:bodyPr vert="eaVert"/>
-          <a:lstStyle/>
+          <a:bodyPr vert="eaVert">
+            <a:normAutofit/>
+          </a:bodyPr>
+          <a:lstStyle>
+            <a:lvl1pPr>
+              <a:defRPr sz="2800"/>
+            </a:lvl1pPr>
+          </a:lstStyle>
           <a:p>
             <a:r>
               <a:rPr lang="en-US" smtClean="0"/>
               <a:t>Click to edit Master title style</a:t>
             </a:r>
-            <a:endParaRPr lang="en-US"/>
+            <a:endParaRPr lang="en-US" dirty="0"/>
           </a:p>
         </p:txBody>
       </p:sp>
@@ -1575,12 +4097,12 @@
         </p:nvSpPr>
         <p:spPr>
           <a:xfrm>
-            <a:off x="457200" y="274638"/>
-            <a:ext cx="6019800" cy="5851525"/>
+            <a:off x="457200" y="609600"/>
+            <a:ext cx="5990184" cy="5181600"/>
           </a:xfrm>
         </p:spPr>
         <p:txBody>
-          <a:bodyPr vert="eaVert"/>
+          <a:bodyPr vert="eaVert" anchor="t"/>
           <a:lstStyle/>
           <a:p>
             <a:pPr lvl="0"/>
@@ -1616,7 +4138,7 @@
               <a:rPr lang="en-US" smtClean="0"/>
               <a:t>Fifth level</a:t>
             </a:r>
-            <a:endParaRPr lang="en-US"/>
+            <a:endParaRPr lang="en-US" dirty="0"/>
           </a:p>
         </p:txBody>
       </p:sp>
@@ -1688,6 +4210,11 @@
         </p:txBody>
       </p:sp>
     </p:spTree>
+    <p:extLst>
+      <p:ext uri="{BB962C8B-B14F-4D97-AF65-F5344CB8AC3E}">
+        <p14:creationId xmlns:p14="http://schemas.microsoft.com/office/powerpoint/2010/main" val="3038704967"/>
+      </p:ext>
+    </p:extLst>
   </p:cSld>
   <p:clrMapOvr>
     <a:masterClrMapping/>
@@ -1712,6 +4239,36 @@
           <a:chExt cx="0" cy="0"/>
         </a:xfrm>
       </p:grpSpPr>
+      <p:pic>
+        <p:nvPicPr>
+          <p:cNvPr id="8" name="Picture 7" descr="Celestia-R1---OverlayContentSD.png"/>
+          <p:cNvPicPr>
+            <a:picLocks noChangeAspect="1"/>
+          </p:cNvPicPr>
+          <p:nvPr/>
+        </p:nvPicPr>
+        <p:blipFill>
+          <a:blip r:embed="rId2">
+            <a:extLst>
+              <a:ext uri="{28A0092B-C50C-407E-A947-70E740481C1C}">
+                <a14:useLocalDpi xmlns:a14="http://schemas.microsoft.com/office/drawing/2010/main" val="0"/>
+              </a:ext>
+            </a:extLst>
+          </a:blip>
+          <a:stretch>
+            <a:fillRect/>
+          </a:stretch>
+        </p:blipFill>
+        <p:spPr>
+          <a:xfrm>
+            <a:off x="13956" y="0"/>
+            <a:ext cx="9118600" cy="6858000"/>
+          </a:xfrm>
+          <a:prstGeom prst="rect">
+            <a:avLst/>
+          </a:prstGeom>
+        </p:spPr>
+      </p:pic>
       <p:sp>
         <p:nvSpPr>
           <p:cNvPr id="2" name="Title 1"/>
@@ -1724,14 +4281,20 @@
         </p:nvSpPr>
         <p:spPr/>
         <p:txBody>
-          <a:bodyPr/>
-          <a:lstStyle/>
+          <a:bodyPr>
+            <a:normAutofit/>
+          </a:bodyPr>
+          <a:lstStyle>
+            <a:lvl1pPr>
+              <a:defRPr sz="2800"/>
+            </a:lvl1pPr>
+          </a:lstStyle>
           <a:p>
             <a:r>
               <a:rPr lang="en-US" smtClean="0"/>
               <a:t>Click to edit Master title style</a:t>
             </a:r>
-            <a:endParaRPr lang="en-US"/>
+            <a:endParaRPr lang="en-US" dirty="0"/>
           </a:p>
         </p:txBody>
       </p:sp>
@@ -1747,7 +4310,7 @@
         </p:nvSpPr>
         <p:spPr/>
         <p:txBody>
-          <a:bodyPr/>
+          <a:bodyPr anchor="ctr"/>
           <a:lstStyle/>
           <a:p>
             <a:pPr lvl="0"/>
@@ -1783,7 +4346,7 @@
               <a:rPr lang="en-US" smtClean="0"/>
               <a:t>Fifth level</a:t>
             </a:r>
-            <a:endParaRPr lang="en-US"/>
+            <a:endParaRPr lang="en-US" dirty="0"/>
           </a:p>
         </p:txBody>
       </p:sp>
@@ -1855,6 +4418,11 @@
         </p:txBody>
       </p:sp>
     </p:spTree>
+    <p:extLst>
+      <p:ext uri="{BB962C8B-B14F-4D97-AF65-F5344CB8AC3E}">
+        <p14:creationId xmlns:p14="http://schemas.microsoft.com/office/powerpoint/2010/main" val="3322152156"/>
+      </p:ext>
+    </p:extLst>
   </p:cSld>
   <p:clrMapOvr>
     <a:masterClrMapping/>
@@ -1879,27 +4447,59 @@
           <a:chExt cx="0" cy="0"/>
         </a:xfrm>
       </p:grpSpPr>
-      <p:sp>
-        <p:nvSpPr>
-          <p:cNvPr id="2" name="Title 1"/>
-          <p:cNvSpPr>
-            <a:spLocks noGrp="1"/>
-          </p:cNvSpPr>
-          <p:nvPr>
-            <p:ph type="title"/>
-          </p:nvPr>
-        </p:nvSpPr>
+      <p:pic>
+        <p:nvPicPr>
+          <p:cNvPr id="8" name="Picture 7" descr="Celestia-R1---OverlayContentSD.png"/>
+          <p:cNvPicPr>
+            <a:picLocks noChangeAspect="1"/>
+          </p:cNvPicPr>
+          <p:nvPr/>
+        </p:nvPicPr>
+        <p:blipFill>
+          <a:blip r:embed="rId2">
+            <a:extLst>
+              <a:ext uri="{28A0092B-C50C-407E-A947-70E740481C1C}">
+                <a14:useLocalDpi xmlns:a14="http://schemas.microsoft.com/office/drawing/2010/main" val="0"/>
+              </a:ext>
+            </a:extLst>
+          </a:blip>
+          <a:stretch>
+            <a:fillRect/>
+          </a:stretch>
+        </p:blipFill>
         <p:spPr>
           <a:xfrm>
-            <a:off x="722313" y="4406900"/>
-            <a:ext cx="7772400" cy="1362075"/>
+            <a:off x="13956" y="0"/>
+            <a:ext cx="9118600" cy="6858000"/>
+          </a:xfrm>
+          <a:prstGeom prst="rect">
+            <a:avLst/>
+          </a:prstGeom>
+        </p:spPr>
+      </p:pic>
+      <p:sp>
+        <p:nvSpPr>
+          <p:cNvPr id="2" name="Title 1"/>
+          <p:cNvSpPr>
+            <a:spLocks noGrp="1"/>
+          </p:cNvSpPr>
+          <p:nvPr>
+            <p:ph type="title"/>
+          </p:nvPr>
+        </p:nvSpPr>
+        <p:spPr>
+          <a:xfrm>
+            <a:off x="457202" y="3308581"/>
+            <a:ext cx="7772400" cy="1468800"/>
           </a:xfrm>
         </p:spPr>
         <p:txBody>
-          <a:bodyPr anchor="t"/>
+          <a:bodyPr anchor="b">
+            <a:normAutofit/>
+          </a:bodyPr>
           <a:lstStyle>
             <a:lvl1pPr algn="l">
-              <a:defRPr sz="4000" b="1" cap="all"/>
+              <a:defRPr sz="3200" b="0" cap="all"/>
             </a:lvl1pPr>
           </a:lstStyle>
           <a:p>
@@ -1907,7 +4507,7 @@
               <a:rPr lang="en-US" smtClean="0"/>
               <a:t>Click to edit Master title style</a:t>
             </a:r>
-            <a:endParaRPr lang="en-US"/>
+            <a:endParaRPr lang="en-US" dirty="0"/>
           </a:p>
         </p:txBody>
       </p:sp>
@@ -1923,20 +4523,20 @@
         </p:nvSpPr>
         <p:spPr>
           <a:xfrm>
-            <a:off x="722313" y="2906713"/>
-            <a:ext cx="7772400" cy="1500187"/>
+            <a:off x="457201" y="4777381"/>
+            <a:ext cx="7772400" cy="860400"/>
           </a:xfrm>
         </p:spPr>
         <p:txBody>
-          <a:bodyPr anchor="b"/>
+          <a:bodyPr anchor="t">
+            <a:normAutofit/>
+          </a:bodyPr>
           <a:lstStyle>
-            <a:lvl1pPr marL="0" indent="0">
-              <a:buNone/>
-              <a:defRPr sz="2000">
-                <a:solidFill>
-                  <a:schemeClr val="tx1">
-                    <a:tint val="75000"/>
-                  </a:schemeClr>
+            <a:lvl1pPr marL="0" indent="0" algn="l">
+              <a:buNone/>
+              <a:defRPr sz="1800" cap="all">
+                <a:solidFill>
+                  <a:schemeClr val="tx1"/>
                 </a:solidFill>
               </a:defRPr>
             </a:lvl1pPr>
@@ -2098,6 +4698,11 @@
         </p:txBody>
       </p:sp>
     </p:spTree>
+    <p:extLst>
+      <p:ext uri="{BB962C8B-B14F-4D97-AF65-F5344CB8AC3E}">
+        <p14:creationId xmlns:p14="http://schemas.microsoft.com/office/powerpoint/2010/main" val="1695665423"/>
+      </p:ext>
+    </p:extLst>
   </p:cSld>
   <p:clrMapOvr>
     <a:masterClrMapping/>
@@ -2122,76 +4727,80 @@
           <a:chExt cx="0" cy="0"/>
         </a:xfrm>
       </p:grpSpPr>
-      <p:sp>
-        <p:nvSpPr>
-          <p:cNvPr id="2" name="Title 1"/>
-          <p:cNvSpPr>
-            <a:spLocks noGrp="1"/>
-          </p:cNvSpPr>
-          <p:nvPr>
-            <p:ph type="title"/>
-          </p:nvPr>
-        </p:nvSpPr>
-        <p:spPr/>
-        <p:txBody>
-          <a:bodyPr/>
-          <a:lstStyle/>
-          <a:p>
-            <a:r>
-              <a:rPr lang="en-US" smtClean="0"/>
-              <a:t>Click to edit Master title style</a:t>
-            </a:r>
-            <a:endParaRPr lang="en-US"/>
-          </a:p>
-        </p:txBody>
-      </p:sp>
-      <p:sp>
-        <p:nvSpPr>
-          <p:cNvPr id="3" name="Content Placeholder 2"/>
-          <p:cNvSpPr>
-            <a:spLocks noGrp="1"/>
-          </p:cNvSpPr>
-          <p:nvPr>
-            <p:ph sz="half" idx="1"/>
-          </p:nvPr>
-        </p:nvSpPr>
+      <p:pic>
+        <p:nvPicPr>
+          <p:cNvPr id="10" name="Picture 9" descr="Celestia-R1---OverlayContentSD.png"/>
+          <p:cNvPicPr>
+            <a:picLocks noChangeAspect="1"/>
+          </p:cNvPicPr>
+          <p:nvPr/>
+        </p:nvPicPr>
+        <p:blipFill>
+          <a:blip r:embed="rId2">
+            <a:extLst>
+              <a:ext uri="{28A0092B-C50C-407E-A947-70E740481C1C}">
+                <a14:useLocalDpi xmlns:a14="http://schemas.microsoft.com/office/drawing/2010/main" val="0"/>
+              </a:ext>
+            </a:extLst>
+          </a:blip>
+          <a:stretch>
+            <a:fillRect/>
+          </a:stretch>
+        </p:blipFill>
         <p:spPr>
           <a:xfrm>
-            <a:off x="457200" y="1600200"/>
-            <a:ext cx="4038600" cy="4525963"/>
+            <a:off x="13956" y="0"/>
+            <a:ext cx="9118600" cy="6858000"/>
+          </a:xfrm>
+          <a:prstGeom prst="rect">
+            <a:avLst/>
+          </a:prstGeom>
+        </p:spPr>
+      </p:pic>
+      <p:sp>
+        <p:nvSpPr>
+          <p:cNvPr id="2" name="Title 1"/>
+          <p:cNvSpPr>
+            <a:spLocks noGrp="1"/>
+          </p:cNvSpPr>
+          <p:nvPr>
+            <p:ph type="title"/>
+          </p:nvPr>
+        </p:nvSpPr>
+        <p:spPr/>
+        <p:txBody>
+          <a:bodyPr/>
+          <a:lstStyle/>
+          <a:p>
+            <a:r>
+              <a:rPr lang="en-US" smtClean="0"/>
+              <a:t>Click to edit Master title style</a:t>
+            </a:r>
+            <a:endParaRPr lang="en-US" dirty="0"/>
+          </a:p>
+        </p:txBody>
+      </p:sp>
+      <p:sp>
+        <p:nvSpPr>
+          <p:cNvPr id="3" name="Content Placeholder 2"/>
+          <p:cNvSpPr>
+            <a:spLocks noGrp="1"/>
+          </p:cNvSpPr>
+          <p:nvPr>
+            <p:ph sz="half" idx="1"/>
+          </p:nvPr>
+        </p:nvSpPr>
+        <p:spPr>
+          <a:xfrm>
+            <a:off x="457201" y="2142068"/>
+            <a:ext cx="3813048" cy="3649134"/>
           </a:xfrm>
         </p:spPr>
         <p:txBody>
-          <a:bodyPr/>
-          <a:lstStyle>
-            <a:lvl1pPr>
-              <a:defRPr sz="2800"/>
-            </a:lvl1pPr>
-            <a:lvl2pPr>
-              <a:defRPr sz="2400"/>
-            </a:lvl2pPr>
-            <a:lvl3pPr>
-              <a:defRPr sz="2000"/>
-            </a:lvl3pPr>
-            <a:lvl4pPr>
-              <a:defRPr sz="1800"/>
-            </a:lvl4pPr>
-            <a:lvl5pPr>
-              <a:defRPr sz="1800"/>
-            </a:lvl5pPr>
-            <a:lvl6pPr>
-              <a:defRPr sz="1800"/>
-            </a:lvl6pPr>
-            <a:lvl7pPr>
-              <a:defRPr sz="1800"/>
-            </a:lvl7pPr>
-            <a:lvl8pPr>
-              <a:defRPr sz="1800"/>
-            </a:lvl8pPr>
-            <a:lvl9pPr>
-              <a:defRPr sz="1800"/>
-            </a:lvl9pPr>
-          </a:lstStyle>
+          <a:bodyPr>
+            <a:normAutofit/>
+          </a:bodyPr>
+          <a:lstStyle/>
           <a:p>
             <a:pPr lvl="0"/>
             <a:r>
@@ -2226,7 +4835,7 @@
               <a:rPr lang="en-US" smtClean="0"/>
               <a:t>Fifth level</a:t>
             </a:r>
-            <a:endParaRPr lang="en-US"/>
+            <a:endParaRPr lang="en-US" dirty="0"/>
           </a:p>
         </p:txBody>
       </p:sp>
@@ -2242,41 +4851,15 @@
         </p:nvSpPr>
         <p:spPr>
           <a:xfrm>
-            <a:off x="4648200" y="1600200"/>
-            <a:ext cx="4038600" cy="4525963"/>
+            <a:off x="4416553" y="2142068"/>
+            <a:ext cx="3813048" cy="3649133"/>
           </a:xfrm>
         </p:spPr>
         <p:txBody>
-          <a:bodyPr/>
-          <a:lstStyle>
-            <a:lvl1pPr>
-              <a:defRPr sz="2800"/>
-            </a:lvl1pPr>
-            <a:lvl2pPr>
-              <a:defRPr sz="2400"/>
-            </a:lvl2pPr>
-            <a:lvl3pPr>
-              <a:defRPr sz="2000"/>
-            </a:lvl3pPr>
-            <a:lvl4pPr>
-              <a:defRPr sz="1800"/>
-            </a:lvl4pPr>
-            <a:lvl5pPr>
-              <a:defRPr sz="1800"/>
-            </a:lvl5pPr>
-            <a:lvl6pPr>
-              <a:defRPr sz="1800"/>
-            </a:lvl6pPr>
-            <a:lvl7pPr>
-              <a:defRPr sz="1800"/>
-            </a:lvl7pPr>
-            <a:lvl8pPr>
-              <a:defRPr sz="1800"/>
-            </a:lvl8pPr>
-            <a:lvl9pPr>
-              <a:defRPr sz="1800"/>
-            </a:lvl9pPr>
-          </a:lstStyle>
+          <a:bodyPr>
+            <a:normAutofit/>
+          </a:bodyPr>
+          <a:lstStyle/>
           <a:p>
             <a:pPr lvl="0"/>
             <a:r>
@@ -2311,7 +4894,7 @@
               <a:rPr lang="en-US" smtClean="0"/>
               <a:t>Fifth level</a:t>
             </a:r>
-            <a:endParaRPr lang="en-US"/>
+            <a:endParaRPr lang="en-US" dirty="0"/>
           </a:p>
         </p:txBody>
       </p:sp>
@@ -2383,6 +4966,11 @@
         </p:txBody>
       </p:sp>
     </p:spTree>
+    <p:extLst>
+      <p:ext uri="{BB962C8B-B14F-4D97-AF65-F5344CB8AC3E}">
+        <p14:creationId xmlns:p14="http://schemas.microsoft.com/office/powerpoint/2010/main" val="3339823809"/>
+      </p:ext>
+    </p:extLst>
   </p:cSld>
   <p:clrMapOvr>
     <a:masterClrMapping/>
@@ -2407,6 +4995,36 @@
           <a:chExt cx="0" cy="0"/>
         </a:xfrm>
       </p:grpSpPr>
+      <p:pic>
+        <p:nvPicPr>
+          <p:cNvPr id="13" name="Picture 12" descr="Celestia-R1---OverlayContentSD.png"/>
+          <p:cNvPicPr>
+            <a:picLocks noChangeAspect="1"/>
+          </p:cNvPicPr>
+          <p:nvPr/>
+        </p:nvPicPr>
+        <p:blipFill>
+          <a:blip r:embed="rId2">
+            <a:extLst>
+              <a:ext uri="{28A0092B-C50C-407E-A947-70E740481C1C}">
+                <a14:useLocalDpi xmlns:a14="http://schemas.microsoft.com/office/drawing/2010/main" val="0"/>
+              </a:ext>
+            </a:extLst>
+          </a:blip>
+          <a:stretch>
+            <a:fillRect/>
+          </a:stretch>
+        </p:blipFill>
+        <p:spPr>
+          <a:xfrm>
+            <a:off x="13956" y="0"/>
+            <a:ext cx="9118600" cy="6858000"/>
+          </a:xfrm>
+          <a:prstGeom prst="rect">
+            <a:avLst/>
+          </a:prstGeom>
+        </p:spPr>
+      </p:pic>
       <p:sp>
         <p:nvSpPr>
           <p:cNvPr id="2" name="Title 1"/>
@@ -2419,10 +5037,12 @@
         </p:nvSpPr>
         <p:spPr/>
         <p:txBody>
-          <a:bodyPr/>
+          <a:bodyPr>
+            <a:normAutofit/>
+          </a:bodyPr>
           <a:lstStyle>
             <a:lvl1pPr>
-              <a:defRPr/>
+              <a:defRPr sz="3200"/>
             </a:lvl1pPr>
           </a:lstStyle>
           <a:p>
@@ -2430,7 +5050,7 @@
               <a:rPr lang="en-US" smtClean="0"/>
               <a:t>Click to edit Master title style</a:t>
             </a:r>
-            <a:endParaRPr lang="en-US"/>
+            <a:endParaRPr lang="en-US" dirty="0"/>
           </a:p>
         </p:txBody>
       </p:sp>
@@ -2446,16 +5066,18 @@
         </p:nvSpPr>
         <p:spPr>
           <a:xfrm>
-            <a:off x="457200" y="1535113"/>
-            <a:ext cx="4040188" cy="639762"/>
+            <a:off x="743480" y="2218267"/>
+            <a:ext cx="3540603" cy="576262"/>
           </a:xfrm>
         </p:spPr>
         <p:txBody>
-          <a:bodyPr anchor="b"/>
+          <a:bodyPr anchor="b">
+            <a:noAutofit/>
+          </a:bodyPr>
           <a:lstStyle>
             <a:lvl1pPr marL="0" indent="0">
               <a:buNone/>
-              <a:defRPr sz="2400" b="1"/>
+              <a:defRPr sz="2400" b="0"/>
             </a:lvl1pPr>
             <a:lvl2pPr marL="457200" indent="0">
               <a:buNone/>
@@ -2511,41 +5133,15 @@
         </p:nvSpPr>
         <p:spPr>
           <a:xfrm>
-            <a:off x="457200" y="2174875"/>
-            <a:ext cx="4040188" cy="3951288"/>
+            <a:off x="457200" y="2870201"/>
+            <a:ext cx="3813048" cy="2920998"/>
           </a:xfrm>
         </p:spPr>
         <p:txBody>
-          <a:bodyPr/>
-          <a:lstStyle>
-            <a:lvl1pPr>
-              <a:defRPr sz="2400"/>
-            </a:lvl1pPr>
-            <a:lvl2pPr>
-              <a:defRPr sz="2000"/>
-            </a:lvl2pPr>
-            <a:lvl3pPr>
-              <a:defRPr sz="1800"/>
-            </a:lvl3pPr>
-            <a:lvl4pPr>
-              <a:defRPr sz="1600"/>
-            </a:lvl4pPr>
-            <a:lvl5pPr>
-              <a:defRPr sz="1600"/>
-            </a:lvl5pPr>
-            <a:lvl6pPr>
-              <a:defRPr sz="1600"/>
-            </a:lvl6pPr>
-            <a:lvl7pPr>
-              <a:defRPr sz="1600"/>
-            </a:lvl7pPr>
-            <a:lvl8pPr>
-              <a:defRPr sz="1600"/>
-            </a:lvl8pPr>
-            <a:lvl9pPr>
-              <a:defRPr sz="1600"/>
-            </a:lvl9pPr>
-          </a:lstStyle>
+          <a:bodyPr anchor="t">
+            <a:normAutofit/>
+          </a:bodyPr>
+          <a:lstStyle/>
           <a:p>
             <a:pPr lvl="0"/>
             <a:r>
@@ -2580,7 +5176,7 @@
               <a:rPr lang="en-US" smtClean="0"/>
               <a:t>Fifth level</a:t>
             </a:r>
-            <a:endParaRPr lang="en-US"/>
+            <a:endParaRPr lang="en-US" dirty="0"/>
           </a:p>
         </p:txBody>
       </p:sp>
@@ -2596,16 +5192,18 @@
         </p:nvSpPr>
         <p:spPr>
           <a:xfrm>
-            <a:off x="4645025" y="1535113"/>
-            <a:ext cx="4041775" cy="639762"/>
+            <a:off x="4711120" y="2218267"/>
+            <a:ext cx="3518480" cy="576262"/>
           </a:xfrm>
         </p:spPr>
         <p:txBody>
-          <a:bodyPr anchor="b"/>
+          <a:bodyPr anchor="b">
+            <a:noAutofit/>
+          </a:bodyPr>
           <a:lstStyle>
             <a:lvl1pPr marL="0" indent="0">
               <a:buNone/>
-              <a:defRPr sz="2400" b="1"/>
+              <a:defRPr sz="2400" b="0"/>
             </a:lvl1pPr>
             <a:lvl2pPr marL="457200" indent="0">
               <a:buNone/>
@@ -2661,41 +5259,15 @@
         </p:nvSpPr>
         <p:spPr>
           <a:xfrm>
-            <a:off x="4645025" y="2174875"/>
-            <a:ext cx="4041775" cy="3951288"/>
+            <a:off x="4416552" y="2870201"/>
+            <a:ext cx="3813048" cy="2920998"/>
           </a:xfrm>
         </p:spPr>
         <p:txBody>
-          <a:bodyPr/>
-          <a:lstStyle>
-            <a:lvl1pPr>
-              <a:defRPr sz="2400"/>
-            </a:lvl1pPr>
-            <a:lvl2pPr>
-              <a:defRPr sz="2000"/>
-            </a:lvl2pPr>
-            <a:lvl3pPr>
-              <a:defRPr sz="1800"/>
-            </a:lvl3pPr>
-            <a:lvl4pPr>
-              <a:defRPr sz="1600"/>
-            </a:lvl4pPr>
-            <a:lvl5pPr>
-              <a:defRPr sz="1600"/>
-            </a:lvl5pPr>
-            <a:lvl6pPr>
-              <a:defRPr sz="1600"/>
-            </a:lvl6pPr>
-            <a:lvl7pPr>
-              <a:defRPr sz="1600"/>
-            </a:lvl7pPr>
-            <a:lvl8pPr>
-              <a:defRPr sz="1600"/>
-            </a:lvl8pPr>
-            <a:lvl9pPr>
-              <a:defRPr sz="1600"/>
-            </a:lvl9pPr>
-          </a:lstStyle>
+          <a:bodyPr anchor="t">
+            <a:normAutofit/>
+          </a:bodyPr>
+          <a:lstStyle/>
           <a:p>
             <a:pPr lvl="0"/>
             <a:r>
@@ -2730,7 +5302,7 @@
               <a:rPr lang="en-US" smtClean="0"/>
               <a:t>Fifth level</a:t>
             </a:r>
-            <a:endParaRPr lang="en-US"/>
+            <a:endParaRPr lang="en-US" dirty="0"/>
           </a:p>
         </p:txBody>
       </p:sp>
@@ -2802,6 +5374,11 @@
         </p:txBody>
       </p:sp>
     </p:spTree>
+    <p:extLst>
+      <p:ext uri="{BB962C8B-B14F-4D97-AF65-F5344CB8AC3E}">
+        <p14:creationId xmlns:p14="http://schemas.microsoft.com/office/powerpoint/2010/main" val="1353256162"/>
+      </p:ext>
+    </p:extLst>
   </p:cSld>
   <p:clrMapOvr>
     <a:masterClrMapping/>
@@ -2826,6 +5403,36 @@
           <a:chExt cx="0" cy="0"/>
         </a:xfrm>
       </p:grpSpPr>
+      <p:pic>
+        <p:nvPicPr>
+          <p:cNvPr id="6" name="Picture 5" descr="Celestia-R1---OverlayContentSD.png"/>
+          <p:cNvPicPr>
+            <a:picLocks noChangeAspect="1"/>
+          </p:cNvPicPr>
+          <p:nvPr/>
+        </p:nvPicPr>
+        <p:blipFill>
+          <a:blip r:embed="rId2">
+            <a:extLst>
+              <a:ext uri="{28A0092B-C50C-407E-A947-70E740481C1C}">
+                <a14:useLocalDpi xmlns:a14="http://schemas.microsoft.com/office/drawing/2010/main" val="0"/>
+              </a:ext>
+            </a:extLst>
+          </a:blip>
+          <a:stretch>
+            <a:fillRect/>
+          </a:stretch>
+        </p:blipFill>
+        <p:spPr>
+          <a:xfrm>
+            <a:off x="13956" y="0"/>
+            <a:ext cx="9118600" cy="6858000"/>
+          </a:xfrm>
+          <a:prstGeom prst="rect">
+            <a:avLst/>
+          </a:prstGeom>
+        </p:spPr>
+      </p:pic>
       <p:sp>
         <p:nvSpPr>
           <p:cNvPr id="2" name="Title 1"/>
@@ -2836,16 +5443,27 @@
             <p:ph type="title"/>
           </p:nvPr>
         </p:nvSpPr>
-        <p:spPr/>
-        <p:txBody>
-          <a:bodyPr/>
-          <a:lstStyle/>
+        <p:spPr>
+          <a:xfrm>
+            <a:off x="457201" y="609601"/>
+            <a:ext cx="7772400" cy="1456267"/>
+          </a:xfrm>
+        </p:spPr>
+        <p:txBody>
+          <a:bodyPr>
+            <a:normAutofit/>
+          </a:bodyPr>
+          <a:lstStyle>
+            <a:lvl1pPr>
+              <a:defRPr sz="3200"/>
+            </a:lvl1pPr>
+          </a:lstStyle>
           <a:p>
             <a:r>
               <a:rPr lang="en-US" smtClean="0"/>
               <a:t>Click to edit Master title style</a:t>
             </a:r>
-            <a:endParaRPr lang="en-US"/>
+            <a:endParaRPr lang="en-US" dirty="0"/>
           </a:p>
         </p:txBody>
       </p:sp>
@@ -2917,6 +5535,11 @@
         </p:txBody>
       </p:sp>
     </p:spTree>
+    <p:extLst>
+      <p:ext uri="{BB962C8B-B14F-4D97-AF65-F5344CB8AC3E}">
+        <p14:creationId xmlns:p14="http://schemas.microsoft.com/office/powerpoint/2010/main" val="1119464538"/>
+      </p:ext>
+    </p:extLst>
   </p:cSld>
   <p:clrMapOvr>
     <a:masterClrMapping/>
@@ -2941,6 +5564,36 @@
           <a:chExt cx="0" cy="0"/>
         </a:xfrm>
       </p:grpSpPr>
+      <p:pic>
+        <p:nvPicPr>
+          <p:cNvPr id="5" name="Picture 4" descr="Celestia-R1---OverlayContentSD.png"/>
+          <p:cNvPicPr>
+            <a:picLocks noChangeAspect="1"/>
+          </p:cNvPicPr>
+          <p:nvPr/>
+        </p:nvPicPr>
+        <p:blipFill>
+          <a:blip r:embed="rId2">
+            <a:extLst>
+              <a:ext uri="{28A0092B-C50C-407E-A947-70E740481C1C}">
+                <a14:useLocalDpi xmlns:a14="http://schemas.microsoft.com/office/drawing/2010/main" val="0"/>
+              </a:ext>
+            </a:extLst>
+          </a:blip>
+          <a:stretch>
+            <a:fillRect/>
+          </a:stretch>
+        </p:blipFill>
+        <p:spPr>
+          <a:xfrm>
+            <a:off x="13956" y="0"/>
+            <a:ext cx="9118600" cy="6858000"/>
+          </a:xfrm>
+          <a:prstGeom prst="rect">
+            <a:avLst/>
+          </a:prstGeom>
+        </p:spPr>
+      </p:pic>
       <p:sp>
         <p:nvSpPr>
           <p:cNvPr id="2" name="Date Placeholder 1"/>
@@ -3009,6 +5662,11 @@
         </p:txBody>
       </p:sp>
     </p:spTree>
+    <p:extLst>
+      <p:ext uri="{BB962C8B-B14F-4D97-AF65-F5344CB8AC3E}">
+        <p14:creationId xmlns:p14="http://schemas.microsoft.com/office/powerpoint/2010/main" val="4210291723"/>
+      </p:ext>
+    </p:extLst>
   </p:cSld>
   <p:clrMapOvr>
     <a:masterClrMapping/>
@@ -3033,27 +5691,59 @@
           <a:chExt cx="0" cy="0"/>
         </a:xfrm>
       </p:grpSpPr>
-      <p:sp>
-        <p:nvSpPr>
-          <p:cNvPr id="2" name="Title 1"/>
-          <p:cNvSpPr>
-            <a:spLocks noGrp="1"/>
-          </p:cNvSpPr>
-          <p:nvPr>
-            <p:ph type="title"/>
-          </p:nvPr>
-        </p:nvSpPr>
+      <p:pic>
+        <p:nvPicPr>
+          <p:cNvPr id="12" name="Picture 11" descr="Celestia-R1---OverlayContentSD.png"/>
+          <p:cNvPicPr>
+            <a:picLocks noChangeAspect="1"/>
+          </p:cNvPicPr>
+          <p:nvPr/>
+        </p:nvPicPr>
+        <p:blipFill>
+          <a:blip r:embed="rId2">
+            <a:extLst>
+              <a:ext uri="{28A0092B-C50C-407E-A947-70E740481C1C}">
+                <a14:useLocalDpi xmlns:a14="http://schemas.microsoft.com/office/drawing/2010/main" val="0"/>
+              </a:ext>
+            </a:extLst>
+          </a:blip>
+          <a:stretch>
+            <a:fillRect/>
+          </a:stretch>
+        </p:blipFill>
         <p:spPr>
           <a:xfrm>
-            <a:off x="457200" y="273050"/>
-            <a:ext cx="3008313" cy="1162050"/>
+            <a:off x="13956" y="0"/>
+            <a:ext cx="9118600" cy="6858000"/>
+          </a:xfrm>
+          <a:prstGeom prst="rect">
+            <a:avLst/>
+          </a:prstGeom>
+        </p:spPr>
+      </p:pic>
+      <p:sp>
+        <p:nvSpPr>
+          <p:cNvPr id="2" name="Title 1"/>
+          <p:cNvSpPr>
+            <a:spLocks noGrp="1"/>
+          </p:cNvSpPr>
+          <p:nvPr>
+            <p:ph type="title"/>
+          </p:nvPr>
+        </p:nvSpPr>
+        <p:spPr>
+          <a:xfrm>
+            <a:off x="461718" y="1557868"/>
+            <a:ext cx="2862910" cy="1439332"/>
           </a:xfrm>
         </p:spPr>
         <p:txBody>
-          <a:bodyPr anchor="b"/>
+          <a:bodyPr anchor="b">
+            <a:normAutofit/>
+          </a:bodyPr>
           <a:lstStyle>
             <a:lvl1pPr algn="l">
-              <a:defRPr sz="2000" b="1"/>
+              <a:defRPr sz="2400" b="0"/>
             </a:lvl1pPr>
           </a:lstStyle>
           <a:p>
@@ -3061,7 +5751,7 @@
               <a:rPr lang="en-US" smtClean="0"/>
               <a:t>Click to edit Master title style</a:t>
             </a:r>
-            <a:endParaRPr lang="en-US"/>
+            <a:endParaRPr lang="en-US" dirty="0"/>
           </a:p>
         </p:txBody>
       </p:sp>
@@ -3077,41 +5767,15 @@
         </p:nvSpPr>
         <p:spPr>
           <a:xfrm>
-            <a:off x="3575050" y="273050"/>
-            <a:ext cx="5111750" cy="5853113"/>
+            <a:off x="3606144" y="609601"/>
+            <a:ext cx="4627975" cy="5181600"/>
           </a:xfrm>
         </p:spPr>
         <p:txBody>
-          <a:bodyPr/>
-          <a:lstStyle>
-            <a:lvl1pPr>
-              <a:defRPr sz="3200"/>
-            </a:lvl1pPr>
-            <a:lvl2pPr>
-              <a:defRPr sz="2800"/>
-            </a:lvl2pPr>
-            <a:lvl3pPr>
-              <a:defRPr sz="2400"/>
-            </a:lvl3pPr>
-            <a:lvl4pPr>
-              <a:defRPr sz="2000"/>
-            </a:lvl4pPr>
-            <a:lvl5pPr>
-              <a:defRPr sz="2000"/>
-            </a:lvl5pPr>
-            <a:lvl6pPr>
-              <a:defRPr sz="2000"/>
-            </a:lvl6pPr>
-            <a:lvl7pPr>
-              <a:defRPr sz="2000"/>
-            </a:lvl7pPr>
-            <a:lvl8pPr>
-              <a:defRPr sz="2000"/>
-            </a:lvl8pPr>
-            <a:lvl9pPr>
-              <a:defRPr sz="2000"/>
-            </a:lvl9pPr>
-          </a:lstStyle>
+          <a:bodyPr anchor="ctr">
+            <a:normAutofit/>
+          </a:bodyPr>
+          <a:lstStyle/>
           <a:p>
             <a:pPr lvl="0"/>
             <a:r>
@@ -3146,7 +5810,7 @@
               <a:rPr lang="en-US" smtClean="0"/>
               <a:t>Fifth level</a:t>
             </a:r>
-            <a:endParaRPr lang="en-US"/>
+            <a:endParaRPr lang="en-US" dirty="0"/>
           </a:p>
         </p:txBody>
       </p:sp>
@@ -3162,12 +5826,14 @@
         </p:nvSpPr>
         <p:spPr>
           <a:xfrm>
-            <a:off x="457200" y="1435100"/>
-            <a:ext cx="3008313" cy="4691063"/>
+            <a:off x="461718" y="2997200"/>
+            <a:ext cx="2862910" cy="1845735"/>
           </a:xfrm>
         </p:spPr>
         <p:txBody>
-          <a:bodyPr/>
+          <a:bodyPr anchor="t">
+            <a:normAutofit/>
+          </a:bodyPr>
           <a:lstStyle>
             <a:lvl1pPr marL="0" indent="0">
               <a:buNone/>
@@ -3283,6 +5949,11 @@
         </p:txBody>
       </p:sp>
     </p:spTree>
+    <p:extLst>
+      <p:ext uri="{BB962C8B-B14F-4D97-AF65-F5344CB8AC3E}">
+        <p14:creationId xmlns:p14="http://schemas.microsoft.com/office/powerpoint/2010/main" val="3288378086"/>
+      </p:ext>
+    </p:extLst>
   </p:cSld>
   <p:clrMapOvr>
     <a:masterClrMapping/>
@@ -3307,27 +5978,59 @@
           <a:chExt cx="0" cy="0"/>
         </a:xfrm>
       </p:grpSpPr>
-      <p:sp>
-        <p:nvSpPr>
-          <p:cNvPr id="2" name="Title 1"/>
-          <p:cNvSpPr>
-            <a:spLocks noGrp="1"/>
-          </p:cNvSpPr>
-          <p:nvPr>
-            <p:ph type="title"/>
-          </p:nvPr>
-        </p:nvSpPr>
+      <p:pic>
+        <p:nvPicPr>
+          <p:cNvPr id="11" name="Picture 10" descr="Celestia-R1---OverlayContentSD.png"/>
+          <p:cNvPicPr>
+            <a:picLocks noChangeAspect="1"/>
+          </p:cNvPicPr>
+          <p:nvPr/>
+        </p:nvPicPr>
+        <p:blipFill>
+          <a:blip r:embed="rId2">
+            <a:extLst>
+              <a:ext uri="{28A0092B-C50C-407E-A947-70E740481C1C}">
+                <a14:useLocalDpi xmlns:a14="http://schemas.microsoft.com/office/drawing/2010/main" val="0"/>
+              </a:ext>
+            </a:extLst>
+          </a:blip>
+          <a:stretch>
+            <a:fillRect/>
+          </a:stretch>
+        </p:blipFill>
         <p:spPr>
           <a:xfrm>
-            <a:off x="1792288" y="4800600"/>
-            <a:ext cx="5486400" cy="566738"/>
+            <a:off x="13956" y="0"/>
+            <a:ext cx="9118600" cy="6858000"/>
+          </a:xfrm>
+          <a:prstGeom prst="rect">
+            <a:avLst/>
+          </a:prstGeom>
+        </p:spPr>
+      </p:pic>
+      <p:sp>
+        <p:nvSpPr>
+          <p:cNvPr id="2" name="Title 1"/>
+          <p:cNvSpPr>
+            <a:spLocks noGrp="1"/>
+          </p:cNvSpPr>
+          <p:nvPr>
+            <p:ph type="title"/>
+          </p:nvPr>
+        </p:nvSpPr>
+        <p:spPr>
+          <a:xfrm>
+            <a:off x="462128" y="1735672"/>
+            <a:ext cx="4097204" cy="1371600"/>
           </a:xfrm>
         </p:spPr>
         <p:txBody>
-          <a:bodyPr anchor="b"/>
+          <a:bodyPr anchor="b">
+            <a:normAutofit/>
+          </a:bodyPr>
           <a:lstStyle>
             <a:lvl1pPr algn="l">
-              <a:defRPr sz="2000" b="1"/>
+              <a:defRPr sz="2400" b="0"/>
             </a:lvl1pPr>
           </a:lstStyle>
           <a:p>
@@ -3335,15 +6038,15 @@
               <a:rPr lang="en-US" smtClean="0"/>
               <a:t>Click to edit Master title style</a:t>
             </a:r>
-            <a:endParaRPr lang="en-US"/>
-          </a:p>
-        </p:txBody>
-      </p:sp>
-      <p:sp>
-        <p:nvSpPr>
-          <p:cNvPr id="3" name="Picture Placeholder 2"/>
-          <p:cNvSpPr>
-            <a:spLocks noGrp="1"/>
+            <a:endParaRPr lang="en-US" dirty="0"/>
+          </a:p>
+        </p:txBody>
+      </p:sp>
+      <p:sp>
+        <p:nvSpPr>
+          <p:cNvPr id="14" name="Picture Placeholder 2"/>
+          <p:cNvSpPr>
+            <a:spLocks noGrp="1" noChangeAspect="1"/>
           </p:cNvSpPr>
           <p:nvPr>
             <p:ph type="pic" idx="1"/>
@@ -3351,77 +6054,86 @@
         </p:nvSpPr>
         <p:spPr>
           <a:xfrm>
-            <a:off x="1792288" y="612775"/>
-            <a:ext cx="5486400" cy="4114800"/>
+            <a:off x="5029200" y="914400"/>
+            <a:ext cx="3200400" cy="4572000"/>
+          </a:xfrm>
+          <a:prstGeom prst="roundRect">
+            <a:avLst>
+              <a:gd name="adj" fmla="val 4280"/>
+            </a:avLst>
+          </a:prstGeom>
+          <a:ln w="50800" cap="sq" cmpd="dbl">
+            <a:gradFill flip="none" rotWithShape="1">
+              <a:gsLst>
+                <a:gs pos="0">
+                  <a:srgbClr val="FFFFFF"/>
+                </a:gs>
+                <a:gs pos="100000">
+                  <a:schemeClr val="tx1">
+                    <a:alpha val="0"/>
+                  </a:schemeClr>
+                </a:gs>
+              </a:gsLst>
+              <a:path path="circle">
+                <a:fillToRect l="50000" t="50000" r="50000" b="50000"/>
+              </a:path>
+              <a:tileRect/>
+            </a:gradFill>
+            <a:miter lim="800000"/>
+          </a:ln>
+          <a:effectLst>
+            <a:outerShdw blurRad="254000" algn="tl" rotWithShape="0">
+              <a:srgbClr val="000000">
+                <a:alpha val="43000"/>
+              </a:srgbClr>
+            </a:outerShdw>
+          </a:effectLst>
+        </p:spPr>
+        <p:txBody>
+          <a:bodyPr vert="horz" lIns="91440" tIns="45720" rIns="91440" bIns="45720" rtlCol="0" anchor="t">
+            <a:normAutofit/>
+          </a:bodyPr>
+          <a:lstStyle>
+            <a:lvl1pPr>
+              <a:defRPr lang="en-US" sz="1600" dirty="0"/>
+            </a:lvl1pPr>
+          </a:lstStyle>
+          <a:p>
+            <a:pPr marL="0" lvl="0" indent="0" algn="ctr">
+              <a:buNone/>
+            </a:pPr>
+            <a:r>
+              <a:rPr lang="en-US" smtClean="0"/>
+              <a:t>Click icon to add picture</a:t>
+            </a:r>
+            <a:endParaRPr lang="en-US" dirty="0"/>
+          </a:p>
+        </p:txBody>
+      </p:sp>
+      <p:sp>
+        <p:nvSpPr>
+          <p:cNvPr id="4" name="Text Placeholder 3"/>
+          <p:cNvSpPr>
+            <a:spLocks noGrp="1"/>
+          </p:cNvSpPr>
+          <p:nvPr>
+            <p:ph type="body" sz="half" idx="2"/>
+          </p:nvPr>
+        </p:nvSpPr>
+        <p:spPr>
+          <a:xfrm>
+            <a:off x="462128" y="3107272"/>
+            <a:ext cx="4097204" cy="1828800"/>
           </a:xfrm>
         </p:spPr>
         <p:txBody>
-          <a:bodyPr/>
+          <a:bodyPr anchor="t">
+            <a:normAutofit/>
+          </a:bodyPr>
           <a:lstStyle>
             <a:lvl1pPr marL="0" indent="0">
               <a:buNone/>
-              <a:defRPr sz="3200"/>
-            </a:lvl1pPr>
-            <a:lvl2pPr marL="457200" indent="0">
-              <a:buNone/>
-              <a:defRPr sz="2800"/>
-            </a:lvl2pPr>
-            <a:lvl3pPr marL="914400" indent="0">
-              <a:buNone/>
-              <a:defRPr sz="2400"/>
-            </a:lvl3pPr>
-            <a:lvl4pPr marL="1371600" indent="0">
-              <a:buNone/>
-              <a:defRPr sz="2000"/>
-            </a:lvl4pPr>
-            <a:lvl5pPr marL="1828800" indent="0">
-              <a:buNone/>
-              <a:defRPr sz="2000"/>
-            </a:lvl5pPr>
-            <a:lvl6pPr marL="2286000" indent="0">
-              <a:buNone/>
-              <a:defRPr sz="2000"/>
-            </a:lvl6pPr>
-            <a:lvl7pPr marL="2743200" indent="0">
-              <a:buNone/>
-              <a:defRPr sz="2000"/>
-            </a:lvl7pPr>
-            <a:lvl8pPr marL="3200400" indent="0">
-              <a:buNone/>
-              <a:defRPr sz="2000"/>
-            </a:lvl8pPr>
-            <a:lvl9pPr marL="3657600" indent="0">
-              <a:buNone/>
-              <a:defRPr sz="2000"/>
-            </a:lvl9pPr>
-          </a:lstStyle>
-          <a:p>
-            <a:endParaRPr lang="en-US"/>
-          </a:p>
-        </p:txBody>
-      </p:sp>
-      <p:sp>
-        <p:nvSpPr>
-          <p:cNvPr id="4" name="Text Placeholder 3"/>
-          <p:cNvSpPr>
-            <a:spLocks noGrp="1"/>
-          </p:cNvSpPr>
-          <p:nvPr>
-            <p:ph type="body" sz="half" idx="2"/>
-          </p:nvPr>
-        </p:nvSpPr>
-        <p:spPr>
-          <a:xfrm>
-            <a:off x="1792288" y="5367338"/>
-            <a:ext cx="5486400" cy="804862"/>
-          </a:xfrm>
-        </p:spPr>
-        <p:txBody>
-          <a:bodyPr/>
-          <a:lstStyle>
-            <a:lvl1pPr marL="0" indent="0">
-              <a:buNone/>
-              <a:defRPr sz="1400"/>
+              <a:defRPr sz="1600"/>
             </a:lvl1pPr>
             <a:lvl2pPr marL="457200" indent="0">
               <a:buNone/>
@@ -3533,6 +6245,11 @@
         </p:txBody>
       </p:sp>
     </p:spTree>
+    <p:extLst>
+      <p:ext uri="{BB962C8B-B14F-4D97-AF65-F5344CB8AC3E}">
+        <p14:creationId xmlns:p14="http://schemas.microsoft.com/office/powerpoint/2010/main" val="4198322766"/>
+      </p:ext>
+    </p:extLst>
   </p:cSld>
   <p:clrMapOvr>
     <a:masterClrMapping/>
@@ -3544,8 +6261,8 @@
 <p:sldMaster xmlns:a="http://schemas.openxmlformats.org/drawingml/2006/main" xmlns:r="http://schemas.openxmlformats.org/officeDocument/2006/relationships" xmlns:p="http://schemas.openxmlformats.org/presentationml/2006/main">
   <p:cSld>
     <p:bg>
-      <p:bgRef idx="1001">
-        <a:schemeClr val="bg1"/>
+      <p:bgRef idx="1003">
+        <a:schemeClr val="bg2"/>
       </p:bgRef>
     </p:bg>
     <p:spTree>
@@ -3574,8 +6291,42 @@
         </p:nvSpPr>
         <p:spPr>
           <a:xfrm>
-            <a:off x="457200" y="274638"/>
-            <a:ext cx="8229600" cy="1143000"/>
+            <a:off x="457200" y="609601"/>
+            <a:ext cx="7772400" cy="1456267"/>
+          </a:xfrm>
+          <a:prstGeom prst="rect">
+            <a:avLst/>
+          </a:prstGeom>
+          <a:effectLst/>
+        </p:spPr>
+        <p:txBody>
+          <a:bodyPr vert="horz" lIns="91440" tIns="45720" rIns="91440" bIns="45720" rtlCol="0" anchor="ctr">
+            <a:normAutofit/>
+          </a:bodyPr>
+          <a:lstStyle/>
+          <a:p>
+            <a:r>
+              <a:rPr lang="en-US" smtClean="0"/>
+              <a:t>Click to edit Master title style</a:t>
+            </a:r>
+            <a:endParaRPr lang="en-US" dirty="0"/>
+          </a:p>
+        </p:txBody>
+      </p:sp>
+      <p:sp>
+        <p:nvSpPr>
+          <p:cNvPr id="3" name="Text Placeholder 2"/>
+          <p:cNvSpPr>
+            <a:spLocks noGrp="1"/>
+          </p:cNvSpPr>
+          <p:nvPr>
+            <p:ph type="body" idx="1"/>
+          </p:nvPr>
+        </p:nvSpPr>
+        <p:spPr>
+          <a:xfrm>
+            <a:off x="457200" y="2142068"/>
+            <a:ext cx="7772400" cy="3649133"/>
           </a:xfrm>
           <a:prstGeom prst="rect">
             <a:avLst/>
@@ -3587,90 +6338,99 @@
           </a:bodyPr>
           <a:lstStyle/>
           <a:p>
-            <a:r>
-              <a:rPr lang="en-US" smtClean="0"/>
-              <a:t>Click to edit Master title style</a:t>
-            </a:r>
-            <a:endParaRPr lang="en-US"/>
-          </a:p>
-        </p:txBody>
-      </p:sp>
-      <p:sp>
-        <p:nvSpPr>
-          <p:cNvPr id="3" name="Text Placeholder 2"/>
-          <p:cNvSpPr>
-            <a:spLocks noGrp="1"/>
-          </p:cNvSpPr>
-          <p:nvPr>
-            <p:ph type="body" idx="1"/>
+            <a:pPr lvl="0"/>
+            <a:r>
+              <a:rPr lang="en-US" smtClean="0"/>
+              <a:t>Click to edit Master text styles</a:t>
+            </a:r>
+          </a:p>
+          <a:p>
+            <a:pPr lvl="1"/>
+            <a:r>
+              <a:rPr lang="en-US" smtClean="0"/>
+              <a:t>Second level</a:t>
+            </a:r>
+          </a:p>
+          <a:p>
+            <a:pPr lvl="2"/>
+            <a:r>
+              <a:rPr lang="en-US" smtClean="0"/>
+              <a:t>Third level</a:t>
+            </a:r>
+          </a:p>
+          <a:p>
+            <a:pPr lvl="3"/>
+            <a:r>
+              <a:rPr lang="en-US" smtClean="0"/>
+              <a:t>Fourth level</a:t>
+            </a:r>
+          </a:p>
+          <a:p>
+            <a:pPr lvl="4"/>
+            <a:r>
+              <a:rPr lang="en-US" smtClean="0"/>
+              <a:t>Fifth level</a:t>
+            </a:r>
+            <a:endParaRPr lang="en-US" dirty="0"/>
+          </a:p>
+        </p:txBody>
+      </p:sp>
+      <p:sp>
+        <p:nvSpPr>
+          <p:cNvPr id="4" name="Date Placeholder 3"/>
+          <p:cNvSpPr>
+            <a:spLocks noGrp="1"/>
+          </p:cNvSpPr>
+          <p:nvPr>
+            <p:ph type="dt" sz="half" idx="2"/>
           </p:nvPr>
         </p:nvSpPr>
         <p:spPr>
           <a:xfrm>
-            <a:off x="457200" y="1600200"/>
-            <a:ext cx="8229600" cy="4525963"/>
+            <a:off x="6523712" y="5870576"/>
+            <a:ext cx="1212173" cy="377825"/>
           </a:xfrm>
           <a:prstGeom prst="rect">
             <a:avLst/>
           </a:prstGeom>
         </p:spPr>
         <p:txBody>
-          <a:bodyPr vert="horz" lIns="91440" tIns="45720" rIns="91440" bIns="45720" rtlCol="0">
-            <a:normAutofit/>
-          </a:bodyPr>
-          <a:lstStyle/>
-          <a:p>
-            <a:pPr lvl="0"/>
-            <a:r>
-              <a:rPr lang="en-US" smtClean="0"/>
-              <a:t>Click to edit Master text styles</a:t>
-            </a:r>
-          </a:p>
-          <a:p>
-            <a:pPr lvl="1"/>
-            <a:r>
-              <a:rPr lang="en-US" smtClean="0"/>
-              <a:t>Second level</a:t>
-            </a:r>
-          </a:p>
-          <a:p>
-            <a:pPr lvl="2"/>
-            <a:r>
-              <a:rPr lang="en-US" smtClean="0"/>
-              <a:t>Third level</a:t>
-            </a:r>
-          </a:p>
-          <a:p>
-            <a:pPr lvl="3"/>
-            <a:r>
-              <a:rPr lang="en-US" smtClean="0"/>
-              <a:t>Fourth level</a:t>
-            </a:r>
-          </a:p>
-          <a:p>
-            <a:pPr lvl="4"/>
-            <a:r>
-              <a:rPr lang="en-US" smtClean="0"/>
-              <a:t>Fifth level</a:t>
-            </a:r>
+          <a:bodyPr vert="horz" lIns="91440" tIns="45720" rIns="91440" bIns="45720" rtlCol="0" anchor="ctr"/>
+          <a:lstStyle>
+            <a:lvl1pPr algn="r">
+              <a:defRPr sz="1000" b="0" i="0">
+                <a:solidFill>
+                  <a:schemeClr val="tx1"/>
+                </a:solidFill>
+                <a:effectLst/>
+                <a:latin typeface="+mn-lt"/>
+              </a:defRPr>
+            </a:lvl1pPr>
+          </a:lstStyle>
+          <a:p>
+            <a:fld id="{1D8BD707-D9CF-40AE-B4C6-C98DA3205C09}" type="datetimeFigureOut">
+              <a:rPr lang="en-US" smtClean="0"/>
+              <a:pPr/>
+              <a:t>5/5/2015</a:t>
+            </a:fld>
             <a:endParaRPr lang="en-US"/>
           </a:p>
         </p:txBody>
       </p:sp>
       <p:sp>
         <p:nvSpPr>
-          <p:cNvPr id="4" name="Date Placeholder 3"/>
-          <p:cNvSpPr>
-            <a:spLocks noGrp="1"/>
-          </p:cNvSpPr>
-          <p:nvPr>
-            <p:ph type="dt" sz="half" idx="2"/>
+          <p:cNvPr id="5" name="Footer Placeholder 4"/>
+          <p:cNvSpPr>
+            <a:spLocks noGrp="1"/>
+          </p:cNvSpPr>
+          <p:nvPr>
+            <p:ph type="ftr" sz="quarter" idx="3"/>
           </p:nvPr>
         </p:nvSpPr>
         <p:spPr>
           <a:xfrm>
-            <a:off x="457200" y="6356350"/>
-            <a:ext cx="2133600" cy="365125"/>
+            <a:off x="457200" y="5870576"/>
+            <a:ext cx="5990311" cy="377825"/>
           </a:xfrm>
           <a:prstGeom prst="rect">
             <a:avLst/>
@@ -3680,39 +6440,34 @@
           <a:bodyPr vert="horz" lIns="91440" tIns="45720" rIns="91440" bIns="45720" rtlCol="0" anchor="ctr"/>
           <a:lstStyle>
             <a:lvl1pPr algn="l">
-              <a:defRPr sz="1200">
-                <a:solidFill>
-                  <a:schemeClr val="tx1">
-                    <a:tint val="75000"/>
-                  </a:schemeClr>
-                </a:solidFill>
+              <a:defRPr sz="1000" b="0" i="0">
+                <a:solidFill>
+                  <a:schemeClr val="tx1"/>
+                </a:solidFill>
+                <a:effectLst/>
+                <a:latin typeface="+mn-lt"/>
               </a:defRPr>
             </a:lvl1pPr>
           </a:lstStyle>
           <a:p>
-            <a:fld id="{1D8BD707-D9CF-40AE-B4C6-C98DA3205C09}" type="datetimeFigureOut">
-              <a:rPr lang="en-US" smtClean="0"/>
-              <a:pPr/>
-              <a:t>5/5/2015</a:t>
-            </a:fld>
             <a:endParaRPr lang="en-US"/>
           </a:p>
         </p:txBody>
       </p:sp>
       <p:sp>
         <p:nvSpPr>
-          <p:cNvPr id="5" name="Footer Placeholder 4"/>
-          <p:cNvSpPr>
-            <a:spLocks noGrp="1"/>
-          </p:cNvSpPr>
-          <p:nvPr>
-            <p:ph type="ftr" sz="quarter" idx="3"/>
+          <p:cNvPr id="6" name="Slide Number Placeholder 5"/>
+          <p:cNvSpPr>
+            <a:spLocks noGrp="1"/>
+          </p:cNvSpPr>
+          <p:nvPr>
+            <p:ph type="sldNum" sz="quarter" idx="4"/>
           </p:nvPr>
         </p:nvSpPr>
         <p:spPr>
           <a:xfrm>
-            <a:off x="3124200" y="6356350"/>
-            <a:ext cx="2895600" cy="365125"/>
+            <a:off x="7812085" y="5870576"/>
+            <a:ext cx="417516" cy="377825"/>
           </a:xfrm>
           <a:prstGeom prst="rect">
             <a:avLst/>
@@ -3721,50 +6476,13 @@
         <p:txBody>
           <a:bodyPr vert="horz" lIns="91440" tIns="45720" rIns="91440" bIns="45720" rtlCol="0" anchor="ctr"/>
           <a:lstStyle>
-            <a:lvl1pPr algn="ctr">
-              <a:defRPr sz="1200">
-                <a:solidFill>
-                  <a:schemeClr val="tx1">
-                    <a:tint val="75000"/>
-                  </a:schemeClr>
-                </a:solidFill>
-              </a:defRPr>
-            </a:lvl1pPr>
-          </a:lstStyle>
-          <a:p>
-            <a:endParaRPr lang="en-US"/>
-          </a:p>
-        </p:txBody>
-      </p:sp>
-      <p:sp>
-        <p:nvSpPr>
-          <p:cNvPr id="6" name="Slide Number Placeholder 5"/>
-          <p:cNvSpPr>
-            <a:spLocks noGrp="1"/>
-          </p:cNvSpPr>
-          <p:nvPr>
-            <p:ph type="sldNum" sz="quarter" idx="4"/>
-          </p:nvPr>
-        </p:nvSpPr>
-        <p:spPr>
-          <a:xfrm>
-            <a:off x="6553200" y="6356350"/>
-            <a:ext cx="2133600" cy="365125"/>
-          </a:xfrm>
-          <a:prstGeom prst="rect">
-            <a:avLst/>
-          </a:prstGeom>
-        </p:spPr>
-        <p:txBody>
-          <a:bodyPr vert="horz" lIns="91440" tIns="45720" rIns="91440" bIns="45720" rtlCol="0" anchor="ctr"/>
-          <a:lstStyle>
             <a:lvl1pPr algn="r">
-              <a:defRPr sz="1200">
-                <a:solidFill>
-                  <a:schemeClr val="tx1">
-                    <a:tint val="75000"/>
-                  </a:schemeClr>
-                </a:solidFill>
+              <a:defRPr sz="1000" b="0" i="0">
+                <a:solidFill>
+                  <a:schemeClr val="tx1"/>
+                </a:solidFill>
+                <a:effectLst/>
+                <a:latin typeface="+mn-lt"/>
               </a:defRPr>
             </a:lvl1pPr>
           </a:lstStyle>
@@ -3779,169 +6497,312 @@
         </p:txBody>
       </p:sp>
     </p:spTree>
+    <p:extLst>
+      <p:ext uri="{BB962C8B-B14F-4D97-AF65-F5344CB8AC3E}">
+        <p14:creationId xmlns:p14="http://schemas.microsoft.com/office/powerpoint/2010/main" val="1891676642"/>
+      </p:ext>
+    </p:extLst>
   </p:cSld>
-  <p:clrMap bg1="lt1" tx1="dk1" bg2="lt2" tx2="dk2" accent1="accent1" accent2="accent2" accent3="accent3" accent4="accent4" accent5="accent5" accent6="accent6" hlink="hlink" folHlink="folHlink"/>
+  <p:clrMap bg1="dk1" tx1="lt1" bg2="dk2" tx2="lt2" accent1="accent1" accent2="accent2" accent3="accent3" accent4="accent4" accent5="accent5" accent6="accent6" hlink="hlink" folHlink="folHlink"/>
   <p:sldLayoutIdLst>
-    <p:sldLayoutId id="2147483673" r:id="rId1"/>
-    <p:sldLayoutId id="2147483674" r:id="rId2"/>
-    <p:sldLayoutId id="2147483675" r:id="rId3"/>
-    <p:sldLayoutId id="2147483676" r:id="rId4"/>
-    <p:sldLayoutId id="2147483677" r:id="rId5"/>
-    <p:sldLayoutId id="2147483678" r:id="rId6"/>
-    <p:sldLayoutId id="2147483679" r:id="rId7"/>
-    <p:sldLayoutId id="2147483680" r:id="rId8"/>
-    <p:sldLayoutId id="2147483681" r:id="rId9"/>
-    <p:sldLayoutId id="2147483682" r:id="rId10"/>
-    <p:sldLayoutId id="2147483683" r:id="rId11"/>
+    <p:sldLayoutId id="2147483756" r:id="rId1"/>
+    <p:sldLayoutId id="2147483757" r:id="rId2"/>
+    <p:sldLayoutId id="2147483758" r:id="rId3"/>
+    <p:sldLayoutId id="2147483759" r:id="rId4"/>
+    <p:sldLayoutId id="2147483760" r:id="rId5"/>
+    <p:sldLayoutId id="2147483761" r:id="rId6"/>
+    <p:sldLayoutId id="2147483762" r:id="rId7"/>
+    <p:sldLayoutId id="2147483763" r:id="rId8"/>
+    <p:sldLayoutId id="2147483764" r:id="rId9"/>
+    <p:sldLayoutId id="2147483765" r:id="rId10"/>
+    <p:sldLayoutId id="2147483766" r:id="rId11"/>
+    <p:sldLayoutId id="2147483767" r:id="rId12"/>
+    <p:sldLayoutId id="2147483768" r:id="rId13"/>
+    <p:sldLayoutId id="2147483769" r:id="rId14"/>
+    <p:sldLayoutId id="2147483770" r:id="rId15"/>
+    <p:sldLayoutId id="2147483771" r:id="rId16"/>
+    <p:sldLayoutId id="2147483772" r:id="rId17"/>
   </p:sldLayoutIdLst>
   <p:txStyles>
     <p:titleStyle>
-      <a:lvl1pPr algn="ctr" defTabSz="914400" rtl="0" eaLnBrk="1" latinLnBrk="0" hangingPunct="1">
+      <a:lvl1pPr algn="l" defTabSz="457200" rtl="0" eaLnBrk="1" latinLnBrk="0" hangingPunct="1">
         <a:spcBef>
           <a:spcPct val="0"/>
         </a:spcBef>
         <a:buNone/>
-        <a:defRPr sz="4400" kern="1200">
+        <a:defRPr sz="3200" kern="1200" cap="all">
+          <a:ln w="3175" cmpd="sng">
+            <a:noFill/>
+          </a:ln>
           <a:solidFill>
             <a:schemeClr val="tx1"/>
           </a:solidFill>
+          <a:effectLst/>
           <a:latin typeface="+mj-lt"/>
           <a:ea typeface="+mj-ea"/>
           <a:cs typeface="+mj-cs"/>
         </a:defRPr>
       </a:lvl1pPr>
+      <a:lvl2pPr eaLnBrk="1" hangingPunct="1">
+        <a:defRPr>
+          <a:solidFill>
+            <a:schemeClr val="tx2"/>
+          </a:solidFill>
+        </a:defRPr>
+      </a:lvl2pPr>
+      <a:lvl3pPr eaLnBrk="1" hangingPunct="1">
+        <a:defRPr>
+          <a:solidFill>
+            <a:schemeClr val="tx2"/>
+          </a:solidFill>
+        </a:defRPr>
+      </a:lvl3pPr>
+      <a:lvl4pPr eaLnBrk="1" hangingPunct="1">
+        <a:defRPr>
+          <a:solidFill>
+            <a:schemeClr val="tx2"/>
+          </a:solidFill>
+        </a:defRPr>
+      </a:lvl4pPr>
+      <a:lvl5pPr eaLnBrk="1" hangingPunct="1">
+        <a:defRPr>
+          <a:solidFill>
+            <a:schemeClr val="tx2"/>
+          </a:solidFill>
+        </a:defRPr>
+      </a:lvl5pPr>
+      <a:lvl6pPr eaLnBrk="1" hangingPunct="1">
+        <a:defRPr>
+          <a:solidFill>
+            <a:schemeClr val="tx2"/>
+          </a:solidFill>
+        </a:defRPr>
+      </a:lvl6pPr>
+      <a:lvl7pPr eaLnBrk="1" hangingPunct="1">
+        <a:defRPr>
+          <a:solidFill>
+            <a:schemeClr val="tx2"/>
+          </a:solidFill>
+        </a:defRPr>
+      </a:lvl7pPr>
+      <a:lvl8pPr eaLnBrk="1" hangingPunct="1">
+        <a:defRPr>
+          <a:solidFill>
+            <a:schemeClr val="tx2"/>
+          </a:solidFill>
+        </a:defRPr>
+      </a:lvl8pPr>
+      <a:lvl9pPr eaLnBrk="1" hangingPunct="1">
+        <a:defRPr>
+          <a:solidFill>
+            <a:schemeClr val="tx2"/>
+          </a:solidFill>
+        </a:defRPr>
+      </a:lvl9pPr>
     </p:titleStyle>
     <p:bodyStyle>
-      <a:lvl1pPr marL="342900" indent="-342900" algn="l" defTabSz="914400" rtl="0" eaLnBrk="1" latinLnBrk="0" hangingPunct="1">
+      <a:lvl1pPr marL="285750" indent="-285750" algn="l" defTabSz="457200" rtl="0" eaLnBrk="1" latinLnBrk="0" hangingPunct="1">
         <a:spcBef>
-          <a:spcPct val="20000"/>
+          <a:spcPts val="0"/>
         </a:spcBef>
-        <a:buFont typeface="Arial" pitchFamily="34" charset="0"/>
+        <a:spcAft>
+          <a:spcPts val="1000"/>
+        </a:spcAft>
+        <a:buClr>
+          <a:schemeClr val="tx1"/>
+        </a:buClr>
+        <a:buSzPct val="100000"/>
+        <a:buFont typeface="Arial"/>
         <a:buChar char="•"/>
-        <a:defRPr sz="3200" kern="1200">
+        <a:defRPr sz="1800" kern="1200" cap="none">
           <a:solidFill>
             <a:schemeClr val="tx1"/>
           </a:solidFill>
+          <a:effectLst/>
           <a:latin typeface="+mn-lt"/>
           <a:ea typeface="+mn-ea"/>
           <a:cs typeface="+mn-cs"/>
         </a:defRPr>
       </a:lvl1pPr>
-      <a:lvl2pPr marL="742950" indent="-285750" algn="l" defTabSz="914400" rtl="0" eaLnBrk="1" latinLnBrk="0" hangingPunct="1">
+      <a:lvl2pPr marL="742950" indent="-285750" algn="l" defTabSz="457200" rtl="0" eaLnBrk="1" latinLnBrk="0" hangingPunct="1">
         <a:spcBef>
-          <a:spcPct val="20000"/>
+          <a:spcPts val="0"/>
         </a:spcBef>
-        <a:buFont typeface="Arial" pitchFamily="34" charset="0"/>
-        <a:buChar char="–"/>
-        <a:defRPr sz="2800" kern="1200">
+        <a:spcAft>
+          <a:spcPts val="1000"/>
+        </a:spcAft>
+        <a:buClr>
+          <a:schemeClr val="tx1"/>
+        </a:buClr>
+        <a:buSzPct val="100000"/>
+        <a:buFont typeface="Arial"/>
+        <a:buChar char="•"/>
+        <a:defRPr sz="1600" kern="1200" cap="none">
           <a:solidFill>
             <a:schemeClr val="tx1"/>
           </a:solidFill>
+          <a:effectLst/>
           <a:latin typeface="+mn-lt"/>
           <a:ea typeface="+mn-ea"/>
           <a:cs typeface="+mn-cs"/>
         </a:defRPr>
       </a:lvl2pPr>
-      <a:lvl3pPr marL="1143000" indent="-228600" algn="l" defTabSz="914400" rtl="0" eaLnBrk="1" latinLnBrk="0" hangingPunct="1">
+      <a:lvl3pPr marL="1200150" indent="-285750" algn="l" defTabSz="457200" rtl="0" eaLnBrk="1" latinLnBrk="0" hangingPunct="1">
         <a:spcBef>
-          <a:spcPct val="20000"/>
+          <a:spcPts val="0"/>
         </a:spcBef>
-        <a:buFont typeface="Arial" pitchFamily="34" charset="0"/>
+        <a:spcAft>
+          <a:spcPts val="1000"/>
+        </a:spcAft>
+        <a:buClr>
+          <a:schemeClr val="tx1"/>
+        </a:buClr>
+        <a:buSzPct val="100000"/>
+        <a:buFont typeface="Arial"/>
         <a:buChar char="•"/>
-        <a:defRPr sz="2400" kern="1200">
+        <a:defRPr sz="1400" kern="1200" cap="none">
           <a:solidFill>
             <a:schemeClr val="tx1"/>
           </a:solidFill>
+          <a:effectLst/>
           <a:latin typeface="+mn-lt"/>
           <a:ea typeface="+mn-ea"/>
           <a:cs typeface="+mn-cs"/>
         </a:defRPr>
       </a:lvl3pPr>
-      <a:lvl4pPr marL="1600200" indent="-228600" algn="l" defTabSz="914400" rtl="0" eaLnBrk="1" latinLnBrk="0" hangingPunct="1">
+      <a:lvl4pPr marL="1543050" indent="-171450" algn="l" defTabSz="457200" rtl="0" eaLnBrk="1" latinLnBrk="0" hangingPunct="1">
         <a:spcBef>
-          <a:spcPct val="20000"/>
+          <a:spcPts val="0"/>
         </a:spcBef>
-        <a:buFont typeface="Arial" pitchFamily="34" charset="0"/>
-        <a:buChar char="–"/>
-        <a:defRPr sz="2000" kern="1200">
+        <a:spcAft>
+          <a:spcPts val="1000"/>
+        </a:spcAft>
+        <a:buClr>
+          <a:schemeClr val="tx1"/>
+        </a:buClr>
+        <a:buSzPct val="100000"/>
+        <a:buFont typeface="Arial"/>
+        <a:buChar char="•"/>
+        <a:defRPr sz="1200" kern="1200" cap="none">
           <a:solidFill>
             <a:schemeClr val="tx1"/>
           </a:solidFill>
+          <a:effectLst/>
           <a:latin typeface="+mn-lt"/>
           <a:ea typeface="+mn-ea"/>
           <a:cs typeface="+mn-cs"/>
         </a:defRPr>
       </a:lvl4pPr>
-      <a:lvl5pPr marL="2057400" indent="-228600" algn="l" defTabSz="914400" rtl="0" eaLnBrk="1" latinLnBrk="0" hangingPunct="1">
+      <a:lvl5pPr marL="2000250" indent="-171450" algn="l" defTabSz="457200" rtl="0" eaLnBrk="1" latinLnBrk="0" hangingPunct="1">
         <a:spcBef>
-          <a:spcPct val="20000"/>
+          <a:spcPts val="0"/>
         </a:spcBef>
-        <a:buFont typeface="Arial" pitchFamily="34" charset="0"/>
-        <a:buChar char="»"/>
-        <a:defRPr sz="2000" kern="1200">
+        <a:spcAft>
+          <a:spcPts val="1000"/>
+        </a:spcAft>
+        <a:buClr>
+          <a:schemeClr val="tx1"/>
+        </a:buClr>
+        <a:buSzPct val="100000"/>
+        <a:buFont typeface="Arial"/>
+        <a:buChar char="•"/>
+        <a:defRPr sz="1200" kern="1200" cap="none">
           <a:solidFill>
             <a:schemeClr val="tx1"/>
           </a:solidFill>
+          <a:effectLst/>
           <a:latin typeface="+mn-lt"/>
           <a:ea typeface="+mn-ea"/>
           <a:cs typeface="+mn-cs"/>
         </a:defRPr>
       </a:lvl5pPr>
-      <a:lvl6pPr marL="2514600" indent="-228600" algn="l" defTabSz="914400" rtl="0" eaLnBrk="1" latinLnBrk="0" hangingPunct="1">
+      <a:lvl6pPr marL="2514600" indent="-228600" algn="l" defTabSz="457200" rtl="0" eaLnBrk="1" latinLnBrk="0" hangingPunct="1">
         <a:spcBef>
-          <a:spcPct val="20000"/>
+          <a:spcPts val="0"/>
         </a:spcBef>
-        <a:buFont typeface="Arial" pitchFamily="34" charset="0"/>
+        <a:spcAft>
+          <a:spcPts val="1000"/>
+        </a:spcAft>
+        <a:buClr>
+          <a:schemeClr val="tx1"/>
+        </a:buClr>
+        <a:buSzPct val="100000"/>
+        <a:buFont typeface="Arial"/>
         <a:buChar char="•"/>
-        <a:defRPr sz="2000" kern="1200">
+        <a:defRPr sz="1200" kern="1200" cap="none">
           <a:solidFill>
             <a:schemeClr val="tx1"/>
           </a:solidFill>
+          <a:effectLst/>
           <a:latin typeface="+mn-lt"/>
           <a:ea typeface="+mn-ea"/>
           <a:cs typeface="+mn-cs"/>
         </a:defRPr>
       </a:lvl6pPr>
-      <a:lvl7pPr marL="2971800" indent="-228600" algn="l" defTabSz="914400" rtl="0" eaLnBrk="1" latinLnBrk="0" hangingPunct="1">
+      <a:lvl7pPr marL="2971800" indent="-228600" algn="l" defTabSz="457200" rtl="0" eaLnBrk="1" latinLnBrk="0" hangingPunct="1">
         <a:spcBef>
-          <a:spcPct val="20000"/>
+          <a:spcPts val="0"/>
         </a:spcBef>
-        <a:buFont typeface="Arial" pitchFamily="34" charset="0"/>
+        <a:spcAft>
+          <a:spcPts val="1000"/>
+        </a:spcAft>
+        <a:buClr>
+          <a:schemeClr val="tx1"/>
+        </a:buClr>
+        <a:buSzPct val="100000"/>
+        <a:buFont typeface="Arial"/>
         <a:buChar char="•"/>
-        <a:defRPr sz="2000" kern="1200">
+        <a:defRPr sz="1200" kern="1200" cap="none">
           <a:solidFill>
             <a:schemeClr val="tx1"/>
           </a:solidFill>
+          <a:effectLst/>
           <a:latin typeface="+mn-lt"/>
           <a:ea typeface="+mn-ea"/>
           <a:cs typeface="+mn-cs"/>
         </a:defRPr>
       </a:lvl7pPr>
-      <a:lvl8pPr marL="3429000" indent="-228600" algn="l" defTabSz="914400" rtl="0" eaLnBrk="1" latinLnBrk="0" hangingPunct="1">
+      <a:lvl8pPr marL="3429000" indent="-228600" algn="l" defTabSz="457200" rtl="0" eaLnBrk="1" latinLnBrk="0" hangingPunct="1">
         <a:spcBef>
-          <a:spcPct val="20000"/>
+          <a:spcPts val="0"/>
         </a:spcBef>
-        <a:buFont typeface="Arial" pitchFamily="34" charset="0"/>
+        <a:spcAft>
+          <a:spcPts val="1000"/>
+        </a:spcAft>
+        <a:buClr>
+          <a:schemeClr val="tx1"/>
+        </a:buClr>
+        <a:buSzPct val="100000"/>
+        <a:buFont typeface="Arial"/>
         <a:buChar char="•"/>
-        <a:defRPr sz="2000" kern="1200">
+        <a:defRPr sz="1200" kern="1200" cap="none">
           <a:solidFill>
             <a:schemeClr val="tx1"/>
           </a:solidFill>
+          <a:effectLst/>
           <a:latin typeface="+mn-lt"/>
           <a:ea typeface="+mn-ea"/>
           <a:cs typeface="+mn-cs"/>
         </a:defRPr>
       </a:lvl8pPr>
-      <a:lvl9pPr marL="3886200" indent="-228600" algn="l" defTabSz="914400" rtl="0" eaLnBrk="1" latinLnBrk="0" hangingPunct="1">
+      <a:lvl9pPr marL="3886200" indent="-228600" algn="l" defTabSz="457200" rtl="0" eaLnBrk="1" latinLnBrk="0" hangingPunct="1">
         <a:spcBef>
-          <a:spcPct val="20000"/>
+          <a:spcPts val="0"/>
         </a:spcBef>
-        <a:buFont typeface="Arial" pitchFamily="34" charset="0"/>
+        <a:spcAft>
+          <a:spcPts val="1000"/>
+        </a:spcAft>
+        <a:buClr>
+          <a:schemeClr val="tx1"/>
+        </a:buClr>
+        <a:buSzPct val="100000"/>
+        <a:buFont typeface="Arial"/>
         <a:buChar char="•"/>
-        <a:defRPr sz="2000" kern="1200">
+        <a:defRPr sz="1200" kern="1200" cap="none">
           <a:solidFill>
             <a:schemeClr val="tx1"/>
           </a:solidFill>
+          <a:effectLst/>
           <a:latin typeface="+mn-lt"/>
           <a:ea typeface="+mn-ea"/>
           <a:cs typeface="+mn-cs"/>
@@ -3952,7 +6813,7 @@
       <a:defPPr>
         <a:defRPr lang="en-US"/>
       </a:defPPr>
-      <a:lvl1pPr marL="0" algn="l" defTabSz="914400" rtl="0" eaLnBrk="1" latinLnBrk="0" hangingPunct="1">
+      <a:lvl1pPr marL="0" algn="l" defTabSz="457200" rtl="0" eaLnBrk="1" latinLnBrk="0" hangingPunct="1">
         <a:defRPr sz="1800" kern="1200">
           <a:solidFill>
             <a:schemeClr val="tx1"/>
@@ -3962,7 +6823,7 @@
           <a:cs typeface="+mn-cs"/>
         </a:defRPr>
       </a:lvl1pPr>
-      <a:lvl2pPr marL="457200" algn="l" defTabSz="914400" rtl="0" eaLnBrk="1" latinLnBrk="0" hangingPunct="1">
+      <a:lvl2pPr marL="457200" algn="l" defTabSz="457200" rtl="0" eaLnBrk="1" latinLnBrk="0" hangingPunct="1">
         <a:defRPr sz="1800" kern="1200">
           <a:solidFill>
             <a:schemeClr val="tx1"/>
@@ -3972,7 +6833,7 @@
           <a:cs typeface="+mn-cs"/>
         </a:defRPr>
       </a:lvl2pPr>
-      <a:lvl3pPr marL="914400" algn="l" defTabSz="914400" rtl="0" eaLnBrk="1" latinLnBrk="0" hangingPunct="1">
+      <a:lvl3pPr marL="914400" algn="l" defTabSz="457200" rtl="0" eaLnBrk="1" latinLnBrk="0" hangingPunct="1">
         <a:defRPr sz="1800" kern="1200">
           <a:solidFill>
             <a:schemeClr val="tx1"/>
@@ -3982,7 +6843,7 @@
           <a:cs typeface="+mn-cs"/>
         </a:defRPr>
       </a:lvl3pPr>
-      <a:lvl4pPr marL="1371600" algn="l" defTabSz="914400" rtl="0" eaLnBrk="1" latinLnBrk="0" hangingPunct="1">
+      <a:lvl4pPr marL="1371600" algn="l" defTabSz="457200" rtl="0" eaLnBrk="1" latinLnBrk="0" hangingPunct="1">
         <a:defRPr sz="1800" kern="1200">
           <a:solidFill>
             <a:schemeClr val="tx1"/>
@@ -3992,7 +6853,7 @@
           <a:cs typeface="+mn-cs"/>
         </a:defRPr>
       </a:lvl4pPr>
-      <a:lvl5pPr marL="1828800" algn="l" defTabSz="914400" rtl="0" eaLnBrk="1" latinLnBrk="0" hangingPunct="1">
+      <a:lvl5pPr marL="1828800" algn="l" defTabSz="457200" rtl="0" eaLnBrk="1" latinLnBrk="0" hangingPunct="1">
         <a:defRPr sz="1800" kern="1200">
           <a:solidFill>
             <a:schemeClr val="tx1"/>
@@ -4002,7 +6863,7 @@
           <a:cs typeface="+mn-cs"/>
         </a:defRPr>
       </a:lvl5pPr>
-      <a:lvl6pPr marL="2286000" algn="l" defTabSz="914400" rtl="0" eaLnBrk="1" latinLnBrk="0" hangingPunct="1">
+      <a:lvl6pPr marL="2286000" algn="l" defTabSz="457200" rtl="0" eaLnBrk="1" latinLnBrk="0" hangingPunct="1">
         <a:defRPr sz="1800" kern="1200">
           <a:solidFill>
             <a:schemeClr val="tx1"/>
@@ -4012,7 +6873,7 @@
           <a:cs typeface="+mn-cs"/>
         </a:defRPr>
       </a:lvl6pPr>
-      <a:lvl7pPr marL="2743200" algn="l" defTabSz="914400" rtl="0" eaLnBrk="1" latinLnBrk="0" hangingPunct="1">
+      <a:lvl7pPr marL="2743200" algn="l" defTabSz="457200" rtl="0" eaLnBrk="1" latinLnBrk="0" hangingPunct="1">
         <a:defRPr sz="1800" kern="1200">
           <a:solidFill>
             <a:schemeClr val="tx1"/>
@@ -4022,7 +6883,7 @@
           <a:cs typeface="+mn-cs"/>
         </a:defRPr>
       </a:lvl7pPr>
-      <a:lvl8pPr marL="3200400" algn="l" defTabSz="914400" rtl="0" eaLnBrk="1" latinLnBrk="0" hangingPunct="1">
+      <a:lvl8pPr marL="3200400" algn="l" defTabSz="457200" rtl="0" eaLnBrk="1" latinLnBrk="0" hangingPunct="1">
         <a:defRPr sz="1800" kern="1200">
           <a:solidFill>
             <a:schemeClr val="tx1"/>
@@ -4032,7 +6893,7 @@
           <a:cs typeface="+mn-cs"/>
         </a:defRPr>
       </a:lvl8pPr>
-      <a:lvl9pPr marL="3657600" algn="l" defTabSz="914400" rtl="0" eaLnBrk="1" latinLnBrk="0" hangingPunct="1">
+      <a:lvl9pPr marL="3657600" algn="l" defTabSz="457200" rtl="0" eaLnBrk="1" latinLnBrk="0" hangingPunct="1">
         <a:defRPr sz="1800" kern="1200">
           <a:solidFill>
             <a:schemeClr val="tx1"/>
@@ -4087,10 +6948,10 @@
           <a:lstStyle/>
           <a:p>
             <a:r>
-              <a:rPr lang="en-US" sz="6000" smtClean="0"/>
+              <a:rPr lang="en-US" sz="6000" dirty="0" smtClean="0"/>
               <a:t>Final project</a:t>
             </a:r>
-            <a:endParaRPr lang="en-US" sz="6000"/>
+            <a:endParaRPr lang="en-US" sz="6000" dirty="0"/>
           </a:p>
         </p:txBody>
       </p:sp>
@@ -4118,102 +6979,204 @@
           <a:p>
             <a:pPr algn="l"/>
             <a:r>
-              <a:rPr lang="en-US" sz="2000" b="1" smtClean="0"/>
+              <a:rPr lang="en-US" sz="2000" b="1" dirty="0" smtClean="0">
+                <a:latin typeface="Arial" panose="020B0604020202020204" pitchFamily="34" charset="0"/>
+                <a:cs typeface="Arial" panose="020B0604020202020204" pitchFamily="34" charset="0"/>
+              </a:rPr>
               <a:t>Member:</a:t>
             </a:r>
           </a:p>
           <a:p>
             <a:pPr lvl="1" algn="l"/>
             <a:r>
-              <a:rPr lang="en-US" sz="1800" err="1" smtClean="0"/>
+              <a:rPr lang="en-US" sz="1800" dirty="0" err="1" smtClean="0">
+                <a:latin typeface="Arial" panose="020B0604020202020204" pitchFamily="34" charset="0"/>
+                <a:cs typeface="Arial" panose="020B0604020202020204" pitchFamily="34" charset="0"/>
+              </a:rPr>
               <a:t>Huỳnh</a:t>
             </a:r>
             <a:r>
-              <a:rPr lang="en-US" sz="1800" smtClean="0"/>
+              <a:rPr lang="en-US" sz="1800" dirty="0" smtClean="0">
+                <a:latin typeface="Arial" panose="020B0604020202020204" pitchFamily="34" charset="0"/>
+                <a:cs typeface="Arial" panose="020B0604020202020204" pitchFamily="34" charset="0"/>
+              </a:rPr>
               <a:t> Minh </a:t>
             </a:r>
             <a:r>
-              <a:rPr lang="en-US" sz="1800" err="1" smtClean="0"/>
+              <a:rPr lang="en-US" sz="1800" dirty="0" err="1" smtClean="0">
+                <a:latin typeface="Arial" panose="020B0604020202020204" pitchFamily="34" charset="0"/>
+                <a:cs typeface="Arial" panose="020B0604020202020204" pitchFamily="34" charset="0"/>
+              </a:rPr>
               <a:t>Trí</a:t>
             </a:r>
             <a:r>
-              <a:rPr lang="en-US" sz="1800" smtClean="0"/>
+              <a:rPr lang="en-US" sz="1800" dirty="0" smtClean="0">
+                <a:latin typeface="Arial" panose="020B0604020202020204" pitchFamily="34" charset="0"/>
+                <a:cs typeface="Arial" panose="020B0604020202020204" pitchFamily="34" charset="0"/>
+              </a:rPr>
               <a:t>.</a:t>
             </a:r>
+            <a:endParaRPr lang="en-US" sz="1800" dirty="0" smtClean="0">
+              <a:latin typeface="Arial" panose="020B0604020202020204" pitchFamily="34" charset="0"/>
+              <a:cs typeface="Arial" panose="020B0604020202020204" pitchFamily="34" charset="0"/>
+            </a:endParaRPr>
           </a:p>
           <a:p>
             <a:pPr lvl="1" algn="l"/>
             <a:r>
-              <a:rPr lang="en-US" sz="1800" smtClean="0"/>
-              <a:t>Võ Kỳ </a:t>
-            </a:r>
-            <a:r>
-              <a:rPr lang="en-US" sz="1800" err="1" smtClean="0"/>
+              <a:rPr lang="en-US" sz="1800" dirty="0" err="1" smtClean="0">
+                <a:latin typeface="Arial" panose="020B0604020202020204" pitchFamily="34" charset="0"/>
+                <a:cs typeface="Arial" panose="020B0604020202020204" pitchFamily="34" charset="0"/>
+              </a:rPr>
+              <a:t>Võ</a:t>
+            </a:r>
+            <a:r>
+              <a:rPr lang="en-US" sz="1800" dirty="0" smtClean="0">
+                <a:latin typeface="Arial" panose="020B0604020202020204" pitchFamily="34" charset="0"/>
+                <a:cs typeface="Arial" panose="020B0604020202020204" pitchFamily="34" charset="0"/>
+              </a:rPr>
+              <a:t> </a:t>
+            </a:r>
+            <a:r>
+              <a:rPr lang="en-US" sz="1800" dirty="0" err="1" smtClean="0">
+                <a:latin typeface="Arial" panose="020B0604020202020204" pitchFamily="34" charset="0"/>
+                <a:cs typeface="Arial" panose="020B0604020202020204" pitchFamily="34" charset="0"/>
+              </a:rPr>
+              <a:t>Kỳ</a:t>
+            </a:r>
+            <a:r>
+              <a:rPr lang="en-US" sz="1800" dirty="0" smtClean="0">
+                <a:latin typeface="Arial" panose="020B0604020202020204" pitchFamily="34" charset="0"/>
+                <a:cs typeface="Arial" panose="020B0604020202020204" pitchFamily="34" charset="0"/>
+              </a:rPr>
+              <a:t> </a:t>
+            </a:r>
+            <a:r>
+              <a:rPr lang="en-US" sz="1800" dirty="0" err="1" smtClean="0">
+                <a:latin typeface="Arial" panose="020B0604020202020204" pitchFamily="34" charset="0"/>
+                <a:cs typeface="Arial" panose="020B0604020202020204" pitchFamily="34" charset="0"/>
+              </a:rPr>
               <a:t>Quốc</a:t>
             </a:r>
             <a:r>
-              <a:rPr lang="en-US" sz="1800" smtClean="0"/>
+              <a:rPr lang="en-US" sz="1800" dirty="0" smtClean="0">
+                <a:latin typeface="Arial" panose="020B0604020202020204" pitchFamily="34" charset="0"/>
+                <a:cs typeface="Arial" panose="020B0604020202020204" pitchFamily="34" charset="0"/>
+              </a:rPr>
               <a:t> </a:t>
             </a:r>
             <a:r>
-              <a:rPr lang="en-US" sz="1800" err="1" smtClean="0"/>
+              <a:rPr lang="en-US" sz="1800" dirty="0" err="1" smtClean="0">
+                <a:latin typeface="Arial" panose="020B0604020202020204" pitchFamily="34" charset="0"/>
+                <a:cs typeface="Arial" panose="020B0604020202020204" pitchFamily="34" charset="0"/>
+              </a:rPr>
               <a:t>Anh</a:t>
             </a:r>
             <a:r>
-              <a:rPr lang="en-US" sz="1800" smtClean="0"/>
+              <a:rPr lang="en-US" sz="1800" dirty="0" smtClean="0">
+                <a:latin typeface="Arial" panose="020B0604020202020204" pitchFamily="34" charset="0"/>
+                <a:cs typeface="Arial" panose="020B0604020202020204" pitchFamily="34" charset="0"/>
+              </a:rPr>
               <a:t>.</a:t>
             </a:r>
+            <a:endParaRPr lang="en-US" sz="1800" dirty="0" smtClean="0">
+              <a:latin typeface="Arial" panose="020B0604020202020204" pitchFamily="34" charset="0"/>
+              <a:cs typeface="Arial" panose="020B0604020202020204" pitchFamily="34" charset="0"/>
+            </a:endParaRPr>
           </a:p>
           <a:p>
             <a:pPr lvl="1" algn="l"/>
             <a:r>
-              <a:rPr lang="en-US" sz="1800" err="1" smtClean="0"/>
+              <a:rPr lang="en-US" sz="1800" dirty="0" err="1" smtClean="0">
+                <a:latin typeface="Arial" panose="020B0604020202020204" pitchFamily="34" charset="0"/>
+                <a:cs typeface="Arial" panose="020B0604020202020204" pitchFamily="34" charset="0"/>
+              </a:rPr>
               <a:t>Đoàn</a:t>
             </a:r>
             <a:r>
-              <a:rPr lang="en-US" sz="1800" smtClean="0"/>
+              <a:rPr lang="en-US" sz="1800" dirty="0" smtClean="0">
+                <a:latin typeface="Arial" panose="020B0604020202020204" pitchFamily="34" charset="0"/>
+                <a:cs typeface="Arial" panose="020B0604020202020204" pitchFamily="34" charset="0"/>
+              </a:rPr>
               <a:t> </a:t>
             </a:r>
             <a:r>
-              <a:rPr lang="en-US" sz="1800" err="1" smtClean="0"/>
+              <a:rPr lang="en-US" sz="1800" dirty="0" err="1" smtClean="0">
+                <a:latin typeface="Arial" panose="020B0604020202020204" pitchFamily="34" charset="0"/>
+                <a:cs typeface="Arial" panose="020B0604020202020204" pitchFamily="34" charset="0"/>
+              </a:rPr>
               <a:t>Đình</a:t>
             </a:r>
             <a:r>
-              <a:rPr lang="en-US" sz="1800" smtClean="0"/>
+              <a:rPr lang="en-US" sz="1800" dirty="0" smtClean="0">
+                <a:latin typeface="Arial" panose="020B0604020202020204" pitchFamily="34" charset="0"/>
+                <a:cs typeface="Arial" panose="020B0604020202020204" pitchFamily="34" charset="0"/>
+              </a:rPr>
               <a:t> </a:t>
             </a:r>
             <a:r>
-              <a:rPr lang="en-US" sz="1800" err="1" smtClean="0"/>
+              <a:rPr lang="en-US" sz="1800" dirty="0" err="1" smtClean="0">
+                <a:latin typeface="Arial" panose="020B0604020202020204" pitchFamily="34" charset="0"/>
+                <a:cs typeface="Arial" panose="020B0604020202020204" pitchFamily="34" charset="0"/>
+              </a:rPr>
               <a:t>Phúc</a:t>
             </a:r>
             <a:r>
-              <a:rPr lang="en-US" sz="1800" smtClean="0"/>
+              <a:rPr lang="en-US" sz="1800" dirty="0" smtClean="0">
+                <a:latin typeface="Arial" panose="020B0604020202020204" pitchFamily="34" charset="0"/>
+                <a:cs typeface="Arial" panose="020B0604020202020204" pitchFamily="34" charset="0"/>
+              </a:rPr>
               <a:t>.</a:t>
             </a:r>
           </a:p>
           <a:p>
+            <a:pPr marL="0" lvl="1" algn="l"/>
+            <a:r>
+              <a:rPr lang="en-US" sz="2000" b="1" dirty="0" smtClean="0">
+                <a:latin typeface="Arial" panose="020B0604020202020204" pitchFamily="34" charset="0"/>
+                <a:cs typeface="Arial" panose="020B0604020202020204" pitchFamily="34" charset="0"/>
+              </a:rPr>
+              <a:t>Mentor:</a:t>
+            </a:r>
+            <a:r>
+              <a:rPr lang="en-US" sz="2000" dirty="0" smtClean="0">
+                <a:latin typeface="Arial" panose="020B0604020202020204" pitchFamily="34" charset="0"/>
+                <a:cs typeface="Arial" panose="020B0604020202020204" pitchFamily="34" charset="0"/>
+              </a:rPr>
+              <a:t> </a:t>
+            </a:r>
+            <a:r>
+              <a:rPr lang="en-US" sz="1800" dirty="0" err="1">
+                <a:latin typeface="Arial" panose="020B0604020202020204" pitchFamily="34" charset="0"/>
+                <a:cs typeface="Arial" panose="020B0604020202020204" pitchFamily="34" charset="0"/>
+              </a:rPr>
+              <a:t>Trần</a:t>
+            </a:r>
+            <a:r>
+              <a:rPr lang="en-US" sz="1800" dirty="0">
+                <a:latin typeface="Arial" panose="020B0604020202020204" pitchFamily="34" charset="0"/>
+                <a:cs typeface="Arial" panose="020B0604020202020204" pitchFamily="34" charset="0"/>
+              </a:rPr>
+              <a:t> Minh </a:t>
+            </a:r>
+            <a:r>
+              <a:rPr lang="en-US" sz="1800" dirty="0" err="1">
+                <a:latin typeface="Arial" panose="020B0604020202020204" pitchFamily="34" charset="0"/>
+                <a:cs typeface="Arial" panose="020B0604020202020204" pitchFamily="34" charset="0"/>
+              </a:rPr>
+              <a:t>Thiện</a:t>
+            </a:r>
+            <a:endParaRPr lang="en-US" sz="1800" dirty="0">
+              <a:latin typeface="Arial" panose="020B0604020202020204" pitchFamily="34" charset="0"/>
+              <a:cs typeface="Arial" panose="020B0604020202020204" pitchFamily="34" charset="0"/>
+            </a:endParaRPr>
+          </a:p>
+          <a:p>
             <a:pPr algn="l"/>
-            <a:r>
-              <a:rPr lang="en-US" sz="2000" b="1" smtClean="0"/>
-              <a:t>Mentor:</a:t>
-            </a:r>
-            <a:r>
-              <a:rPr lang="en-US" sz="2000" smtClean="0"/>
-              <a:t> </a:t>
-            </a:r>
-            <a:r>
-              <a:rPr lang="en-US" sz="1800" err="1" smtClean="0"/>
-              <a:t>Trần</a:t>
-            </a:r>
-            <a:r>
-              <a:rPr lang="en-US" sz="1800" smtClean="0"/>
-              <a:t> Minh </a:t>
-            </a:r>
-            <a:r>
-              <a:rPr lang="en-US" sz="1800" err="1" smtClean="0"/>
-              <a:t>Thiện</a:t>
-            </a:r>
-            <a:endParaRPr lang="en-US" sz="1800"/>
+            <a:endParaRPr lang="en-US" sz="1800" dirty="0">
+              <a:latin typeface="Arial" panose="020B0604020202020204" pitchFamily="34" charset="0"/>
+              <a:cs typeface="Arial" panose="020B0604020202020204" pitchFamily="34" charset="0"/>
+            </a:endParaRPr>
           </a:p>
         </p:txBody>
       </p:sp>
@@ -4225,7 +7188,7 @@
         </p:nvSpPr>
         <p:spPr>
           <a:xfrm>
-            <a:off x="5791200" y="2819400"/>
+            <a:off x="7162800" y="2809359"/>
             <a:ext cx="1447800" cy="369332"/>
           </a:xfrm>
           <a:prstGeom prst="rect">
@@ -4240,10 +7203,10 @@
           <a:lstStyle/>
           <a:p>
             <a:r>
-              <a:rPr lang="en-US" smtClean="0"/>
+              <a:rPr lang="en-US" dirty="0" smtClean="0"/>
               <a:t>Project 1, 2</a:t>
             </a:r>
-            <a:endParaRPr lang="en-US"/>
+            <a:endParaRPr lang="en-US" dirty="0"/>
           </a:p>
         </p:txBody>
       </p:sp>
@@ -4252,6 +7215,13 @@
   <p:clrMapOvr>
     <a:masterClrMapping/>
   </p:clrMapOvr>
+  <p:timing>
+    <p:tnLst>
+      <p:par>
+        <p:cTn id="1" dur="indefinite" restart="never" nodeType="tmRoot"/>
+      </p:par>
+    </p:tnLst>
+  </p:timing>
 </p:sld>
 </file>
 
@@ -4288,10 +7258,10 @@
           <a:lstStyle/>
           <a:p>
             <a:r>
-              <a:rPr lang="en-US" smtClean="0"/>
+              <a:rPr lang="en-US" dirty="0" smtClean="0"/>
               <a:t>Task assignment</a:t>
             </a:r>
-            <a:endParaRPr lang="en-US"/>
+            <a:endParaRPr lang="en-US" dirty="0"/>
           </a:p>
         </p:txBody>
       </p:sp>
@@ -4303,11 +7273,16 @@
           </p:cNvGraphicFramePr>
           <p:nvPr>
             <p:ph idx="1"/>
+            <p:extLst>
+              <p:ext uri="{D42A27DB-BD31-4B8C-83A1-F6EECF244321}">
+                <p14:modId xmlns:p14="http://schemas.microsoft.com/office/powerpoint/2010/main" val="3585406929"/>
+              </p:ext>
+            </p:extLst>
           </p:nvPr>
         </p:nvGraphicFramePr>
         <p:xfrm>
-          <a:off x="457200" y="1600200"/>
-          <a:ext cx="8229600" cy="3662680"/>
+          <a:off x="457200" y="2141538"/>
+          <a:ext cx="7772400" cy="3937000"/>
         </p:xfrm>
         <a:graphic>
           <a:graphicData uri="http://schemas.openxmlformats.org/drawingml/2006/table">
@@ -4316,8 +7291,8 @@
                 <a:tableStyleId>{B301B821-A1FF-4177-AEE7-76D212191A09}</a:tableStyleId>
               </a:tblPr>
               <a:tblGrid>
-                <a:gridCol w="2209800"/>
-                <a:gridCol w="6019800"/>
+                <a:gridCol w="2087033"/>
+                <a:gridCol w="5685367"/>
               </a:tblGrid>
               <a:tr h="370840">
                 <a:tc>
@@ -4327,13 +7302,13 @@
                     <a:p>
                       <a:pPr algn="ctr"/>
                       <a:r>
-                        <a:rPr lang="en-US" smtClean="0"/>
+                        <a:rPr lang="en-US" dirty="0" smtClean="0"/>
                         <a:t>Member</a:t>
                       </a:r>
-                      <a:endParaRPr lang="en-US"/>
+                      <a:endParaRPr lang="en-US" dirty="0"/>
                     </a:p>
                   </a:txBody>
-                  <a:tcPr/>
+                  <a:tcPr marL="86360" marR="86360"/>
                 </a:tc>
                 <a:tc>
                   <a:txBody>
@@ -4342,13 +7317,13 @@
                     <a:p>
                       <a:pPr algn="ctr"/>
                       <a:r>
-                        <a:rPr lang="en-US" smtClean="0"/>
+                        <a:rPr lang="en-US" dirty="0" smtClean="0"/>
                         <a:t>Task</a:t>
                       </a:r>
-                      <a:endParaRPr lang="en-US"/>
+                      <a:endParaRPr lang="en-US" dirty="0"/>
                     </a:p>
                   </a:txBody>
-                  <a:tcPr/>
+                  <a:tcPr marL="86360" marR="86360"/>
                 </a:tc>
               </a:tr>
               <a:tr h="370840">
@@ -4358,17 +7333,21 @@
                     <a:lstStyle/>
                     <a:p>
                       <a:r>
-                        <a:rPr lang="en-US" smtClean="0"/>
+                        <a:rPr lang="en-US" dirty="0" err="1" smtClean="0"/>
                         <a:t>Huỳnh</a:t>
                       </a:r>
                       <a:r>
-                        <a:rPr lang="en-US" baseline="0" smtClean="0"/>
-                        <a:t> Minh Trí</a:t>
+                        <a:rPr lang="en-US" baseline="0" dirty="0" smtClean="0"/>
+                        <a:t> Minh </a:t>
                       </a:r>
-                      <a:endParaRPr lang="en-US"/>
+                      <a:r>
+                        <a:rPr lang="en-US" baseline="0" dirty="0" err="1" smtClean="0"/>
+                        <a:t>Trí</a:t>
+                      </a:r>
+                      <a:endParaRPr lang="en-US" dirty="0"/>
                     </a:p>
                   </a:txBody>
-                  <a:tcPr/>
+                  <a:tcPr marL="86360" marR="86360"/>
                 </a:tc>
                 <a:tc>
                   <a:txBody>
@@ -4377,17 +7356,37 @@
                     <a:p>
                       <a:pPr algn="just"/>
                       <a:r>
-                        <a:rPr lang="en-US" smtClean="0"/>
-                        <a:t>Addfund, withdraw,</a:t>
+                        <a:rPr lang="en-US" dirty="0" err="1" smtClean="0"/>
+                        <a:t>Addfund</a:t>
                       </a:r>
                       <a:r>
-                        <a:rPr lang="en-US" baseline="0" smtClean="0"/>
-                        <a:t> transfer by support, transfer by user, transfer in targetAccount by user, verify transaction, add modify and delete targetAccount, home all user, spring security, login 3 times.</a:t>
+                        <a:rPr lang="en-US" dirty="0" smtClean="0"/>
+                        <a:t>, withdraw,</a:t>
                       </a:r>
-                      <a:endParaRPr lang="en-US"/>
+                      <a:r>
+                        <a:rPr lang="en-US" baseline="0" dirty="0" smtClean="0"/>
+                        <a:t> transfer by support, transfer by user, transfer in </a:t>
+                      </a:r>
+                      <a:r>
+                        <a:rPr lang="en-US" baseline="0" dirty="0" err="1" smtClean="0"/>
+                        <a:t>targetAccount</a:t>
+                      </a:r>
+                      <a:r>
+                        <a:rPr lang="en-US" baseline="0" dirty="0" smtClean="0"/>
+                        <a:t> by user, verify transaction, add modify and delete </a:t>
+                      </a:r>
+                      <a:r>
+                        <a:rPr lang="en-US" baseline="0" dirty="0" err="1" smtClean="0"/>
+                        <a:t>targetAccount</a:t>
+                      </a:r>
+                      <a:r>
+                        <a:rPr lang="en-US" baseline="0" dirty="0" smtClean="0"/>
+                        <a:t>, home all user, spring security, login 3 times.</a:t>
+                      </a:r>
+                      <a:endParaRPr lang="en-US" dirty="0"/>
                     </a:p>
                   </a:txBody>
-                  <a:tcPr/>
+                  <a:tcPr marL="86360" marR="86360"/>
                 </a:tc>
               </a:tr>
               <a:tr h="370840">
@@ -4407,7 +7406,7 @@
                       <a:endParaRPr lang="en-US"/>
                     </a:p>
                   </a:txBody>
-                  <a:tcPr/>
+                  <a:tcPr marL="86360" marR="86360"/>
                 </a:tc>
                 <a:tc>
                   <a:txBody>
@@ -4416,17 +7415,67 @@
                     <a:p>
                       <a:pPr algn="just"/>
                       <a:r>
-                        <a:rPr lang="en-US" smtClean="0"/>
+                        <a:rPr lang="en-US" dirty="0" smtClean="0"/>
                         <a:t>Add account, modify account,</a:t>
                       </a:r>
                       <a:r>
-                        <a:rPr lang="en-US" baseline="0" smtClean="0"/>
-                        <a:t> change state Active -&gt; Disable, Disable -&gt; Active, Removeable -&gt; Removed, verify  account.</a:t>
+                        <a:rPr lang="en-US" baseline="0" dirty="0" smtClean="0"/>
+                        <a:t> change state Active </a:t>
                       </a:r>
-                      <a:endParaRPr lang="en-US"/>
+                      <a:r>
+                        <a:rPr lang="en-US" baseline="0" dirty="0" smtClean="0">
+                          <a:sym typeface="Wingdings" panose="05000000000000000000" pitchFamily="2" charset="2"/>
+                        </a:rPr>
+                        <a:t></a:t>
+                      </a:r>
+                      <a:r>
+                        <a:rPr lang="en-US" baseline="0" dirty="0" smtClean="0"/>
+                        <a:t> </a:t>
+                      </a:r>
+                      <a:r>
+                        <a:rPr lang="en-US" baseline="0" dirty="0" smtClean="0"/>
+                        <a:t>Disable, Disable </a:t>
+                      </a:r>
+                      <a:r>
+                        <a:rPr lang="en-US" baseline="0" dirty="0" smtClean="0">
+                          <a:sym typeface="Wingdings" panose="05000000000000000000" pitchFamily="2" charset="2"/>
+                        </a:rPr>
+                        <a:t></a:t>
+                      </a:r>
+                      <a:r>
+                        <a:rPr lang="en-US" baseline="0" dirty="0" smtClean="0"/>
+                        <a:t> </a:t>
+                      </a:r>
+                      <a:r>
+                        <a:rPr lang="en-US" baseline="0" dirty="0" smtClean="0"/>
+                        <a:t>Active, </a:t>
+                      </a:r>
+                      <a:r>
+                        <a:rPr lang="en-US" baseline="0" dirty="0" err="1" smtClean="0"/>
+                        <a:t>Removeable</a:t>
+                      </a:r>
+                      <a:r>
+                        <a:rPr lang="en-US" baseline="0" dirty="0" smtClean="0"/>
+                        <a:t> </a:t>
+                      </a:r>
+                      <a:r>
+                        <a:rPr lang="en-US" baseline="0" dirty="0" smtClean="0">
+                          <a:sym typeface="Wingdings" panose="05000000000000000000" pitchFamily="2" charset="2"/>
+                        </a:rPr>
+                        <a:t></a:t>
+                      </a:r>
+                      <a:r>
+                        <a:rPr lang="en-US" baseline="0" dirty="0" smtClean="0"/>
+                        <a:t> </a:t>
+                      </a:r>
+                      <a:r>
+                        <a:rPr lang="en-US" baseline="0" dirty="0" smtClean="0"/>
+                        <a:t>Removed, verify  account.</a:t>
+                      </a:r>
+                      <a:endParaRPr lang="en-US" dirty="0"/>
                     </a:p>
                   </a:txBody>
-                  <a:tcPr/>
+                  <a:tcPr marL="86360" marR="86360"/>
                 </a:tc>
               </a:tr>
               <a:tr h="370840">
@@ -4446,7 +7495,7 @@
                       <a:endParaRPr lang="en-US"/>
                     </a:p>
                   </a:txBody>
-                  <a:tcPr/>
+                  <a:tcPr marL="86360" marR="86360"/>
                 </a:tc>
                 <a:tc>
                   <a:txBody>
@@ -4455,17 +7504,17 @@
                     <a:p>
                       <a:pPr algn="just"/>
                       <a:r>
-                        <a:rPr lang="en-US" smtClean="0"/>
+                        <a:rPr lang="en-US" dirty="0" smtClean="0"/>
                         <a:t>View and</a:t>
                       </a:r>
                       <a:r>
-                        <a:rPr lang="en-US" baseline="0" smtClean="0"/>
+                        <a:rPr lang="en-US" baseline="0" dirty="0" smtClean="0"/>
                         <a:t> edit personal information, change user password, view transaction and balance history for customer and supporter, search account (by account number, by Card Id, account type, account state, etc..), auto updating balance amount to balance history.</a:t>
                       </a:r>
-                      <a:endParaRPr lang="en-US"/>
+                      <a:endParaRPr lang="en-US" dirty="0"/>
                     </a:p>
                   </a:txBody>
-                  <a:tcPr/>
+                  <a:tcPr marL="86360" marR="86360"/>
                 </a:tc>
               </a:tr>
             </a:tbl>
@@ -4477,6 +7526,13 @@
   <p:clrMapOvr>
     <a:masterClrMapping/>
   </p:clrMapOvr>
+  <p:timing>
+    <p:tnLst>
+      <p:par>
+        <p:cTn id="1" dur="indefinite" restart="never" nodeType="tmRoot"/>
+      </p:par>
+    </p:tnLst>
+  </p:timing>
 </p:sld>
 </file>
 
@@ -4518,10 +7574,10 @@
           <a:lstStyle/>
           <a:p>
             <a:r>
-              <a:rPr lang="en-US" smtClean="0"/>
+              <a:rPr lang="en-US" dirty="0" smtClean="0"/>
               <a:t>Use case</a:t>
             </a:r>
-            <a:endParaRPr lang="en-US"/>
+            <a:endParaRPr lang="en-US" dirty="0"/>
           </a:p>
         </p:txBody>
       </p:sp>
@@ -4543,8 +7599,8 @@
         </p:blipFill>
         <p:spPr>
           <a:xfrm>
-            <a:off x="762000" y="1219200"/>
-            <a:ext cx="7620000" cy="5363758"/>
+            <a:off x="800100" y="990600"/>
+            <a:ext cx="7543800" cy="5748418"/>
           </a:xfrm>
         </p:spPr>
       </p:pic>
@@ -4615,15 +7671,14 @@
         </p:nvPicPr>
         <p:blipFill>
           <a:blip r:embed="rId3" cstate="print"/>
-          <a:srcRect/>
           <a:stretch>
             <a:fillRect/>
           </a:stretch>
         </p:blipFill>
         <p:spPr bwMode="auto">
           <a:xfrm>
-            <a:off x="2336330" y="1600200"/>
-            <a:ext cx="4471339" cy="4525963"/>
+            <a:off x="2164191" y="2065868"/>
+            <a:ext cx="4358417" cy="4563532"/>
           </a:xfrm>
           <a:prstGeom prst="rect">
             <a:avLst/>
@@ -4704,15 +7759,14 @@
         </p:nvPicPr>
         <p:blipFill>
           <a:blip r:embed="rId3" cstate="print"/>
-          <a:srcRect/>
           <a:stretch>
             <a:fillRect/>
           </a:stretch>
         </p:blipFill>
         <p:spPr bwMode="auto">
           <a:xfrm>
-            <a:off x="2190750" y="1958181"/>
-            <a:ext cx="4762500" cy="3810000"/>
+            <a:off x="1443568" y="2065868"/>
+            <a:ext cx="5799664" cy="4639732"/>
           </a:xfrm>
           <a:prstGeom prst="rect">
             <a:avLst/>
@@ -4725,6 +7779,13 @@
   <p:clrMapOvr>
     <a:masterClrMapping/>
   </p:clrMapOvr>
+  <p:timing>
+    <p:tnLst>
+      <p:par>
+        <p:cTn id="1" dur="indefinite" restart="never" nodeType="tmRoot"/>
+      </p:par>
+    </p:tnLst>
+  </p:timing>
 </p:sld>
 </file>
 
@@ -4755,16 +7816,21 @@
             <p:ph type="title"/>
           </p:nvPr>
         </p:nvSpPr>
-        <p:spPr/>
+        <p:spPr>
+          <a:xfrm>
+            <a:off x="304800" y="0"/>
+            <a:ext cx="7772400" cy="1456267"/>
+          </a:xfrm>
+        </p:spPr>
         <p:txBody>
           <a:bodyPr/>
           <a:lstStyle/>
           <a:p>
             <a:r>
-              <a:rPr lang="en-US" smtClean="0"/>
+              <a:rPr lang="en-US" dirty="0" smtClean="0"/>
               <a:t>Entity class diagram</a:t>
             </a:r>
-            <a:endParaRPr lang="en-US"/>
+            <a:endParaRPr lang="en-US" dirty="0"/>
           </a:p>
         </p:txBody>
       </p:sp>
@@ -4786,8 +7852,8 @@
         </p:blipFill>
         <p:spPr>
           <a:xfrm>
-            <a:off x="1524000" y="1288021"/>
-            <a:ext cx="5943600" cy="5311267"/>
+            <a:off x="1447800" y="1456267"/>
+            <a:ext cx="6019800" cy="5379360"/>
           </a:xfrm>
         </p:spPr>
       </p:pic>
@@ -4796,6 +7862,13 @@
   <p:clrMapOvr>
     <a:masterClrMapping/>
   </p:clrMapOvr>
+  <p:timing>
+    <p:tnLst>
+      <p:par>
+        <p:cTn id="1" dur="indefinite" restart="never" nodeType="tmRoot"/>
+      </p:par>
+    </p:tnLst>
+  </p:timing>
 </p:sld>
 </file>
 
@@ -4857,8 +7930,8 @@
         </p:blipFill>
         <p:spPr>
           <a:xfrm>
-            <a:off x="1142999" y="1524000"/>
-            <a:ext cx="6808373" cy="5048003"/>
+            <a:off x="1295400" y="1706459"/>
+            <a:ext cx="6742471" cy="4999141"/>
           </a:xfrm>
         </p:spPr>
       </p:pic>
@@ -4867,6 +7940,13 @@
   <p:clrMapOvr>
     <a:masterClrMapping/>
   </p:clrMapOvr>
+  <p:timing>
+    <p:tnLst>
+      <p:par>
+        <p:cTn id="1" dur="indefinite" restart="never" nodeType="tmRoot"/>
+      </p:par>
+    </p:tnLst>
+  </p:timing>
 </p:sld>
 </file>
 
@@ -4897,35 +7977,34 @@
             <p:ph type="ctrTitle"/>
           </p:nvPr>
         </p:nvSpPr>
-        <p:spPr/>
-        <p:txBody>
-          <a:bodyPr/>
-          <a:lstStyle/>
-          <a:p>
-            <a:r>
-              <a:rPr lang="en-US" smtClean="0"/>
-              <a:t>Thank For Your Listioning</a:t>
-            </a:r>
-            <a:endParaRPr lang="en-US"/>
-          </a:p>
-        </p:txBody>
-      </p:sp>
-      <p:sp>
-        <p:nvSpPr>
-          <p:cNvPr id="3" name="Subtitle 2"/>
-          <p:cNvSpPr>
-            <a:spLocks noGrp="1"/>
-          </p:cNvSpPr>
-          <p:nvPr>
-            <p:ph type="subTitle" idx="1"/>
-          </p:nvPr>
-        </p:nvSpPr>
-        <p:spPr/>
-        <p:txBody>
-          <a:bodyPr/>
-          <a:lstStyle/>
-          <a:p>
-            <a:endParaRPr lang="en-US"/>
+        <p:spPr>
+          <a:xfrm>
+            <a:off x="685800" y="2286000"/>
+            <a:ext cx="7772400" cy="2609850"/>
+          </a:xfrm>
+        </p:spPr>
+        <p:txBody>
+          <a:bodyPr>
+            <a:noAutofit/>
+          </a:bodyPr>
+          <a:lstStyle/>
+          <a:p>
+            <a:r>
+              <a:rPr lang="en-US" sz="8000" dirty="0">
+                <a:solidFill>
+                  <a:schemeClr val="tx2"/>
+                </a:solidFill>
+                <a:effectLst>
+                  <a:outerShdw blurRad="63500" dist="38100" dir="5400000" algn="t" rotWithShape="0">
+                    <a:prstClr val="black">
+                      <a:alpha val="25000"/>
+                    </a:prstClr>
+                  </a:outerShdw>
+                </a:effectLst>
+                <a:latin typeface="+mn-lt"/>
+              </a:rPr>
+              <a:t>Thank for your listening</a:t>
+            </a:r>
           </a:p>
         </p:txBody>
       </p:sp>
@@ -4934,13 +8013,20 @@
   <p:clrMapOvr>
     <a:masterClrMapping/>
   </p:clrMapOvr>
+  <p:timing>
+    <p:tnLst>
+      <p:par>
+        <p:cTn id="1" dur="indefinite" restart="never" nodeType="tmRoot"/>
+      </p:par>
+    </p:tnLst>
+  </p:timing>
 </p:sld>
 </file>
 
 <file path=ppt/theme/theme1.xml><?xml version="1.0" encoding="utf-8"?>
-<a:theme xmlns:a="http://schemas.openxmlformats.org/drawingml/2006/main" name="Office Theme">
+<a:theme xmlns:a="http://schemas.openxmlformats.org/drawingml/2006/main" name="Celestial">
   <a:themeElements>
-    <a:clrScheme name="Office">
+    <a:clrScheme name="Celestial">
       <a:dk1>
         <a:sysClr val="windowText" lastClr="000000"/>
       </a:dk1>
@@ -4948,39 +8034,39 @@
         <a:sysClr val="window" lastClr="FFFFFF"/>
       </a:lt1>
       <a:dk2>
-        <a:srgbClr val="1F497D"/>
+        <a:srgbClr val="104C7E"/>
       </a:dk2>
       <a:lt2>
-        <a:srgbClr val="EEECE1"/>
+        <a:srgbClr val="EBEBEB"/>
       </a:lt2>
       <a:accent1>
-        <a:srgbClr val="4F81BD"/>
+        <a:srgbClr val="94CE67"/>
       </a:accent1>
       <a:accent2>
-        <a:srgbClr val="C0504D"/>
+        <a:srgbClr val="49D1CD"/>
       </a:accent2>
       <a:accent3>
-        <a:srgbClr val="9BBB59"/>
+        <a:srgbClr val="61A5D6"/>
       </a:accent3>
       <a:accent4>
-        <a:srgbClr val="8064A2"/>
+        <a:srgbClr val="9D8CD3"/>
       </a:accent4>
       <a:accent5>
-        <a:srgbClr val="4BACC6"/>
+        <a:srgbClr val="E45C8A"/>
       </a:accent5>
       <a:accent6>
-        <a:srgbClr val="F79646"/>
+        <a:srgbClr val="F98C61"/>
       </a:accent6>
       <a:hlink>
-        <a:srgbClr val="0000FF"/>
+        <a:srgbClr val="AAF172"/>
       </a:hlink>
       <a:folHlink>
-        <a:srgbClr val="800080"/>
+        <a:srgbClr val="E7F19A"/>
       </a:folHlink>
     </a:clrScheme>
-    <a:fontScheme name="Office">
+    <a:fontScheme name="Celestial">
       <a:majorFont>
-        <a:latin typeface="Calibri"/>
+        <a:latin typeface="Calibri Light" panose="020F0302020204030204"/>
         <a:ea typeface=""/>
         <a:cs typeface=""/>
         <a:font script="Jpan" typeface="ＭＳ Ｐゴシック"/>
@@ -5012,9 +8098,10 @@
         <a:font script="Mong" typeface="Mongolian Baiti"/>
         <a:font script="Viet" typeface="Times New Roman"/>
         <a:font script="Uigh" typeface="Microsoft Uighur"/>
+        <a:font script="Geor" typeface="Sylfaen"/>
       </a:majorFont>
       <a:minorFont>
-        <a:latin typeface="Calibri"/>
+        <a:latin typeface="Calibri" panose="020F0502020204030204"/>
         <a:ea typeface=""/>
         <a:cs typeface=""/>
         <a:font script="Jpan" typeface="ＭＳ Ｐゴシック"/>
@@ -5046,9 +8133,10 @@
         <a:font script="Mong" typeface="Mongolian Baiti"/>
         <a:font script="Viet" typeface="Arial"/>
         <a:font script="Uigh" typeface="Microsoft Uighur"/>
+        <a:font script="Geor" typeface="Sylfaen"/>
       </a:minorFont>
     </a:fontScheme>
-    <a:fmtScheme name="Office">
+    <a:fmtScheme name="Celestial">
       <a:fillStyleLst>
         <a:solidFill>
           <a:schemeClr val="phClr"/>
@@ -5057,66 +8145,51 @@
           <a:gsLst>
             <a:gs pos="0">
               <a:schemeClr val="phClr">
-                <a:tint val="50000"/>
-                <a:satMod val="300000"/>
-              </a:schemeClr>
-            </a:gs>
-            <a:gs pos="35000">
-              <a:schemeClr val="phClr">
-                <a:tint val="37000"/>
-                <a:satMod val="300000"/>
+                <a:tint val="70000"/>
+                <a:lumMod val="110000"/>
               </a:schemeClr>
             </a:gs>
             <a:gs pos="100000">
               <a:schemeClr val="phClr">
-                <a:tint val="15000"/>
-                <a:satMod val="350000"/>
+                <a:tint val="82000"/>
+                <a:alpha val="74000"/>
               </a:schemeClr>
             </a:gs>
           </a:gsLst>
-          <a:lin ang="16200000" scaled="1"/>
+          <a:lin ang="5400000" scaled="0"/>
         </a:gradFill>
         <a:gradFill rotWithShape="1">
           <a:gsLst>
             <a:gs pos="0">
               <a:schemeClr val="phClr">
-                <a:shade val="51000"/>
-                <a:satMod val="130000"/>
-              </a:schemeClr>
-            </a:gs>
-            <a:gs pos="80000">
-              <a:schemeClr val="phClr">
-                <a:shade val="93000"/>
-                <a:satMod val="130000"/>
+                <a:tint val="98000"/>
+                <a:lumMod val="100000"/>
               </a:schemeClr>
             </a:gs>
             <a:gs pos="100000">
               <a:schemeClr val="phClr">
-                <a:shade val="94000"/>
-                <a:satMod val="135000"/>
+                <a:shade val="88000"/>
+                <a:lumMod val="88000"/>
               </a:schemeClr>
             </a:gs>
           </a:gsLst>
-          <a:lin ang="16200000" scaled="0"/>
+          <a:lin ang="5400000" scaled="1"/>
         </a:gradFill>
       </a:fillStyleLst>
       <a:lnStyleLst>
-        <a:ln w="9525" cap="flat" cmpd="sng" algn="ctr">
-          <a:solidFill>
-            <a:schemeClr val="phClr">
-              <a:shade val="95000"/>
-              <a:satMod val="105000"/>
-            </a:schemeClr>
-          </a:solidFill>
-          <a:prstDash val="solid"/>
-        </a:ln>
-        <a:ln w="25400" cap="flat" cmpd="sng" algn="ctr">
+        <a:ln w="9525" cap="rnd" cmpd="sng" algn="ctr">
           <a:solidFill>
             <a:schemeClr val="phClr"/>
           </a:solidFill>
           <a:prstDash val="solid"/>
         </a:ln>
-        <a:ln w="38100" cap="flat" cmpd="sng" algn="ctr">
+        <a:ln w="19050" cap="rnd" cmpd="sng" algn="ctr">
+          <a:solidFill>
+            <a:schemeClr val="phClr"/>
+          </a:solidFill>
+          <a:prstDash val="solid"/>
+        </a:ln>
+        <a:ln w="25400" cap="rnd" cmpd="sng" algn="ctr">
           <a:solidFill>
             <a:schemeClr val="phClr"/>
           </a:solidFill>
@@ -5125,17 +8198,11 @@
       </a:lnStyleLst>
       <a:effectStyleLst>
         <a:effectStyle>
-          <a:effectLst>
-            <a:outerShdw blurRad="40000" dist="20000" dir="5400000" rotWithShape="0">
-              <a:srgbClr val="000000">
-                <a:alpha val="38000"/>
-              </a:srgbClr>
-            </a:outerShdw>
-          </a:effectLst>
+          <a:effectLst/>
         </a:effectStyle>
         <a:effectStyle>
           <a:effectLst>
-            <a:outerShdw blurRad="40000" dist="23000" dir="5400000" rotWithShape="0">
+            <a:outerShdw blurRad="50800" dist="38100" dir="5400000" rotWithShape="0">
               <a:srgbClr val="000000">
                 <a:alpha val="35000"/>
               </a:srgbClr>
@@ -5144,9 +8211,9 @@
         </a:effectStyle>
         <a:effectStyle>
           <a:effectLst>
-            <a:outerShdw blurRad="40000" dist="23000" dir="5400000" rotWithShape="0">
+            <a:outerShdw blurRad="63500" dist="38100" dir="5400000" rotWithShape="0">
               <a:srgbClr val="000000">
-                <a:alpha val="35000"/>
+                <a:alpha val="65000"/>
               </a:srgbClr>
             </a:outerShdw>
           </a:effectLst>
@@ -5154,12 +8221,12 @@
             <a:camera prst="orthographicFront">
               <a:rot lat="0" lon="0" rev="0"/>
             </a:camera>
-            <a:lightRig rig="threePt" dir="t">
+            <a:lightRig rig="threePt" dir="tl">
               <a:rot lat="0" lon="0" rev="1200000"/>
             </a:lightRig>
           </a:scene3d>
           <a:sp3d>
-            <a:bevelT w="63500" h="25400"/>
+            <a:bevelT w="38100" h="12700"/>
           </a:sp3d>
         </a:effectStyle>
       </a:effectStyleLst>
@@ -5171,52 +8238,37 @@
           <a:gsLst>
             <a:gs pos="0">
               <a:schemeClr val="phClr">
-                <a:tint val="40000"/>
-                <a:satMod val="350000"/>
-              </a:schemeClr>
-            </a:gs>
-            <a:gs pos="40000">
-              <a:schemeClr val="phClr">
-                <a:tint val="45000"/>
-                <a:shade val="99000"/>
-                <a:satMod val="350000"/>
+                <a:tint val="90000"/>
+                <a:shade val="96000"/>
+                <a:hueMod val="100000"/>
+                <a:satMod val="180000"/>
+                <a:lumMod val="110000"/>
               </a:schemeClr>
             </a:gs>
             <a:gs pos="100000">
               <a:schemeClr val="phClr">
-                <a:shade val="20000"/>
-                <a:satMod val="255000"/>
+                <a:shade val="96000"/>
+                <a:satMod val="160000"/>
+                <a:lumMod val="100000"/>
               </a:schemeClr>
             </a:gs>
           </a:gsLst>
-          <a:path path="circle">
-            <a:fillToRect l="50000" t="-80000" r="50000" b="180000"/>
-          </a:path>
+          <a:lin ang="4740000" scaled="1"/>
         </a:gradFill>
-        <a:gradFill rotWithShape="1">
-          <a:gsLst>
-            <a:gs pos="0">
-              <a:schemeClr val="phClr">
-                <a:tint val="80000"/>
-                <a:satMod val="300000"/>
-              </a:schemeClr>
-            </a:gs>
-            <a:gs pos="100000">
-              <a:schemeClr val="phClr">
-                <a:shade val="30000"/>
-                <a:satMod val="200000"/>
-              </a:schemeClr>
-            </a:gs>
-          </a:gsLst>
-          <a:path path="circle">
-            <a:fillToRect l="50000" t="50000" r="50000" b="50000"/>
-          </a:path>
-        </a:gradFill>
+        <a:blipFill>
+          <a:blip xmlns:r="http://schemas.openxmlformats.org/officeDocument/2006/relationships" r:embed="rId1"/>
+          <a:stretch/>
+        </a:blipFill>
       </a:bgFillStyleLst>
     </a:fmtScheme>
   </a:themeElements>
   <a:objectDefaults/>
   <a:extraClrSchemeLst/>
+  <a:extLst>
+    <a:ext uri="{05A4C25C-085E-4340-85A3-A5531E510DB2}">
+      <thm15:themeFamily xmlns:thm15="http://schemas.microsoft.com/office/thememl/2012/main" name="Celestial" id="{C4BB2A3D-0E93-4C5F-B0D2-9D3FCE089CC5}" vid="{E44E6A2F-09CD-4BE0-B42D-107FF03CEED6}"/>
+    </a:ext>
+  </a:extLst>
 </a:theme>
 </file>
 

--- a/document/slide.pptx
+++ b/document/slide.pptx
@@ -5,17 +5,21 @@
     <p:sldMasterId id="2147483755" r:id="rId1"/>
   </p:sldMasterIdLst>
   <p:notesMasterIdLst>
-    <p:notesMasterId r:id="rId10"/>
+    <p:notesMasterId r:id="rId11"/>
   </p:notesMasterIdLst>
+  <p:handoutMasterIdLst>
+    <p:handoutMasterId r:id="rId12"/>
+  </p:handoutMasterIdLst>
   <p:sldIdLst>
     <p:sldId id="256" r:id="rId2"/>
-    <p:sldId id="259" r:id="rId3"/>
-    <p:sldId id="261" r:id="rId4"/>
-    <p:sldId id="257" r:id="rId5"/>
-    <p:sldId id="258" r:id="rId6"/>
+    <p:sldId id="266" r:id="rId3"/>
+    <p:sldId id="257" r:id="rId4"/>
+    <p:sldId id="258" r:id="rId5"/>
+    <p:sldId id="267" r:id="rId6"/>
     <p:sldId id="260" r:id="rId7"/>
     <p:sldId id="262" r:id="rId8"/>
-    <p:sldId id="263" r:id="rId9"/>
+    <p:sldId id="265" r:id="rId9"/>
+    <p:sldId id="263" r:id="rId10"/>
   </p:sldIdLst>
   <p:sldSz cx="9144000" cy="6858000" type="screen4x3"/>
   <p:notesSz cx="6858000" cy="9144000"/>
@@ -116,7 +120,7 @@
   </p:defaultTextStyle>
   <p:extLst>
     <p:ext uri="{EFAFB233-063F-42B5-8137-9DF3F51BA10A}">
-      <p15:sldGuideLst xmlns:p15="http://schemas.microsoft.com/office/powerpoint/2012/main">
+      <p15:sldGuideLst xmlns:p15="http://schemas.microsoft.com/office/powerpoint/2012/main" xmlns="">
         <p15:guide id="1" orient="horz" pos="2160">
           <p15:clr>
             <a:srgbClr val="A4A3A4"/>
@@ -131,6 +135,167 @@
     </p:ext>
   </p:extLst>
 </p:presentation>
+</file>
+
+<file path=ppt/handoutMasters/handoutMaster1.xml><?xml version="1.0" encoding="utf-8"?>
+<p:handoutMaster xmlns:a="http://schemas.openxmlformats.org/drawingml/2006/main" xmlns:r="http://schemas.openxmlformats.org/officeDocument/2006/relationships" xmlns:p="http://schemas.openxmlformats.org/presentationml/2006/main">
+  <p:cSld>
+    <p:bg>
+      <p:bgRef idx="1001">
+        <a:schemeClr val="bg1"/>
+      </p:bgRef>
+    </p:bg>
+    <p:spTree>
+      <p:nvGrpSpPr>
+        <p:cNvPr id="1" name=""/>
+        <p:cNvGrpSpPr/>
+        <p:nvPr/>
+      </p:nvGrpSpPr>
+      <p:grpSpPr>
+        <a:xfrm>
+          <a:off x="0" y="0"/>
+          <a:ext cx="0" cy="0"/>
+          <a:chOff x="0" y="0"/>
+          <a:chExt cx="0" cy="0"/>
+        </a:xfrm>
+      </p:grpSpPr>
+      <p:sp>
+        <p:nvSpPr>
+          <p:cNvPr id="2" name="Header Placeholder 1"/>
+          <p:cNvSpPr>
+            <a:spLocks noGrp="1"/>
+          </p:cNvSpPr>
+          <p:nvPr>
+            <p:ph type="hdr" sz="quarter"/>
+          </p:nvPr>
+        </p:nvSpPr>
+        <p:spPr>
+          <a:xfrm>
+            <a:off x="0" y="0"/>
+            <a:ext cx="2971800" cy="457200"/>
+          </a:xfrm>
+          <a:prstGeom prst="rect">
+            <a:avLst/>
+          </a:prstGeom>
+        </p:spPr>
+        <p:txBody>
+          <a:bodyPr vert="horz" lIns="91440" tIns="45720" rIns="91440" bIns="45720" rtlCol="0"/>
+          <a:lstStyle>
+            <a:lvl1pPr algn="l">
+              <a:defRPr sz="1200"/>
+            </a:lvl1pPr>
+          </a:lstStyle>
+          <a:p>
+            <a:endParaRPr lang="en-US"/>
+          </a:p>
+        </p:txBody>
+      </p:sp>
+      <p:sp>
+        <p:nvSpPr>
+          <p:cNvPr id="3" name="Date Placeholder 2"/>
+          <p:cNvSpPr>
+            <a:spLocks noGrp="1"/>
+          </p:cNvSpPr>
+          <p:nvPr>
+            <p:ph type="dt" sz="quarter" idx="1"/>
+          </p:nvPr>
+        </p:nvSpPr>
+        <p:spPr>
+          <a:xfrm>
+            <a:off x="3884613" y="0"/>
+            <a:ext cx="2971800" cy="457200"/>
+          </a:xfrm>
+          <a:prstGeom prst="rect">
+            <a:avLst/>
+          </a:prstGeom>
+        </p:spPr>
+        <p:txBody>
+          <a:bodyPr vert="horz" lIns="91440" tIns="45720" rIns="91440" bIns="45720" rtlCol="0"/>
+          <a:lstStyle>
+            <a:lvl1pPr algn="r">
+              <a:defRPr sz="1200"/>
+            </a:lvl1pPr>
+          </a:lstStyle>
+          <a:p>
+            <a:fld id="{342CA8DD-5177-4096-9716-287C7B5BB3EA}" type="datetimeFigureOut">
+              <a:rPr lang="en-US" smtClean="0"/>
+              <a:t>5/6/2015</a:t>
+            </a:fld>
+            <a:endParaRPr lang="en-US"/>
+          </a:p>
+        </p:txBody>
+      </p:sp>
+      <p:sp>
+        <p:nvSpPr>
+          <p:cNvPr id="4" name="Footer Placeholder 3"/>
+          <p:cNvSpPr>
+            <a:spLocks noGrp="1"/>
+          </p:cNvSpPr>
+          <p:nvPr>
+            <p:ph type="ftr" sz="quarter" idx="2"/>
+          </p:nvPr>
+        </p:nvSpPr>
+        <p:spPr>
+          <a:xfrm>
+            <a:off x="0" y="8685213"/>
+            <a:ext cx="2971800" cy="457200"/>
+          </a:xfrm>
+          <a:prstGeom prst="rect">
+            <a:avLst/>
+          </a:prstGeom>
+        </p:spPr>
+        <p:txBody>
+          <a:bodyPr vert="horz" lIns="91440" tIns="45720" rIns="91440" bIns="45720" rtlCol="0" anchor="b"/>
+          <a:lstStyle>
+            <a:lvl1pPr algn="l">
+              <a:defRPr sz="1200"/>
+            </a:lvl1pPr>
+          </a:lstStyle>
+          <a:p>
+            <a:endParaRPr lang="en-US"/>
+          </a:p>
+        </p:txBody>
+      </p:sp>
+      <p:sp>
+        <p:nvSpPr>
+          <p:cNvPr id="5" name="Slide Number Placeholder 4"/>
+          <p:cNvSpPr>
+            <a:spLocks noGrp="1"/>
+          </p:cNvSpPr>
+          <p:nvPr>
+            <p:ph type="sldNum" sz="quarter" idx="3"/>
+          </p:nvPr>
+        </p:nvSpPr>
+        <p:spPr>
+          <a:xfrm>
+            <a:off x="3884613" y="8685213"/>
+            <a:ext cx="2971800" cy="457200"/>
+          </a:xfrm>
+          <a:prstGeom prst="rect">
+            <a:avLst/>
+          </a:prstGeom>
+        </p:spPr>
+        <p:txBody>
+          <a:bodyPr vert="horz" lIns="91440" tIns="45720" rIns="91440" bIns="45720" rtlCol="0" anchor="b"/>
+          <a:lstStyle>
+            <a:lvl1pPr algn="r">
+              <a:defRPr sz="1200"/>
+            </a:lvl1pPr>
+          </a:lstStyle>
+          <a:p>
+            <a:fld id="{D0EA9215-43A1-4B3A-B1C1-EF13815E24EB}" type="slidenum">
+              <a:rPr lang="en-US" smtClean="0"/>
+              <a:t>‹#›</a:t>
+            </a:fld>
+            <a:endParaRPr lang="en-US"/>
+          </a:p>
+        </p:txBody>
+      </p:sp>
+    </p:spTree>
+  </p:cSld>
+  <p:clrMap bg1="lt1" tx1="dk1" bg2="lt2" tx2="dk2" accent1="accent1" accent2="accent2" accent3="accent3" accent4="accent4" accent5="accent5" accent6="accent6" hlink="hlink" folHlink="folHlink"/>
+  <p:hf hdr="0" ftr="0" dt="0"/>
+</p:handoutMaster>
 </file>
 
 <file path=ppt/notesMasters/notesMaster1.xml><?xml version="1.0" encoding="utf-8"?>
@@ -215,7 +380,8 @@
           <a:p>
             <a:fld id="{63C447DC-C106-43C9-B68B-435F437D0CEA}" type="datetimeFigureOut">
               <a:rPr lang="en-US" smtClean="0"/>
-              <a:t>5/5/2015</a:t>
+              <a:pPr/>
+              <a:t>5/6/2015</a:t>
             </a:fld>
             <a:endParaRPr lang="en-US"/>
           </a:p>
@@ -376,6 +542,7 @@
           <a:p>
             <a:fld id="{7DA6B2F0-A299-4885-A6F8-E042D22BAA64}" type="slidenum">
               <a:rPr lang="en-US" smtClean="0"/>
+              <a:pPr/>
               <a:t>‹#›</a:t>
             </a:fld>
             <a:endParaRPr lang="en-US"/>
@@ -385,11 +552,12 @@
     </p:spTree>
     <p:extLst>
       <p:ext uri="{BB962C8B-B14F-4D97-AF65-F5344CB8AC3E}">
-        <p14:creationId xmlns:p14="http://schemas.microsoft.com/office/powerpoint/2010/main" val="2817190598"/>
+        <p14:creationId xmlns:p14="http://schemas.microsoft.com/office/powerpoint/2010/main" xmlns="" val="2817190598"/>
       </p:ext>
     </p:extLst>
   </p:cSld>
   <p:clrMap bg1="lt1" tx1="dk1" bg2="lt2" tx2="dk2" accent1="accent1" accent2="accent2" accent3="accent3" accent4="accent4" accent5="accent5" accent6="accent6" hlink="hlink" folHlink="folHlink"/>
+  <p:hf hdr="0" ftr="0" dt="0"/>
   <p:notesStyle>
     <a:lvl1pPr marL="0" algn="l" defTabSz="914400" rtl="0" eaLnBrk="1" latinLnBrk="0" hangingPunct="1">
       <a:defRPr sz="1200" kern="1200">
@@ -552,6 +720,7 @@
           <a:p>
             <a:fld id="{7DA6B2F0-A299-4885-A6F8-E042D22BAA64}" type="slidenum">
               <a:rPr lang="en-US" smtClean="0"/>
+              <a:pPr/>
               <a:t>1</a:t>
             </a:fld>
             <a:endParaRPr lang="en-US"/>
@@ -561,7 +730,7 @@
     </p:spTree>
     <p:extLst>
       <p:ext uri="{BB962C8B-B14F-4D97-AF65-F5344CB8AC3E}">
-        <p14:creationId xmlns:p14="http://schemas.microsoft.com/office/powerpoint/2010/main" val="108609317"/>
+        <p14:creationId xmlns:p14="http://schemas.microsoft.com/office/powerpoint/2010/main" xmlns="" val="108609317"/>
       </p:ext>
     </p:extLst>
   </p:cSld>
@@ -638,6 +807,7 @@
           <a:p>
             <a:fld id="{7DA6B2F0-A299-4885-A6F8-E042D22BAA64}" type="slidenum">
               <a:rPr lang="en-US" smtClean="0"/>
+              <a:pPr/>
               <a:t>2</a:t>
             </a:fld>
             <a:endParaRPr lang="en-US"/>
@@ -645,11 +815,6 @@
         </p:txBody>
       </p:sp>
     </p:spTree>
-    <p:extLst>
-      <p:ext uri="{BB962C8B-B14F-4D97-AF65-F5344CB8AC3E}">
-        <p14:creationId xmlns:p14="http://schemas.microsoft.com/office/powerpoint/2010/main" val="1638988709"/>
-      </p:ext>
-    </p:extLst>
   </p:cSld>
   <p:clrMapOvr>
     <a:masterClrMapping/>
@@ -724,6 +889,7 @@
           <a:p>
             <a:fld id="{7DA6B2F0-A299-4885-A6F8-E042D22BAA64}" type="slidenum">
               <a:rPr lang="en-US" smtClean="0"/>
+              <a:pPr/>
               <a:t>3</a:t>
             </a:fld>
             <a:endParaRPr lang="en-US"/>
@@ -733,7 +899,7 @@
     </p:spTree>
     <p:extLst>
       <p:ext uri="{BB962C8B-B14F-4D97-AF65-F5344CB8AC3E}">
-        <p14:creationId xmlns:p14="http://schemas.microsoft.com/office/powerpoint/2010/main" val="884140814"/>
+        <p14:creationId xmlns:p14="http://schemas.microsoft.com/office/powerpoint/2010/main" xmlns="" val="3620503413"/>
       </p:ext>
     </p:extLst>
   </p:cSld>
@@ -810,6 +976,7 @@
           <a:p>
             <a:fld id="{7DA6B2F0-A299-4885-A6F8-E042D22BAA64}" type="slidenum">
               <a:rPr lang="en-US" smtClean="0"/>
+              <a:pPr/>
               <a:t>4</a:t>
             </a:fld>
             <a:endParaRPr lang="en-US"/>
@@ -819,7 +986,7 @@
     </p:spTree>
     <p:extLst>
       <p:ext uri="{BB962C8B-B14F-4D97-AF65-F5344CB8AC3E}">
-        <p14:creationId xmlns:p14="http://schemas.microsoft.com/office/powerpoint/2010/main" val="3620503413"/>
+        <p14:creationId xmlns:p14="http://schemas.microsoft.com/office/powerpoint/2010/main" xmlns="" val="4133771467"/>
       </p:ext>
     </p:extLst>
   </p:cSld>
@@ -896,6 +1063,7 @@
           <a:p>
             <a:fld id="{7DA6B2F0-A299-4885-A6F8-E042D22BAA64}" type="slidenum">
               <a:rPr lang="en-US" smtClean="0"/>
+              <a:pPr/>
               <a:t>5</a:t>
             </a:fld>
             <a:endParaRPr lang="en-US"/>
@@ -905,7 +1073,7 @@
     </p:spTree>
     <p:extLst>
       <p:ext uri="{BB962C8B-B14F-4D97-AF65-F5344CB8AC3E}">
-        <p14:creationId xmlns:p14="http://schemas.microsoft.com/office/powerpoint/2010/main" val="4133771467"/>
+        <p14:creationId xmlns:p14="http://schemas.microsoft.com/office/powerpoint/2010/main" xmlns="" val="884140814"/>
       </p:ext>
     </p:extLst>
   </p:cSld>
@@ -982,6 +1150,7 @@
           <a:p>
             <a:fld id="{7DA6B2F0-A299-4885-A6F8-E042D22BAA64}" type="slidenum">
               <a:rPr lang="en-US" smtClean="0"/>
+              <a:pPr/>
               <a:t>6</a:t>
             </a:fld>
             <a:endParaRPr lang="en-US"/>
@@ -991,7 +1160,7 @@
     </p:spTree>
     <p:extLst>
       <p:ext uri="{BB962C8B-B14F-4D97-AF65-F5344CB8AC3E}">
-        <p14:creationId xmlns:p14="http://schemas.microsoft.com/office/powerpoint/2010/main" val="2781616523"/>
+        <p14:creationId xmlns:p14="http://schemas.microsoft.com/office/powerpoint/2010/main" xmlns="" val="2781616523"/>
       </p:ext>
     </p:extLst>
   </p:cSld>
@@ -1068,6 +1237,7 @@
           <a:p>
             <a:fld id="{7DA6B2F0-A299-4885-A6F8-E042D22BAA64}" type="slidenum">
               <a:rPr lang="en-US" smtClean="0"/>
+              <a:pPr/>
               <a:t>7</a:t>
             </a:fld>
             <a:endParaRPr lang="en-US"/>
@@ -1077,7 +1247,7 @@
     </p:spTree>
     <p:extLst>
       <p:ext uri="{BB962C8B-B14F-4D97-AF65-F5344CB8AC3E}">
-        <p14:creationId xmlns:p14="http://schemas.microsoft.com/office/powerpoint/2010/main" val="105797569"/>
+        <p14:creationId xmlns:p14="http://schemas.microsoft.com/office/powerpoint/2010/main" xmlns="" val="105797569"/>
       </p:ext>
     </p:extLst>
   </p:cSld>
@@ -1154,6 +1324,7 @@
           <a:p>
             <a:fld id="{7DA6B2F0-A299-4885-A6F8-E042D22BAA64}" type="slidenum">
               <a:rPr lang="en-US" smtClean="0"/>
+              <a:pPr/>
               <a:t>8</a:t>
             </a:fld>
             <a:endParaRPr lang="en-US"/>
@@ -1163,7 +1334,94 @@
     </p:spTree>
     <p:extLst>
       <p:ext uri="{BB962C8B-B14F-4D97-AF65-F5344CB8AC3E}">
-        <p14:creationId xmlns:p14="http://schemas.microsoft.com/office/powerpoint/2010/main" val="1013770830"/>
+        <p14:creationId xmlns:p14="http://schemas.microsoft.com/office/powerpoint/2010/main" xmlns="" val="1638988709"/>
+      </p:ext>
+    </p:extLst>
+  </p:cSld>
+  <p:clrMapOvr>
+    <a:masterClrMapping/>
+  </p:clrMapOvr>
+</p:notes>
+</file>
+
+<file path=ppt/notesSlides/notesSlide9.xml><?xml version="1.0" encoding="utf-8"?>
+<p:notes xmlns:a="http://schemas.openxmlformats.org/drawingml/2006/main" xmlns:r="http://schemas.openxmlformats.org/officeDocument/2006/relationships" xmlns:p="http://schemas.openxmlformats.org/presentationml/2006/main">
+  <p:cSld>
+    <p:spTree>
+      <p:nvGrpSpPr>
+        <p:cNvPr id="1" name=""/>
+        <p:cNvGrpSpPr/>
+        <p:nvPr/>
+      </p:nvGrpSpPr>
+      <p:grpSpPr>
+        <a:xfrm>
+          <a:off x="0" y="0"/>
+          <a:ext cx="0" cy="0"/>
+          <a:chOff x="0" y="0"/>
+          <a:chExt cx="0" cy="0"/>
+        </a:xfrm>
+      </p:grpSpPr>
+      <p:sp>
+        <p:nvSpPr>
+          <p:cNvPr id="2" name="Slide Image Placeholder 1"/>
+          <p:cNvSpPr>
+            <a:spLocks noGrp="1" noRot="1" noChangeAspect="1"/>
+          </p:cNvSpPr>
+          <p:nvPr>
+            <p:ph type="sldImg"/>
+          </p:nvPr>
+        </p:nvSpPr>
+        <p:spPr/>
+      </p:sp>
+      <p:sp>
+        <p:nvSpPr>
+          <p:cNvPr id="3" name="Notes Placeholder 2"/>
+          <p:cNvSpPr>
+            <a:spLocks noGrp="1"/>
+          </p:cNvSpPr>
+          <p:nvPr>
+            <p:ph type="body" idx="1"/>
+          </p:nvPr>
+        </p:nvSpPr>
+        <p:spPr/>
+        <p:txBody>
+          <a:bodyPr>
+            <a:normAutofit/>
+          </a:bodyPr>
+          <a:lstStyle/>
+          <a:p>
+            <a:endParaRPr lang="en-US"/>
+          </a:p>
+        </p:txBody>
+      </p:sp>
+      <p:sp>
+        <p:nvSpPr>
+          <p:cNvPr id="4" name="Slide Number Placeholder 3"/>
+          <p:cNvSpPr>
+            <a:spLocks noGrp="1"/>
+          </p:cNvSpPr>
+          <p:nvPr>
+            <p:ph type="sldNum" sz="quarter" idx="10"/>
+          </p:nvPr>
+        </p:nvSpPr>
+        <p:spPr/>
+        <p:txBody>
+          <a:bodyPr/>
+          <a:lstStyle/>
+          <a:p>
+            <a:fld id="{7DA6B2F0-A299-4885-A6F8-E042D22BAA64}" type="slidenum">
+              <a:rPr lang="en-US" smtClean="0"/>
+              <a:pPr/>
+              <a:t>9</a:t>
+            </a:fld>
+            <a:endParaRPr lang="en-US"/>
+          </a:p>
+        </p:txBody>
+      </p:sp>
+    </p:spTree>
+    <p:extLst>
+      <p:ext uri="{BB962C8B-B14F-4D97-AF65-F5344CB8AC3E}">
+        <p14:creationId xmlns:p14="http://schemas.microsoft.com/office/powerpoint/2010/main" xmlns="" val="1013770830"/>
       </p:ext>
     </p:extLst>
   </p:cSld>
@@ -1199,10 +1457,10 @@
           <p:nvPr/>
         </p:nvPicPr>
         <p:blipFill>
-          <a:blip r:embed="rId2">
+          <a:blip r:embed="rId2" cstate="print">
             <a:extLst>
               <a:ext uri="{28A0092B-C50C-407E-A947-70E740481C1C}">
-                <a14:useLocalDpi xmlns:a14="http://schemas.microsoft.com/office/drawing/2010/main" val="0"/>
+                <a14:useLocalDpi xmlns:a14="http://schemas.microsoft.com/office/drawing/2010/main" xmlns="" val="0"/>
               </a:ext>
             </a:extLst>
           </a:blip>
@@ -1395,10 +1653,9 @@
           <a:bodyPr/>
           <a:lstStyle/>
           <a:p>
-            <a:fld id="{1D8BD707-D9CF-40AE-B4C6-C98DA3205C09}" type="datetimeFigureOut">
-              <a:rPr lang="en-US" smtClean="0"/>
-              <a:pPr/>
-              <a:t>5/5/2015</a:t>
+            <a:fld id="{D38BDC57-F83C-4DE3-9216-B874C21CB6BF}" type="datetime1">
+              <a:rPr lang="en-US" smtClean="0"/>
+              <a:t>5/6/2015</a:t>
             </a:fld>
             <a:endParaRPr lang="en-US"/>
           </a:p>
@@ -1460,7 +1717,7 @@
     </p:spTree>
     <p:extLst>
       <p:ext uri="{BB962C8B-B14F-4D97-AF65-F5344CB8AC3E}">
-        <p14:creationId xmlns:p14="http://schemas.microsoft.com/office/powerpoint/2010/main" val="311149630"/>
+        <p14:creationId xmlns:p14="http://schemas.microsoft.com/office/powerpoint/2010/main" xmlns="" val="311149630"/>
       </p:ext>
     </p:extLst>
   </p:cSld>
@@ -1496,10 +1753,10 @@
           <p:nvPr/>
         </p:nvPicPr>
         <p:blipFill>
-          <a:blip r:embed="rId2">
+          <a:blip r:embed="rId2" cstate="print">
             <a:extLst>
               <a:ext uri="{28A0092B-C50C-407E-A947-70E740481C1C}">
-                <a14:useLocalDpi xmlns:a14="http://schemas.microsoft.com/office/drawing/2010/main" val="0"/>
+                <a14:useLocalDpi xmlns:a14="http://schemas.microsoft.com/office/drawing/2010/main" xmlns="" val="0"/>
               </a:ext>
             </a:extLst>
           </a:blip>
@@ -1701,10 +1958,9 @@
           <a:bodyPr/>
           <a:lstStyle/>
           <a:p>
-            <a:fld id="{1D8BD707-D9CF-40AE-B4C6-C98DA3205C09}" type="datetimeFigureOut">
-              <a:rPr lang="en-US" smtClean="0"/>
-              <a:pPr/>
-              <a:t>5/5/2015</a:t>
+            <a:fld id="{69063FB2-CBDF-4BA5-809F-5E8A798B15FD}" type="datetime1">
+              <a:rPr lang="en-US" smtClean="0"/>
+              <a:t>5/6/2015</a:t>
             </a:fld>
             <a:endParaRPr lang="en-US"/>
           </a:p>
@@ -1756,7 +2012,7 @@
     </p:spTree>
     <p:extLst>
       <p:ext uri="{BB962C8B-B14F-4D97-AF65-F5344CB8AC3E}">
-        <p14:creationId xmlns:p14="http://schemas.microsoft.com/office/powerpoint/2010/main" val="2940608749"/>
+        <p14:creationId xmlns:p14="http://schemas.microsoft.com/office/powerpoint/2010/main" xmlns="" val="2940608749"/>
       </p:ext>
     </p:extLst>
   </p:cSld>
@@ -1792,10 +2048,10 @@
           <p:nvPr/>
         </p:nvPicPr>
         <p:blipFill>
-          <a:blip r:embed="rId2">
+          <a:blip r:embed="rId2" cstate="print">
             <a:extLst>
               <a:ext uri="{28A0092B-C50C-407E-A947-70E740481C1C}">
-                <a14:useLocalDpi xmlns:a14="http://schemas.microsoft.com/office/drawing/2010/main" val="0"/>
+                <a14:useLocalDpi xmlns:a14="http://schemas.microsoft.com/office/drawing/2010/main" xmlns="" val="0"/>
               </a:ext>
             </a:extLst>
           </a:blip>
@@ -1981,10 +2237,9 @@
           <a:bodyPr/>
           <a:lstStyle/>
           <a:p>
-            <a:fld id="{1D8BD707-D9CF-40AE-B4C6-C98DA3205C09}" type="datetimeFigureOut">
-              <a:rPr lang="en-US" smtClean="0"/>
-              <a:pPr/>
-              <a:t>5/5/2015</a:t>
+            <a:fld id="{F5022EF4-E907-48B2-90CB-F7A7C1EEF69B}" type="datetime1">
+              <a:rPr lang="en-US" smtClean="0"/>
+              <a:t>5/6/2015</a:t>
             </a:fld>
             <a:endParaRPr lang="en-US"/>
           </a:p>
@@ -2036,7 +2291,7 @@
     </p:spTree>
     <p:extLst>
       <p:ext uri="{BB962C8B-B14F-4D97-AF65-F5344CB8AC3E}">
-        <p14:creationId xmlns:p14="http://schemas.microsoft.com/office/powerpoint/2010/main" val="1700685281"/>
+        <p14:creationId xmlns:p14="http://schemas.microsoft.com/office/powerpoint/2010/main" xmlns="" val="1700685281"/>
       </p:ext>
     </p:extLst>
   </p:cSld>
@@ -2072,10 +2327,10 @@
           <p:nvPr/>
         </p:nvPicPr>
         <p:blipFill>
-          <a:blip r:embed="rId2">
+          <a:blip r:embed="rId2" cstate="print">
             <a:extLst>
               <a:ext uri="{28A0092B-C50C-407E-A947-70E740481C1C}">
-                <a14:useLocalDpi xmlns:a14="http://schemas.microsoft.com/office/drawing/2010/main" val="0"/>
+                <a14:useLocalDpi xmlns:a14="http://schemas.microsoft.com/office/drawing/2010/main" xmlns="" val="0"/>
               </a:ext>
             </a:extLst>
           </a:blip>
@@ -2553,10 +2808,9 @@
           <a:bodyPr/>
           <a:lstStyle/>
           <a:p>
-            <a:fld id="{1D8BD707-D9CF-40AE-B4C6-C98DA3205C09}" type="datetimeFigureOut">
-              <a:rPr lang="en-US" smtClean="0"/>
-              <a:pPr/>
-              <a:t>5/5/2015</a:t>
+            <a:fld id="{E1B10843-EDDA-4985-964D-CE652BCA61A9}" type="datetime1">
+              <a:rPr lang="en-US" smtClean="0"/>
+              <a:t>5/6/2015</a:t>
             </a:fld>
             <a:endParaRPr lang="en-US"/>
           </a:p>
@@ -2608,7 +2862,7 @@
     </p:spTree>
     <p:extLst>
       <p:ext uri="{BB962C8B-B14F-4D97-AF65-F5344CB8AC3E}">
-        <p14:creationId xmlns:p14="http://schemas.microsoft.com/office/powerpoint/2010/main" val="3828965958"/>
+        <p14:creationId xmlns:p14="http://schemas.microsoft.com/office/powerpoint/2010/main" xmlns="" val="3828965958"/>
       </p:ext>
     </p:extLst>
   </p:cSld>
@@ -2644,10 +2898,10 @@
           <p:nvPr/>
         </p:nvPicPr>
         <p:blipFill>
-          <a:blip r:embed="rId2">
+          <a:blip r:embed="rId2" cstate="print">
             <a:extLst>
               <a:ext uri="{28A0092B-C50C-407E-A947-70E740481C1C}">
-                <a14:useLocalDpi xmlns:a14="http://schemas.microsoft.com/office/drawing/2010/main" val="0"/>
+                <a14:useLocalDpi xmlns:a14="http://schemas.microsoft.com/office/drawing/2010/main" xmlns="" val="0"/>
               </a:ext>
             </a:extLst>
           </a:blip>
@@ -2833,10 +3087,9 @@
           <a:bodyPr/>
           <a:lstStyle/>
           <a:p>
-            <a:fld id="{1D8BD707-D9CF-40AE-B4C6-C98DA3205C09}" type="datetimeFigureOut">
-              <a:rPr lang="en-US" smtClean="0"/>
-              <a:pPr/>
-              <a:t>5/5/2015</a:t>
+            <a:fld id="{3B0FE1BD-251C-4B79-B04F-D7F538318EB1}" type="datetime1">
+              <a:rPr lang="en-US" smtClean="0"/>
+              <a:t>5/6/2015</a:t>
             </a:fld>
             <a:endParaRPr lang="en-US"/>
           </a:p>
@@ -2888,7 +3141,7 @@
     </p:spTree>
     <p:extLst>
       <p:ext uri="{BB962C8B-B14F-4D97-AF65-F5344CB8AC3E}">
-        <p14:creationId xmlns:p14="http://schemas.microsoft.com/office/powerpoint/2010/main" val="2131554926"/>
+        <p14:creationId xmlns:p14="http://schemas.microsoft.com/office/powerpoint/2010/main" xmlns="" val="2131554926"/>
       </p:ext>
     </p:extLst>
   </p:cSld>
@@ -2924,10 +3177,10 @@
           <p:nvPr/>
         </p:nvPicPr>
         <p:blipFill>
-          <a:blip r:embed="rId2">
+          <a:blip r:embed="rId2" cstate="print">
             <a:extLst>
               <a:ext uri="{28A0092B-C50C-407E-A947-70E740481C1C}">
-                <a14:useLocalDpi xmlns:a14="http://schemas.microsoft.com/office/drawing/2010/main" val="0"/>
+                <a14:useLocalDpi xmlns:a14="http://schemas.microsoft.com/office/drawing/2010/main" xmlns="" val="0"/>
               </a:ext>
             </a:extLst>
           </a:blip>
@@ -3397,10 +3650,9 @@
           <a:bodyPr/>
           <a:lstStyle/>
           <a:p>
-            <a:fld id="{1D8BD707-D9CF-40AE-B4C6-C98DA3205C09}" type="datetimeFigureOut">
-              <a:rPr lang="en-US" smtClean="0"/>
-              <a:pPr/>
-              <a:t>5/5/2015</a:t>
+            <a:fld id="{3B6CC1F4-CAFB-45A1-AE1A-77486264281A}" type="datetime1">
+              <a:rPr lang="en-US" smtClean="0"/>
+              <a:t>5/6/2015</a:t>
             </a:fld>
             <a:endParaRPr lang="en-US"/>
           </a:p>
@@ -3452,7 +3704,7 @@
     </p:spTree>
     <p:extLst>
       <p:ext uri="{BB962C8B-B14F-4D97-AF65-F5344CB8AC3E}">
-        <p14:creationId xmlns:p14="http://schemas.microsoft.com/office/powerpoint/2010/main" val="3537411605"/>
+        <p14:creationId xmlns:p14="http://schemas.microsoft.com/office/powerpoint/2010/main" xmlns="" val="3537411605"/>
       </p:ext>
     </p:extLst>
   </p:cSld>
@@ -3488,10 +3740,10 @@
           <p:nvPr/>
         </p:nvPicPr>
         <p:blipFill>
-          <a:blip r:embed="rId2">
+          <a:blip r:embed="rId2" cstate="print">
             <a:extLst>
               <a:ext uri="{28A0092B-C50C-407E-A947-70E740481C1C}">
-                <a14:useLocalDpi xmlns:a14="http://schemas.microsoft.com/office/drawing/2010/main" val="0"/>
+                <a14:useLocalDpi xmlns:a14="http://schemas.microsoft.com/office/drawing/2010/main" xmlns="" val="0"/>
               </a:ext>
             </a:extLst>
           </a:blip>
@@ -3726,10 +3978,9 @@
           <a:bodyPr/>
           <a:lstStyle/>
           <a:p>
-            <a:fld id="{1D8BD707-D9CF-40AE-B4C6-C98DA3205C09}" type="datetimeFigureOut">
-              <a:rPr lang="en-US" smtClean="0"/>
-              <a:pPr/>
-              <a:t>5/5/2015</a:t>
+            <a:fld id="{FA657696-7E45-4708-817D-5F8C37E36AE4}" type="datetime1">
+              <a:rPr lang="en-US" smtClean="0"/>
+              <a:t>5/6/2015</a:t>
             </a:fld>
             <a:endParaRPr lang="en-US"/>
           </a:p>
@@ -3781,7 +4032,7 @@
     </p:spTree>
     <p:extLst>
       <p:ext uri="{BB962C8B-B14F-4D97-AF65-F5344CB8AC3E}">
-        <p14:creationId xmlns:p14="http://schemas.microsoft.com/office/powerpoint/2010/main" val="540178979"/>
+        <p14:creationId xmlns:p14="http://schemas.microsoft.com/office/powerpoint/2010/main" xmlns="" val="540178979"/>
       </p:ext>
     </p:extLst>
   </p:cSld>
@@ -3817,10 +4068,10 @@
           <p:nvPr/>
         </p:nvPicPr>
         <p:blipFill>
-          <a:blip r:embed="rId2">
+          <a:blip r:embed="rId2" cstate="print">
             <a:extLst>
               <a:ext uri="{28A0092B-C50C-407E-A947-70E740481C1C}">
-                <a14:useLocalDpi xmlns:a14="http://schemas.microsoft.com/office/drawing/2010/main" val="0"/>
+                <a14:useLocalDpi xmlns:a14="http://schemas.microsoft.com/office/drawing/2010/main" xmlns="" val="0"/>
               </a:ext>
             </a:extLst>
           </a:blip>
@@ -3939,10 +4190,9 @@
           <a:bodyPr/>
           <a:lstStyle/>
           <a:p>
-            <a:fld id="{1D8BD707-D9CF-40AE-B4C6-C98DA3205C09}" type="datetimeFigureOut">
-              <a:rPr lang="en-US" smtClean="0"/>
-              <a:pPr/>
-              <a:t>5/5/2015</a:t>
+            <a:fld id="{F5604DB1-2327-4789-B975-326B2267DE8C}" type="datetime1">
+              <a:rPr lang="en-US" smtClean="0"/>
+              <a:t>5/6/2015</a:t>
             </a:fld>
             <a:endParaRPr lang="en-US"/>
           </a:p>
@@ -3994,7 +4244,7 @@
     </p:spTree>
     <p:extLst>
       <p:ext uri="{BB962C8B-B14F-4D97-AF65-F5344CB8AC3E}">
-        <p14:creationId xmlns:p14="http://schemas.microsoft.com/office/powerpoint/2010/main" val="1486967314"/>
+        <p14:creationId xmlns:p14="http://schemas.microsoft.com/office/powerpoint/2010/main" xmlns="" val="1486967314"/>
       </p:ext>
     </p:extLst>
   </p:cSld>
@@ -4030,10 +4280,10 @@
           <p:nvPr/>
         </p:nvPicPr>
         <p:blipFill>
-          <a:blip r:embed="rId2">
+          <a:blip r:embed="rId2" cstate="print">
             <a:extLst>
               <a:ext uri="{28A0092B-C50C-407E-A947-70E740481C1C}">
-                <a14:useLocalDpi xmlns:a14="http://schemas.microsoft.com/office/drawing/2010/main" val="0"/>
+                <a14:useLocalDpi xmlns:a14="http://schemas.microsoft.com/office/drawing/2010/main" xmlns="" val="0"/>
               </a:ext>
             </a:extLst>
           </a:blip>
@@ -4157,10 +4407,9 @@
           <a:bodyPr/>
           <a:lstStyle/>
           <a:p>
-            <a:fld id="{1D8BD707-D9CF-40AE-B4C6-C98DA3205C09}" type="datetimeFigureOut">
-              <a:rPr lang="en-US" smtClean="0"/>
-              <a:pPr/>
-              <a:t>5/5/2015</a:t>
+            <a:fld id="{2B255F39-DA33-45B9-A7FA-4AE78BBA2755}" type="datetime1">
+              <a:rPr lang="en-US" smtClean="0"/>
+              <a:t>5/6/2015</a:t>
             </a:fld>
             <a:endParaRPr lang="en-US"/>
           </a:p>
@@ -4212,7 +4461,7 @@
     </p:spTree>
     <p:extLst>
       <p:ext uri="{BB962C8B-B14F-4D97-AF65-F5344CB8AC3E}">
-        <p14:creationId xmlns:p14="http://schemas.microsoft.com/office/powerpoint/2010/main" val="3038704967"/>
+        <p14:creationId xmlns:p14="http://schemas.microsoft.com/office/powerpoint/2010/main" xmlns="" val="3038704967"/>
       </p:ext>
     </p:extLst>
   </p:cSld>
@@ -4248,10 +4497,10 @@
           <p:nvPr/>
         </p:nvPicPr>
         <p:blipFill>
-          <a:blip r:embed="rId2">
+          <a:blip r:embed="rId2" cstate="print">
             <a:extLst>
               <a:ext uri="{28A0092B-C50C-407E-A947-70E740481C1C}">
-                <a14:useLocalDpi xmlns:a14="http://schemas.microsoft.com/office/drawing/2010/main" val="0"/>
+                <a14:useLocalDpi xmlns:a14="http://schemas.microsoft.com/office/drawing/2010/main" xmlns="" val="0"/>
               </a:ext>
             </a:extLst>
           </a:blip>
@@ -4365,10 +4614,9 @@
           <a:bodyPr/>
           <a:lstStyle/>
           <a:p>
-            <a:fld id="{1D8BD707-D9CF-40AE-B4C6-C98DA3205C09}" type="datetimeFigureOut">
-              <a:rPr lang="en-US" smtClean="0"/>
-              <a:pPr/>
-              <a:t>5/5/2015</a:t>
+            <a:fld id="{83659A37-2279-4C64-AE4B-A1FC58CDC13E}" type="datetime1">
+              <a:rPr lang="en-US" smtClean="0"/>
+              <a:t>5/6/2015</a:t>
             </a:fld>
             <a:endParaRPr lang="en-US"/>
           </a:p>
@@ -4420,7 +4668,7 @@
     </p:spTree>
     <p:extLst>
       <p:ext uri="{BB962C8B-B14F-4D97-AF65-F5344CB8AC3E}">
-        <p14:creationId xmlns:p14="http://schemas.microsoft.com/office/powerpoint/2010/main" val="3322152156"/>
+        <p14:creationId xmlns:p14="http://schemas.microsoft.com/office/powerpoint/2010/main" xmlns="" val="3322152156"/>
       </p:ext>
     </p:extLst>
   </p:cSld>
@@ -4456,10 +4704,10 @@
           <p:nvPr/>
         </p:nvPicPr>
         <p:blipFill>
-          <a:blip r:embed="rId2">
+          <a:blip r:embed="rId2" cstate="print">
             <a:extLst>
               <a:ext uri="{28A0092B-C50C-407E-A947-70E740481C1C}">
-                <a14:useLocalDpi xmlns:a14="http://schemas.microsoft.com/office/drawing/2010/main" val="0"/>
+                <a14:useLocalDpi xmlns:a14="http://schemas.microsoft.com/office/drawing/2010/main" xmlns="" val="0"/>
               </a:ext>
             </a:extLst>
           </a:blip>
@@ -4645,10 +4893,9 @@
           <a:bodyPr/>
           <a:lstStyle/>
           <a:p>
-            <a:fld id="{1D8BD707-D9CF-40AE-B4C6-C98DA3205C09}" type="datetimeFigureOut">
-              <a:rPr lang="en-US" smtClean="0"/>
-              <a:pPr/>
-              <a:t>5/5/2015</a:t>
+            <a:fld id="{C91E7870-DA44-43FD-AE11-5C087A9F7B47}" type="datetime1">
+              <a:rPr lang="en-US" smtClean="0"/>
+              <a:t>5/6/2015</a:t>
             </a:fld>
             <a:endParaRPr lang="en-US"/>
           </a:p>
@@ -4700,7 +4947,7 @@
     </p:spTree>
     <p:extLst>
       <p:ext uri="{BB962C8B-B14F-4D97-AF65-F5344CB8AC3E}">
-        <p14:creationId xmlns:p14="http://schemas.microsoft.com/office/powerpoint/2010/main" val="1695665423"/>
+        <p14:creationId xmlns:p14="http://schemas.microsoft.com/office/powerpoint/2010/main" xmlns="" val="1695665423"/>
       </p:ext>
     </p:extLst>
   </p:cSld>
@@ -4736,10 +4983,10 @@
           <p:nvPr/>
         </p:nvPicPr>
         <p:blipFill>
-          <a:blip r:embed="rId2">
+          <a:blip r:embed="rId2" cstate="print">
             <a:extLst>
               <a:ext uri="{28A0092B-C50C-407E-A947-70E740481C1C}">
-                <a14:useLocalDpi xmlns:a14="http://schemas.microsoft.com/office/drawing/2010/main" val="0"/>
+                <a14:useLocalDpi xmlns:a14="http://schemas.microsoft.com/office/drawing/2010/main" xmlns="" val="0"/>
               </a:ext>
             </a:extLst>
           </a:blip>
@@ -4913,10 +5160,9 @@
           <a:bodyPr/>
           <a:lstStyle/>
           <a:p>
-            <a:fld id="{1D8BD707-D9CF-40AE-B4C6-C98DA3205C09}" type="datetimeFigureOut">
-              <a:rPr lang="en-US" smtClean="0"/>
-              <a:pPr/>
-              <a:t>5/5/2015</a:t>
+            <a:fld id="{BB8A1CAA-DFCC-4205-8408-16D138A70E53}" type="datetime1">
+              <a:rPr lang="en-US" smtClean="0"/>
+              <a:t>5/6/2015</a:t>
             </a:fld>
             <a:endParaRPr lang="en-US"/>
           </a:p>
@@ -4968,7 +5214,7 @@
     </p:spTree>
     <p:extLst>
       <p:ext uri="{BB962C8B-B14F-4D97-AF65-F5344CB8AC3E}">
-        <p14:creationId xmlns:p14="http://schemas.microsoft.com/office/powerpoint/2010/main" val="3339823809"/>
+        <p14:creationId xmlns:p14="http://schemas.microsoft.com/office/powerpoint/2010/main" xmlns="" val="3339823809"/>
       </p:ext>
     </p:extLst>
   </p:cSld>
@@ -5004,10 +5250,10 @@
           <p:nvPr/>
         </p:nvPicPr>
         <p:blipFill>
-          <a:blip r:embed="rId2">
+          <a:blip r:embed="rId2" cstate="print">
             <a:extLst>
               <a:ext uri="{28A0092B-C50C-407E-A947-70E740481C1C}">
-                <a14:useLocalDpi xmlns:a14="http://schemas.microsoft.com/office/drawing/2010/main" val="0"/>
+                <a14:useLocalDpi xmlns:a14="http://schemas.microsoft.com/office/drawing/2010/main" xmlns="" val="0"/>
               </a:ext>
             </a:extLst>
           </a:blip>
@@ -5321,10 +5567,9 @@
           <a:bodyPr/>
           <a:lstStyle/>
           <a:p>
-            <a:fld id="{1D8BD707-D9CF-40AE-B4C6-C98DA3205C09}" type="datetimeFigureOut">
-              <a:rPr lang="en-US" smtClean="0"/>
-              <a:pPr/>
-              <a:t>5/5/2015</a:t>
+            <a:fld id="{8C4DBED5-22E6-4302-90AF-60005CA6AEB5}" type="datetime1">
+              <a:rPr lang="en-US" smtClean="0"/>
+              <a:t>5/6/2015</a:t>
             </a:fld>
             <a:endParaRPr lang="en-US"/>
           </a:p>
@@ -5376,7 +5621,7 @@
     </p:spTree>
     <p:extLst>
       <p:ext uri="{BB962C8B-B14F-4D97-AF65-F5344CB8AC3E}">
-        <p14:creationId xmlns:p14="http://schemas.microsoft.com/office/powerpoint/2010/main" val="1353256162"/>
+        <p14:creationId xmlns:p14="http://schemas.microsoft.com/office/powerpoint/2010/main" xmlns="" val="1353256162"/>
       </p:ext>
     </p:extLst>
   </p:cSld>
@@ -5412,10 +5657,10 @@
           <p:nvPr/>
         </p:nvPicPr>
         <p:blipFill>
-          <a:blip r:embed="rId2">
+          <a:blip r:embed="rId2" cstate="print">
             <a:extLst>
               <a:ext uri="{28A0092B-C50C-407E-A947-70E740481C1C}">
-                <a14:useLocalDpi xmlns:a14="http://schemas.microsoft.com/office/drawing/2010/main" val="0"/>
+                <a14:useLocalDpi xmlns:a14="http://schemas.microsoft.com/office/drawing/2010/main" xmlns="" val="0"/>
               </a:ext>
             </a:extLst>
           </a:blip>
@@ -5482,10 +5727,9 @@
           <a:bodyPr/>
           <a:lstStyle/>
           <a:p>
-            <a:fld id="{1D8BD707-D9CF-40AE-B4C6-C98DA3205C09}" type="datetimeFigureOut">
-              <a:rPr lang="en-US" smtClean="0"/>
-              <a:pPr/>
-              <a:t>5/5/2015</a:t>
+            <a:fld id="{FBB86B4F-10E4-4391-BB83-DA0BD990F976}" type="datetime1">
+              <a:rPr lang="en-US" smtClean="0"/>
+              <a:t>5/6/2015</a:t>
             </a:fld>
             <a:endParaRPr lang="en-US"/>
           </a:p>
@@ -5537,7 +5781,7 @@
     </p:spTree>
     <p:extLst>
       <p:ext uri="{BB962C8B-B14F-4D97-AF65-F5344CB8AC3E}">
-        <p14:creationId xmlns:p14="http://schemas.microsoft.com/office/powerpoint/2010/main" val="1119464538"/>
+        <p14:creationId xmlns:p14="http://schemas.microsoft.com/office/powerpoint/2010/main" xmlns="" val="1119464538"/>
       </p:ext>
     </p:extLst>
   </p:cSld>
@@ -5573,10 +5817,10 @@
           <p:nvPr/>
         </p:nvPicPr>
         <p:blipFill>
-          <a:blip r:embed="rId2">
+          <a:blip r:embed="rId2" cstate="print">
             <a:extLst>
               <a:ext uri="{28A0092B-C50C-407E-A947-70E740481C1C}">
-                <a14:useLocalDpi xmlns:a14="http://schemas.microsoft.com/office/drawing/2010/main" val="0"/>
+                <a14:useLocalDpi xmlns:a14="http://schemas.microsoft.com/office/drawing/2010/main" xmlns="" val="0"/>
               </a:ext>
             </a:extLst>
           </a:blip>
@@ -5609,10 +5853,9 @@
           <a:bodyPr/>
           <a:lstStyle/>
           <a:p>
-            <a:fld id="{1D8BD707-D9CF-40AE-B4C6-C98DA3205C09}" type="datetimeFigureOut">
-              <a:rPr lang="en-US" smtClean="0"/>
-              <a:pPr/>
-              <a:t>5/5/2015</a:t>
+            <a:fld id="{F56C5CBC-608F-452A-B00B-1BACC1FC838E}" type="datetime1">
+              <a:rPr lang="en-US" smtClean="0"/>
+              <a:t>5/6/2015</a:t>
             </a:fld>
             <a:endParaRPr lang="en-US"/>
           </a:p>
@@ -5664,7 +5907,7 @@
     </p:spTree>
     <p:extLst>
       <p:ext uri="{BB962C8B-B14F-4D97-AF65-F5344CB8AC3E}">
-        <p14:creationId xmlns:p14="http://schemas.microsoft.com/office/powerpoint/2010/main" val="4210291723"/>
+        <p14:creationId xmlns:p14="http://schemas.microsoft.com/office/powerpoint/2010/main" xmlns="" val="4210291723"/>
       </p:ext>
     </p:extLst>
   </p:cSld>
@@ -5700,10 +5943,10 @@
           <p:nvPr/>
         </p:nvPicPr>
         <p:blipFill>
-          <a:blip r:embed="rId2">
+          <a:blip r:embed="rId2" cstate="print">
             <a:extLst>
               <a:ext uri="{28A0092B-C50C-407E-A947-70E740481C1C}">
-                <a14:useLocalDpi xmlns:a14="http://schemas.microsoft.com/office/drawing/2010/main" val="0"/>
+                <a14:useLocalDpi xmlns:a14="http://schemas.microsoft.com/office/drawing/2010/main" xmlns="" val="0"/>
               </a:ext>
             </a:extLst>
           </a:blip>
@@ -5896,10 +6139,9 @@
           <a:bodyPr/>
           <a:lstStyle/>
           <a:p>
-            <a:fld id="{1D8BD707-D9CF-40AE-B4C6-C98DA3205C09}" type="datetimeFigureOut">
-              <a:rPr lang="en-US" smtClean="0"/>
-              <a:pPr/>
-              <a:t>5/5/2015</a:t>
+            <a:fld id="{0B75A0B5-3153-4EBF-8042-A75B8E62D1BB}" type="datetime1">
+              <a:rPr lang="en-US" smtClean="0"/>
+              <a:t>5/6/2015</a:t>
             </a:fld>
             <a:endParaRPr lang="en-US"/>
           </a:p>
@@ -5951,7 +6193,7 @@
     </p:spTree>
     <p:extLst>
       <p:ext uri="{BB962C8B-B14F-4D97-AF65-F5344CB8AC3E}">
-        <p14:creationId xmlns:p14="http://schemas.microsoft.com/office/powerpoint/2010/main" val="3288378086"/>
+        <p14:creationId xmlns:p14="http://schemas.microsoft.com/office/powerpoint/2010/main" xmlns="" val="3288378086"/>
       </p:ext>
     </p:extLst>
   </p:cSld>
@@ -5987,10 +6229,10 @@
           <p:nvPr/>
         </p:nvPicPr>
         <p:blipFill>
-          <a:blip r:embed="rId2">
+          <a:blip r:embed="rId2" cstate="print">
             <a:extLst>
               <a:ext uri="{28A0092B-C50C-407E-A947-70E740481C1C}">
-                <a14:useLocalDpi xmlns:a14="http://schemas.microsoft.com/office/drawing/2010/main" val="0"/>
+                <a14:useLocalDpi xmlns:a14="http://schemas.microsoft.com/office/drawing/2010/main" xmlns="" val="0"/>
               </a:ext>
             </a:extLst>
           </a:blip>
@@ -6192,10 +6434,9 @@
           <a:bodyPr/>
           <a:lstStyle/>
           <a:p>
-            <a:fld id="{1D8BD707-D9CF-40AE-B4C6-C98DA3205C09}" type="datetimeFigureOut">
-              <a:rPr lang="en-US" smtClean="0"/>
-              <a:pPr/>
-              <a:t>5/5/2015</a:t>
+            <a:fld id="{3A0521D6-26FD-43B6-B774-D1E90F331C1D}" type="datetime1">
+              <a:rPr lang="en-US" smtClean="0"/>
+              <a:t>5/6/2015</a:t>
             </a:fld>
             <a:endParaRPr lang="en-US"/>
           </a:p>
@@ -6247,7 +6488,7 @@
     </p:spTree>
     <p:extLst>
       <p:ext uri="{BB962C8B-B14F-4D97-AF65-F5344CB8AC3E}">
-        <p14:creationId xmlns:p14="http://schemas.microsoft.com/office/powerpoint/2010/main" val="4198322766"/>
+        <p14:creationId xmlns:p14="http://schemas.microsoft.com/office/powerpoint/2010/main" xmlns="" val="4198322766"/>
       </p:ext>
     </p:extLst>
   </p:cSld>
@@ -6408,10 +6649,9 @@
             </a:lvl1pPr>
           </a:lstStyle>
           <a:p>
-            <a:fld id="{1D8BD707-D9CF-40AE-B4C6-C98DA3205C09}" type="datetimeFigureOut">
-              <a:rPr lang="en-US" smtClean="0"/>
-              <a:pPr/>
-              <a:t>5/5/2015</a:t>
+            <a:fld id="{A86A1B71-F98A-4DEB-BE3A-10D5FEE11B95}" type="datetime1">
+              <a:rPr lang="en-US" smtClean="0"/>
+              <a:t>5/6/2015</a:t>
             </a:fld>
             <a:endParaRPr lang="en-US"/>
           </a:p>
@@ -6499,7 +6739,7 @@
     </p:spTree>
     <p:extLst>
       <p:ext uri="{BB962C8B-B14F-4D97-AF65-F5344CB8AC3E}">
-        <p14:creationId xmlns:p14="http://schemas.microsoft.com/office/powerpoint/2010/main" val="1891676642"/>
+        <p14:creationId xmlns:p14="http://schemas.microsoft.com/office/powerpoint/2010/main" xmlns="" val="1891676642"/>
       </p:ext>
     </p:extLst>
   </p:cSld>
@@ -6523,6 +6763,7 @@
     <p:sldLayoutId id="2147483771" r:id="rId16"/>
     <p:sldLayoutId id="2147483772" r:id="rId17"/>
   </p:sldLayoutIdLst>
+  <p:hf hdr="0" ftr="0" dt="0"/>
   <p:txStyles>
     <p:titleStyle>
       <a:lvl1pPr algn="l" defTabSz="457200" rtl="0" eaLnBrk="1" latinLnBrk="0" hangingPunct="1">
@@ -6979,12 +7220,16 @@
           <a:p>
             <a:pPr algn="l"/>
             <a:r>
-              <a:rPr lang="en-US" sz="2000" b="1" dirty="0" smtClean="0">
+              <a:rPr lang="en-US" sz="2000" b="1" smtClean="0">
                 <a:latin typeface="Arial" panose="020B0604020202020204" pitchFamily="34" charset="0"/>
                 <a:cs typeface="Arial" panose="020B0604020202020204" pitchFamily="34" charset="0"/>
               </a:rPr>
               <a:t>Member:</a:t>
             </a:r>
+            <a:endParaRPr lang="en-US" sz="2000" b="1" dirty="0" smtClean="0">
+              <a:latin typeface="Arial" panose="020B0604020202020204" pitchFamily="34" charset="0"/>
+              <a:cs typeface="Arial" panose="020B0604020202020204" pitchFamily="34" charset="0"/>
+            </a:endParaRPr>
           </a:p>
           <a:p>
             <a:pPr lvl="1" algn="l"/>
@@ -7016,10 +7261,6 @@
               </a:rPr>
               <a:t>.</a:t>
             </a:r>
-            <a:endParaRPr lang="en-US" sz="1800" dirty="0" smtClean="0">
-              <a:latin typeface="Arial" panose="020B0604020202020204" pitchFamily="34" charset="0"/>
-              <a:cs typeface="Arial" panose="020B0604020202020204" pitchFamily="34" charset="0"/>
-            </a:endParaRPr>
           </a:p>
           <a:p>
             <a:pPr lvl="1" algn="l"/>
@@ -7079,10 +7320,6 @@
               </a:rPr>
               <a:t>.</a:t>
             </a:r>
-            <a:endParaRPr lang="en-US" sz="1800" dirty="0" smtClean="0">
-              <a:latin typeface="Arial" panose="020B0604020202020204" pitchFamily="34" charset="0"/>
-              <a:cs typeface="Arial" panose="020B0604020202020204" pitchFamily="34" charset="0"/>
-            </a:endParaRPr>
           </a:p>
           <a:p>
             <a:pPr lvl="1" algn="l"/>
@@ -7132,14 +7369,14 @@
           <a:p>
             <a:pPr marL="0" lvl="1" algn="l"/>
             <a:r>
-              <a:rPr lang="en-US" sz="2000" b="1" dirty="0" smtClean="0">
+              <a:rPr lang="en-US" sz="2000" b="1" smtClean="0">
                 <a:latin typeface="Arial" panose="020B0604020202020204" pitchFamily="34" charset="0"/>
                 <a:cs typeface="Arial" panose="020B0604020202020204" pitchFamily="34" charset="0"/>
               </a:rPr>
-              <a:t>Mentor:</a:t>
-            </a:r>
-            <a:r>
-              <a:rPr lang="en-US" sz="2000" dirty="0" smtClean="0">
+              <a:t>MENTOR:</a:t>
+            </a:r>
+            <a:r>
+              <a:rPr lang="en-US" sz="2000" smtClean="0">
                 <a:latin typeface="Arial" panose="020B0604020202020204" pitchFamily="34" charset="0"/>
                 <a:cs typeface="Arial" panose="020B0604020202020204" pitchFamily="34" charset="0"/>
               </a:rPr>
@@ -7207,6 +7444,30 @@
               <a:t>Project 1, 2</a:t>
             </a:r>
             <a:endParaRPr lang="en-US" dirty="0"/>
+          </a:p>
+        </p:txBody>
+      </p:sp>
+      <p:sp>
+        <p:nvSpPr>
+          <p:cNvPr id="5" name="Slide Number Placeholder 4"/>
+          <p:cNvSpPr>
+            <a:spLocks noGrp="1"/>
+          </p:cNvSpPr>
+          <p:nvPr>
+            <p:ph type="sldNum" sz="quarter" idx="12"/>
+          </p:nvPr>
+        </p:nvSpPr>
+        <p:spPr/>
+        <p:txBody>
+          <a:bodyPr/>
+          <a:lstStyle/>
+          <a:p>
+            <a:fld id="{B6F15528-21DE-4FAA-801E-634DDDAF4B2B}" type="slidenum">
+              <a:rPr lang="en-US" smtClean="0"/>
+              <a:pPr/>
+              <a:t>1</a:t>
+            </a:fld>
+            <a:endParaRPr lang="en-US"/>
           </a:p>
         </p:txBody>
       </p:sp>
@@ -7252,7 +7513,677 @@
             <p:ph type="title"/>
           </p:nvPr>
         </p:nvSpPr>
+        <p:spPr>
+          <a:xfrm>
+            <a:off x="457200" y="228600"/>
+            <a:ext cx="7772400" cy="1456267"/>
+          </a:xfrm>
+        </p:spPr>
+        <p:txBody>
+          <a:bodyPr/>
+          <a:lstStyle/>
+          <a:p>
+            <a:r>
+              <a:rPr lang="en-US" smtClean="0"/>
+              <a:t>Project requirement</a:t>
+            </a:r>
+            <a:endParaRPr lang="en-US"/>
+          </a:p>
+        </p:txBody>
+      </p:sp>
+      <p:sp>
+        <p:nvSpPr>
+          <p:cNvPr id="3" name="Content Placeholder 2"/>
+          <p:cNvSpPr>
+            <a:spLocks noGrp="1"/>
+          </p:cNvSpPr>
+          <p:nvPr>
+            <p:ph idx="1"/>
+          </p:nvPr>
+        </p:nvSpPr>
+        <p:spPr>
+          <a:xfrm>
+            <a:off x="457200" y="1676400"/>
+            <a:ext cx="7772400" cy="4114801"/>
+          </a:xfrm>
+        </p:spPr>
+        <p:txBody>
+          <a:bodyPr/>
+          <a:lstStyle/>
+          <a:p>
+            <a:endParaRPr lang="en-US"/>
+          </a:p>
+        </p:txBody>
+      </p:sp>
+      <p:sp>
+        <p:nvSpPr>
+          <p:cNvPr id="4" name="Slide Number Placeholder 3"/>
+          <p:cNvSpPr>
+            <a:spLocks noGrp="1"/>
+          </p:cNvSpPr>
+          <p:nvPr>
+            <p:ph type="sldNum" sz="quarter" idx="12"/>
+          </p:nvPr>
+        </p:nvSpPr>
+        <p:spPr>
+          <a:xfrm>
+            <a:off x="8229600" y="6324600"/>
+            <a:ext cx="417516" cy="377825"/>
+          </a:xfrm>
+        </p:spPr>
+        <p:txBody>
+          <a:bodyPr/>
+          <a:lstStyle/>
+          <a:p>
+            <a:fld id="{B6F15528-21DE-4FAA-801E-634DDDAF4B2B}" type="slidenum">
+              <a:rPr lang="en-US" sz="2800" smtClean="0"/>
+              <a:pPr/>
+              <a:t>2</a:t>
+            </a:fld>
+            <a:endParaRPr lang="en-US" sz="2800"/>
+          </a:p>
+        </p:txBody>
+      </p:sp>
+    </p:spTree>
+  </p:cSld>
+  <p:clrMapOvr>
+    <a:masterClrMapping/>
+  </p:clrMapOvr>
+</p:sld>
+</file>
+
+<file path=ppt/slides/slide3.xml><?xml version="1.0" encoding="utf-8"?>
+<p:sld xmlns:a="http://schemas.openxmlformats.org/drawingml/2006/main" xmlns:r="http://schemas.openxmlformats.org/officeDocument/2006/relationships" xmlns:p="http://schemas.openxmlformats.org/presentationml/2006/main">
+  <p:cSld>
+    <p:spTree>
+      <p:nvGrpSpPr>
+        <p:cNvPr id="1" name=""/>
+        <p:cNvGrpSpPr/>
+        <p:nvPr/>
+      </p:nvGrpSpPr>
+      <p:grpSpPr>
+        <a:xfrm>
+          <a:off x="0" y="0"/>
+          <a:ext cx="0" cy="0"/>
+          <a:chOff x="0" y="0"/>
+          <a:chExt cx="0" cy="0"/>
+        </a:xfrm>
+      </p:grpSpPr>
+      <p:sp>
+        <p:nvSpPr>
+          <p:cNvPr id="2" name="Title 1"/>
+          <p:cNvSpPr>
+            <a:spLocks noGrp="1"/>
+          </p:cNvSpPr>
+          <p:nvPr>
+            <p:ph type="title"/>
+          </p:nvPr>
+        </p:nvSpPr>
         <p:spPr/>
+        <p:txBody>
+          <a:bodyPr/>
+          <a:lstStyle/>
+          <a:p>
+            <a:r>
+              <a:rPr lang="en-US" smtClean="0"/>
+              <a:t>3-Tier Architecture</a:t>
+            </a:r>
+            <a:endParaRPr lang="en-US"/>
+          </a:p>
+        </p:txBody>
+      </p:sp>
+      <p:pic>
+        <p:nvPicPr>
+          <p:cNvPr id="1030" name="Picture 6"/>
+          <p:cNvPicPr>
+            <a:picLocks noGrp="1" noChangeAspect="1" noChangeArrowheads="1"/>
+          </p:cNvPicPr>
+          <p:nvPr>
+            <p:ph idx="1"/>
+          </p:nvPr>
+        </p:nvPicPr>
+        <p:blipFill>
+          <a:blip r:embed="rId3" cstate="print"/>
+          <a:stretch>
+            <a:fillRect/>
+          </a:stretch>
+        </p:blipFill>
+        <p:spPr bwMode="auto">
+          <a:xfrm>
+            <a:off x="2164191" y="2065868"/>
+            <a:ext cx="4358417" cy="4563532"/>
+          </a:xfrm>
+          <a:prstGeom prst="rect">
+            <a:avLst/>
+          </a:prstGeom>
+          <a:noFill/>
+          <a:ln w="9525">
+            <a:noFill/>
+            <a:miter lim="800000"/>
+            <a:headEnd/>
+            <a:tailEnd/>
+          </a:ln>
+        </p:spPr>
+      </p:pic>
+      <p:sp>
+        <p:nvSpPr>
+          <p:cNvPr id="4" name="Slide Number Placeholder 3"/>
+          <p:cNvSpPr>
+            <a:spLocks noGrp="1"/>
+          </p:cNvSpPr>
+          <p:nvPr>
+            <p:ph type="sldNum" sz="quarter" idx="12"/>
+          </p:nvPr>
+        </p:nvSpPr>
+        <p:spPr>
+          <a:xfrm>
+            <a:off x="8305800" y="6324600"/>
+            <a:ext cx="417516" cy="377825"/>
+          </a:xfrm>
+        </p:spPr>
+        <p:txBody>
+          <a:bodyPr/>
+          <a:lstStyle/>
+          <a:p>
+            <a:fld id="{B6F15528-21DE-4FAA-801E-634DDDAF4B2B}" type="slidenum">
+              <a:rPr lang="en-US" sz="2800" smtClean="0"/>
+              <a:pPr/>
+              <a:t>3</a:t>
+            </a:fld>
+            <a:endParaRPr lang="en-US" sz="2800"/>
+          </a:p>
+        </p:txBody>
+      </p:sp>
+    </p:spTree>
+  </p:cSld>
+  <p:clrMapOvr>
+    <a:masterClrMapping/>
+  </p:clrMapOvr>
+  <p:timing>
+    <p:tnLst>
+      <p:par>
+        <p:cTn id="1" dur="indefinite" restart="never" nodeType="tmRoot"/>
+      </p:par>
+    </p:tnLst>
+  </p:timing>
+</p:sld>
+</file>
+
+<file path=ppt/slides/slide4.xml><?xml version="1.0" encoding="utf-8"?>
+<p:sld xmlns:a="http://schemas.openxmlformats.org/drawingml/2006/main" xmlns:r="http://schemas.openxmlformats.org/officeDocument/2006/relationships" xmlns:p="http://schemas.openxmlformats.org/presentationml/2006/main">
+  <p:cSld>
+    <p:spTree>
+      <p:nvGrpSpPr>
+        <p:cNvPr id="1" name=""/>
+        <p:cNvGrpSpPr/>
+        <p:nvPr/>
+      </p:nvGrpSpPr>
+      <p:grpSpPr>
+        <a:xfrm>
+          <a:off x="0" y="0"/>
+          <a:ext cx="0" cy="0"/>
+          <a:chOff x="0" y="0"/>
+          <a:chExt cx="0" cy="0"/>
+        </a:xfrm>
+      </p:grpSpPr>
+      <p:sp>
+        <p:nvSpPr>
+          <p:cNvPr id="2" name="Title 1"/>
+          <p:cNvSpPr>
+            <a:spLocks noGrp="1"/>
+          </p:cNvSpPr>
+          <p:nvPr>
+            <p:ph type="title"/>
+          </p:nvPr>
+        </p:nvSpPr>
+        <p:spPr/>
+        <p:txBody>
+          <a:bodyPr/>
+          <a:lstStyle/>
+          <a:p>
+            <a:r>
+              <a:rPr lang="en-US" smtClean="0"/>
+              <a:t>MVC model</a:t>
+            </a:r>
+            <a:endParaRPr lang="en-US"/>
+          </a:p>
+        </p:txBody>
+      </p:sp>
+      <p:pic>
+        <p:nvPicPr>
+          <p:cNvPr id="4" name="Picture 7" descr="C:\Users\cscadmin\Desktop\Final-p\Sources\final-project\document\mvc.png"/>
+          <p:cNvPicPr>
+            <a:picLocks noGrp="1" noChangeAspect="1" noChangeArrowheads="1"/>
+          </p:cNvPicPr>
+          <p:nvPr>
+            <p:ph idx="1"/>
+          </p:nvPr>
+        </p:nvPicPr>
+        <p:blipFill>
+          <a:blip r:embed="rId3" cstate="print"/>
+          <a:stretch>
+            <a:fillRect/>
+          </a:stretch>
+        </p:blipFill>
+        <p:spPr bwMode="auto">
+          <a:xfrm>
+            <a:off x="1443568" y="1752600"/>
+            <a:ext cx="5799664" cy="4953000"/>
+          </a:xfrm>
+          <a:prstGeom prst="rect">
+            <a:avLst/>
+          </a:prstGeom>
+          <a:noFill/>
+        </p:spPr>
+      </p:pic>
+      <p:sp>
+        <p:nvSpPr>
+          <p:cNvPr id="5" name="Slide Number Placeholder 4"/>
+          <p:cNvSpPr>
+            <a:spLocks noGrp="1"/>
+          </p:cNvSpPr>
+          <p:nvPr>
+            <p:ph type="sldNum" sz="quarter" idx="12"/>
+          </p:nvPr>
+        </p:nvSpPr>
+        <p:spPr>
+          <a:xfrm>
+            <a:off x="8229600" y="6248400"/>
+            <a:ext cx="417516" cy="377825"/>
+          </a:xfrm>
+        </p:spPr>
+        <p:txBody>
+          <a:bodyPr/>
+          <a:lstStyle/>
+          <a:p>
+            <a:fld id="{B6F15528-21DE-4FAA-801E-634DDDAF4B2B}" type="slidenum">
+              <a:rPr lang="en-US" sz="2800" smtClean="0"/>
+              <a:pPr/>
+              <a:t>4</a:t>
+            </a:fld>
+            <a:endParaRPr lang="en-US" sz="2800"/>
+          </a:p>
+        </p:txBody>
+      </p:sp>
+    </p:spTree>
+  </p:cSld>
+  <p:clrMapOvr>
+    <a:masterClrMapping/>
+  </p:clrMapOvr>
+  <p:timing>
+    <p:tnLst>
+      <p:par>
+        <p:cTn id="1" dur="indefinite" restart="never" nodeType="tmRoot"/>
+      </p:par>
+    </p:tnLst>
+  </p:timing>
+</p:sld>
+</file>
+
+<file path=ppt/slides/slide5.xml><?xml version="1.0" encoding="utf-8"?>
+<p:sld xmlns:a="http://schemas.openxmlformats.org/drawingml/2006/main" xmlns:r="http://schemas.openxmlformats.org/officeDocument/2006/relationships" xmlns:p="http://schemas.openxmlformats.org/presentationml/2006/main">
+  <p:cSld>
+    <p:spTree>
+      <p:nvGrpSpPr>
+        <p:cNvPr id="1" name=""/>
+        <p:cNvGrpSpPr/>
+        <p:nvPr/>
+      </p:nvGrpSpPr>
+      <p:grpSpPr>
+        <a:xfrm>
+          <a:off x="0" y="0"/>
+          <a:ext cx="0" cy="0"/>
+          <a:chOff x="0" y="0"/>
+          <a:chExt cx="0" cy="0"/>
+        </a:xfrm>
+      </p:grpSpPr>
+      <p:sp>
+        <p:nvSpPr>
+          <p:cNvPr id="2" name="Title 1"/>
+          <p:cNvSpPr>
+            <a:spLocks noGrp="1"/>
+          </p:cNvSpPr>
+          <p:nvPr>
+            <p:ph type="title"/>
+          </p:nvPr>
+        </p:nvSpPr>
+        <p:spPr>
+          <a:xfrm>
+            <a:off x="457200" y="152400"/>
+            <a:ext cx="8229600" cy="1143000"/>
+          </a:xfrm>
+        </p:spPr>
+        <p:txBody>
+          <a:bodyPr/>
+          <a:lstStyle/>
+          <a:p>
+            <a:r>
+              <a:rPr lang="en-US" dirty="0" smtClean="0"/>
+              <a:t>Use case</a:t>
+            </a:r>
+            <a:endParaRPr lang="en-US" dirty="0"/>
+          </a:p>
+        </p:txBody>
+      </p:sp>
+      <p:pic>
+        <p:nvPicPr>
+          <p:cNvPr id="5" name="Content Placeholder 4" descr="FinalProject_UseCase.jpg"/>
+          <p:cNvPicPr>
+            <a:picLocks noGrp="1" noChangeAspect="1"/>
+          </p:cNvPicPr>
+          <p:nvPr>
+            <p:ph idx="1"/>
+          </p:nvPr>
+        </p:nvPicPr>
+        <p:blipFill>
+          <a:blip r:embed="rId3" cstate="print"/>
+          <a:stretch>
+            <a:fillRect/>
+          </a:stretch>
+        </p:blipFill>
+        <p:spPr>
+          <a:xfrm>
+            <a:off x="762000" y="990600"/>
+            <a:ext cx="7543800" cy="5748418"/>
+          </a:xfrm>
+        </p:spPr>
+      </p:pic>
+      <p:sp>
+        <p:nvSpPr>
+          <p:cNvPr id="4" name="Slide Number Placeholder 3"/>
+          <p:cNvSpPr>
+            <a:spLocks noGrp="1"/>
+          </p:cNvSpPr>
+          <p:nvPr>
+            <p:ph type="sldNum" sz="quarter" idx="12"/>
+          </p:nvPr>
+        </p:nvSpPr>
+        <p:spPr>
+          <a:xfrm>
+            <a:off x="8305800" y="6324600"/>
+            <a:ext cx="417516" cy="377825"/>
+          </a:xfrm>
+        </p:spPr>
+        <p:txBody>
+          <a:bodyPr/>
+          <a:lstStyle/>
+          <a:p>
+            <a:fld id="{B6F15528-21DE-4FAA-801E-634DDDAF4B2B}" type="slidenum">
+              <a:rPr lang="en-US" sz="2800" smtClean="0"/>
+              <a:pPr/>
+              <a:t>5</a:t>
+            </a:fld>
+            <a:endParaRPr lang="en-US" sz="2800"/>
+          </a:p>
+        </p:txBody>
+      </p:sp>
+    </p:spTree>
+  </p:cSld>
+  <p:clrMapOvr>
+    <a:masterClrMapping/>
+  </p:clrMapOvr>
+  <p:timing>
+    <p:tnLst>
+      <p:par>
+        <p:cTn id="1" dur="indefinite" restart="never" nodeType="tmRoot"/>
+      </p:par>
+    </p:tnLst>
+  </p:timing>
+</p:sld>
+</file>
+
+<file path=ppt/slides/slide6.xml><?xml version="1.0" encoding="utf-8"?>
+<p:sld xmlns:a="http://schemas.openxmlformats.org/drawingml/2006/main" xmlns:r="http://schemas.openxmlformats.org/officeDocument/2006/relationships" xmlns:p="http://schemas.openxmlformats.org/presentationml/2006/main">
+  <p:cSld>
+    <p:spTree>
+      <p:nvGrpSpPr>
+        <p:cNvPr id="1" name=""/>
+        <p:cNvGrpSpPr/>
+        <p:nvPr/>
+      </p:nvGrpSpPr>
+      <p:grpSpPr>
+        <a:xfrm>
+          <a:off x="0" y="0"/>
+          <a:ext cx="0" cy="0"/>
+          <a:chOff x="0" y="0"/>
+          <a:chExt cx="0" cy="0"/>
+        </a:xfrm>
+      </p:grpSpPr>
+      <p:sp>
+        <p:nvSpPr>
+          <p:cNvPr id="2" name="Title 1"/>
+          <p:cNvSpPr>
+            <a:spLocks noGrp="1"/>
+          </p:cNvSpPr>
+          <p:nvPr>
+            <p:ph type="title"/>
+          </p:nvPr>
+        </p:nvSpPr>
+        <p:spPr>
+          <a:xfrm>
+            <a:off x="304800" y="0"/>
+            <a:ext cx="7772400" cy="1456267"/>
+          </a:xfrm>
+        </p:spPr>
+        <p:txBody>
+          <a:bodyPr/>
+          <a:lstStyle/>
+          <a:p>
+            <a:r>
+              <a:rPr lang="en-US" dirty="0" smtClean="0"/>
+              <a:t>Entity class diagram</a:t>
+            </a:r>
+            <a:endParaRPr lang="en-US" dirty="0"/>
+          </a:p>
+        </p:txBody>
+      </p:sp>
+      <p:pic>
+        <p:nvPicPr>
+          <p:cNvPr id="4" name="Content Placeholder 3" descr="class_diagram.bmp"/>
+          <p:cNvPicPr>
+            <a:picLocks noGrp="1" noChangeAspect="1"/>
+          </p:cNvPicPr>
+          <p:nvPr>
+            <p:ph idx="1"/>
+          </p:nvPr>
+        </p:nvPicPr>
+        <p:blipFill>
+          <a:blip r:embed="rId3" cstate="print"/>
+          <a:stretch>
+            <a:fillRect/>
+          </a:stretch>
+        </p:blipFill>
+        <p:spPr>
+          <a:xfrm>
+            <a:off x="1447800" y="1456267"/>
+            <a:ext cx="6019800" cy="5379360"/>
+          </a:xfrm>
+        </p:spPr>
+      </p:pic>
+      <p:sp>
+        <p:nvSpPr>
+          <p:cNvPr id="5" name="Slide Number Placeholder 4"/>
+          <p:cNvSpPr>
+            <a:spLocks noGrp="1"/>
+          </p:cNvSpPr>
+          <p:nvPr>
+            <p:ph type="sldNum" sz="quarter" idx="12"/>
+          </p:nvPr>
+        </p:nvSpPr>
+        <p:spPr>
+          <a:xfrm>
+            <a:off x="8382000" y="6324600"/>
+            <a:ext cx="417516" cy="377825"/>
+          </a:xfrm>
+        </p:spPr>
+        <p:txBody>
+          <a:bodyPr/>
+          <a:lstStyle/>
+          <a:p>
+            <a:fld id="{B6F15528-21DE-4FAA-801E-634DDDAF4B2B}" type="slidenum">
+              <a:rPr lang="en-US" sz="2800" smtClean="0"/>
+              <a:pPr/>
+              <a:t>6</a:t>
+            </a:fld>
+            <a:endParaRPr lang="en-US" sz="2800"/>
+          </a:p>
+        </p:txBody>
+      </p:sp>
+    </p:spTree>
+  </p:cSld>
+  <p:clrMapOvr>
+    <a:masterClrMapping/>
+  </p:clrMapOvr>
+  <p:timing>
+    <p:tnLst>
+      <p:par>
+        <p:cTn id="1" dur="indefinite" restart="never" nodeType="tmRoot"/>
+      </p:par>
+    </p:tnLst>
+  </p:timing>
+</p:sld>
+</file>
+
+<file path=ppt/slides/slide7.xml><?xml version="1.0" encoding="utf-8"?>
+<p:sld xmlns:a="http://schemas.openxmlformats.org/drawingml/2006/main" xmlns:r="http://schemas.openxmlformats.org/officeDocument/2006/relationships" xmlns:p="http://schemas.openxmlformats.org/presentationml/2006/main">
+  <p:cSld>
+    <p:spTree>
+      <p:nvGrpSpPr>
+        <p:cNvPr id="1" name=""/>
+        <p:cNvGrpSpPr/>
+        <p:nvPr/>
+      </p:nvGrpSpPr>
+      <p:grpSpPr>
+        <a:xfrm>
+          <a:off x="0" y="0"/>
+          <a:ext cx="0" cy="0"/>
+          <a:chOff x="0" y="0"/>
+          <a:chExt cx="0" cy="0"/>
+        </a:xfrm>
+      </p:grpSpPr>
+      <p:sp>
+        <p:nvSpPr>
+          <p:cNvPr id="2" name="Title 1"/>
+          <p:cNvSpPr>
+            <a:spLocks noGrp="1"/>
+          </p:cNvSpPr>
+          <p:nvPr>
+            <p:ph type="title"/>
+          </p:nvPr>
+        </p:nvSpPr>
+        <p:spPr/>
+        <p:txBody>
+          <a:bodyPr/>
+          <a:lstStyle/>
+          <a:p>
+            <a:r>
+              <a:rPr lang="en-US" smtClean="0"/>
+              <a:t>Database</a:t>
+            </a:r>
+            <a:endParaRPr lang="en-US"/>
+          </a:p>
+        </p:txBody>
+      </p:sp>
+      <p:pic>
+        <p:nvPicPr>
+          <p:cNvPr id="4" name="Content Placeholder 3" descr="database.png"/>
+          <p:cNvPicPr>
+            <a:picLocks noGrp="1" noChangeAspect="1"/>
+          </p:cNvPicPr>
+          <p:nvPr>
+            <p:ph idx="1"/>
+          </p:nvPr>
+        </p:nvPicPr>
+        <p:blipFill>
+          <a:blip r:embed="rId3" cstate="print"/>
+          <a:stretch>
+            <a:fillRect/>
+          </a:stretch>
+        </p:blipFill>
+        <p:spPr>
+          <a:xfrm>
+            <a:off x="1295400" y="1706459"/>
+            <a:ext cx="6742471" cy="4999141"/>
+          </a:xfrm>
+        </p:spPr>
+      </p:pic>
+      <p:sp>
+        <p:nvSpPr>
+          <p:cNvPr id="5" name="Slide Number Placeholder 4"/>
+          <p:cNvSpPr>
+            <a:spLocks noGrp="1"/>
+          </p:cNvSpPr>
+          <p:nvPr>
+            <p:ph type="sldNum" sz="quarter" idx="12"/>
+          </p:nvPr>
+        </p:nvSpPr>
+        <p:spPr>
+          <a:xfrm>
+            <a:off x="8229600" y="6324600"/>
+            <a:ext cx="417516" cy="377825"/>
+          </a:xfrm>
+        </p:spPr>
+        <p:txBody>
+          <a:bodyPr/>
+          <a:lstStyle/>
+          <a:p>
+            <a:fld id="{B6F15528-21DE-4FAA-801E-634DDDAF4B2B}" type="slidenum">
+              <a:rPr lang="en-US" sz="2800" smtClean="0"/>
+              <a:pPr/>
+              <a:t>7</a:t>
+            </a:fld>
+            <a:endParaRPr lang="en-US" sz="2800"/>
+          </a:p>
+        </p:txBody>
+      </p:sp>
+    </p:spTree>
+  </p:cSld>
+  <p:clrMapOvr>
+    <a:masterClrMapping/>
+  </p:clrMapOvr>
+  <p:timing>
+    <p:tnLst>
+      <p:par>
+        <p:cTn id="1" dur="indefinite" restart="never" nodeType="tmRoot"/>
+      </p:par>
+    </p:tnLst>
+  </p:timing>
+</p:sld>
+</file>
+
+<file path=ppt/slides/slide8.xml><?xml version="1.0" encoding="utf-8"?>
+<p:sld xmlns:a="http://schemas.openxmlformats.org/drawingml/2006/main" xmlns:r="http://schemas.openxmlformats.org/officeDocument/2006/relationships" xmlns:p="http://schemas.openxmlformats.org/presentationml/2006/main">
+  <p:cSld>
+    <p:spTree>
+      <p:nvGrpSpPr>
+        <p:cNvPr id="1" name=""/>
+        <p:cNvGrpSpPr/>
+        <p:nvPr/>
+      </p:nvGrpSpPr>
+      <p:grpSpPr>
+        <a:xfrm>
+          <a:off x="0" y="0"/>
+          <a:ext cx="0" cy="0"/>
+          <a:chOff x="0" y="0"/>
+          <a:chExt cx="0" cy="0"/>
+        </a:xfrm>
+      </p:grpSpPr>
+      <p:sp>
+        <p:nvSpPr>
+          <p:cNvPr id="2" name="Title 1"/>
+          <p:cNvSpPr>
+            <a:spLocks noGrp="1"/>
+          </p:cNvSpPr>
+          <p:nvPr>
+            <p:ph type="title"/>
+          </p:nvPr>
+        </p:nvSpPr>
+        <p:spPr>
+          <a:xfrm>
+            <a:off x="381000" y="228600"/>
+            <a:ext cx="7772400" cy="1456267"/>
+          </a:xfrm>
+        </p:spPr>
         <p:txBody>
           <a:bodyPr/>
           <a:lstStyle/>
@@ -7275,14 +8206,14 @@
             <p:ph idx="1"/>
             <p:extLst>
               <p:ext uri="{D42A27DB-BD31-4B8C-83A1-F6EECF244321}">
-                <p14:modId xmlns:p14="http://schemas.microsoft.com/office/powerpoint/2010/main" val="3585406929"/>
+                <p14:modId xmlns:p14="http://schemas.microsoft.com/office/powerpoint/2010/main" xmlns="" val="3585406929"/>
               </p:ext>
             </p:extLst>
           </p:nvPr>
         </p:nvGraphicFramePr>
         <p:xfrm>
-          <a:off x="457200" y="2141538"/>
-          <a:ext cx="7772400" cy="3937000"/>
+          <a:off x="762000" y="1447800"/>
+          <a:ext cx="7772400" cy="4607560"/>
         </p:xfrm>
         <a:graphic>
           <a:graphicData uri="http://schemas.openxmlformats.org/drawingml/2006/table">
@@ -7356,34 +8287,38 @@
                     <a:p>
                       <a:pPr algn="just"/>
                       <a:r>
-                        <a:rPr lang="en-US" dirty="0" err="1" smtClean="0"/>
+                        <a:rPr lang="en-US" sz="2000" dirty="0" err="1" smtClean="0"/>
                         <a:t>Addfund</a:t>
                       </a:r>
                       <a:r>
-                        <a:rPr lang="en-US" dirty="0" smtClean="0"/>
+                        <a:rPr lang="en-US" sz="2000" dirty="0" smtClean="0"/>
                         <a:t>, withdraw,</a:t>
                       </a:r>
                       <a:r>
-                        <a:rPr lang="en-US" baseline="0" dirty="0" smtClean="0"/>
+                        <a:rPr lang="en-US" sz="2000" baseline="0" dirty="0" smtClean="0"/>
                         <a:t> transfer by support, transfer by user, transfer in </a:t>
                       </a:r>
                       <a:r>
-                        <a:rPr lang="en-US" baseline="0" dirty="0" err="1" smtClean="0"/>
+                        <a:rPr lang="en-US" sz="2000" baseline="0" dirty="0" err="1" smtClean="0"/>
                         <a:t>targetAccount</a:t>
                       </a:r>
                       <a:r>
-                        <a:rPr lang="en-US" baseline="0" dirty="0" smtClean="0"/>
+                        <a:rPr lang="en-US" sz="2000" baseline="0" dirty="0" smtClean="0"/>
                         <a:t> by user, verify transaction, add modify and delete </a:t>
                       </a:r>
                       <a:r>
-                        <a:rPr lang="en-US" baseline="0" dirty="0" err="1" smtClean="0"/>
+                        <a:rPr lang="en-US" sz="2000" baseline="0" dirty="0" err="1" smtClean="0"/>
                         <a:t>targetAccount</a:t>
                       </a:r>
                       <a:r>
-                        <a:rPr lang="en-US" baseline="0" dirty="0" smtClean="0"/>
-                        <a:t>, home all user, spring security, login 3 times.</a:t>
+                        <a:rPr lang="en-US" sz="2000" baseline="0" dirty="0" smtClean="0"/>
+                        <a:t>, home all user, spring security, login 3 times</a:t>
                       </a:r>
-                      <a:endParaRPr lang="en-US" dirty="0"/>
+                      <a:r>
+                        <a:rPr lang="en-US" sz="1600" baseline="0" dirty="0" smtClean="0"/>
+                        <a:t>.</a:t>
+                      </a:r>
+                      <a:endParaRPr lang="en-US" sz="1600" dirty="0"/>
                     </a:p>
                   </a:txBody>
                   <a:tcPr marL="86360" marR="86360"/>
@@ -7415,64 +8350,115 @@
                     <a:p>
                       <a:pPr algn="just"/>
                       <a:r>
-                        <a:rPr lang="en-US" dirty="0" smtClean="0"/>
-                        <a:t>Add account, modify account,</a:t>
+                        <a:rPr lang="en-US" sz="2000" kern="1200" dirty="0" smtClean="0">
+                          <a:solidFill>
+                            <a:schemeClr val="dk1"/>
+                          </a:solidFill>
+                          <a:latin typeface="+mn-lt"/>
+                          <a:ea typeface="+mn-ea"/>
+                          <a:cs typeface="+mn-cs"/>
+                        </a:rPr>
+                        <a:t>Add account, modify account, change state Active </a:t>
                       </a:r>
                       <a:r>
-                        <a:rPr lang="en-US" baseline="0" dirty="0" smtClean="0"/>
-                        <a:t> change state Active </a:t>
-                      </a:r>
-                      <a:r>
-                        <a:rPr lang="en-US" baseline="0" dirty="0" smtClean="0">
+                        <a:rPr lang="en-US" sz="2000" kern="1200" dirty="0" smtClean="0">
+                          <a:solidFill>
+                            <a:schemeClr val="dk1"/>
+                          </a:solidFill>
+                          <a:latin typeface="+mn-lt"/>
+                          <a:ea typeface="+mn-ea"/>
+                          <a:cs typeface="+mn-cs"/>
                           <a:sym typeface="Wingdings" panose="05000000000000000000" pitchFamily="2" charset="2"/>
                         </a:rPr>
                         <a:t></a:t>
                       </a:r>
                       <a:r>
-                        <a:rPr lang="en-US" baseline="0" dirty="0" smtClean="0"/>
-                        <a:t> </a:t>
+                        <a:rPr lang="en-US" sz="2000" kern="1200" dirty="0" smtClean="0">
+                          <a:solidFill>
+                            <a:schemeClr val="dk1"/>
+                          </a:solidFill>
+                          <a:latin typeface="+mn-lt"/>
+                          <a:ea typeface="+mn-ea"/>
+                          <a:cs typeface="+mn-cs"/>
+                        </a:rPr>
+                        <a:t> Disable, Disable </a:t>
                       </a:r>
                       <a:r>
-                        <a:rPr lang="en-US" baseline="0" dirty="0" smtClean="0"/>
-                        <a:t>Disable, Disable </a:t>
-                      </a:r>
-                      <a:r>
-                        <a:rPr lang="en-US" baseline="0" dirty="0" smtClean="0">
+                        <a:rPr lang="en-US" sz="2000" kern="1200" dirty="0" smtClean="0">
+                          <a:solidFill>
+                            <a:schemeClr val="dk1"/>
+                          </a:solidFill>
+                          <a:latin typeface="+mn-lt"/>
+                          <a:ea typeface="+mn-ea"/>
+                          <a:cs typeface="+mn-cs"/>
                           <a:sym typeface="Wingdings" panose="05000000000000000000" pitchFamily="2" charset="2"/>
                         </a:rPr>
                         <a:t></a:t>
                       </a:r>
                       <a:r>
-                        <a:rPr lang="en-US" baseline="0" dirty="0" smtClean="0"/>
+                        <a:rPr lang="en-US" sz="2000" kern="1200" dirty="0" smtClean="0">
+                          <a:solidFill>
+                            <a:schemeClr val="dk1"/>
+                          </a:solidFill>
+                          <a:latin typeface="+mn-lt"/>
+                          <a:ea typeface="+mn-ea"/>
+                          <a:cs typeface="+mn-cs"/>
+                        </a:rPr>
+                        <a:t> Active, </a:t>
+                      </a:r>
+                      <a:r>
+                        <a:rPr lang="en-US" sz="2000" kern="1200" dirty="0" err="1" smtClean="0">
+                          <a:solidFill>
+                            <a:schemeClr val="dk1"/>
+                          </a:solidFill>
+                          <a:latin typeface="+mn-lt"/>
+                          <a:ea typeface="+mn-ea"/>
+                          <a:cs typeface="+mn-cs"/>
+                        </a:rPr>
+                        <a:t>Removeable</a:t>
+                      </a:r>
+                      <a:r>
+                        <a:rPr lang="en-US" sz="2000" kern="1200" dirty="0" smtClean="0">
+                          <a:solidFill>
+                            <a:schemeClr val="dk1"/>
+                          </a:solidFill>
+                          <a:latin typeface="+mn-lt"/>
+                          <a:ea typeface="+mn-ea"/>
+                          <a:cs typeface="+mn-cs"/>
+                        </a:rPr>
                         <a:t> </a:t>
                       </a:r>
                       <a:r>
-                        <a:rPr lang="en-US" baseline="0" dirty="0" smtClean="0"/>
-                        <a:t>Active, </a:t>
-                      </a:r>
-                      <a:r>
-                        <a:rPr lang="en-US" baseline="0" dirty="0" err="1" smtClean="0"/>
-                        <a:t>Removeable</a:t>
-                      </a:r>
-                      <a:r>
-                        <a:rPr lang="en-US" baseline="0" dirty="0" smtClean="0"/>
-                        <a:t> </a:t>
-                      </a:r>
-                      <a:r>
-                        <a:rPr lang="en-US" baseline="0" dirty="0" smtClean="0">
+                        <a:rPr lang="en-US" sz="2000" kern="1200" dirty="0" smtClean="0">
+                          <a:solidFill>
+                            <a:schemeClr val="dk1"/>
+                          </a:solidFill>
+                          <a:latin typeface="+mn-lt"/>
+                          <a:ea typeface="+mn-ea"/>
+                          <a:cs typeface="+mn-cs"/>
                           <a:sym typeface="Wingdings" panose="05000000000000000000" pitchFamily="2" charset="2"/>
                         </a:rPr>
                         <a:t></a:t>
                       </a:r>
                       <a:r>
-                        <a:rPr lang="en-US" baseline="0" dirty="0" smtClean="0"/>
-                        <a:t> </a:t>
+                        <a:rPr lang="en-US" sz="2000" kern="1200" dirty="0" smtClean="0">
+                          <a:solidFill>
+                            <a:schemeClr val="dk1"/>
+                          </a:solidFill>
+                          <a:latin typeface="+mn-lt"/>
+                          <a:ea typeface="+mn-ea"/>
+                          <a:cs typeface="+mn-cs"/>
+                        </a:rPr>
+                        <a:t> Removed, verify  account.</a:t>
                       </a:r>
-                      <a:r>
-                        <a:rPr lang="en-US" baseline="0" dirty="0" smtClean="0"/>
-                        <a:t>Removed, verify  account.</a:t>
-                      </a:r>
-                      <a:endParaRPr lang="en-US" dirty="0"/>
+                      <a:endParaRPr lang="en-US" sz="2000" kern="1200" dirty="0">
+                        <a:solidFill>
+                          <a:schemeClr val="dk1"/>
+                        </a:solidFill>
+                        <a:latin typeface="+mn-lt"/>
+                        <a:ea typeface="+mn-ea"/>
+                        <a:cs typeface="+mn-cs"/>
+                      </a:endParaRPr>
                     </a:p>
                   </a:txBody>
                   <a:tcPr marL="86360" marR="86360"/>
@@ -7504,14 +8490,24 @@
                     <a:p>
                       <a:pPr algn="just"/>
                       <a:r>
-                        <a:rPr lang="en-US" dirty="0" smtClean="0"/>
-                        <a:t>View and</a:t>
+                        <a:rPr lang="en-US" sz="2000" kern="1200" dirty="0" smtClean="0">
+                          <a:solidFill>
+                            <a:schemeClr val="dk1"/>
+                          </a:solidFill>
+                          <a:latin typeface="+mn-lt"/>
+                          <a:ea typeface="+mn-ea"/>
+                          <a:cs typeface="+mn-cs"/>
+                        </a:rPr>
+                        <a:t>View and edit personal information, change user password, view transaction and balance history for customer and supporter, search account (by account number, by Card Id, account type, account state, etc..), auto updating balance amount to balance history.</a:t>
                       </a:r>
-                      <a:r>
-                        <a:rPr lang="en-US" baseline="0" dirty="0" smtClean="0"/>
-                        <a:t> edit personal information, change user password, view transaction and balance history for customer and supporter, search account (by account number, by Card Id, account type, account state, etc..), auto updating balance amount to balance history.</a:t>
-                      </a:r>
-                      <a:endParaRPr lang="en-US" dirty="0"/>
+                      <a:endParaRPr lang="en-US" sz="2000" kern="1200" dirty="0">
+                        <a:solidFill>
+                          <a:schemeClr val="dk1"/>
+                        </a:solidFill>
+                        <a:latin typeface="+mn-lt"/>
+                        <a:ea typeface="+mn-ea"/>
+                        <a:cs typeface="+mn-cs"/>
+                      </a:endParaRPr>
                     </a:p>
                   </a:txBody>
                   <a:tcPr marL="86360" marR="86360"/>
@@ -7521,6 +8517,35 @@
           </a:graphicData>
         </a:graphic>
       </p:graphicFrame>
+      <p:sp>
+        <p:nvSpPr>
+          <p:cNvPr id="5" name="Slide Number Placeholder 4"/>
+          <p:cNvSpPr>
+            <a:spLocks noGrp="1"/>
+          </p:cNvSpPr>
+          <p:nvPr>
+            <p:ph type="sldNum" sz="quarter" idx="12"/>
+          </p:nvPr>
+        </p:nvSpPr>
+        <p:spPr>
+          <a:xfrm>
+            <a:off x="8229600" y="6172200"/>
+            <a:ext cx="417516" cy="377825"/>
+          </a:xfrm>
+        </p:spPr>
+        <p:txBody>
+          <a:bodyPr/>
+          <a:lstStyle/>
+          <a:p>
+            <a:fld id="{B6F15528-21DE-4FAA-801E-634DDDAF4B2B}" type="slidenum">
+              <a:rPr lang="en-US" sz="2800" smtClean="0"/>
+              <a:pPr/>
+              <a:t>8</a:t>
+            </a:fld>
+            <a:endParaRPr lang="en-US" sz="2800"/>
+          </a:p>
+        </p:txBody>
+      </p:sp>
     </p:spTree>
   </p:cSld>
   <p:clrMapOvr>
@@ -7536,7 +8561,7 @@
 </p:sld>
 </file>
 
-<file path=ppt/slides/slide3.xml><?xml version="1.0" encoding="utf-8"?>
+<file path=ppt/slides/slide9.xml><?xml version="1.0" encoding="utf-8"?>
 <p:sld xmlns:a="http://schemas.openxmlformats.org/drawingml/2006/main" xmlns:r="http://schemas.openxmlformats.org/officeDocument/2006/relationships" xmlns:p="http://schemas.openxmlformats.org/presentationml/2006/main">
   <p:cSld>
     <p:spTree>
@@ -7560,420 +8585,6 @@
             <a:spLocks noGrp="1"/>
           </p:cNvSpPr>
           <p:nvPr>
-            <p:ph type="title"/>
-          </p:nvPr>
-        </p:nvSpPr>
-        <p:spPr>
-          <a:xfrm>
-            <a:off x="457200" y="152400"/>
-            <a:ext cx="8229600" cy="1143000"/>
-          </a:xfrm>
-        </p:spPr>
-        <p:txBody>
-          <a:bodyPr/>
-          <a:lstStyle/>
-          <a:p>
-            <a:r>
-              <a:rPr lang="en-US" dirty="0" smtClean="0"/>
-              <a:t>Use case</a:t>
-            </a:r>
-            <a:endParaRPr lang="en-US" dirty="0"/>
-          </a:p>
-        </p:txBody>
-      </p:sp>
-      <p:pic>
-        <p:nvPicPr>
-          <p:cNvPr id="5" name="Content Placeholder 4" descr="FinalProject_UseCase.jpg"/>
-          <p:cNvPicPr>
-            <a:picLocks noGrp="1" noChangeAspect="1"/>
-          </p:cNvPicPr>
-          <p:nvPr>
-            <p:ph idx="1"/>
-          </p:nvPr>
-        </p:nvPicPr>
-        <p:blipFill>
-          <a:blip r:embed="rId3" cstate="print"/>
-          <a:stretch>
-            <a:fillRect/>
-          </a:stretch>
-        </p:blipFill>
-        <p:spPr>
-          <a:xfrm>
-            <a:off x="800100" y="990600"/>
-            <a:ext cx="7543800" cy="5748418"/>
-          </a:xfrm>
-        </p:spPr>
-      </p:pic>
-    </p:spTree>
-  </p:cSld>
-  <p:clrMapOvr>
-    <a:masterClrMapping/>
-  </p:clrMapOvr>
-  <p:timing>
-    <p:tnLst>
-      <p:par>
-        <p:cTn id="1" dur="indefinite" restart="never" nodeType="tmRoot"/>
-      </p:par>
-    </p:tnLst>
-  </p:timing>
-</p:sld>
-</file>
-
-<file path=ppt/slides/slide4.xml><?xml version="1.0" encoding="utf-8"?>
-<p:sld xmlns:a="http://schemas.openxmlformats.org/drawingml/2006/main" xmlns:r="http://schemas.openxmlformats.org/officeDocument/2006/relationships" xmlns:p="http://schemas.openxmlformats.org/presentationml/2006/main">
-  <p:cSld>
-    <p:spTree>
-      <p:nvGrpSpPr>
-        <p:cNvPr id="1" name=""/>
-        <p:cNvGrpSpPr/>
-        <p:nvPr/>
-      </p:nvGrpSpPr>
-      <p:grpSpPr>
-        <a:xfrm>
-          <a:off x="0" y="0"/>
-          <a:ext cx="0" cy="0"/>
-          <a:chOff x="0" y="0"/>
-          <a:chExt cx="0" cy="0"/>
-        </a:xfrm>
-      </p:grpSpPr>
-      <p:sp>
-        <p:nvSpPr>
-          <p:cNvPr id="2" name="Title 1"/>
-          <p:cNvSpPr>
-            <a:spLocks noGrp="1"/>
-          </p:cNvSpPr>
-          <p:nvPr>
-            <p:ph type="title"/>
-          </p:nvPr>
-        </p:nvSpPr>
-        <p:spPr/>
-        <p:txBody>
-          <a:bodyPr/>
-          <a:lstStyle/>
-          <a:p>
-            <a:r>
-              <a:rPr lang="en-US" smtClean="0"/>
-              <a:t>3-Tier Architecture</a:t>
-            </a:r>
-            <a:endParaRPr lang="en-US"/>
-          </a:p>
-        </p:txBody>
-      </p:sp>
-      <p:pic>
-        <p:nvPicPr>
-          <p:cNvPr id="1030" name="Picture 6"/>
-          <p:cNvPicPr>
-            <a:picLocks noGrp="1" noChangeAspect="1" noChangeArrowheads="1"/>
-          </p:cNvPicPr>
-          <p:nvPr>
-            <p:ph idx="1"/>
-          </p:nvPr>
-        </p:nvPicPr>
-        <p:blipFill>
-          <a:blip r:embed="rId3" cstate="print"/>
-          <a:stretch>
-            <a:fillRect/>
-          </a:stretch>
-        </p:blipFill>
-        <p:spPr bwMode="auto">
-          <a:xfrm>
-            <a:off x="2164191" y="2065868"/>
-            <a:ext cx="4358417" cy="4563532"/>
-          </a:xfrm>
-          <a:prstGeom prst="rect">
-            <a:avLst/>
-          </a:prstGeom>
-          <a:noFill/>
-          <a:ln w="9525">
-            <a:noFill/>
-            <a:miter lim="800000"/>
-            <a:headEnd/>
-            <a:tailEnd/>
-          </a:ln>
-        </p:spPr>
-      </p:pic>
-    </p:spTree>
-  </p:cSld>
-  <p:clrMapOvr>
-    <a:masterClrMapping/>
-  </p:clrMapOvr>
-  <p:timing>
-    <p:tnLst>
-      <p:par>
-        <p:cTn id="1" dur="indefinite" restart="never" nodeType="tmRoot"/>
-      </p:par>
-    </p:tnLst>
-  </p:timing>
-</p:sld>
-</file>
-
-<file path=ppt/slides/slide5.xml><?xml version="1.0" encoding="utf-8"?>
-<p:sld xmlns:a="http://schemas.openxmlformats.org/drawingml/2006/main" xmlns:r="http://schemas.openxmlformats.org/officeDocument/2006/relationships" xmlns:p="http://schemas.openxmlformats.org/presentationml/2006/main">
-  <p:cSld>
-    <p:spTree>
-      <p:nvGrpSpPr>
-        <p:cNvPr id="1" name=""/>
-        <p:cNvGrpSpPr/>
-        <p:nvPr/>
-      </p:nvGrpSpPr>
-      <p:grpSpPr>
-        <a:xfrm>
-          <a:off x="0" y="0"/>
-          <a:ext cx="0" cy="0"/>
-          <a:chOff x="0" y="0"/>
-          <a:chExt cx="0" cy="0"/>
-        </a:xfrm>
-      </p:grpSpPr>
-      <p:sp>
-        <p:nvSpPr>
-          <p:cNvPr id="2" name="Title 1"/>
-          <p:cNvSpPr>
-            <a:spLocks noGrp="1"/>
-          </p:cNvSpPr>
-          <p:nvPr>
-            <p:ph type="title"/>
-          </p:nvPr>
-        </p:nvSpPr>
-        <p:spPr/>
-        <p:txBody>
-          <a:bodyPr/>
-          <a:lstStyle/>
-          <a:p>
-            <a:r>
-              <a:rPr lang="en-US" smtClean="0"/>
-              <a:t>MVC model</a:t>
-            </a:r>
-            <a:endParaRPr lang="en-US"/>
-          </a:p>
-        </p:txBody>
-      </p:sp>
-      <p:pic>
-        <p:nvPicPr>
-          <p:cNvPr id="4" name="Picture 7" descr="C:\Users\cscadmin\Desktop\Final-p\Sources\final-project\document\mvc.png"/>
-          <p:cNvPicPr>
-            <a:picLocks noGrp="1" noChangeAspect="1" noChangeArrowheads="1"/>
-          </p:cNvPicPr>
-          <p:nvPr>
-            <p:ph idx="1"/>
-          </p:nvPr>
-        </p:nvPicPr>
-        <p:blipFill>
-          <a:blip r:embed="rId3" cstate="print"/>
-          <a:stretch>
-            <a:fillRect/>
-          </a:stretch>
-        </p:blipFill>
-        <p:spPr bwMode="auto">
-          <a:xfrm>
-            <a:off x="1443568" y="2065868"/>
-            <a:ext cx="5799664" cy="4639732"/>
-          </a:xfrm>
-          <a:prstGeom prst="rect">
-            <a:avLst/>
-          </a:prstGeom>
-          <a:noFill/>
-        </p:spPr>
-      </p:pic>
-    </p:spTree>
-  </p:cSld>
-  <p:clrMapOvr>
-    <a:masterClrMapping/>
-  </p:clrMapOvr>
-  <p:timing>
-    <p:tnLst>
-      <p:par>
-        <p:cTn id="1" dur="indefinite" restart="never" nodeType="tmRoot"/>
-      </p:par>
-    </p:tnLst>
-  </p:timing>
-</p:sld>
-</file>
-
-<file path=ppt/slides/slide6.xml><?xml version="1.0" encoding="utf-8"?>
-<p:sld xmlns:a="http://schemas.openxmlformats.org/drawingml/2006/main" xmlns:r="http://schemas.openxmlformats.org/officeDocument/2006/relationships" xmlns:p="http://schemas.openxmlformats.org/presentationml/2006/main">
-  <p:cSld>
-    <p:spTree>
-      <p:nvGrpSpPr>
-        <p:cNvPr id="1" name=""/>
-        <p:cNvGrpSpPr/>
-        <p:nvPr/>
-      </p:nvGrpSpPr>
-      <p:grpSpPr>
-        <a:xfrm>
-          <a:off x="0" y="0"/>
-          <a:ext cx="0" cy="0"/>
-          <a:chOff x="0" y="0"/>
-          <a:chExt cx="0" cy="0"/>
-        </a:xfrm>
-      </p:grpSpPr>
-      <p:sp>
-        <p:nvSpPr>
-          <p:cNvPr id="2" name="Title 1"/>
-          <p:cNvSpPr>
-            <a:spLocks noGrp="1"/>
-          </p:cNvSpPr>
-          <p:nvPr>
-            <p:ph type="title"/>
-          </p:nvPr>
-        </p:nvSpPr>
-        <p:spPr>
-          <a:xfrm>
-            <a:off x="304800" y="0"/>
-            <a:ext cx="7772400" cy="1456267"/>
-          </a:xfrm>
-        </p:spPr>
-        <p:txBody>
-          <a:bodyPr/>
-          <a:lstStyle/>
-          <a:p>
-            <a:r>
-              <a:rPr lang="en-US" dirty="0" smtClean="0"/>
-              <a:t>Entity class diagram</a:t>
-            </a:r>
-            <a:endParaRPr lang="en-US" dirty="0"/>
-          </a:p>
-        </p:txBody>
-      </p:sp>
-      <p:pic>
-        <p:nvPicPr>
-          <p:cNvPr id="4" name="Content Placeholder 3" descr="class_diagram.bmp"/>
-          <p:cNvPicPr>
-            <a:picLocks noGrp="1" noChangeAspect="1"/>
-          </p:cNvPicPr>
-          <p:nvPr>
-            <p:ph idx="1"/>
-          </p:nvPr>
-        </p:nvPicPr>
-        <p:blipFill>
-          <a:blip r:embed="rId3" cstate="print"/>
-          <a:stretch>
-            <a:fillRect/>
-          </a:stretch>
-        </p:blipFill>
-        <p:spPr>
-          <a:xfrm>
-            <a:off x="1447800" y="1456267"/>
-            <a:ext cx="6019800" cy="5379360"/>
-          </a:xfrm>
-        </p:spPr>
-      </p:pic>
-    </p:spTree>
-  </p:cSld>
-  <p:clrMapOvr>
-    <a:masterClrMapping/>
-  </p:clrMapOvr>
-  <p:timing>
-    <p:tnLst>
-      <p:par>
-        <p:cTn id="1" dur="indefinite" restart="never" nodeType="tmRoot"/>
-      </p:par>
-    </p:tnLst>
-  </p:timing>
-</p:sld>
-</file>
-
-<file path=ppt/slides/slide7.xml><?xml version="1.0" encoding="utf-8"?>
-<p:sld xmlns:a="http://schemas.openxmlformats.org/drawingml/2006/main" xmlns:r="http://schemas.openxmlformats.org/officeDocument/2006/relationships" xmlns:p="http://schemas.openxmlformats.org/presentationml/2006/main">
-  <p:cSld>
-    <p:spTree>
-      <p:nvGrpSpPr>
-        <p:cNvPr id="1" name=""/>
-        <p:cNvGrpSpPr/>
-        <p:nvPr/>
-      </p:nvGrpSpPr>
-      <p:grpSpPr>
-        <a:xfrm>
-          <a:off x="0" y="0"/>
-          <a:ext cx="0" cy="0"/>
-          <a:chOff x="0" y="0"/>
-          <a:chExt cx="0" cy="0"/>
-        </a:xfrm>
-      </p:grpSpPr>
-      <p:sp>
-        <p:nvSpPr>
-          <p:cNvPr id="2" name="Title 1"/>
-          <p:cNvSpPr>
-            <a:spLocks noGrp="1"/>
-          </p:cNvSpPr>
-          <p:nvPr>
-            <p:ph type="title"/>
-          </p:nvPr>
-        </p:nvSpPr>
-        <p:spPr/>
-        <p:txBody>
-          <a:bodyPr/>
-          <a:lstStyle/>
-          <a:p>
-            <a:r>
-              <a:rPr lang="en-US" smtClean="0"/>
-              <a:t>Database</a:t>
-            </a:r>
-            <a:endParaRPr lang="en-US"/>
-          </a:p>
-        </p:txBody>
-      </p:sp>
-      <p:pic>
-        <p:nvPicPr>
-          <p:cNvPr id="4" name="Content Placeholder 3" descr="database.png"/>
-          <p:cNvPicPr>
-            <a:picLocks noGrp="1" noChangeAspect="1"/>
-          </p:cNvPicPr>
-          <p:nvPr>
-            <p:ph idx="1"/>
-          </p:nvPr>
-        </p:nvPicPr>
-        <p:blipFill>
-          <a:blip r:embed="rId3" cstate="print"/>
-          <a:stretch>
-            <a:fillRect/>
-          </a:stretch>
-        </p:blipFill>
-        <p:spPr>
-          <a:xfrm>
-            <a:off x="1295400" y="1706459"/>
-            <a:ext cx="6742471" cy="4999141"/>
-          </a:xfrm>
-        </p:spPr>
-      </p:pic>
-    </p:spTree>
-  </p:cSld>
-  <p:clrMapOvr>
-    <a:masterClrMapping/>
-  </p:clrMapOvr>
-  <p:timing>
-    <p:tnLst>
-      <p:par>
-        <p:cTn id="1" dur="indefinite" restart="never" nodeType="tmRoot"/>
-      </p:par>
-    </p:tnLst>
-  </p:timing>
-</p:sld>
-</file>
-
-<file path=ppt/slides/slide8.xml><?xml version="1.0" encoding="utf-8"?>
-<p:sld xmlns:a="http://schemas.openxmlformats.org/drawingml/2006/main" xmlns:r="http://schemas.openxmlformats.org/officeDocument/2006/relationships" xmlns:p="http://schemas.openxmlformats.org/presentationml/2006/main">
-  <p:cSld>
-    <p:spTree>
-      <p:nvGrpSpPr>
-        <p:cNvPr id="1" name=""/>
-        <p:cNvGrpSpPr/>
-        <p:nvPr/>
-      </p:nvGrpSpPr>
-      <p:grpSpPr>
-        <a:xfrm>
-          <a:off x="0" y="0"/>
-          <a:ext cx="0" cy="0"/>
-          <a:chOff x="0" y="0"/>
-          <a:chExt cx="0" cy="0"/>
-        </a:xfrm>
-      </p:grpSpPr>
-      <p:sp>
-        <p:nvSpPr>
-          <p:cNvPr id="2" name="Title 1"/>
-          <p:cNvSpPr>
-            <a:spLocks noGrp="1"/>
-          </p:cNvSpPr>
-          <p:nvPr>
             <p:ph type="ctrTitle"/>
           </p:nvPr>
         </p:nvSpPr>
@@ -8005,6 +8616,30 @@
               </a:rPr>
               <a:t>Thank for your listening</a:t>
             </a:r>
+          </a:p>
+        </p:txBody>
+      </p:sp>
+      <p:sp>
+        <p:nvSpPr>
+          <p:cNvPr id="3" name="Slide Number Placeholder 2"/>
+          <p:cNvSpPr>
+            <a:spLocks noGrp="1"/>
+          </p:cNvSpPr>
+          <p:nvPr>
+            <p:ph type="sldNum" sz="quarter" idx="12"/>
+          </p:nvPr>
+        </p:nvSpPr>
+        <p:spPr/>
+        <p:txBody>
+          <a:bodyPr/>
+          <a:lstStyle/>
+          <a:p>
+            <a:fld id="{B6F15528-21DE-4FAA-801E-634DDDAF4B2B}" type="slidenum">
+              <a:rPr lang="en-US" smtClean="0"/>
+              <a:pPr/>
+              <a:t>9</a:t>
+            </a:fld>
+            <a:endParaRPr lang="en-US"/>
           </a:p>
         </p:txBody>
       </p:sp>
@@ -8066,7 +8701,7 @@
     </a:clrScheme>
     <a:fontScheme name="Celestial">
       <a:majorFont>
-        <a:latin typeface="Calibri Light" panose="020F0302020204030204"/>
+        <a:latin typeface="Calibri Light"/>
         <a:ea typeface=""/>
         <a:cs typeface=""/>
         <a:font script="Jpan" typeface="ＭＳ Ｐゴシック"/>
@@ -8101,7 +8736,7 @@
         <a:font script="Geor" typeface="Sylfaen"/>
       </a:majorFont>
       <a:minorFont>
-        <a:latin typeface="Calibri" panose="020F0502020204030204"/>
+        <a:latin typeface="Calibri"/>
         <a:ea typeface=""/>
         <a:cs typeface=""/>
         <a:font script="Jpan" typeface="ＭＳ Ｐゴシック"/>
@@ -8266,7 +8901,7 @@
   <a:extraClrSchemeLst/>
   <a:extLst>
     <a:ext uri="{05A4C25C-085E-4340-85A3-A5531E510DB2}">
-      <thm15:themeFamily xmlns:thm15="http://schemas.microsoft.com/office/thememl/2012/main" name="Celestial" id="{C4BB2A3D-0E93-4C5F-B0D2-9D3FCE089CC5}" vid="{E44E6A2F-09CD-4BE0-B42D-107FF03CEED6}"/>
+      <thm15:themeFamily xmlns:thm15="http://schemas.microsoft.com/office/thememl/2012/main" xmlns="" name="Celestial" id="{C4BB2A3D-0E93-4C5F-B0D2-9D3FCE089CC5}" vid="{E44E6A2F-09CD-4BE0-B42D-107FF03CEED6}"/>
     </a:ext>
   </a:extLst>
 </a:theme>
@@ -8553,4 +9188,287 @@
   <a:objectDefaults/>
   <a:extraClrSchemeLst/>
 </a:theme>
+</file>
+
+<file path=ppt/theme/theme3.xml><?xml version="1.0" encoding="utf-8"?>
+<a:theme xmlns:a="http://schemas.openxmlformats.org/drawingml/2006/main" name="Office Theme">
+  <a:themeElements>
+    <a:clrScheme name="Office">
+      <a:dk1>
+        <a:sysClr val="windowText" lastClr="000000"/>
+      </a:dk1>
+      <a:lt1>
+        <a:sysClr val="window" lastClr="FFFFFF"/>
+      </a:lt1>
+      <a:dk2>
+        <a:srgbClr val="1F497D"/>
+      </a:dk2>
+      <a:lt2>
+        <a:srgbClr val="EEECE1"/>
+      </a:lt2>
+      <a:accent1>
+        <a:srgbClr val="4F81BD"/>
+      </a:accent1>
+      <a:accent2>
+        <a:srgbClr val="C0504D"/>
+      </a:accent2>
+      <a:accent3>
+        <a:srgbClr val="9BBB59"/>
+      </a:accent3>
+      <a:accent4>
+        <a:srgbClr val="8064A2"/>
+      </a:accent4>
+      <a:accent5>
+        <a:srgbClr val="4BACC6"/>
+      </a:accent5>
+      <a:accent6>
+        <a:srgbClr val="F79646"/>
+      </a:accent6>
+      <a:hlink>
+        <a:srgbClr val="0000FF"/>
+      </a:hlink>
+      <a:folHlink>
+        <a:srgbClr val="800080"/>
+      </a:folHlink>
+    </a:clrScheme>
+    <a:fontScheme name="Office">
+      <a:majorFont>
+        <a:latin typeface="Calibri"/>
+        <a:ea typeface=""/>
+        <a:cs typeface=""/>
+        <a:font script="Jpan" typeface="ＭＳ Ｐゴシック"/>
+        <a:font script="Hang" typeface="맑은 고딕"/>
+        <a:font script="Hans" typeface="宋体"/>
+        <a:font script="Hant" typeface="新細明體"/>
+        <a:font script="Arab" typeface="Times New Roman"/>
+        <a:font script="Hebr" typeface="Times New Roman"/>
+        <a:font script="Thai" typeface="Angsana New"/>
+        <a:font script="Ethi" typeface="Nyala"/>
+        <a:font script="Beng" typeface="Vrinda"/>
+        <a:font script="Gujr" typeface="Shruti"/>
+        <a:font script="Khmr" typeface="MoolBoran"/>
+        <a:font script="Knda" typeface="Tunga"/>
+        <a:font script="Guru" typeface="Raavi"/>
+        <a:font script="Cans" typeface="Euphemia"/>
+        <a:font script="Cher" typeface="Plantagenet Cherokee"/>
+        <a:font script="Yiii" typeface="Microsoft Yi Baiti"/>
+        <a:font script="Tibt" typeface="Microsoft Himalaya"/>
+        <a:font script="Thaa" typeface="MV Boli"/>
+        <a:font script="Deva" typeface="Mangal"/>
+        <a:font script="Telu" typeface="Gautami"/>
+        <a:font script="Taml" typeface="Latha"/>
+        <a:font script="Syrc" typeface="Estrangelo Edessa"/>
+        <a:font script="Orya" typeface="Kalinga"/>
+        <a:font script="Mlym" typeface="Kartika"/>
+        <a:font script="Laoo" typeface="DokChampa"/>
+        <a:font script="Sinh" typeface="Iskoola Pota"/>
+        <a:font script="Mong" typeface="Mongolian Baiti"/>
+        <a:font script="Viet" typeface="Times New Roman"/>
+        <a:font script="Uigh" typeface="Microsoft Uighur"/>
+      </a:majorFont>
+      <a:minorFont>
+        <a:latin typeface="Calibri"/>
+        <a:ea typeface=""/>
+        <a:cs typeface=""/>
+        <a:font script="Jpan" typeface="ＭＳ Ｐゴシック"/>
+        <a:font script="Hang" typeface="맑은 고딕"/>
+        <a:font script="Hans" typeface="宋体"/>
+        <a:font script="Hant" typeface="新細明體"/>
+        <a:font script="Arab" typeface="Arial"/>
+        <a:font script="Hebr" typeface="Arial"/>
+        <a:font script="Thai" typeface="Cordia New"/>
+        <a:font script="Ethi" typeface="Nyala"/>
+        <a:font script="Beng" typeface="Vrinda"/>
+        <a:font script="Gujr" typeface="Shruti"/>
+        <a:font script="Khmr" typeface="DaunPenh"/>
+        <a:font script="Knda" typeface="Tunga"/>
+        <a:font script="Guru" typeface="Raavi"/>
+        <a:font script="Cans" typeface="Euphemia"/>
+        <a:font script="Cher" typeface="Plantagenet Cherokee"/>
+        <a:font script="Yiii" typeface="Microsoft Yi Baiti"/>
+        <a:font script="Tibt" typeface="Microsoft Himalaya"/>
+        <a:font script="Thaa" typeface="MV Boli"/>
+        <a:font script="Deva" typeface="Mangal"/>
+        <a:font script="Telu" typeface="Gautami"/>
+        <a:font script="Taml" typeface="Latha"/>
+        <a:font script="Syrc" typeface="Estrangelo Edessa"/>
+        <a:font script="Orya" typeface="Kalinga"/>
+        <a:font script="Mlym" typeface="Kartika"/>
+        <a:font script="Laoo" typeface="DokChampa"/>
+        <a:font script="Sinh" typeface="Iskoola Pota"/>
+        <a:font script="Mong" typeface="Mongolian Baiti"/>
+        <a:font script="Viet" typeface="Arial"/>
+        <a:font script="Uigh" typeface="Microsoft Uighur"/>
+      </a:minorFont>
+    </a:fontScheme>
+    <a:fmtScheme name="Office">
+      <a:fillStyleLst>
+        <a:solidFill>
+          <a:schemeClr val="phClr"/>
+        </a:solidFill>
+        <a:gradFill rotWithShape="1">
+          <a:gsLst>
+            <a:gs pos="0">
+              <a:schemeClr val="phClr">
+                <a:tint val="50000"/>
+                <a:satMod val="300000"/>
+              </a:schemeClr>
+            </a:gs>
+            <a:gs pos="35000">
+              <a:schemeClr val="phClr">
+                <a:tint val="37000"/>
+                <a:satMod val="300000"/>
+              </a:schemeClr>
+            </a:gs>
+            <a:gs pos="100000">
+              <a:schemeClr val="phClr">
+                <a:tint val="15000"/>
+                <a:satMod val="350000"/>
+              </a:schemeClr>
+            </a:gs>
+          </a:gsLst>
+          <a:lin ang="16200000" scaled="1"/>
+        </a:gradFill>
+        <a:gradFill rotWithShape="1">
+          <a:gsLst>
+            <a:gs pos="0">
+              <a:schemeClr val="phClr">
+                <a:shade val="51000"/>
+                <a:satMod val="130000"/>
+              </a:schemeClr>
+            </a:gs>
+            <a:gs pos="80000">
+              <a:schemeClr val="phClr">
+                <a:shade val="93000"/>
+                <a:satMod val="130000"/>
+              </a:schemeClr>
+            </a:gs>
+            <a:gs pos="100000">
+              <a:schemeClr val="phClr">
+                <a:shade val="94000"/>
+                <a:satMod val="135000"/>
+              </a:schemeClr>
+            </a:gs>
+          </a:gsLst>
+          <a:lin ang="16200000" scaled="0"/>
+        </a:gradFill>
+      </a:fillStyleLst>
+      <a:lnStyleLst>
+        <a:ln w="9525" cap="flat" cmpd="sng" algn="ctr">
+          <a:solidFill>
+            <a:schemeClr val="phClr">
+              <a:shade val="95000"/>
+              <a:satMod val="105000"/>
+            </a:schemeClr>
+          </a:solidFill>
+          <a:prstDash val="solid"/>
+        </a:ln>
+        <a:ln w="25400" cap="flat" cmpd="sng" algn="ctr">
+          <a:solidFill>
+            <a:schemeClr val="phClr"/>
+          </a:solidFill>
+          <a:prstDash val="solid"/>
+        </a:ln>
+        <a:ln w="38100" cap="flat" cmpd="sng" algn="ctr">
+          <a:solidFill>
+            <a:schemeClr val="phClr"/>
+          </a:solidFill>
+          <a:prstDash val="solid"/>
+        </a:ln>
+      </a:lnStyleLst>
+      <a:effectStyleLst>
+        <a:effectStyle>
+          <a:effectLst>
+            <a:outerShdw blurRad="40000" dist="20000" dir="5400000" rotWithShape="0">
+              <a:srgbClr val="000000">
+                <a:alpha val="38000"/>
+              </a:srgbClr>
+            </a:outerShdw>
+          </a:effectLst>
+        </a:effectStyle>
+        <a:effectStyle>
+          <a:effectLst>
+            <a:outerShdw blurRad="40000" dist="23000" dir="5400000" rotWithShape="0">
+              <a:srgbClr val="000000">
+                <a:alpha val="35000"/>
+              </a:srgbClr>
+            </a:outerShdw>
+          </a:effectLst>
+        </a:effectStyle>
+        <a:effectStyle>
+          <a:effectLst>
+            <a:outerShdw blurRad="40000" dist="23000" dir="5400000" rotWithShape="0">
+              <a:srgbClr val="000000">
+                <a:alpha val="35000"/>
+              </a:srgbClr>
+            </a:outerShdw>
+          </a:effectLst>
+          <a:scene3d>
+            <a:camera prst="orthographicFront">
+              <a:rot lat="0" lon="0" rev="0"/>
+            </a:camera>
+            <a:lightRig rig="threePt" dir="t">
+              <a:rot lat="0" lon="0" rev="1200000"/>
+            </a:lightRig>
+          </a:scene3d>
+          <a:sp3d>
+            <a:bevelT w="63500" h="25400"/>
+          </a:sp3d>
+        </a:effectStyle>
+      </a:effectStyleLst>
+      <a:bgFillStyleLst>
+        <a:solidFill>
+          <a:schemeClr val="phClr"/>
+        </a:solidFill>
+        <a:gradFill rotWithShape="1">
+          <a:gsLst>
+            <a:gs pos="0">
+              <a:schemeClr val="phClr">
+                <a:tint val="40000"/>
+                <a:satMod val="350000"/>
+              </a:schemeClr>
+            </a:gs>
+            <a:gs pos="40000">
+              <a:schemeClr val="phClr">
+                <a:tint val="45000"/>
+                <a:shade val="99000"/>
+                <a:satMod val="350000"/>
+              </a:schemeClr>
+            </a:gs>
+            <a:gs pos="100000">
+              <a:schemeClr val="phClr">
+                <a:shade val="20000"/>
+                <a:satMod val="255000"/>
+              </a:schemeClr>
+            </a:gs>
+          </a:gsLst>
+          <a:path path="circle">
+            <a:fillToRect l="50000" t="-80000" r="50000" b="180000"/>
+          </a:path>
+        </a:gradFill>
+        <a:gradFill rotWithShape="1">
+          <a:gsLst>
+            <a:gs pos="0">
+              <a:schemeClr val="phClr">
+                <a:tint val="80000"/>
+                <a:satMod val="300000"/>
+              </a:schemeClr>
+            </a:gs>
+            <a:gs pos="100000">
+              <a:schemeClr val="phClr">
+                <a:shade val="30000"/>
+                <a:satMod val="200000"/>
+              </a:schemeClr>
+            </a:gs>
+          </a:gsLst>
+          <a:path path="circle">
+            <a:fillToRect l="50000" t="50000" r="50000" b="50000"/>
+          </a:path>
+        </a:gradFill>
+      </a:bgFillStyleLst>
+    </a:fmtScheme>
+  </a:themeElements>
+  <a:objectDefaults/>
+  <a:extraClrSchemeLst/>
+</a:theme>
 </file>
--- a/document/slide.pptx
+++ b/document/slide.pptx
@@ -5,10 +5,10 @@
     <p:sldMasterId id="2147483755" r:id="rId1"/>
   </p:sldMasterIdLst>
   <p:notesMasterIdLst>
-    <p:notesMasterId r:id="rId11"/>
+    <p:notesMasterId r:id="rId12"/>
   </p:notesMasterIdLst>
   <p:handoutMasterIdLst>
-    <p:handoutMasterId r:id="rId12"/>
+    <p:handoutMasterId r:id="rId13"/>
   </p:handoutMasterIdLst>
   <p:sldIdLst>
     <p:sldId id="256" r:id="rId2"/>
@@ -19,7 +19,8 @@
     <p:sldId id="260" r:id="rId7"/>
     <p:sldId id="262" r:id="rId8"/>
     <p:sldId id="265" r:id="rId9"/>
-    <p:sldId id="263" r:id="rId10"/>
+    <p:sldId id="268" r:id="rId10"/>
+    <p:sldId id="263" r:id="rId11"/>
   </p:sldIdLst>
   <p:sldSz cx="9144000" cy="6858000" type="screen4x3"/>
   <p:notesSz cx="6858000" cy="9144000"/>
@@ -120,7 +121,7 @@
   </p:defaultTextStyle>
   <p:extLst>
     <p:ext uri="{EFAFB233-063F-42B5-8137-9DF3F51BA10A}">
-      <p15:sldGuideLst xmlns:p15="http://schemas.microsoft.com/office/powerpoint/2012/main" xmlns="">
+      <p15:sldGuideLst xmlns:p15="http://schemas.microsoft.com/office/powerpoint/2012/main">
         <p15:guide id="1" orient="horz" pos="2160">
           <p15:clr>
             <a:srgbClr val="A4A3A4"/>
@@ -219,7 +220,7 @@
           <a:p>
             <a:fld id="{342CA8DD-5177-4096-9716-287C7B5BB3EA}" type="datetimeFigureOut">
               <a:rPr lang="en-US" smtClean="0"/>
-              <a:t>5/6/2015</a:t>
+              <a:t>5/7/2015</a:t>
             </a:fld>
             <a:endParaRPr lang="en-US"/>
           </a:p>
@@ -292,6 +293,11 @@
         </p:txBody>
       </p:sp>
     </p:spTree>
+    <p:extLst>
+      <p:ext uri="{BB962C8B-B14F-4D97-AF65-F5344CB8AC3E}">
+        <p14:creationId xmlns:p14="http://schemas.microsoft.com/office/powerpoint/2010/main" val="2882082031"/>
+      </p:ext>
+    </p:extLst>
   </p:cSld>
   <p:clrMap bg1="lt1" tx1="dk1" bg2="lt2" tx2="dk2" accent1="accent1" accent2="accent2" accent3="accent3" accent4="accent4" accent5="accent5" accent6="accent6" hlink="hlink" folHlink="folHlink"/>
   <p:hf hdr="0" ftr="0" dt="0"/>
@@ -381,7 +387,7 @@
             <a:fld id="{63C447DC-C106-43C9-B68B-435F437D0CEA}" type="datetimeFigureOut">
               <a:rPr lang="en-US" smtClean="0"/>
               <a:pPr/>
-              <a:t>5/6/2015</a:t>
+              <a:t>5/7/2015</a:t>
             </a:fld>
             <a:endParaRPr lang="en-US"/>
           </a:p>
@@ -552,7 +558,7 @@
     </p:spTree>
     <p:extLst>
       <p:ext uri="{BB962C8B-B14F-4D97-AF65-F5344CB8AC3E}">
-        <p14:creationId xmlns:p14="http://schemas.microsoft.com/office/powerpoint/2010/main" xmlns="" val="2817190598"/>
+        <p14:creationId xmlns:p14="http://schemas.microsoft.com/office/powerpoint/2010/main" val="2817190598"/>
       </p:ext>
     </p:extLst>
   </p:cSld>
@@ -730,7 +736,7 @@
     </p:spTree>
     <p:extLst>
       <p:ext uri="{BB962C8B-B14F-4D97-AF65-F5344CB8AC3E}">
-        <p14:creationId xmlns:p14="http://schemas.microsoft.com/office/powerpoint/2010/main" xmlns="" val="108609317"/>
+        <p14:creationId xmlns:p14="http://schemas.microsoft.com/office/powerpoint/2010/main" val="108609317"/>
       </p:ext>
     </p:extLst>
   </p:cSld>
@@ -815,6 +821,11 @@
         </p:txBody>
       </p:sp>
     </p:spTree>
+    <p:extLst>
+      <p:ext uri="{BB962C8B-B14F-4D97-AF65-F5344CB8AC3E}">
+        <p14:creationId xmlns:p14="http://schemas.microsoft.com/office/powerpoint/2010/main" val="2883203680"/>
+      </p:ext>
+    </p:extLst>
   </p:cSld>
   <p:clrMapOvr>
     <a:masterClrMapping/>
@@ -899,7 +910,7 @@
     </p:spTree>
     <p:extLst>
       <p:ext uri="{BB962C8B-B14F-4D97-AF65-F5344CB8AC3E}">
-        <p14:creationId xmlns:p14="http://schemas.microsoft.com/office/powerpoint/2010/main" xmlns="" val="3620503413"/>
+        <p14:creationId xmlns:p14="http://schemas.microsoft.com/office/powerpoint/2010/main" val="3620503413"/>
       </p:ext>
     </p:extLst>
   </p:cSld>
@@ -986,7 +997,7 @@
     </p:spTree>
     <p:extLst>
       <p:ext uri="{BB962C8B-B14F-4D97-AF65-F5344CB8AC3E}">
-        <p14:creationId xmlns:p14="http://schemas.microsoft.com/office/powerpoint/2010/main" xmlns="" val="4133771467"/>
+        <p14:creationId xmlns:p14="http://schemas.microsoft.com/office/powerpoint/2010/main" val="4133771467"/>
       </p:ext>
     </p:extLst>
   </p:cSld>
@@ -1073,7 +1084,7 @@
     </p:spTree>
     <p:extLst>
       <p:ext uri="{BB962C8B-B14F-4D97-AF65-F5344CB8AC3E}">
-        <p14:creationId xmlns:p14="http://schemas.microsoft.com/office/powerpoint/2010/main" xmlns="" val="884140814"/>
+        <p14:creationId xmlns:p14="http://schemas.microsoft.com/office/powerpoint/2010/main" val="884140814"/>
       </p:ext>
     </p:extLst>
   </p:cSld>
@@ -1160,7 +1171,7 @@
     </p:spTree>
     <p:extLst>
       <p:ext uri="{BB962C8B-B14F-4D97-AF65-F5344CB8AC3E}">
-        <p14:creationId xmlns:p14="http://schemas.microsoft.com/office/powerpoint/2010/main" xmlns="" val="2781616523"/>
+        <p14:creationId xmlns:p14="http://schemas.microsoft.com/office/powerpoint/2010/main" val="2781616523"/>
       </p:ext>
     </p:extLst>
   </p:cSld>
@@ -1247,7 +1258,7 @@
     </p:spTree>
     <p:extLst>
       <p:ext uri="{BB962C8B-B14F-4D97-AF65-F5344CB8AC3E}">
-        <p14:creationId xmlns:p14="http://schemas.microsoft.com/office/powerpoint/2010/main" xmlns="" val="105797569"/>
+        <p14:creationId xmlns:p14="http://schemas.microsoft.com/office/powerpoint/2010/main" val="105797569"/>
       </p:ext>
     </p:extLst>
   </p:cSld>
@@ -1334,7 +1345,7 @@
     </p:spTree>
     <p:extLst>
       <p:ext uri="{BB962C8B-B14F-4D97-AF65-F5344CB8AC3E}">
-        <p14:creationId xmlns:p14="http://schemas.microsoft.com/office/powerpoint/2010/main" xmlns="" val="1638988709"/>
+        <p14:creationId xmlns:p14="http://schemas.microsoft.com/office/powerpoint/2010/main" val="1638988709"/>
       </p:ext>
     </p:extLst>
   </p:cSld>
@@ -1412,7 +1423,7 @@
             <a:fld id="{7DA6B2F0-A299-4885-A6F8-E042D22BAA64}" type="slidenum">
               <a:rPr lang="en-US" smtClean="0"/>
               <a:pPr/>
-              <a:t>9</a:t>
+              <a:t>10</a:t>
             </a:fld>
             <a:endParaRPr lang="en-US"/>
           </a:p>
@@ -1421,7 +1432,7 @@
     </p:spTree>
     <p:extLst>
       <p:ext uri="{BB962C8B-B14F-4D97-AF65-F5344CB8AC3E}">
-        <p14:creationId xmlns:p14="http://schemas.microsoft.com/office/powerpoint/2010/main" xmlns="" val="1013770830"/>
+        <p14:creationId xmlns:p14="http://schemas.microsoft.com/office/powerpoint/2010/main" val="1013770830"/>
       </p:ext>
     </p:extLst>
   </p:cSld>
@@ -1460,7 +1471,7 @@
           <a:blip r:embed="rId2" cstate="print">
             <a:extLst>
               <a:ext uri="{28A0092B-C50C-407E-A947-70E740481C1C}">
-                <a14:useLocalDpi xmlns:a14="http://schemas.microsoft.com/office/drawing/2010/main" xmlns="" val="0"/>
+                <a14:useLocalDpi xmlns:a14="http://schemas.microsoft.com/office/drawing/2010/main" val="0"/>
               </a:ext>
             </a:extLst>
           </a:blip>
@@ -1655,7 +1666,7 @@
           <a:p>
             <a:fld id="{D38BDC57-F83C-4DE3-9216-B874C21CB6BF}" type="datetime1">
               <a:rPr lang="en-US" smtClean="0"/>
-              <a:t>5/6/2015</a:t>
+              <a:t>5/7/2015</a:t>
             </a:fld>
             <a:endParaRPr lang="en-US"/>
           </a:p>
@@ -1717,7 +1728,7 @@
     </p:spTree>
     <p:extLst>
       <p:ext uri="{BB962C8B-B14F-4D97-AF65-F5344CB8AC3E}">
-        <p14:creationId xmlns:p14="http://schemas.microsoft.com/office/powerpoint/2010/main" xmlns="" val="311149630"/>
+        <p14:creationId xmlns:p14="http://schemas.microsoft.com/office/powerpoint/2010/main" val="311149630"/>
       </p:ext>
     </p:extLst>
   </p:cSld>
@@ -1756,7 +1767,7 @@
           <a:blip r:embed="rId2" cstate="print">
             <a:extLst>
               <a:ext uri="{28A0092B-C50C-407E-A947-70E740481C1C}">
-                <a14:useLocalDpi xmlns:a14="http://schemas.microsoft.com/office/drawing/2010/main" xmlns="" val="0"/>
+                <a14:useLocalDpi xmlns:a14="http://schemas.microsoft.com/office/drawing/2010/main" val="0"/>
               </a:ext>
             </a:extLst>
           </a:blip>
@@ -1872,7 +1883,7 @@
               <a:rPr lang="en-US" smtClean="0"/>
               <a:t>Click icon to add picture</a:t>
             </a:r>
-            <a:endParaRPr lang="en-US" dirty="0"/>
+            <a:endParaRPr lang="en-US"/>
           </a:p>
         </p:txBody>
       </p:sp>
@@ -1960,7 +1971,7 @@
           <a:p>
             <a:fld id="{69063FB2-CBDF-4BA5-809F-5E8A798B15FD}" type="datetime1">
               <a:rPr lang="en-US" smtClean="0"/>
-              <a:t>5/6/2015</a:t>
+              <a:t>5/7/2015</a:t>
             </a:fld>
             <a:endParaRPr lang="en-US"/>
           </a:p>
@@ -2012,7 +2023,7 @@
     </p:spTree>
     <p:extLst>
       <p:ext uri="{BB962C8B-B14F-4D97-AF65-F5344CB8AC3E}">
-        <p14:creationId xmlns:p14="http://schemas.microsoft.com/office/powerpoint/2010/main" xmlns="" val="2940608749"/>
+        <p14:creationId xmlns:p14="http://schemas.microsoft.com/office/powerpoint/2010/main" val="2940608749"/>
       </p:ext>
     </p:extLst>
   </p:cSld>
@@ -2051,7 +2062,7 @@
           <a:blip r:embed="rId2" cstate="print">
             <a:extLst>
               <a:ext uri="{28A0092B-C50C-407E-A947-70E740481C1C}">
-                <a14:useLocalDpi xmlns:a14="http://schemas.microsoft.com/office/drawing/2010/main" xmlns="" val="0"/>
+                <a14:useLocalDpi xmlns:a14="http://schemas.microsoft.com/office/drawing/2010/main" val="0"/>
               </a:ext>
             </a:extLst>
           </a:blip>
@@ -2239,7 +2250,7 @@
           <a:p>
             <a:fld id="{F5022EF4-E907-48B2-90CB-F7A7C1EEF69B}" type="datetime1">
               <a:rPr lang="en-US" smtClean="0"/>
-              <a:t>5/6/2015</a:t>
+              <a:t>5/7/2015</a:t>
             </a:fld>
             <a:endParaRPr lang="en-US"/>
           </a:p>
@@ -2291,7 +2302,7 @@
     </p:spTree>
     <p:extLst>
       <p:ext uri="{BB962C8B-B14F-4D97-AF65-F5344CB8AC3E}">
-        <p14:creationId xmlns:p14="http://schemas.microsoft.com/office/powerpoint/2010/main" xmlns="" val="1700685281"/>
+        <p14:creationId xmlns:p14="http://schemas.microsoft.com/office/powerpoint/2010/main" val="1700685281"/>
       </p:ext>
     </p:extLst>
   </p:cSld>
@@ -2330,7 +2341,7 @@
           <a:blip r:embed="rId2" cstate="print">
             <a:extLst>
               <a:ext uri="{28A0092B-C50C-407E-A947-70E740481C1C}">
-                <a14:useLocalDpi xmlns:a14="http://schemas.microsoft.com/office/drawing/2010/main" xmlns="" val="0"/>
+                <a14:useLocalDpi xmlns:a14="http://schemas.microsoft.com/office/drawing/2010/main" val="0"/>
               </a:ext>
             </a:extLst>
           </a:blip>
@@ -2453,7 +2464,7 @@
           <a:p>
             <a:pPr lvl="0" algn="r"/>
             <a:r>
-              <a:rPr lang="en-US" sz="8000" dirty="0">
+              <a:rPr lang="en-US" sz="8000">
                 <a:solidFill>
                   <a:schemeClr val="tx1"/>
                 </a:solidFill>
@@ -2569,7 +2580,7 @@
           <a:p>
             <a:pPr lvl="0"/>
             <a:r>
-              <a:rPr lang="en-US" sz="8000" dirty="0">
+              <a:rPr lang="en-US" sz="8000">
                 <a:solidFill>
                   <a:schemeClr val="tx1"/>
                 </a:solidFill>
@@ -2810,7 +2821,7 @@
           <a:p>
             <a:fld id="{E1B10843-EDDA-4985-964D-CE652BCA61A9}" type="datetime1">
               <a:rPr lang="en-US" smtClean="0"/>
-              <a:t>5/6/2015</a:t>
+              <a:t>5/7/2015</a:t>
             </a:fld>
             <a:endParaRPr lang="en-US"/>
           </a:p>
@@ -2862,7 +2873,7 @@
     </p:spTree>
     <p:extLst>
       <p:ext uri="{BB962C8B-B14F-4D97-AF65-F5344CB8AC3E}">
-        <p14:creationId xmlns:p14="http://schemas.microsoft.com/office/powerpoint/2010/main" xmlns="" val="3828965958"/>
+        <p14:creationId xmlns:p14="http://schemas.microsoft.com/office/powerpoint/2010/main" val="3828965958"/>
       </p:ext>
     </p:extLst>
   </p:cSld>
@@ -2901,7 +2912,7 @@
           <a:blip r:embed="rId2" cstate="print">
             <a:extLst>
               <a:ext uri="{28A0092B-C50C-407E-A947-70E740481C1C}">
-                <a14:useLocalDpi xmlns:a14="http://schemas.microsoft.com/office/drawing/2010/main" xmlns="" val="0"/>
+                <a14:useLocalDpi xmlns:a14="http://schemas.microsoft.com/office/drawing/2010/main" val="0"/>
               </a:ext>
             </a:extLst>
           </a:blip>
@@ -3089,7 +3100,7 @@
           <a:p>
             <a:fld id="{3B0FE1BD-251C-4B79-B04F-D7F538318EB1}" type="datetime1">
               <a:rPr lang="en-US" smtClean="0"/>
-              <a:t>5/6/2015</a:t>
+              <a:t>5/7/2015</a:t>
             </a:fld>
             <a:endParaRPr lang="en-US"/>
           </a:p>
@@ -3141,7 +3152,7 @@
     </p:spTree>
     <p:extLst>
       <p:ext uri="{BB962C8B-B14F-4D97-AF65-F5344CB8AC3E}">
-        <p14:creationId xmlns:p14="http://schemas.microsoft.com/office/powerpoint/2010/main" xmlns="" val="2131554926"/>
+        <p14:creationId xmlns:p14="http://schemas.microsoft.com/office/powerpoint/2010/main" val="2131554926"/>
       </p:ext>
     </p:extLst>
   </p:cSld>
@@ -3180,7 +3191,7 @@
           <a:blip r:embed="rId2" cstate="print">
             <a:extLst>
               <a:ext uri="{28A0092B-C50C-407E-A947-70E740481C1C}">
-                <a14:useLocalDpi xmlns:a14="http://schemas.microsoft.com/office/drawing/2010/main" xmlns="" val="0"/>
+                <a14:useLocalDpi xmlns:a14="http://schemas.microsoft.com/office/drawing/2010/main" val="0"/>
               </a:ext>
             </a:extLst>
           </a:blip>
@@ -3303,7 +3314,7 @@
           <a:p>
             <a:pPr lvl="0" algn="r"/>
             <a:r>
-              <a:rPr lang="en-US" sz="8000" dirty="0">
+              <a:rPr lang="en-US" sz="8000">
                 <a:solidFill>
                   <a:schemeClr val="tx1"/>
                 </a:solidFill>
@@ -3419,7 +3430,7 @@
           <a:p>
             <a:pPr lvl="0"/>
             <a:r>
-              <a:rPr lang="en-US" sz="8000" dirty="0">
+              <a:rPr lang="en-US" sz="8000">
                 <a:solidFill>
                   <a:schemeClr val="tx1"/>
                 </a:solidFill>
@@ -3652,7 +3663,7 @@
           <a:p>
             <a:fld id="{3B6CC1F4-CAFB-45A1-AE1A-77486264281A}" type="datetime1">
               <a:rPr lang="en-US" smtClean="0"/>
-              <a:t>5/6/2015</a:t>
+              <a:t>5/7/2015</a:t>
             </a:fld>
             <a:endParaRPr lang="en-US"/>
           </a:p>
@@ -3704,7 +3715,7 @@
     </p:spTree>
     <p:extLst>
       <p:ext uri="{BB962C8B-B14F-4D97-AF65-F5344CB8AC3E}">
-        <p14:creationId xmlns:p14="http://schemas.microsoft.com/office/powerpoint/2010/main" xmlns="" val="3537411605"/>
+        <p14:creationId xmlns:p14="http://schemas.microsoft.com/office/powerpoint/2010/main" val="3537411605"/>
       </p:ext>
     </p:extLst>
   </p:cSld>
@@ -3743,7 +3754,7 @@
           <a:blip r:embed="rId2" cstate="print">
             <a:extLst>
               <a:ext uri="{28A0092B-C50C-407E-A947-70E740481C1C}">
-                <a14:useLocalDpi xmlns:a14="http://schemas.microsoft.com/office/drawing/2010/main" xmlns="" val="0"/>
+                <a14:useLocalDpi xmlns:a14="http://schemas.microsoft.com/office/drawing/2010/main" val="0"/>
               </a:ext>
             </a:extLst>
           </a:blip>
@@ -3980,7 +3991,7 @@
           <a:p>
             <a:fld id="{FA657696-7E45-4708-817D-5F8C37E36AE4}" type="datetime1">
               <a:rPr lang="en-US" smtClean="0"/>
-              <a:t>5/6/2015</a:t>
+              <a:t>5/7/2015</a:t>
             </a:fld>
             <a:endParaRPr lang="en-US"/>
           </a:p>
@@ -4032,7 +4043,7 @@
     </p:spTree>
     <p:extLst>
       <p:ext uri="{BB962C8B-B14F-4D97-AF65-F5344CB8AC3E}">
-        <p14:creationId xmlns:p14="http://schemas.microsoft.com/office/powerpoint/2010/main" xmlns="" val="540178979"/>
+        <p14:creationId xmlns:p14="http://schemas.microsoft.com/office/powerpoint/2010/main" val="540178979"/>
       </p:ext>
     </p:extLst>
   </p:cSld>
@@ -4071,7 +4082,7 @@
           <a:blip r:embed="rId2" cstate="print">
             <a:extLst>
               <a:ext uri="{28A0092B-C50C-407E-A947-70E740481C1C}">
-                <a14:useLocalDpi xmlns:a14="http://schemas.microsoft.com/office/drawing/2010/main" xmlns="" val="0"/>
+                <a14:useLocalDpi xmlns:a14="http://schemas.microsoft.com/office/drawing/2010/main" val="0"/>
               </a:ext>
             </a:extLst>
           </a:blip>
@@ -4192,7 +4203,7 @@
           <a:p>
             <a:fld id="{F5604DB1-2327-4789-B975-326B2267DE8C}" type="datetime1">
               <a:rPr lang="en-US" smtClean="0"/>
-              <a:t>5/6/2015</a:t>
+              <a:t>5/7/2015</a:t>
             </a:fld>
             <a:endParaRPr lang="en-US"/>
           </a:p>
@@ -4244,7 +4255,7 @@
     </p:spTree>
     <p:extLst>
       <p:ext uri="{BB962C8B-B14F-4D97-AF65-F5344CB8AC3E}">
-        <p14:creationId xmlns:p14="http://schemas.microsoft.com/office/powerpoint/2010/main" xmlns="" val="1486967314"/>
+        <p14:creationId xmlns:p14="http://schemas.microsoft.com/office/powerpoint/2010/main" val="1486967314"/>
       </p:ext>
     </p:extLst>
   </p:cSld>
@@ -4283,7 +4294,7 @@
           <a:blip r:embed="rId2" cstate="print">
             <a:extLst>
               <a:ext uri="{28A0092B-C50C-407E-A947-70E740481C1C}">
-                <a14:useLocalDpi xmlns:a14="http://schemas.microsoft.com/office/drawing/2010/main" xmlns="" val="0"/>
+                <a14:useLocalDpi xmlns:a14="http://schemas.microsoft.com/office/drawing/2010/main" val="0"/>
               </a:ext>
             </a:extLst>
           </a:blip>
@@ -4409,7 +4420,7 @@
           <a:p>
             <a:fld id="{2B255F39-DA33-45B9-A7FA-4AE78BBA2755}" type="datetime1">
               <a:rPr lang="en-US" smtClean="0"/>
-              <a:t>5/6/2015</a:t>
+              <a:t>5/7/2015</a:t>
             </a:fld>
             <a:endParaRPr lang="en-US"/>
           </a:p>
@@ -4461,7 +4472,7 @@
     </p:spTree>
     <p:extLst>
       <p:ext uri="{BB962C8B-B14F-4D97-AF65-F5344CB8AC3E}">
-        <p14:creationId xmlns:p14="http://schemas.microsoft.com/office/powerpoint/2010/main" xmlns="" val="3038704967"/>
+        <p14:creationId xmlns:p14="http://schemas.microsoft.com/office/powerpoint/2010/main" val="3038704967"/>
       </p:ext>
     </p:extLst>
   </p:cSld>
@@ -4500,7 +4511,7 @@
           <a:blip r:embed="rId2" cstate="print">
             <a:extLst>
               <a:ext uri="{28A0092B-C50C-407E-A947-70E740481C1C}">
-                <a14:useLocalDpi xmlns:a14="http://schemas.microsoft.com/office/drawing/2010/main" xmlns="" val="0"/>
+                <a14:useLocalDpi xmlns:a14="http://schemas.microsoft.com/office/drawing/2010/main" val="0"/>
               </a:ext>
             </a:extLst>
           </a:blip>
@@ -4616,7 +4627,7 @@
           <a:p>
             <a:fld id="{83659A37-2279-4C64-AE4B-A1FC58CDC13E}" type="datetime1">
               <a:rPr lang="en-US" smtClean="0"/>
-              <a:t>5/6/2015</a:t>
+              <a:t>5/7/2015</a:t>
             </a:fld>
             <a:endParaRPr lang="en-US"/>
           </a:p>
@@ -4668,7 +4679,7 @@
     </p:spTree>
     <p:extLst>
       <p:ext uri="{BB962C8B-B14F-4D97-AF65-F5344CB8AC3E}">
-        <p14:creationId xmlns:p14="http://schemas.microsoft.com/office/powerpoint/2010/main" xmlns="" val="3322152156"/>
+        <p14:creationId xmlns:p14="http://schemas.microsoft.com/office/powerpoint/2010/main" val="3322152156"/>
       </p:ext>
     </p:extLst>
   </p:cSld>
@@ -4707,7 +4718,7 @@
           <a:blip r:embed="rId2" cstate="print">
             <a:extLst>
               <a:ext uri="{28A0092B-C50C-407E-A947-70E740481C1C}">
-                <a14:useLocalDpi xmlns:a14="http://schemas.microsoft.com/office/drawing/2010/main" xmlns="" val="0"/>
+                <a14:useLocalDpi xmlns:a14="http://schemas.microsoft.com/office/drawing/2010/main" val="0"/>
               </a:ext>
             </a:extLst>
           </a:blip>
@@ -4895,7 +4906,7 @@
           <a:p>
             <a:fld id="{C91E7870-DA44-43FD-AE11-5C087A9F7B47}" type="datetime1">
               <a:rPr lang="en-US" smtClean="0"/>
-              <a:t>5/6/2015</a:t>
+              <a:t>5/7/2015</a:t>
             </a:fld>
             <a:endParaRPr lang="en-US"/>
           </a:p>
@@ -4947,7 +4958,7 @@
     </p:spTree>
     <p:extLst>
       <p:ext uri="{BB962C8B-B14F-4D97-AF65-F5344CB8AC3E}">
-        <p14:creationId xmlns:p14="http://schemas.microsoft.com/office/powerpoint/2010/main" xmlns="" val="1695665423"/>
+        <p14:creationId xmlns:p14="http://schemas.microsoft.com/office/powerpoint/2010/main" val="1695665423"/>
       </p:ext>
     </p:extLst>
   </p:cSld>
@@ -4986,7 +4997,7 @@
           <a:blip r:embed="rId2" cstate="print">
             <a:extLst>
               <a:ext uri="{28A0092B-C50C-407E-A947-70E740481C1C}">
-                <a14:useLocalDpi xmlns:a14="http://schemas.microsoft.com/office/drawing/2010/main" xmlns="" val="0"/>
+                <a14:useLocalDpi xmlns:a14="http://schemas.microsoft.com/office/drawing/2010/main" val="0"/>
               </a:ext>
             </a:extLst>
           </a:blip>
@@ -5162,7 +5173,7 @@
           <a:p>
             <a:fld id="{BB8A1CAA-DFCC-4205-8408-16D138A70E53}" type="datetime1">
               <a:rPr lang="en-US" smtClean="0"/>
-              <a:t>5/6/2015</a:t>
+              <a:t>5/7/2015</a:t>
             </a:fld>
             <a:endParaRPr lang="en-US"/>
           </a:p>
@@ -5214,7 +5225,7 @@
     </p:spTree>
     <p:extLst>
       <p:ext uri="{BB962C8B-B14F-4D97-AF65-F5344CB8AC3E}">
-        <p14:creationId xmlns:p14="http://schemas.microsoft.com/office/powerpoint/2010/main" xmlns="" val="3339823809"/>
+        <p14:creationId xmlns:p14="http://schemas.microsoft.com/office/powerpoint/2010/main" val="3339823809"/>
       </p:ext>
     </p:extLst>
   </p:cSld>
@@ -5253,7 +5264,7 @@
           <a:blip r:embed="rId2" cstate="print">
             <a:extLst>
               <a:ext uri="{28A0092B-C50C-407E-A947-70E740481C1C}">
-                <a14:useLocalDpi xmlns:a14="http://schemas.microsoft.com/office/drawing/2010/main" xmlns="" val="0"/>
+                <a14:useLocalDpi xmlns:a14="http://schemas.microsoft.com/office/drawing/2010/main" val="0"/>
               </a:ext>
             </a:extLst>
           </a:blip>
@@ -5569,7 +5580,7 @@
           <a:p>
             <a:fld id="{8C4DBED5-22E6-4302-90AF-60005CA6AEB5}" type="datetime1">
               <a:rPr lang="en-US" smtClean="0"/>
-              <a:t>5/6/2015</a:t>
+              <a:t>5/7/2015</a:t>
             </a:fld>
             <a:endParaRPr lang="en-US"/>
           </a:p>
@@ -5621,7 +5632,7 @@
     </p:spTree>
     <p:extLst>
       <p:ext uri="{BB962C8B-B14F-4D97-AF65-F5344CB8AC3E}">
-        <p14:creationId xmlns:p14="http://schemas.microsoft.com/office/powerpoint/2010/main" xmlns="" val="1353256162"/>
+        <p14:creationId xmlns:p14="http://schemas.microsoft.com/office/powerpoint/2010/main" val="1353256162"/>
       </p:ext>
     </p:extLst>
   </p:cSld>
@@ -5660,7 +5671,7 @@
           <a:blip r:embed="rId2" cstate="print">
             <a:extLst>
               <a:ext uri="{28A0092B-C50C-407E-A947-70E740481C1C}">
-                <a14:useLocalDpi xmlns:a14="http://schemas.microsoft.com/office/drawing/2010/main" xmlns="" val="0"/>
+                <a14:useLocalDpi xmlns:a14="http://schemas.microsoft.com/office/drawing/2010/main" val="0"/>
               </a:ext>
             </a:extLst>
           </a:blip>
@@ -5729,7 +5740,7 @@
           <a:p>
             <a:fld id="{FBB86B4F-10E4-4391-BB83-DA0BD990F976}" type="datetime1">
               <a:rPr lang="en-US" smtClean="0"/>
-              <a:t>5/6/2015</a:t>
+              <a:t>5/7/2015</a:t>
             </a:fld>
             <a:endParaRPr lang="en-US"/>
           </a:p>
@@ -5781,7 +5792,7 @@
     </p:spTree>
     <p:extLst>
       <p:ext uri="{BB962C8B-B14F-4D97-AF65-F5344CB8AC3E}">
-        <p14:creationId xmlns:p14="http://schemas.microsoft.com/office/powerpoint/2010/main" xmlns="" val="1119464538"/>
+        <p14:creationId xmlns:p14="http://schemas.microsoft.com/office/powerpoint/2010/main" val="1119464538"/>
       </p:ext>
     </p:extLst>
   </p:cSld>
@@ -5820,7 +5831,7 @@
           <a:blip r:embed="rId2" cstate="print">
             <a:extLst>
               <a:ext uri="{28A0092B-C50C-407E-A947-70E740481C1C}">
-                <a14:useLocalDpi xmlns:a14="http://schemas.microsoft.com/office/drawing/2010/main" xmlns="" val="0"/>
+                <a14:useLocalDpi xmlns:a14="http://schemas.microsoft.com/office/drawing/2010/main" val="0"/>
               </a:ext>
             </a:extLst>
           </a:blip>
@@ -5855,7 +5866,7 @@
           <a:p>
             <a:fld id="{F56C5CBC-608F-452A-B00B-1BACC1FC838E}" type="datetime1">
               <a:rPr lang="en-US" smtClean="0"/>
-              <a:t>5/6/2015</a:t>
+              <a:t>5/7/2015</a:t>
             </a:fld>
             <a:endParaRPr lang="en-US"/>
           </a:p>
@@ -5907,7 +5918,7 @@
     </p:spTree>
     <p:extLst>
       <p:ext uri="{BB962C8B-B14F-4D97-AF65-F5344CB8AC3E}">
-        <p14:creationId xmlns:p14="http://schemas.microsoft.com/office/powerpoint/2010/main" xmlns="" val="4210291723"/>
+        <p14:creationId xmlns:p14="http://schemas.microsoft.com/office/powerpoint/2010/main" val="4210291723"/>
       </p:ext>
     </p:extLst>
   </p:cSld>
@@ -5946,7 +5957,7 @@
           <a:blip r:embed="rId2" cstate="print">
             <a:extLst>
               <a:ext uri="{28A0092B-C50C-407E-A947-70E740481C1C}">
-                <a14:useLocalDpi xmlns:a14="http://schemas.microsoft.com/office/drawing/2010/main" xmlns="" val="0"/>
+                <a14:useLocalDpi xmlns:a14="http://schemas.microsoft.com/office/drawing/2010/main" val="0"/>
               </a:ext>
             </a:extLst>
           </a:blip>
@@ -6141,7 +6152,7 @@
           <a:p>
             <a:fld id="{0B75A0B5-3153-4EBF-8042-A75B8E62D1BB}" type="datetime1">
               <a:rPr lang="en-US" smtClean="0"/>
-              <a:t>5/6/2015</a:t>
+              <a:t>5/7/2015</a:t>
             </a:fld>
             <a:endParaRPr lang="en-US"/>
           </a:p>
@@ -6193,7 +6204,7 @@
     </p:spTree>
     <p:extLst>
       <p:ext uri="{BB962C8B-B14F-4D97-AF65-F5344CB8AC3E}">
-        <p14:creationId xmlns:p14="http://schemas.microsoft.com/office/powerpoint/2010/main" xmlns="" val="3288378086"/>
+        <p14:creationId xmlns:p14="http://schemas.microsoft.com/office/powerpoint/2010/main" val="3288378086"/>
       </p:ext>
     </p:extLst>
   </p:cSld>
@@ -6232,7 +6243,7 @@
           <a:blip r:embed="rId2" cstate="print">
             <a:extLst>
               <a:ext uri="{28A0092B-C50C-407E-A947-70E740481C1C}">
-                <a14:useLocalDpi xmlns:a14="http://schemas.microsoft.com/office/drawing/2010/main" xmlns="" val="0"/>
+                <a14:useLocalDpi xmlns:a14="http://schemas.microsoft.com/office/drawing/2010/main" val="0"/>
               </a:ext>
             </a:extLst>
           </a:blip>
@@ -6348,7 +6359,7 @@
               <a:rPr lang="en-US" smtClean="0"/>
               <a:t>Click icon to add picture</a:t>
             </a:r>
-            <a:endParaRPr lang="en-US" dirty="0"/>
+            <a:endParaRPr lang="en-US"/>
           </a:p>
         </p:txBody>
       </p:sp>
@@ -6436,7 +6447,7 @@
           <a:p>
             <a:fld id="{3A0521D6-26FD-43B6-B774-D1E90F331C1D}" type="datetime1">
               <a:rPr lang="en-US" smtClean="0"/>
-              <a:t>5/6/2015</a:t>
+              <a:t>5/7/2015</a:t>
             </a:fld>
             <a:endParaRPr lang="en-US"/>
           </a:p>
@@ -6488,7 +6499,7 @@
     </p:spTree>
     <p:extLst>
       <p:ext uri="{BB962C8B-B14F-4D97-AF65-F5344CB8AC3E}">
-        <p14:creationId xmlns:p14="http://schemas.microsoft.com/office/powerpoint/2010/main" xmlns="" val="4198322766"/>
+        <p14:creationId xmlns:p14="http://schemas.microsoft.com/office/powerpoint/2010/main" val="4198322766"/>
       </p:ext>
     </p:extLst>
   </p:cSld>
@@ -6651,7 +6662,7 @@
           <a:p>
             <a:fld id="{A86A1B71-F98A-4DEB-BE3A-10D5FEE11B95}" type="datetime1">
               <a:rPr lang="en-US" smtClean="0"/>
-              <a:t>5/6/2015</a:t>
+              <a:t>5/7/2015</a:t>
             </a:fld>
             <a:endParaRPr lang="en-US"/>
           </a:p>
@@ -6739,7 +6750,7 @@
     </p:spTree>
     <p:extLst>
       <p:ext uri="{BB962C8B-B14F-4D97-AF65-F5344CB8AC3E}">
-        <p14:creationId xmlns:p14="http://schemas.microsoft.com/office/powerpoint/2010/main" xmlns="" val="1891676642"/>
+        <p14:creationId xmlns:p14="http://schemas.microsoft.com/office/powerpoint/2010/main" val="1891676642"/>
       </p:ext>
     </p:extLst>
   </p:cSld>
@@ -7189,10 +7200,10 @@
           <a:lstStyle/>
           <a:p>
             <a:r>
-              <a:rPr lang="en-US" sz="6000" dirty="0" smtClean="0"/>
+              <a:rPr lang="en-US" sz="6000" smtClean="0"/>
               <a:t>Final project</a:t>
             </a:r>
-            <a:endParaRPr lang="en-US" sz="6000" dirty="0"/>
+            <a:endParaRPr lang="en-US" sz="6000"/>
           </a:p>
         </p:txBody>
       </p:sp>
@@ -7226,36 +7237,32 @@
               </a:rPr>
               <a:t>Member:</a:t>
             </a:r>
-            <a:endParaRPr lang="en-US" sz="2000" b="1" dirty="0" smtClean="0">
-              <a:latin typeface="Arial" panose="020B0604020202020204" pitchFamily="34" charset="0"/>
-              <a:cs typeface="Arial" panose="020B0604020202020204" pitchFamily="34" charset="0"/>
-            </a:endParaRPr>
           </a:p>
           <a:p>
             <a:pPr lvl="1" algn="l"/>
             <a:r>
-              <a:rPr lang="en-US" sz="1800" dirty="0" err="1" smtClean="0">
+              <a:rPr lang="en-US" sz="1800" err="1" smtClean="0">
                 <a:latin typeface="Arial" panose="020B0604020202020204" pitchFamily="34" charset="0"/>
                 <a:cs typeface="Arial" panose="020B0604020202020204" pitchFamily="34" charset="0"/>
               </a:rPr>
               <a:t>Huỳnh</a:t>
             </a:r>
             <a:r>
-              <a:rPr lang="en-US" sz="1800" dirty="0" smtClean="0">
+              <a:rPr lang="en-US" sz="1800" smtClean="0">
                 <a:latin typeface="Arial" panose="020B0604020202020204" pitchFamily="34" charset="0"/>
                 <a:cs typeface="Arial" panose="020B0604020202020204" pitchFamily="34" charset="0"/>
               </a:rPr>
               <a:t> Minh </a:t>
             </a:r>
             <a:r>
-              <a:rPr lang="en-US" sz="1800" dirty="0" err="1" smtClean="0">
+              <a:rPr lang="en-US" sz="1800" err="1" smtClean="0">
                 <a:latin typeface="Arial" panose="020B0604020202020204" pitchFamily="34" charset="0"/>
                 <a:cs typeface="Arial" panose="020B0604020202020204" pitchFamily="34" charset="0"/>
               </a:rPr>
               <a:t>Trí</a:t>
             </a:r>
             <a:r>
-              <a:rPr lang="en-US" sz="1800" dirty="0" smtClean="0">
+              <a:rPr lang="en-US" sz="1800" smtClean="0">
                 <a:latin typeface="Arial" panose="020B0604020202020204" pitchFamily="34" charset="0"/>
                 <a:cs typeface="Arial" panose="020B0604020202020204" pitchFamily="34" charset="0"/>
               </a:rPr>
@@ -7265,56 +7272,56 @@
           <a:p>
             <a:pPr lvl="1" algn="l"/>
             <a:r>
-              <a:rPr lang="en-US" sz="1800" dirty="0" err="1" smtClean="0">
+              <a:rPr lang="en-US" sz="1800" err="1" smtClean="0">
                 <a:latin typeface="Arial" panose="020B0604020202020204" pitchFamily="34" charset="0"/>
                 <a:cs typeface="Arial" panose="020B0604020202020204" pitchFamily="34" charset="0"/>
               </a:rPr>
               <a:t>Võ</a:t>
             </a:r>
             <a:r>
-              <a:rPr lang="en-US" sz="1800" dirty="0" smtClean="0">
+              <a:rPr lang="en-US" sz="1800" smtClean="0">
                 <a:latin typeface="Arial" panose="020B0604020202020204" pitchFamily="34" charset="0"/>
                 <a:cs typeface="Arial" panose="020B0604020202020204" pitchFamily="34" charset="0"/>
               </a:rPr>
               <a:t> </a:t>
             </a:r>
             <a:r>
-              <a:rPr lang="en-US" sz="1800" dirty="0" err="1" smtClean="0">
+              <a:rPr lang="en-US" sz="1800" err="1" smtClean="0">
                 <a:latin typeface="Arial" panose="020B0604020202020204" pitchFamily="34" charset="0"/>
                 <a:cs typeface="Arial" panose="020B0604020202020204" pitchFamily="34" charset="0"/>
               </a:rPr>
               <a:t>Kỳ</a:t>
             </a:r>
             <a:r>
-              <a:rPr lang="en-US" sz="1800" dirty="0" smtClean="0">
+              <a:rPr lang="en-US" sz="1800" smtClean="0">
                 <a:latin typeface="Arial" panose="020B0604020202020204" pitchFamily="34" charset="0"/>
                 <a:cs typeface="Arial" panose="020B0604020202020204" pitchFamily="34" charset="0"/>
               </a:rPr>
               <a:t> </a:t>
             </a:r>
             <a:r>
-              <a:rPr lang="en-US" sz="1800" dirty="0" err="1" smtClean="0">
+              <a:rPr lang="en-US" sz="1800" err="1" smtClean="0">
                 <a:latin typeface="Arial" panose="020B0604020202020204" pitchFamily="34" charset="0"/>
                 <a:cs typeface="Arial" panose="020B0604020202020204" pitchFamily="34" charset="0"/>
               </a:rPr>
               <a:t>Quốc</a:t>
             </a:r>
             <a:r>
-              <a:rPr lang="en-US" sz="1800" dirty="0" smtClean="0">
+              <a:rPr lang="en-US" sz="1800" smtClean="0">
                 <a:latin typeface="Arial" panose="020B0604020202020204" pitchFamily="34" charset="0"/>
                 <a:cs typeface="Arial" panose="020B0604020202020204" pitchFamily="34" charset="0"/>
               </a:rPr>
               <a:t> </a:t>
             </a:r>
             <a:r>
-              <a:rPr lang="en-US" sz="1800" dirty="0" err="1" smtClean="0">
+              <a:rPr lang="en-US" sz="1800" err="1" smtClean="0">
                 <a:latin typeface="Arial" panose="020B0604020202020204" pitchFamily="34" charset="0"/>
                 <a:cs typeface="Arial" panose="020B0604020202020204" pitchFamily="34" charset="0"/>
               </a:rPr>
               <a:t>Anh</a:t>
             </a:r>
             <a:r>
-              <a:rPr lang="en-US" sz="1800" dirty="0" smtClean="0">
+              <a:rPr lang="en-US" sz="1800" smtClean="0">
                 <a:latin typeface="Arial" panose="020B0604020202020204" pitchFamily="34" charset="0"/>
                 <a:cs typeface="Arial" panose="020B0604020202020204" pitchFamily="34" charset="0"/>
               </a:rPr>
@@ -7324,42 +7331,42 @@
           <a:p>
             <a:pPr lvl="1" algn="l"/>
             <a:r>
-              <a:rPr lang="en-US" sz="1800" dirty="0" err="1" smtClean="0">
+              <a:rPr lang="en-US" sz="1800" err="1" smtClean="0">
                 <a:latin typeface="Arial" panose="020B0604020202020204" pitchFamily="34" charset="0"/>
                 <a:cs typeface="Arial" panose="020B0604020202020204" pitchFamily="34" charset="0"/>
               </a:rPr>
               <a:t>Đoàn</a:t>
             </a:r>
             <a:r>
-              <a:rPr lang="en-US" sz="1800" dirty="0" smtClean="0">
+              <a:rPr lang="en-US" sz="1800" smtClean="0">
                 <a:latin typeface="Arial" panose="020B0604020202020204" pitchFamily="34" charset="0"/>
                 <a:cs typeface="Arial" panose="020B0604020202020204" pitchFamily="34" charset="0"/>
               </a:rPr>
               <a:t> </a:t>
             </a:r>
             <a:r>
-              <a:rPr lang="en-US" sz="1800" dirty="0" err="1" smtClean="0">
+              <a:rPr lang="en-US" sz="1800" err="1" smtClean="0">
                 <a:latin typeface="Arial" panose="020B0604020202020204" pitchFamily="34" charset="0"/>
                 <a:cs typeface="Arial" panose="020B0604020202020204" pitchFamily="34" charset="0"/>
               </a:rPr>
               <a:t>Đình</a:t>
             </a:r>
             <a:r>
-              <a:rPr lang="en-US" sz="1800" dirty="0" smtClean="0">
+              <a:rPr lang="en-US" sz="1800" smtClean="0">
                 <a:latin typeface="Arial" panose="020B0604020202020204" pitchFamily="34" charset="0"/>
                 <a:cs typeface="Arial" panose="020B0604020202020204" pitchFamily="34" charset="0"/>
               </a:rPr>
               <a:t> </a:t>
             </a:r>
             <a:r>
-              <a:rPr lang="en-US" sz="1800" dirty="0" err="1" smtClean="0">
+              <a:rPr lang="en-US" sz="1800" err="1" smtClean="0">
                 <a:latin typeface="Arial" panose="020B0604020202020204" pitchFamily="34" charset="0"/>
                 <a:cs typeface="Arial" panose="020B0604020202020204" pitchFamily="34" charset="0"/>
               </a:rPr>
               <a:t>Phúc</a:t>
             </a:r>
             <a:r>
-              <a:rPr lang="en-US" sz="1800" dirty="0" smtClean="0">
+              <a:rPr lang="en-US" sz="1800" smtClean="0">
                 <a:latin typeface="Arial" panose="020B0604020202020204" pitchFamily="34" charset="0"/>
                 <a:cs typeface="Arial" panose="020B0604020202020204" pitchFamily="34" charset="0"/>
               </a:rPr>
@@ -7383,34 +7390,34 @@
               <a:t> </a:t>
             </a:r>
             <a:r>
-              <a:rPr lang="en-US" sz="1800" dirty="0" err="1">
+              <a:rPr lang="en-US" sz="1800" err="1">
                 <a:latin typeface="Arial" panose="020B0604020202020204" pitchFamily="34" charset="0"/>
                 <a:cs typeface="Arial" panose="020B0604020202020204" pitchFamily="34" charset="0"/>
               </a:rPr>
               <a:t>Trần</a:t>
             </a:r>
             <a:r>
-              <a:rPr lang="en-US" sz="1800" dirty="0">
+              <a:rPr lang="en-US" sz="1800">
                 <a:latin typeface="Arial" panose="020B0604020202020204" pitchFamily="34" charset="0"/>
                 <a:cs typeface="Arial" panose="020B0604020202020204" pitchFamily="34" charset="0"/>
               </a:rPr>
               <a:t> Minh </a:t>
             </a:r>
             <a:r>
-              <a:rPr lang="en-US" sz="1800" dirty="0" err="1">
+              <a:rPr lang="en-US" sz="1800" err="1">
                 <a:latin typeface="Arial" panose="020B0604020202020204" pitchFamily="34" charset="0"/>
                 <a:cs typeface="Arial" panose="020B0604020202020204" pitchFamily="34" charset="0"/>
               </a:rPr>
               <a:t>Thiện</a:t>
             </a:r>
-            <a:endParaRPr lang="en-US" sz="1800" dirty="0">
+            <a:endParaRPr lang="en-US" sz="1800">
               <a:latin typeface="Arial" panose="020B0604020202020204" pitchFamily="34" charset="0"/>
               <a:cs typeface="Arial" panose="020B0604020202020204" pitchFamily="34" charset="0"/>
             </a:endParaRPr>
           </a:p>
           <a:p>
             <a:pPr algn="l"/>
-            <a:endParaRPr lang="en-US" sz="1800" dirty="0">
+            <a:endParaRPr lang="en-US" sz="1800">
               <a:latin typeface="Arial" panose="020B0604020202020204" pitchFamily="34" charset="0"/>
               <a:cs typeface="Arial" panose="020B0604020202020204" pitchFamily="34" charset="0"/>
             </a:endParaRPr>
@@ -7440,10 +7447,10 @@
           <a:lstStyle/>
           <a:p>
             <a:r>
-              <a:rPr lang="en-US" dirty="0" smtClean="0"/>
+              <a:rPr lang="en-US" smtClean="0"/>
               <a:t>Project 1, 2</a:t>
             </a:r>
-            <a:endParaRPr lang="en-US" dirty="0"/>
+            <a:endParaRPr lang="en-US"/>
           </a:p>
         </p:txBody>
       </p:sp>
@@ -7466,6 +7473,103 @@
               <a:rPr lang="en-US" smtClean="0"/>
               <a:pPr/>
               <a:t>1</a:t>
+            </a:fld>
+            <a:endParaRPr lang="en-US"/>
+          </a:p>
+        </p:txBody>
+      </p:sp>
+    </p:spTree>
+  </p:cSld>
+  <p:clrMapOvr>
+    <a:masterClrMapping/>
+  </p:clrMapOvr>
+  <p:timing>
+    <p:tnLst>
+      <p:par>
+        <p:cTn id="1" dur="indefinite" restart="never" nodeType="tmRoot"/>
+      </p:par>
+    </p:tnLst>
+  </p:timing>
+</p:sld>
+</file>
+
+<file path=ppt/slides/slide10.xml><?xml version="1.0" encoding="utf-8"?>
+<p:sld xmlns:a="http://schemas.openxmlformats.org/drawingml/2006/main" xmlns:r="http://schemas.openxmlformats.org/officeDocument/2006/relationships" xmlns:p="http://schemas.openxmlformats.org/presentationml/2006/main">
+  <p:cSld>
+    <p:spTree>
+      <p:nvGrpSpPr>
+        <p:cNvPr id="1" name=""/>
+        <p:cNvGrpSpPr/>
+        <p:nvPr/>
+      </p:nvGrpSpPr>
+      <p:grpSpPr>
+        <a:xfrm>
+          <a:off x="0" y="0"/>
+          <a:ext cx="0" cy="0"/>
+          <a:chOff x="0" y="0"/>
+          <a:chExt cx="0" cy="0"/>
+        </a:xfrm>
+      </p:grpSpPr>
+      <p:sp>
+        <p:nvSpPr>
+          <p:cNvPr id="2" name="Title 1"/>
+          <p:cNvSpPr>
+            <a:spLocks noGrp="1"/>
+          </p:cNvSpPr>
+          <p:nvPr>
+            <p:ph type="ctrTitle"/>
+          </p:nvPr>
+        </p:nvSpPr>
+        <p:spPr>
+          <a:xfrm>
+            <a:off x="685800" y="2286000"/>
+            <a:ext cx="7772400" cy="2609850"/>
+          </a:xfrm>
+        </p:spPr>
+        <p:txBody>
+          <a:bodyPr>
+            <a:noAutofit/>
+          </a:bodyPr>
+          <a:lstStyle/>
+          <a:p>
+            <a:r>
+              <a:rPr lang="en-US" sz="8000">
+                <a:solidFill>
+                  <a:schemeClr val="tx2"/>
+                </a:solidFill>
+                <a:effectLst>
+                  <a:outerShdw blurRad="63500" dist="38100" dir="5400000" algn="t" rotWithShape="0">
+                    <a:prstClr val="black">
+                      <a:alpha val="25000"/>
+                    </a:prstClr>
+                  </a:outerShdw>
+                </a:effectLst>
+                <a:latin typeface="+mn-lt"/>
+              </a:rPr>
+              <a:t>Thank for your listening</a:t>
+            </a:r>
+          </a:p>
+        </p:txBody>
+      </p:sp>
+      <p:sp>
+        <p:nvSpPr>
+          <p:cNvPr id="3" name="Slide Number Placeholder 2"/>
+          <p:cNvSpPr>
+            <a:spLocks noGrp="1"/>
+          </p:cNvSpPr>
+          <p:nvPr>
+            <p:ph type="sldNum" sz="quarter" idx="12"/>
+          </p:nvPr>
+        </p:nvSpPr>
+        <p:spPr/>
+        <p:txBody>
+          <a:bodyPr/>
+          <a:lstStyle/>
+          <a:p>
+            <a:fld id="{B6F15528-21DE-4FAA-801E-634DDDAF4B2B}" type="slidenum">
+              <a:rPr lang="en-US" smtClean="0"/>
+              <a:pPr/>
+              <a:t>10</a:t>
             </a:fld>
             <a:endParaRPr lang="en-US"/>
           </a:p>
@@ -7548,10 +7652,69 @@
           </a:xfrm>
         </p:spPr>
         <p:txBody>
-          <a:bodyPr/>
-          <a:lstStyle/>
-          <a:p>
-            <a:endParaRPr lang="en-US"/>
+          <a:bodyPr>
+            <a:normAutofit/>
+          </a:bodyPr>
+          <a:lstStyle/>
+          <a:p>
+            <a:pPr algn="just"/>
+            <a:r>
+              <a:rPr lang="en-US" sz="2600" smtClean="0"/>
+              <a:t>Add/modify/disable </a:t>
+            </a:r>
+            <a:r>
+              <a:rPr lang="en-US" sz="2600"/>
+              <a:t>and remove </a:t>
+            </a:r>
+            <a:r>
+              <a:rPr lang="en-US" sz="2600" smtClean="0"/>
+              <a:t>account.</a:t>
+            </a:r>
+          </a:p>
+          <a:p>
+            <a:pPr algn="just"/>
+            <a:r>
+              <a:rPr lang="en-US" sz="2800"/>
+              <a:t>Search </a:t>
+            </a:r>
+            <a:r>
+              <a:rPr lang="en-US" sz="2800" smtClean="0"/>
+              <a:t>accounts.</a:t>
+            </a:r>
+          </a:p>
+          <a:p>
+            <a:pPr algn="just"/>
+            <a:r>
+              <a:rPr lang="en-US" sz="2600" smtClean="0"/>
+              <a:t>Change state account.</a:t>
+            </a:r>
+          </a:p>
+          <a:p>
+            <a:pPr algn="just"/>
+            <a:r>
+              <a:rPr lang="en-US" sz="2600" smtClean="0"/>
+              <a:t>Add/transfer/withdraw funds from account.</a:t>
+            </a:r>
+          </a:p>
+          <a:p>
+            <a:pPr algn="just"/>
+            <a:r>
+              <a:rPr lang="en-US" sz="2800" smtClean="0"/>
+              <a:t>View </a:t>
+            </a:r>
+            <a:r>
+              <a:rPr lang="en-US" sz="2800"/>
+              <a:t>account balance amount and transactions in a given </a:t>
+            </a:r>
+            <a:r>
+              <a:rPr lang="en-US" sz="2800" smtClean="0"/>
+              <a:t>period.</a:t>
+            </a:r>
+            <a:endParaRPr lang="en-US" sz="2600" smtClean="0"/>
+          </a:p>
+          <a:p>
+            <a:pPr algn="just"/>
+            <a:endParaRPr lang="en-US" sz="2600"/>
           </a:p>
         </p:txBody>
       </p:sp>
@@ -7589,6 +7752,13 @@
   <p:clrMapOvr>
     <a:masterClrMapping/>
   </p:clrMapOvr>
+  <p:timing>
+    <p:tnLst>
+      <p:par>
+        <p:cTn id="1" dur="indefinite" restart="never" nodeType="tmRoot"/>
+      </p:par>
+    </p:tnLst>
+  </p:timing>
 </p:sld>
 </file>
 
@@ -7619,7 +7789,12 @@
             <p:ph type="title"/>
           </p:nvPr>
         </p:nvSpPr>
-        <p:spPr/>
+        <p:spPr>
+          <a:xfrm>
+            <a:off x="381000" y="10236"/>
+            <a:ext cx="7772400" cy="1456267"/>
+          </a:xfrm>
+        </p:spPr>
         <p:txBody>
           <a:bodyPr/>
           <a:lstStyle/>
@@ -7632,39 +7807,6 @@
           </a:p>
         </p:txBody>
       </p:sp>
-      <p:pic>
-        <p:nvPicPr>
-          <p:cNvPr id="1030" name="Picture 6"/>
-          <p:cNvPicPr>
-            <a:picLocks noGrp="1" noChangeAspect="1" noChangeArrowheads="1"/>
-          </p:cNvPicPr>
-          <p:nvPr>
-            <p:ph idx="1"/>
-          </p:nvPr>
-        </p:nvPicPr>
-        <p:blipFill>
-          <a:blip r:embed="rId3" cstate="print"/>
-          <a:stretch>
-            <a:fillRect/>
-          </a:stretch>
-        </p:blipFill>
-        <p:spPr bwMode="auto">
-          <a:xfrm>
-            <a:off x="2164191" y="2065868"/>
-            <a:ext cx="4358417" cy="4563532"/>
-          </a:xfrm>
-          <a:prstGeom prst="rect">
-            <a:avLst/>
-          </a:prstGeom>
-          <a:noFill/>
-          <a:ln w="9525">
-            <a:noFill/>
-            <a:miter lim="800000"/>
-            <a:headEnd/>
-            <a:tailEnd/>
-          </a:ln>
-        </p:spPr>
-      </p:pic>
       <p:sp>
         <p:nvSpPr>
           <p:cNvPr id="4" name="Slide Number Placeholder 3"/>
@@ -7694,6 +7836,32 @@
           </a:p>
         </p:txBody>
       </p:sp>
+      <p:pic>
+        <p:nvPicPr>
+          <p:cNvPr id="5" name="Content Placeholder 4"/>
+          <p:cNvPicPr>
+            <a:picLocks noGrp="1" noChangeAspect="1"/>
+          </p:cNvPicPr>
+          <p:nvPr>
+            <p:ph idx="1"/>
+          </p:nvPr>
+        </p:nvPicPr>
+        <p:blipFill>
+          <a:blip r:embed="rId3"/>
+          <a:stretch>
+            <a:fillRect/>
+          </a:stretch>
+        </p:blipFill>
+        <p:spPr>
+          <a:xfrm>
+            <a:off x="1676400" y="1173718"/>
+            <a:ext cx="5564890" cy="5545767"/>
+          </a:xfrm>
+          <a:prstGeom prst="rect">
+            <a:avLst/>
+          </a:prstGeom>
+        </p:spPr>
+      </p:pic>
     </p:spTree>
   </p:cSld>
   <p:clrMapOvr>
@@ -7736,7 +7904,12 @@
             <p:ph type="title"/>
           </p:nvPr>
         </p:nvSpPr>
-        <p:spPr/>
+        <p:spPr>
+          <a:xfrm>
+            <a:off x="449239" y="0"/>
+            <a:ext cx="7772400" cy="1456267"/>
+          </a:xfrm>
+        </p:spPr>
         <p:txBody>
           <a:bodyPr/>
           <a:lstStyle/>
@@ -7749,33 +7922,6 @@
           </a:p>
         </p:txBody>
       </p:sp>
-      <p:pic>
-        <p:nvPicPr>
-          <p:cNvPr id="4" name="Picture 7" descr="C:\Users\cscadmin\Desktop\Final-p\Sources\final-project\document\mvc.png"/>
-          <p:cNvPicPr>
-            <a:picLocks noGrp="1" noChangeAspect="1" noChangeArrowheads="1"/>
-          </p:cNvPicPr>
-          <p:nvPr>
-            <p:ph idx="1"/>
-          </p:nvPr>
-        </p:nvPicPr>
-        <p:blipFill>
-          <a:blip r:embed="rId3" cstate="print"/>
-          <a:stretch>
-            <a:fillRect/>
-          </a:stretch>
-        </p:blipFill>
-        <p:spPr bwMode="auto">
-          <a:xfrm>
-            <a:off x="1443568" y="1752600"/>
-            <a:ext cx="5799664" cy="4953000"/>
-          </a:xfrm>
-          <a:prstGeom prst="rect">
-            <a:avLst/>
-          </a:prstGeom>
-          <a:noFill/>
-        </p:spPr>
-      </p:pic>
       <p:sp>
         <p:nvSpPr>
           <p:cNvPr id="5" name="Slide Number Placeholder 4"/>
@@ -7805,6 +7951,40 @@
           </a:p>
         </p:txBody>
       </p:sp>
+      <p:pic>
+        <p:nvPicPr>
+          <p:cNvPr id="9" name="Content Placeholder 8"/>
+          <p:cNvPicPr>
+            <a:picLocks noGrp="1"/>
+          </p:cNvPicPr>
+          <p:nvPr>
+            <p:ph idx="1"/>
+          </p:nvPr>
+        </p:nvPicPr>
+        <p:blipFill>
+          <a:blip r:embed="rId3" cstate="print"/>
+          <a:srcRect/>
+          <a:stretch>
+            <a:fillRect/>
+          </a:stretch>
+        </p:blipFill>
+        <p:spPr bwMode="auto">
+          <a:xfrm>
+            <a:off x="914400" y="1219200"/>
+            <a:ext cx="7307239" cy="5407025"/>
+          </a:xfrm>
+          <a:prstGeom prst="rect">
+            <a:avLst/>
+          </a:prstGeom>
+          <a:noFill/>
+          <a:ln w="9525">
+            <a:noFill/>
+            <a:miter lim="800000"/>
+            <a:headEnd/>
+            <a:tailEnd/>
+          </a:ln>
+        </p:spPr>
+      </p:pic>
     </p:spTree>
   </p:cSld>
   <p:clrMapOvr>
@@ -7858,10 +8038,10 @@
           <a:lstStyle/>
           <a:p>
             <a:r>
-              <a:rPr lang="en-US" dirty="0" smtClean="0"/>
+              <a:rPr lang="en-US" smtClean="0"/>
               <a:t>Use case</a:t>
             </a:r>
-            <a:endParaRPr lang="en-US" dirty="0"/>
+            <a:endParaRPr lang="en-US"/>
           </a:p>
         </p:txBody>
       </p:sp>
@@ -7970,10 +8150,10 @@
           <a:lstStyle/>
           <a:p>
             <a:r>
-              <a:rPr lang="en-US" dirty="0" smtClean="0"/>
+              <a:rPr lang="en-US" smtClean="0"/>
               <a:t>Entity class diagram</a:t>
             </a:r>
-            <a:endParaRPr lang="en-US" dirty="0"/>
+            <a:endParaRPr lang="en-US"/>
           </a:p>
         </p:txBody>
       </p:sp>
@@ -8071,7 +8251,12 @@
             <p:ph type="title"/>
           </p:nvPr>
         </p:nvSpPr>
-        <p:spPr/>
+        <p:spPr>
+          <a:xfrm>
+            <a:off x="457200" y="152400"/>
+            <a:ext cx="7772400" cy="1456267"/>
+          </a:xfrm>
+        </p:spPr>
         <p:txBody>
           <a:bodyPr/>
           <a:lstStyle/>
@@ -8102,8 +8287,8 @@
         </p:blipFill>
         <p:spPr>
           <a:xfrm>
-            <a:off x="1295400" y="1706459"/>
-            <a:ext cx="6742471" cy="4999141"/>
+            <a:off x="914400" y="1368425"/>
+            <a:ext cx="7194104" cy="5334000"/>
           </a:xfrm>
         </p:spPr>
       </p:pic>
@@ -8189,10 +8374,10 @@
           <a:lstStyle/>
           <a:p>
             <a:r>
-              <a:rPr lang="en-US" dirty="0" smtClean="0"/>
+              <a:rPr lang="en-US" smtClean="0"/>
               <a:t>Task assignment</a:t>
             </a:r>
-            <a:endParaRPr lang="en-US" dirty="0"/>
+            <a:endParaRPr lang="en-US"/>
           </a:p>
         </p:txBody>
       </p:sp>
@@ -8206,7 +8391,7 @@
             <p:ph idx="1"/>
             <p:extLst>
               <p:ext uri="{D42A27DB-BD31-4B8C-83A1-F6EECF244321}">
-                <p14:modId xmlns:p14="http://schemas.microsoft.com/office/powerpoint/2010/main" xmlns="" val="3585406929"/>
+                <p14:modId xmlns:p14="http://schemas.microsoft.com/office/powerpoint/2010/main" val="3585406929"/>
               </p:ext>
             </p:extLst>
           </p:nvPr>
@@ -8233,10 +8418,10 @@
                     <a:p>
                       <a:pPr algn="ctr"/>
                       <a:r>
-                        <a:rPr lang="en-US" dirty="0" smtClean="0"/>
+                        <a:rPr lang="en-US" smtClean="0"/>
                         <a:t>Member</a:t>
                       </a:r>
-                      <a:endParaRPr lang="en-US" dirty="0"/>
+                      <a:endParaRPr lang="en-US"/>
                     </a:p>
                   </a:txBody>
                   <a:tcPr marL="86360" marR="86360"/>
@@ -8248,10 +8433,10 @@
                     <a:p>
                       <a:pPr algn="ctr"/>
                       <a:r>
-                        <a:rPr lang="en-US" dirty="0" smtClean="0"/>
+                        <a:rPr lang="en-US" smtClean="0"/>
                         <a:t>Task</a:t>
                       </a:r>
-                      <a:endParaRPr lang="en-US" dirty="0"/>
+                      <a:endParaRPr lang="en-US"/>
                     </a:p>
                   </a:txBody>
                   <a:tcPr marL="86360" marR="86360"/>
@@ -8264,18 +8449,18 @@
                     <a:lstStyle/>
                     <a:p>
                       <a:r>
-                        <a:rPr lang="en-US" dirty="0" err="1" smtClean="0"/>
+                        <a:rPr lang="en-US" err="1" smtClean="0"/>
                         <a:t>Huỳnh</a:t>
                       </a:r>
                       <a:r>
-                        <a:rPr lang="en-US" baseline="0" dirty="0" smtClean="0"/>
+                        <a:rPr lang="en-US" baseline="0" smtClean="0"/>
                         <a:t> Minh </a:t>
                       </a:r>
                       <a:r>
-                        <a:rPr lang="en-US" baseline="0" dirty="0" err="1" smtClean="0"/>
+                        <a:rPr lang="en-US" baseline="0" err="1" smtClean="0"/>
                         <a:t>Trí</a:t>
                       </a:r>
-                      <a:endParaRPr lang="en-US" dirty="0"/>
+                      <a:endParaRPr lang="en-US"/>
                     </a:p>
                   </a:txBody>
                   <a:tcPr marL="86360" marR="86360"/>
@@ -8287,38 +8472,38 @@
                     <a:p>
                       <a:pPr algn="just"/>
                       <a:r>
-                        <a:rPr lang="en-US" sz="2000" dirty="0" err="1" smtClean="0"/>
+                        <a:rPr lang="en-US" sz="2000" err="1" smtClean="0"/>
                         <a:t>Addfund</a:t>
                       </a:r>
                       <a:r>
-                        <a:rPr lang="en-US" sz="2000" dirty="0" smtClean="0"/>
+                        <a:rPr lang="en-US" sz="2000" smtClean="0"/>
                         <a:t>, withdraw,</a:t>
                       </a:r>
                       <a:r>
-                        <a:rPr lang="en-US" sz="2000" baseline="0" dirty="0" smtClean="0"/>
+                        <a:rPr lang="en-US" sz="2000" baseline="0" smtClean="0"/>
                         <a:t> transfer by support, transfer by user, transfer in </a:t>
                       </a:r>
                       <a:r>
-                        <a:rPr lang="en-US" sz="2000" baseline="0" dirty="0" err="1" smtClean="0"/>
+                        <a:rPr lang="en-US" sz="2000" baseline="0" err="1" smtClean="0"/>
                         <a:t>targetAccount</a:t>
                       </a:r>
                       <a:r>
-                        <a:rPr lang="en-US" sz="2000" baseline="0" dirty="0" smtClean="0"/>
+                        <a:rPr lang="en-US" sz="2000" baseline="0" smtClean="0"/>
                         <a:t> by user, verify transaction, add modify and delete </a:t>
                       </a:r>
                       <a:r>
-                        <a:rPr lang="en-US" sz="2000" baseline="0" dirty="0" err="1" smtClean="0"/>
+                        <a:rPr lang="en-US" sz="2000" baseline="0" err="1" smtClean="0"/>
                         <a:t>targetAccount</a:t>
                       </a:r>
                       <a:r>
-                        <a:rPr lang="en-US" sz="2000" baseline="0" dirty="0" smtClean="0"/>
+                        <a:rPr lang="en-US" sz="2000" baseline="0" smtClean="0"/>
                         <a:t>, home all user, spring security, login 3 times</a:t>
                       </a:r>
                       <a:r>
-                        <a:rPr lang="en-US" sz="1600" baseline="0" dirty="0" smtClean="0"/>
+                        <a:rPr lang="en-US" sz="1600" baseline="0" smtClean="0"/>
                         <a:t>.</a:t>
                       </a:r>
-                      <a:endParaRPr lang="en-US" sz="1600" dirty="0"/>
+                      <a:endParaRPr lang="en-US" sz="1600"/>
                     </a:p>
                   </a:txBody>
                   <a:tcPr marL="86360" marR="86360"/>
@@ -8350,7 +8535,7 @@
                     <a:p>
                       <a:pPr algn="just"/>
                       <a:r>
-                        <a:rPr lang="en-US" sz="2000" kern="1200" dirty="0" smtClean="0">
+                        <a:rPr lang="en-US" sz="2000" kern="1200" smtClean="0">
                           <a:solidFill>
                             <a:schemeClr val="dk1"/>
                           </a:solidFill>
@@ -8361,7 +8546,7 @@
                         <a:t>Add account, modify account, change state Active </a:t>
                       </a:r>
                       <a:r>
-                        <a:rPr lang="en-US" sz="2000" kern="1200" dirty="0" smtClean="0">
+                        <a:rPr lang="en-US" sz="2000" kern="1200" smtClean="0">
                           <a:solidFill>
                             <a:schemeClr val="dk1"/>
                           </a:solidFill>
@@ -8373,7 +8558,7 @@
                         <a:t></a:t>
                       </a:r>
                       <a:r>
-                        <a:rPr lang="en-US" sz="2000" kern="1200" dirty="0" smtClean="0">
+                        <a:rPr lang="en-US" sz="2000" kern="1200" smtClean="0">
                           <a:solidFill>
                             <a:schemeClr val="dk1"/>
                           </a:solidFill>
@@ -8384,7 +8569,7 @@
                         <a:t> Disable, Disable </a:t>
                       </a:r>
                       <a:r>
-                        <a:rPr lang="en-US" sz="2000" kern="1200" dirty="0" smtClean="0">
+                        <a:rPr lang="en-US" sz="2000" kern="1200" smtClean="0">
                           <a:solidFill>
                             <a:schemeClr val="dk1"/>
                           </a:solidFill>
@@ -8396,7 +8581,7 @@
                         <a:t></a:t>
                       </a:r>
                       <a:r>
-                        <a:rPr lang="en-US" sz="2000" kern="1200" dirty="0" smtClean="0">
+                        <a:rPr lang="en-US" sz="2000" kern="1200" smtClean="0">
                           <a:solidFill>
                             <a:schemeClr val="dk1"/>
                           </a:solidFill>
@@ -8407,7 +8592,7 @@
                         <a:t> Active, </a:t>
                       </a:r>
                       <a:r>
-                        <a:rPr lang="en-US" sz="2000" kern="1200" dirty="0" err="1" smtClean="0">
+                        <a:rPr lang="en-US" sz="2000" kern="1200" err="1" smtClean="0">
                           <a:solidFill>
                             <a:schemeClr val="dk1"/>
                           </a:solidFill>
@@ -8418,7 +8603,7 @@
                         <a:t>Removeable</a:t>
                       </a:r>
                       <a:r>
-                        <a:rPr lang="en-US" sz="2000" kern="1200" dirty="0" smtClean="0">
+                        <a:rPr lang="en-US" sz="2000" kern="1200" smtClean="0">
                           <a:solidFill>
                             <a:schemeClr val="dk1"/>
                           </a:solidFill>
@@ -8429,7 +8614,7 @@
                         <a:t> </a:t>
                       </a:r>
                       <a:r>
-                        <a:rPr lang="en-US" sz="2000" kern="1200" dirty="0" smtClean="0">
+                        <a:rPr lang="en-US" sz="2000" kern="1200" smtClean="0">
                           <a:solidFill>
                             <a:schemeClr val="dk1"/>
                           </a:solidFill>
@@ -8441,7 +8626,7 @@
                         <a:t></a:t>
                       </a:r>
                       <a:r>
-                        <a:rPr lang="en-US" sz="2000" kern="1200" dirty="0" smtClean="0">
+                        <a:rPr lang="en-US" sz="2000" kern="1200" smtClean="0">
                           <a:solidFill>
                             <a:schemeClr val="dk1"/>
                           </a:solidFill>
@@ -8451,7 +8636,7 @@
                         </a:rPr>
                         <a:t> Removed, verify  account.</a:t>
                       </a:r>
-                      <a:endParaRPr lang="en-US" sz="2000" kern="1200" dirty="0">
+                      <a:endParaRPr lang="en-US" sz="2000" kern="1200">
                         <a:solidFill>
                           <a:schemeClr val="dk1"/>
                         </a:solidFill>
@@ -8490,7 +8675,7 @@
                     <a:p>
                       <a:pPr algn="just"/>
                       <a:r>
-                        <a:rPr lang="en-US" sz="2000" kern="1200" dirty="0" smtClean="0">
+                        <a:rPr lang="en-US" sz="2000" kern="1200" smtClean="0">
                           <a:solidFill>
                             <a:schemeClr val="dk1"/>
                           </a:solidFill>
@@ -8500,7 +8685,7 @@
                         </a:rPr>
                         <a:t>View and edit personal information, change user password, view transaction and balance history for customer and supporter, search account (by account number, by Card Id, account type, account state, etc..), auto updating balance amount to balance history.</a:t>
                       </a:r>
-                      <a:endParaRPr lang="en-US" sz="2000" kern="1200" dirty="0">
+                      <a:endParaRPr lang="en-US" sz="2000" kern="1200">
                         <a:solidFill>
                           <a:schemeClr val="dk1"/>
                         </a:solidFill>
@@ -8580,48 +8765,46 @@
       </p:grpSpPr>
       <p:sp>
         <p:nvSpPr>
-          <p:cNvPr id="2" name="Title 1"/>
-          <p:cNvSpPr>
-            <a:spLocks noGrp="1"/>
-          </p:cNvSpPr>
-          <p:nvPr>
-            <p:ph type="ctrTitle"/>
-          </p:nvPr>
-        </p:nvSpPr>
-        <p:spPr>
-          <a:xfrm>
-            <a:off x="685800" y="2286000"/>
-            <a:ext cx="7772400" cy="2609850"/>
+          <p:cNvPr id="3" name="Content Placeholder 2"/>
+          <p:cNvSpPr>
+            <a:spLocks noGrp="1"/>
+          </p:cNvSpPr>
+          <p:nvPr>
+            <p:ph idx="1"/>
+          </p:nvPr>
+        </p:nvSpPr>
+        <p:spPr>
+          <a:xfrm>
+            <a:off x="268915" y="838200"/>
+            <a:ext cx="7772400" cy="3649133"/>
           </a:xfrm>
         </p:spPr>
         <p:txBody>
           <a:bodyPr>
-            <a:noAutofit/>
+            <a:normAutofit/>
           </a:bodyPr>
           <a:lstStyle/>
           <a:p>
-            <a:r>
-              <a:rPr lang="en-US" sz="8000" dirty="0">
-                <a:solidFill>
-                  <a:schemeClr val="tx2"/>
-                </a:solidFill>
-                <a:effectLst>
-                  <a:outerShdw blurRad="63500" dist="38100" dir="5400000" algn="t" rotWithShape="0">
-                    <a:prstClr val="black">
-                      <a:alpha val="25000"/>
-                    </a:prstClr>
-                  </a:outerShdw>
-                </a:effectLst>
-                <a:latin typeface="+mn-lt"/>
+            <a:pPr marL="0" indent="0" algn="ctr">
+              <a:buNone/>
+            </a:pPr>
+            <a:r>
+              <a:rPr lang="en-US" sz="7200" smtClean="0">
+                <a:latin typeface="Arial" panose="020B0604020202020204" pitchFamily="34" charset="0"/>
+                <a:cs typeface="Arial" panose="020B0604020202020204" pitchFamily="34" charset="0"/>
               </a:rPr>
-              <a:t>Thank for your listening</a:t>
-            </a:r>
-          </a:p>
-        </p:txBody>
-      </p:sp>
-      <p:sp>
-        <p:nvSpPr>
-          <p:cNvPr id="3" name="Slide Number Placeholder 2"/>
+              <a:t>DEMO</a:t>
+            </a:r>
+            <a:endParaRPr lang="en-US" sz="7200">
+              <a:latin typeface="Arial" panose="020B0604020202020204" pitchFamily="34" charset="0"/>
+              <a:cs typeface="Arial" panose="020B0604020202020204" pitchFamily="34" charset="0"/>
+            </a:endParaRPr>
+          </a:p>
+        </p:txBody>
+      </p:sp>
+      <p:sp>
+        <p:nvSpPr>
+          <p:cNvPr id="4" name="Slide Number Placeholder 3"/>
           <p:cNvSpPr>
             <a:spLocks noGrp="1"/>
           </p:cNvSpPr>
@@ -8644,17 +8827,15 @@
         </p:txBody>
       </p:sp>
     </p:spTree>
+    <p:extLst>
+      <p:ext uri="{BB962C8B-B14F-4D97-AF65-F5344CB8AC3E}">
+        <p14:creationId xmlns:p14="http://schemas.microsoft.com/office/powerpoint/2010/main" val="2844377951"/>
+      </p:ext>
+    </p:extLst>
   </p:cSld>
   <p:clrMapOvr>
     <a:masterClrMapping/>
   </p:clrMapOvr>
-  <p:timing>
-    <p:tnLst>
-      <p:par>
-        <p:cTn id="1" dur="indefinite" restart="never" nodeType="tmRoot"/>
-      </p:par>
-    </p:tnLst>
-  </p:timing>
 </p:sld>
 </file>
 
@@ -8901,7 +9082,7 @@
   <a:extraClrSchemeLst/>
   <a:extLst>
     <a:ext uri="{05A4C25C-085E-4340-85A3-A5531E510DB2}">
-      <thm15:themeFamily xmlns:thm15="http://schemas.microsoft.com/office/thememl/2012/main" xmlns="" name="Celestial" id="{C4BB2A3D-0E93-4C5F-B0D2-9D3FCE089CC5}" vid="{E44E6A2F-09CD-4BE0-B42D-107FF03CEED6}"/>
+      <thm15:themeFamily xmlns:thm15="http://schemas.microsoft.com/office/thememl/2012/main" name="Celestial" id="{C4BB2A3D-0E93-4C5F-B0D2-9D3FCE089CC5}" vid="{E44E6A2F-09CD-4BE0-B42D-107FF03CEED6}"/>
     </a:ext>
   </a:extLst>
 </a:theme>
